--- a/Requirements-Engineering/RE-L13_Tool-Support.pptx
+++ b/Requirements-Engineering/RE-L13_Tool-Support.pptx
@@ -118,7 +118,10 @@
             <a:pPr indent="0" algn="ctr">
               <a:buNone/>
             </a:pPr>
-            <a:endParaRPr b="0" lang="en-GB" sz="4400" spc="-1" strike="noStrike">
+            <a:endParaRPr b="0" lang="en-US" sz="4400" spc="-1" strike="noStrike">
+              <a:solidFill>
+                <a:srgbClr val="000000"/>
+              </a:solidFill>
               <a:latin typeface="Arial"/>
             </a:endParaRPr>
           </a:p>
@@ -158,7 +161,10 @@
               </a:spcBef>
               <a:buNone/>
             </a:pPr>
-            <a:endParaRPr b="0" lang="en-GB" sz="3200" spc="-1" strike="noStrike">
+            <a:endParaRPr b="0" lang="en-US" sz="3200" spc="-1" strike="noStrike">
+              <a:solidFill>
+                <a:srgbClr val="000000"/>
+              </a:solidFill>
               <a:latin typeface="Arial"/>
             </a:endParaRPr>
           </a:p>
@@ -198,7 +204,10 @@
               </a:spcBef>
               <a:buNone/>
             </a:pPr>
-            <a:endParaRPr b="0" lang="en-GB" sz="3200" spc="-1" strike="noStrike">
+            <a:endParaRPr b="0" lang="en-US" sz="3200" spc="-1" strike="noStrike">
+              <a:solidFill>
+                <a:srgbClr val="000000"/>
+              </a:solidFill>
               <a:latin typeface="Arial"/>
             </a:endParaRPr>
           </a:p>
@@ -257,7 +266,10 @@
             <a:pPr indent="0" algn="ctr">
               <a:buNone/>
             </a:pPr>
-            <a:endParaRPr b="0" lang="en-GB" sz="4400" spc="-1" strike="noStrike">
+            <a:endParaRPr b="0" lang="en-US" sz="4400" spc="-1" strike="noStrike">
+              <a:solidFill>
+                <a:srgbClr val="000000"/>
+              </a:solidFill>
               <a:latin typeface="Arial"/>
             </a:endParaRPr>
           </a:p>
@@ -297,7 +309,10 @@
               </a:spcBef>
               <a:buNone/>
             </a:pPr>
-            <a:endParaRPr b="0" lang="en-GB" sz="3200" spc="-1" strike="noStrike">
+            <a:endParaRPr b="0" lang="en-US" sz="3200" spc="-1" strike="noStrike">
+              <a:solidFill>
+                <a:srgbClr val="000000"/>
+              </a:solidFill>
               <a:latin typeface="Arial"/>
             </a:endParaRPr>
           </a:p>
@@ -337,7 +352,10 @@
               </a:spcBef>
               <a:buNone/>
             </a:pPr>
-            <a:endParaRPr b="0" lang="en-GB" sz="3200" spc="-1" strike="noStrike">
+            <a:endParaRPr b="0" lang="en-US" sz="3200" spc="-1" strike="noStrike">
+              <a:solidFill>
+                <a:srgbClr val="000000"/>
+              </a:solidFill>
               <a:latin typeface="Arial"/>
             </a:endParaRPr>
           </a:p>
@@ -377,7 +395,10 @@
               </a:spcBef>
               <a:buNone/>
             </a:pPr>
-            <a:endParaRPr b="0" lang="en-GB" sz="3200" spc="-1" strike="noStrike">
+            <a:endParaRPr b="0" lang="en-US" sz="3200" spc="-1" strike="noStrike">
+              <a:solidFill>
+                <a:srgbClr val="000000"/>
+              </a:solidFill>
               <a:latin typeface="Arial"/>
             </a:endParaRPr>
           </a:p>
@@ -417,7 +438,10 @@
               </a:spcBef>
               <a:buNone/>
             </a:pPr>
-            <a:endParaRPr b="0" lang="en-GB" sz="3200" spc="-1" strike="noStrike">
+            <a:endParaRPr b="0" lang="en-US" sz="3200" spc="-1" strike="noStrike">
+              <a:solidFill>
+                <a:srgbClr val="000000"/>
+              </a:solidFill>
               <a:latin typeface="Arial"/>
             </a:endParaRPr>
           </a:p>
@@ -476,7 +500,10 @@
             <a:pPr indent="0" algn="ctr">
               <a:buNone/>
             </a:pPr>
-            <a:endParaRPr b="0" lang="en-GB" sz="4400" spc="-1" strike="noStrike">
+            <a:endParaRPr b="0" lang="en-US" sz="4400" spc="-1" strike="noStrike">
+              <a:solidFill>
+                <a:srgbClr val="000000"/>
+              </a:solidFill>
               <a:latin typeface="Arial"/>
             </a:endParaRPr>
           </a:p>
@@ -516,7 +543,10 @@
               </a:spcBef>
               <a:buNone/>
             </a:pPr>
-            <a:endParaRPr b="0" lang="en-GB" sz="3200" spc="-1" strike="noStrike">
+            <a:endParaRPr b="0" lang="en-US" sz="3200" spc="-1" strike="noStrike">
+              <a:solidFill>
+                <a:srgbClr val="000000"/>
+              </a:solidFill>
               <a:latin typeface="Arial"/>
             </a:endParaRPr>
           </a:p>
@@ -556,7 +586,10 @@
               </a:spcBef>
               <a:buNone/>
             </a:pPr>
-            <a:endParaRPr b="0" lang="en-GB" sz="3200" spc="-1" strike="noStrike">
+            <a:endParaRPr b="0" lang="en-US" sz="3200" spc="-1" strike="noStrike">
+              <a:solidFill>
+                <a:srgbClr val="000000"/>
+              </a:solidFill>
               <a:latin typeface="Arial"/>
             </a:endParaRPr>
           </a:p>
@@ -596,7 +629,10 @@
               </a:spcBef>
               <a:buNone/>
             </a:pPr>
-            <a:endParaRPr b="0" lang="en-GB" sz="3200" spc="-1" strike="noStrike">
+            <a:endParaRPr b="0" lang="en-US" sz="3200" spc="-1" strike="noStrike">
+              <a:solidFill>
+                <a:srgbClr val="000000"/>
+              </a:solidFill>
               <a:latin typeface="Arial"/>
             </a:endParaRPr>
           </a:p>
@@ -636,7 +672,10 @@
               </a:spcBef>
               <a:buNone/>
             </a:pPr>
-            <a:endParaRPr b="0" lang="en-GB" sz="3200" spc="-1" strike="noStrike">
+            <a:endParaRPr b="0" lang="en-US" sz="3200" spc="-1" strike="noStrike">
+              <a:solidFill>
+                <a:srgbClr val="000000"/>
+              </a:solidFill>
               <a:latin typeface="Arial"/>
             </a:endParaRPr>
           </a:p>
@@ -676,7 +715,10 @@
               </a:spcBef>
               <a:buNone/>
             </a:pPr>
-            <a:endParaRPr b="0" lang="en-GB" sz="3200" spc="-1" strike="noStrike">
+            <a:endParaRPr b="0" lang="en-US" sz="3200" spc="-1" strike="noStrike">
+              <a:solidFill>
+                <a:srgbClr val="000000"/>
+              </a:solidFill>
               <a:latin typeface="Arial"/>
             </a:endParaRPr>
           </a:p>
@@ -716,7 +758,10 @@
               </a:spcBef>
               <a:buNone/>
             </a:pPr>
-            <a:endParaRPr b="0" lang="en-GB" sz="3200" spc="-1" strike="noStrike">
+            <a:endParaRPr b="0" lang="en-US" sz="3200" spc="-1" strike="noStrike">
+              <a:solidFill>
+                <a:srgbClr val="000000"/>
+              </a:solidFill>
               <a:latin typeface="Arial"/>
             </a:endParaRPr>
           </a:p>
@@ -797,7 +842,10 @@
             <a:pPr indent="0" algn="ctr">
               <a:buNone/>
             </a:pPr>
-            <a:endParaRPr b="0" lang="en-GB" sz="4400" spc="-1" strike="noStrike">
+            <a:endParaRPr b="0" lang="en-US" sz="4400" spc="-1" strike="noStrike">
+              <a:solidFill>
+                <a:srgbClr val="000000"/>
+              </a:solidFill>
               <a:latin typeface="Arial"/>
             </a:endParaRPr>
           </a:p>
@@ -834,7 +882,10 @@
             <a:pPr indent="0" algn="ctr">
               <a:buNone/>
             </a:pPr>
-            <a:endParaRPr b="0" lang="en-GB" sz="3200" spc="-1" strike="noStrike">
+            <a:endParaRPr b="0" lang="en-US" sz="3200" spc="-1" strike="noStrike">
+              <a:solidFill>
+                <a:srgbClr val="000000"/>
+              </a:solidFill>
               <a:latin typeface="Arial"/>
             </a:endParaRPr>
           </a:p>
@@ -893,7 +944,10 @@
             <a:pPr indent="0" algn="ctr">
               <a:buNone/>
             </a:pPr>
-            <a:endParaRPr b="0" lang="en-GB" sz="4400" spc="-1" strike="noStrike">
+            <a:endParaRPr b="0" lang="en-US" sz="4400" spc="-1" strike="noStrike">
+              <a:solidFill>
+                <a:srgbClr val="000000"/>
+              </a:solidFill>
               <a:latin typeface="Arial"/>
             </a:endParaRPr>
           </a:p>
@@ -933,7 +987,10 @@
               </a:spcBef>
               <a:buNone/>
             </a:pPr>
-            <a:endParaRPr b="0" lang="en-GB" sz="3200" spc="-1" strike="noStrike">
+            <a:endParaRPr b="0" lang="en-US" sz="3200" spc="-1" strike="noStrike">
+              <a:solidFill>
+                <a:srgbClr val="000000"/>
+              </a:solidFill>
               <a:latin typeface="Arial"/>
             </a:endParaRPr>
           </a:p>
@@ -992,7 +1049,10 @@
             <a:pPr indent="0" algn="ctr">
               <a:buNone/>
             </a:pPr>
-            <a:endParaRPr b="0" lang="en-GB" sz="4400" spc="-1" strike="noStrike">
+            <a:endParaRPr b="0" lang="en-US" sz="4400" spc="-1" strike="noStrike">
+              <a:solidFill>
+                <a:srgbClr val="000000"/>
+              </a:solidFill>
               <a:latin typeface="Arial"/>
             </a:endParaRPr>
           </a:p>
@@ -1032,7 +1092,10 @@
               </a:spcBef>
               <a:buNone/>
             </a:pPr>
-            <a:endParaRPr b="0" lang="en-GB" sz="3200" spc="-1" strike="noStrike">
+            <a:endParaRPr b="0" lang="en-US" sz="3200" spc="-1" strike="noStrike">
+              <a:solidFill>
+                <a:srgbClr val="000000"/>
+              </a:solidFill>
               <a:latin typeface="Arial"/>
             </a:endParaRPr>
           </a:p>
@@ -1072,7 +1135,10 @@
               </a:spcBef>
               <a:buNone/>
             </a:pPr>
-            <a:endParaRPr b="0" lang="en-GB" sz="3200" spc="-1" strike="noStrike">
+            <a:endParaRPr b="0" lang="en-US" sz="3200" spc="-1" strike="noStrike">
+              <a:solidFill>
+                <a:srgbClr val="000000"/>
+              </a:solidFill>
               <a:latin typeface="Arial"/>
             </a:endParaRPr>
           </a:p>
@@ -1131,7 +1197,10 @@
             <a:pPr indent="0" algn="ctr">
               <a:buNone/>
             </a:pPr>
-            <a:endParaRPr b="0" lang="en-GB" sz="4400" spc="-1" strike="noStrike">
+            <a:endParaRPr b="0" lang="en-US" sz="4400" spc="-1" strike="noStrike">
+              <a:solidFill>
+                <a:srgbClr val="000000"/>
+              </a:solidFill>
               <a:latin typeface="Arial"/>
             </a:endParaRPr>
           </a:p>
@@ -1188,7 +1257,10 @@
           </a:bodyPr>
           <a:p>
             <a:pPr algn="ctr"/>
-            <a:endParaRPr b="0" lang="en-GB" sz="3200" spc="-1" strike="noStrike">
+            <a:endParaRPr b="0" lang="en-US" sz="3200" spc="-1" strike="noStrike">
+              <a:solidFill>
+                <a:srgbClr val="000000"/>
+              </a:solidFill>
               <a:latin typeface="Arial"/>
             </a:endParaRPr>
           </a:p>
@@ -1247,7 +1319,10 @@
             <a:pPr indent="0" algn="ctr">
               <a:buNone/>
             </a:pPr>
-            <a:endParaRPr b="0" lang="en-GB" sz="4400" spc="-1" strike="noStrike">
+            <a:endParaRPr b="0" lang="en-US" sz="4400" spc="-1" strike="noStrike">
+              <a:solidFill>
+                <a:srgbClr val="000000"/>
+              </a:solidFill>
               <a:latin typeface="Arial"/>
             </a:endParaRPr>
           </a:p>
@@ -1287,7 +1362,10 @@
               </a:spcBef>
               <a:buNone/>
             </a:pPr>
-            <a:endParaRPr b="0" lang="en-GB" sz="3200" spc="-1" strike="noStrike">
+            <a:endParaRPr b="0" lang="en-US" sz="3200" spc="-1" strike="noStrike">
+              <a:solidFill>
+                <a:srgbClr val="000000"/>
+              </a:solidFill>
               <a:latin typeface="Arial"/>
             </a:endParaRPr>
           </a:p>
@@ -1327,7 +1405,10 @@
               </a:spcBef>
               <a:buNone/>
             </a:pPr>
-            <a:endParaRPr b="0" lang="en-GB" sz="3200" spc="-1" strike="noStrike">
+            <a:endParaRPr b="0" lang="en-US" sz="3200" spc="-1" strike="noStrike">
+              <a:solidFill>
+                <a:srgbClr val="000000"/>
+              </a:solidFill>
               <a:latin typeface="Arial"/>
             </a:endParaRPr>
           </a:p>
@@ -1367,7 +1448,10 @@
               </a:spcBef>
               <a:buNone/>
             </a:pPr>
-            <a:endParaRPr b="0" lang="en-GB" sz="3200" spc="-1" strike="noStrike">
+            <a:endParaRPr b="0" lang="en-US" sz="3200" spc="-1" strike="noStrike">
+              <a:solidFill>
+                <a:srgbClr val="000000"/>
+              </a:solidFill>
               <a:latin typeface="Arial"/>
             </a:endParaRPr>
           </a:p>
@@ -1426,7 +1510,10 @@
             <a:pPr indent="0" algn="ctr">
               <a:buNone/>
             </a:pPr>
-            <a:endParaRPr b="0" lang="en-GB" sz="4400" spc="-1" strike="noStrike">
+            <a:endParaRPr b="0" lang="en-US" sz="4400" spc="-1" strike="noStrike">
+              <a:solidFill>
+                <a:srgbClr val="000000"/>
+              </a:solidFill>
               <a:latin typeface="Arial"/>
             </a:endParaRPr>
           </a:p>
@@ -1463,7 +1550,10 @@
             <a:pPr indent="0" algn="ctr">
               <a:buNone/>
             </a:pPr>
-            <a:endParaRPr b="0" lang="en-GB" sz="3200" spc="-1" strike="noStrike">
+            <a:endParaRPr b="0" lang="en-US" sz="3200" spc="-1" strike="noStrike">
+              <a:solidFill>
+                <a:srgbClr val="000000"/>
+              </a:solidFill>
               <a:latin typeface="Arial"/>
             </a:endParaRPr>
           </a:p>
@@ -1522,7 +1612,10 @@
             <a:pPr indent="0" algn="ctr">
               <a:buNone/>
             </a:pPr>
-            <a:endParaRPr b="0" lang="en-GB" sz="4400" spc="-1" strike="noStrike">
+            <a:endParaRPr b="0" lang="en-US" sz="4400" spc="-1" strike="noStrike">
+              <a:solidFill>
+                <a:srgbClr val="000000"/>
+              </a:solidFill>
               <a:latin typeface="Arial"/>
             </a:endParaRPr>
           </a:p>
@@ -1562,7 +1655,10 @@
               </a:spcBef>
               <a:buNone/>
             </a:pPr>
-            <a:endParaRPr b="0" lang="en-GB" sz="3200" spc="-1" strike="noStrike">
+            <a:endParaRPr b="0" lang="en-US" sz="3200" spc="-1" strike="noStrike">
+              <a:solidFill>
+                <a:srgbClr val="000000"/>
+              </a:solidFill>
               <a:latin typeface="Arial"/>
             </a:endParaRPr>
           </a:p>
@@ -1602,7 +1698,10 @@
               </a:spcBef>
               <a:buNone/>
             </a:pPr>
-            <a:endParaRPr b="0" lang="en-GB" sz="3200" spc="-1" strike="noStrike">
+            <a:endParaRPr b="0" lang="en-US" sz="3200" spc="-1" strike="noStrike">
+              <a:solidFill>
+                <a:srgbClr val="000000"/>
+              </a:solidFill>
               <a:latin typeface="Arial"/>
             </a:endParaRPr>
           </a:p>
@@ -1642,7 +1741,10 @@
               </a:spcBef>
               <a:buNone/>
             </a:pPr>
-            <a:endParaRPr b="0" lang="en-GB" sz="3200" spc="-1" strike="noStrike">
+            <a:endParaRPr b="0" lang="en-US" sz="3200" spc="-1" strike="noStrike">
+              <a:solidFill>
+                <a:srgbClr val="000000"/>
+              </a:solidFill>
               <a:latin typeface="Arial"/>
             </a:endParaRPr>
           </a:p>
@@ -1701,7 +1803,10 @@
             <a:pPr indent="0" algn="ctr">
               <a:buNone/>
             </a:pPr>
-            <a:endParaRPr b="0" lang="en-GB" sz="4400" spc="-1" strike="noStrike">
+            <a:endParaRPr b="0" lang="en-US" sz="4400" spc="-1" strike="noStrike">
+              <a:solidFill>
+                <a:srgbClr val="000000"/>
+              </a:solidFill>
               <a:latin typeface="Arial"/>
             </a:endParaRPr>
           </a:p>
@@ -1741,7 +1846,10 @@
               </a:spcBef>
               <a:buNone/>
             </a:pPr>
-            <a:endParaRPr b="0" lang="en-GB" sz="3200" spc="-1" strike="noStrike">
+            <a:endParaRPr b="0" lang="en-US" sz="3200" spc="-1" strike="noStrike">
+              <a:solidFill>
+                <a:srgbClr val="000000"/>
+              </a:solidFill>
               <a:latin typeface="Arial"/>
             </a:endParaRPr>
           </a:p>
@@ -1781,7 +1889,10 @@
               </a:spcBef>
               <a:buNone/>
             </a:pPr>
-            <a:endParaRPr b="0" lang="en-GB" sz="3200" spc="-1" strike="noStrike">
+            <a:endParaRPr b="0" lang="en-US" sz="3200" spc="-1" strike="noStrike">
+              <a:solidFill>
+                <a:srgbClr val="000000"/>
+              </a:solidFill>
               <a:latin typeface="Arial"/>
             </a:endParaRPr>
           </a:p>
@@ -1821,7 +1932,10 @@
               </a:spcBef>
               <a:buNone/>
             </a:pPr>
-            <a:endParaRPr b="0" lang="en-GB" sz="3200" spc="-1" strike="noStrike">
+            <a:endParaRPr b="0" lang="en-US" sz="3200" spc="-1" strike="noStrike">
+              <a:solidFill>
+                <a:srgbClr val="000000"/>
+              </a:solidFill>
               <a:latin typeface="Arial"/>
             </a:endParaRPr>
           </a:p>
@@ -1880,7 +1994,10 @@
             <a:pPr indent="0" algn="ctr">
               <a:buNone/>
             </a:pPr>
-            <a:endParaRPr b="0" lang="en-GB" sz="4400" spc="-1" strike="noStrike">
+            <a:endParaRPr b="0" lang="en-US" sz="4400" spc="-1" strike="noStrike">
+              <a:solidFill>
+                <a:srgbClr val="000000"/>
+              </a:solidFill>
               <a:latin typeface="Arial"/>
             </a:endParaRPr>
           </a:p>
@@ -1920,7 +2037,10 @@
               </a:spcBef>
               <a:buNone/>
             </a:pPr>
-            <a:endParaRPr b="0" lang="en-GB" sz="3200" spc="-1" strike="noStrike">
+            <a:endParaRPr b="0" lang="en-US" sz="3200" spc="-1" strike="noStrike">
+              <a:solidFill>
+                <a:srgbClr val="000000"/>
+              </a:solidFill>
               <a:latin typeface="Arial"/>
             </a:endParaRPr>
           </a:p>
@@ -1960,7 +2080,10 @@
               </a:spcBef>
               <a:buNone/>
             </a:pPr>
-            <a:endParaRPr b="0" lang="en-GB" sz="3200" spc="-1" strike="noStrike">
+            <a:endParaRPr b="0" lang="en-US" sz="3200" spc="-1" strike="noStrike">
+              <a:solidFill>
+                <a:srgbClr val="000000"/>
+              </a:solidFill>
               <a:latin typeface="Arial"/>
             </a:endParaRPr>
           </a:p>
@@ -2019,7 +2142,10 @@
             <a:pPr indent="0" algn="ctr">
               <a:buNone/>
             </a:pPr>
-            <a:endParaRPr b="0" lang="en-GB" sz="4400" spc="-1" strike="noStrike">
+            <a:endParaRPr b="0" lang="en-US" sz="4400" spc="-1" strike="noStrike">
+              <a:solidFill>
+                <a:srgbClr val="000000"/>
+              </a:solidFill>
               <a:latin typeface="Arial"/>
             </a:endParaRPr>
           </a:p>
@@ -2059,7 +2185,10 @@
               </a:spcBef>
               <a:buNone/>
             </a:pPr>
-            <a:endParaRPr b="0" lang="en-GB" sz="3200" spc="-1" strike="noStrike">
+            <a:endParaRPr b="0" lang="en-US" sz="3200" spc="-1" strike="noStrike">
+              <a:solidFill>
+                <a:srgbClr val="000000"/>
+              </a:solidFill>
               <a:latin typeface="Arial"/>
             </a:endParaRPr>
           </a:p>
@@ -2099,7 +2228,10 @@
               </a:spcBef>
               <a:buNone/>
             </a:pPr>
-            <a:endParaRPr b="0" lang="en-GB" sz="3200" spc="-1" strike="noStrike">
+            <a:endParaRPr b="0" lang="en-US" sz="3200" spc="-1" strike="noStrike">
+              <a:solidFill>
+                <a:srgbClr val="000000"/>
+              </a:solidFill>
               <a:latin typeface="Arial"/>
             </a:endParaRPr>
           </a:p>
@@ -2139,7 +2271,10 @@
               </a:spcBef>
               <a:buNone/>
             </a:pPr>
-            <a:endParaRPr b="0" lang="en-GB" sz="3200" spc="-1" strike="noStrike">
+            <a:endParaRPr b="0" lang="en-US" sz="3200" spc="-1" strike="noStrike">
+              <a:solidFill>
+                <a:srgbClr val="000000"/>
+              </a:solidFill>
               <a:latin typeface="Arial"/>
             </a:endParaRPr>
           </a:p>
@@ -2179,7 +2314,10 @@
               </a:spcBef>
               <a:buNone/>
             </a:pPr>
-            <a:endParaRPr b="0" lang="en-GB" sz="3200" spc="-1" strike="noStrike">
+            <a:endParaRPr b="0" lang="en-US" sz="3200" spc="-1" strike="noStrike">
+              <a:solidFill>
+                <a:srgbClr val="000000"/>
+              </a:solidFill>
               <a:latin typeface="Arial"/>
             </a:endParaRPr>
           </a:p>
@@ -2238,7 +2376,10 @@
             <a:pPr indent="0" algn="ctr">
               <a:buNone/>
             </a:pPr>
-            <a:endParaRPr b="0" lang="en-GB" sz="4400" spc="-1" strike="noStrike">
+            <a:endParaRPr b="0" lang="en-US" sz="4400" spc="-1" strike="noStrike">
+              <a:solidFill>
+                <a:srgbClr val="000000"/>
+              </a:solidFill>
               <a:latin typeface="Arial"/>
             </a:endParaRPr>
           </a:p>
@@ -2278,7 +2419,10 @@
               </a:spcBef>
               <a:buNone/>
             </a:pPr>
-            <a:endParaRPr b="0" lang="en-GB" sz="3200" spc="-1" strike="noStrike">
+            <a:endParaRPr b="0" lang="en-US" sz="3200" spc="-1" strike="noStrike">
+              <a:solidFill>
+                <a:srgbClr val="000000"/>
+              </a:solidFill>
               <a:latin typeface="Arial"/>
             </a:endParaRPr>
           </a:p>
@@ -2318,7 +2462,10 @@
               </a:spcBef>
               <a:buNone/>
             </a:pPr>
-            <a:endParaRPr b="0" lang="en-GB" sz="3200" spc="-1" strike="noStrike">
+            <a:endParaRPr b="0" lang="en-US" sz="3200" spc="-1" strike="noStrike">
+              <a:solidFill>
+                <a:srgbClr val="000000"/>
+              </a:solidFill>
               <a:latin typeface="Arial"/>
             </a:endParaRPr>
           </a:p>
@@ -2358,7 +2505,10 @@
               </a:spcBef>
               <a:buNone/>
             </a:pPr>
-            <a:endParaRPr b="0" lang="en-GB" sz="3200" spc="-1" strike="noStrike">
+            <a:endParaRPr b="0" lang="en-US" sz="3200" spc="-1" strike="noStrike">
+              <a:solidFill>
+                <a:srgbClr val="000000"/>
+              </a:solidFill>
               <a:latin typeface="Arial"/>
             </a:endParaRPr>
           </a:p>
@@ -2398,7 +2548,10 @@
               </a:spcBef>
               <a:buNone/>
             </a:pPr>
-            <a:endParaRPr b="0" lang="en-GB" sz="3200" spc="-1" strike="noStrike">
+            <a:endParaRPr b="0" lang="en-US" sz="3200" spc="-1" strike="noStrike">
+              <a:solidFill>
+                <a:srgbClr val="000000"/>
+              </a:solidFill>
               <a:latin typeface="Arial"/>
             </a:endParaRPr>
           </a:p>
@@ -2438,7 +2591,10 @@
               </a:spcBef>
               <a:buNone/>
             </a:pPr>
-            <a:endParaRPr b="0" lang="en-GB" sz="3200" spc="-1" strike="noStrike">
+            <a:endParaRPr b="0" lang="en-US" sz="3200" spc="-1" strike="noStrike">
+              <a:solidFill>
+                <a:srgbClr val="000000"/>
+              </a:solidFill>
               <a:latin typeface="Arial"/>
             </a:endParaRPr>
           </a:p>
@@ -2478,7 +2634,10 @@
               </a:spcBef>
               <a:buNone/>
             </a:pPr>
-            <a:endParaRPr b="0" lang="en-GB" sz="3200" spc="-1" strike="noStrike">
+            <a:endParaRPr b="0" lang="en-US" sz="3200" spc="-1" strike="noStrike">
+              <a:solidFill>
+                <a:srgbClr val="000000"/>
+              </a:solidFill>
               <a:latin typeface="Arial"/>
             </a:endParaRPr>
           </a:p>
@@ -2559,7 +2718,10 @@
             <a:pPr indent="0" algn="ctr">
               <a:buNone/>
             </a:pPr>
-            <a:endParaRPr b="0" lang="en-GB" sz="4400" spc="-1" strike="noStrike">
+            <a:endParaRPr b="0" lang="en-US" sz="4400" spc="-1" strike="noStrike">
+              <a:solidFill>
+                <a:srgbClr val="000000"/>
+              </a:solidFill>
               <a:latin typeface="Arial"/>
             </a:endParaRPr>
           </a:p>
@@ -2596,7 +2758,10 @@
             <a:pPr indent="0" algn="ctr">
               <a:buNone/>
             </a:pPr>
-            <a:endParaRPr b="0" lang="en-GB" sz="3200" spc="-1" strike="noStrike">
+            <a:endParaRPr b="0" lang="en-US" sz="3200" spc="-1" strike="noStrike">
+              <a:solidFill>
+                <a:srgbClr val="000000"/>
+              </a:solidFill>
               <a:latin typeface="Arial"/>
             </a:endParaRPr>
           </a:p>
@@ -2655,7 +2820,10 @@
             <a:pPr indent="0" algn="ctr">
               <a:buNone/>
             </a:pPr>
-            <a:endParaRPr b="0" lang="en-GB" sz="4400" spc="-1" strike="noStrike">
+            <a:endParaRPr b="0" lang="en-US" sz="4400" spc="-1" strike="noStrike">
+              <a:solidFill>
+                <a:srgbClr val="000000"/>
+              </a:solidFill>
               <a:latin typeface="Arial"/>
             </a:endParaRPr>
           </a:p>
@@ -2695,7 +2863,10 @@
               </a:spcBef>
               <a:buNone/>
             </a:pPr>
-            <a:endParaRPr b="0" lang="en-GB" sz="3200" spc="-1" strike="noStrike">
+            <a:endParaRPr b="0" lang="en-US" sz="3200" spc="-1" strike="noStrike">
+              <a:solidFill>
+                <a:srgbClr val="000000"/>
+              </a:solidFill>
               <a:latin typeface="Arial"/>
             </a:endParaRPr>
           </a:p>
@@ -2754,7 +2925,10 @@
             <a:pPr indent="0" algn="ctr">
               <a:buNone/>
             </a:pPr>
-            <a:endParaRPr b="0" lang="en-GB" sz="4400" spc="-1" strike="noStrike">
+            <a:endParaRPr b="0" lang="en-US" sz="4400" spc="-1" strike="noStrike">
+              <a:solidFill>
+                <a:srgbClr val="000000"/>
+              </a:solidFill>
               <a:latin typeface="Arial"/>
             </a:endParaRPr>
           </a:p>
@@ -2794,7 +2968,10 @@
               </a:spcBef>
               <a:buNone/>
             </a:pPr>
-            <a:endParaRPr b="0" lang="en-GB" sz="3200" spc="-1" strike="noStrike">
+            <a:endParaRPr b="0" lang="en-US" sz="3200" spc="-1" strike="noStrike">
+              <a:solidFill>
+                <a:srgbClr val="000000"/>
+              </a:solidFill>
               <a:latin typeface="Arial"/>
             </a:endParaRPr>
           </a:p>
@@ -2834,7 +3011,10 @@
               </a:spcBef>
               <a:buNone/>
             </a:pPr>
-            <a:endParaRPr b="0" lang="en-GB" sz="3200" spc="-1" strike="noStrike">
+            <a:endParaRPr b="0" lang="en-US" sz="3200" spc="-1" strike="noStrike">
+              <a:solidFill>
+                <a:srgbClr val="000000"/>
+              </a:solidFill>
               <a:latin typeface="Arial"/>
             </a:endParaRPr>
           </a:p>
@@ -2893,7 +3073,10 @@
             <a:pPr indent="0" algn="ctr">
               <a:buNone/>
             </a:pPr>
-            <a:endParaRPr b="0" lang="en-GB" sz="4400" spc="-1" strike="noStrike">
+            <a:endParaRPr b="0" lang="en-US" sz="4400" spc="-1" strike="noStrike">
+              <a:solidFill>
+                <a:srgbClr val="000000"/>
+              </a:solidFill>
               <a:latin typeface="Arial"/>
             </a:endParaRPr>
           </a:p>
@@ -2952,7 +3135,10 @@
             <a:pPr indent="0" algn="ctr">
               <a:buNone/>
             </a:pPr>
-            <a:endParaRPr b="0" lang="en-GB" sz="4400" spc="-1" strike="noStrike">
+            <a:endParaRPr b="0" lang="en-US" sz="4400" spc="-1" strike="noStrike">
+              <a:solidFill>
+                <a:srgbClr val="000000"/>
+              </a:solidFill>
               <a:latin typeface="Arial"/>
             </a:endParaRPr>
           </a:p>
@@ -2992,7 +3178,10 @@
               </a:spcBef>
               <a:buNone/>
             </a:pPr>
-            <a:endParaRPr b="0" lang="en-GB" sz="3200" spc="-1" strike="noStrike">
+            <a:endParaRPr b="0" lang="en-US" sz="3200" spc="-1" strike="noStrike">
+              <a:solidFill>
+                <a:srgbClr val="000000"/>
+              </a:solidFill>
               <a:latin typeface="Arial"/>
             </a:endParaRPr>
           </a:p>
@@ -3049,7 +3238,10 @@
           </a:bodyPr>
           <a:p>
             <a:pPr algn="ctr"/>
-            <a:endParaRPr b="0" lang="en-GB" sz="3200" spc="-1" strike="noStrike">
+            <a:endParaRPr b="0" lang="en-US" sz="3200" spc="-1" strike="noStrike">
+              <a:solidFill>
+                <a:srgbClr val="000000"/>
+              </a:solidFill>
               <a:latin typeface="Arial"/>
             </a:endParaRPr>
           </a:p>
@@ -3108,7 +3300,10 @@
             <a:pPr indent="0" algn="ctr">
               <a:buNone/>
             </a:pPr>
-            <a:endParaRPr b="0" lang="en-GB" sz="4400" spc="-1" strike="noStrike">
+            <a:endParaRPr b="0" lang="en-US" sz="4400" spc="-1" strike="noStrike">
+              <a:solidFill>
+                <a:srgbClr val="000000"/>
+              </a:solidFill>
               <a:latin typeface="Arial"/>
             </a:endParaRPr>
           </a:p>
@@ -3148,7 +3343,10 @@
               </a:spcBef>
               <a:buNone/>
             </a:pPr>
-            <a:endParaRPr b="0" lang="en-GB" sz="3200" spc="-1" strike="noStrike">
+            <a:endParaRPr b="0" lang="en-US" sz="3200" spc="-1" strike="noStrike">
+              <a:solidFill>
+                <a:srgbClr val="000000"/>
+              </a:solidFill>
               <a:latin typeface="Arial"/>
             </a:endParaRPr>
           </a:p>
@@ -3188,7 +3386,10 @@
               </a:spcBef>
               <a:buNone/>
             </a:pPr>
-            <a:endParaRPr b="0" lang="en-GB" sz="3200" spc="-1" strike="noStrike">
+            <a:endParaRPr b="0" lang="en-US" sz="3200" spc="-1" strike="noStrike">
+              <a:solidFill>
+                <a:srgbClr val="000000"/>
+              </a:solidFill>
               <a:latin typeface="Arial"/>
             </a:endParaRPr>
           </a:p>
@@ -3228,7 +3429,10 @@
               </a:spcBef>
               <a:buNone/>
             </a:pPr>
-            <a:endParaRPr b="0" lang="en-GB" sz="3200" spc="-1" strike="noStrike">
+            <a:endParaRPr b="0" lang="en-US" sz="3200" spc="-1" strike="noStrike">
+              <a:solidFill>
+                <a:srgbClr val="000000"/>
+              </a:solidFill>
               <a:latin typeface="Arial"/>
             </a:endParaRPr>
           </a:p>
@@ -3287,7 +3491,10 @@
             <a:pPr indent="0" algn="ctr">
               <a:buNone/>
             </a:pPr>
-            <a:endParaRPr b="0" lang="en-GB" sz="4400" spc="-1" strike="noStrike">
+            <a:endParaRPr b="0" lang="en-US" sz="4400" spc="-1" strike="noStrike">
+              <a:solidFill>
+                <a:srgbClr val="000000"/>
+              </a:solidFill>
               <a:latin typeface="Arial"/>
             </a:endParaRPr>
           </a:p>
@@ -3327,7 +3534,10 @@
               </a:spcBef>
               <a:buNone/>
             </a:pPr>
-            <a:endParaRPr b="0" lang="en-GB" sz="3200" spc="-1" strike="noStrike">
+            <a:endParaRPr b="0" lang="en-US" sz="3200" spc="-1" strike="noStrike">
+              <a:solidFill>
+                <a:srgbClr val="000000"/>
+              </a:solidFill>
               <a:latin typeface="Arial"/>
             </a:endParaRPr>
           </a:p>
@@ -3367,7 +3577,10 @@
               </a:spcBef>
               <a:buNone/>
             </a:pPr>
-            <a:endParaRPr b="0" lang="en-GB" sz="3200" spc="-1" strike="noStrike">
+            <a:endParaRPr b="0" lang="en-US" sz="3200" spc="-1" strike="noStrike">
+              <a:solidFill>
+                <a:srgbClr val="000000"/>
+              </a:solidFill>
               <a:latin typeface="Arial"/>
             </a:endParaRPr>
           </a:p>
@@ -3407,7 +3620,10 @@
               </a:spcBef>
               <a:buNone/>
             </a:pPr>
-            <a:endParaRPr b="0" lang="en-GB" sz="3200" spc="-1" strike="noStrike">
+            <a:endParaRPr b="0" lang="en-US" sz="3200" spc="-1" strike="noStrike">
+              <a:solidFill>
+                <a:srgbClr val="000000"/>
+              </a:solidFill>
               <a:latin typeface="Arial"/>
             </a:endParaRPr>
           </a:p>
@@ -3466,7 +3682,10 @@
             <a:pPr indent="0" algn="ctr">
               <a:buNone/>
             </a:pPr>
-            <a:endParaRPr b="0" lang="en-GB" sz="4400" spc="-1" strike="noStrike">
+            <a:endParaRPr b="0" lang="en-US" sz="4400" spc="-1" strike="noStrike">
+              <a:solidFill>
+                <a:srgbClr val="000000"/>
+              </a:solidFill>
               <a:latin typeface="Arial"/>
             </a:endParaRPr>
           </a:p>
@@ -3506,7 +3725,10 @@
               </a:spcBef>
               <a:buNone/>
             </a:pPr>
-            <a:endParaRPr b="0" lang="en-GB" sz="3200" spc="-1" strike="noStrike">
+            <a:endParaRPr b="0" lang="en-US" sz="3200" spc="-1" strike="noStrike">
+              <a:solidFill>
+                <a:srgbClr val="000000"/>
+              </a:solidFill>
               <a:latin typeface="Arial"/>
             </a:endParaRPr>
           </a:p>
@@ -3546,7 +3768,10 @@
               </a:spcBef>
               <a:buNone/>
             </a:pPr>
-            <a:endParaRPr b="0" lang="en-GB" sz="3200" spc="-1" strike="noStrike">
+            <a:endParaRPr b="0" lang="en-US" sz="3200" spc="-1" strike="noStrike">
+              <a:solidFill>
+                <a:srgbClr val="000000"/>
+              </a:solidFill>
               <a:latin typeface="Arial"/>
             </a:endParaRPr>
           </a:p>
@@ -3586,7 +3811,10 @@
               </a:spcBef>
               <a:buNone/>
             </a:pPr>
-            <a:endParaRPr b="0" lang="en-GB" sz="3200" spc="-1" strike="noStrike">
+            <a:endParaRPr b="0" lang="en-US" sz="3200" spc="-1" strike="noStrike">
+              <a:solidFill>
+                <a:srgbClr val="000000"/>
+              </a:solidFill>
               <a:latin typeface="Arial"/>
             </a:endParaRPr>
           </a:p>
@@ -3645,7 +3873,10 @@
             <a:pPr indent="0" algn="ctr">
               <a:buNone/>
             </a:pPr>
-            <a:endParaRPr b="0" lang="en-GB" sz="4400" spc="-1" strike="noStrike">
+            <a:endParaRPr b="0" lang="en-US" sz="4400" spc="-1" strike="noStrike">
+              <a:solidFill>
+                <a:srgbClr val="000000"/>
+              </a:solidFill>
               <a:latin typeface="Arial"/>
             </a:endParaRPr>
           </a:p>
@@ -3685,7 +3916,10 @@
               </a:spcBef>
               <a:buNone/>
             </a:pPr>
-            <a:endParaRPr b="0" lang="en-GB" sz="3200" spc="-1" strike="noStrike">
+            <a:endParaRPr b="0" lang="en-US" sz="3200" spc="-1" strike="noStrike">
+              <a:solidFill>
+                <a:srgbClr val="000000"/>
+              </a:solidFill>
               <a:latin typeface="Arial"/>
             </a:endParaRPr>
           </a:p>
@@ -3725,7 +3959,10 @@
               </a:spcBef>
               <a:buNone/>
             </a:pPr>
-            <a:endParaRPr b="0" lang="en-GB" sz="3200" spc="-1" strike="noStrike">
+            <a:endParaRPr b="0" lang="en-US" sz="3200" spc="-1" strike="noStrike">
+              <a:solidFill>
+                <a:srgbClr val="000000"/>
+              </a:solidFill>
               <a:latin typeface="Arial"/>
             </a:endParaRPr>
           </a:p>
@@ -3784,7 +4021,10 @@
             <a:pPr indent="0" algn="ctr">
               <a:buNone/>
             </a:pPr>
-            <a:endParaRPr b="0" lang="en-GB" sz="4400" spc="-1" strike="noStrike">
+            <a:endParaRPr b="0" lang="en-US" sz="4400" spc="-1" strike="noStrike">
+              <a:solidFill>
+                <a:srgbClr val="000000"/>
+              </a:solidFill>
               <a:latin typeface="Arial"/>
             </a:endParaRPr>
           </a:p>
@@ -3824,7 +4064,10 @@
               </a:spcBef>
               <a:buNone/>
             </a:pPr>
-            <a:endParaRPr b="0" lang="en-GB" sz="3200" spc="-1" strike="noStrike">
+            <a:endParaRPr b="0" lang="en-US" sz="3200" spc="-1" strike="noStrike">
+              <a:solidFill>
+                <a:srgbClr val="000000"/>
+              </a:solidFill>
               <a:latin typeface="Arial"/>
             </a:endParaRPr>
           </a:p>
@@ -3864,7 +4107,10 @@
               </a:spcBef>
               <a:buNone/>
             </a:pPr>
-            <a:endParaRPr b="0" lang="en-GB" sz="3200" spc="-1" strike="noStrike">
+            <a:endParaRPr b="0" lang="en-US" sz="3200" spc="-1" strike="noStrike">
+              <a:solidFill>
+                <a:srgbClr val="000000"/>
+              </a:solidFill>
               <a:latin typeface="Arial"/>
             </a:endParaRPr>
           </a:p>
@@ -3904,7 +4150,10 @@
               </a:spcBef>
               <a:buNone/>
             </a:pPr>
-            <a:endParaRPr b="0" lang="en-GB" sz="3200" spc="-1" strike="noStrike">
+            <a:endParaRPr b="0" lang="en-US" sz="3200" spc="-1" strike="noStrike">
+              <a:solidFill>
+                <a:srgbClr val="000000"/>
+              </a:solidFill>
               <a:latin typeface="Arial"/>
             </a:endParaRPr>
           </a:p>
@@ -3944,7 +4193,10 @@
               </a:spcBef>
               <a:buNone/>
             </a:pPr>
-            <a:endParaRPr b="0" lang="en-GB" sz="3200" spc="-1" strike="noStrike">
+            <a:endParaRPr b="0" lang="en-US" sz="3200" spc="-1" strike="noStrike">
+              <a:solidFill>
+                <a:srgbClr val="000000"/>
+              </a:solidFill>
               <a:latin typeface="Arial"/>
             </a:endParaRPr>
           </a:p>
@@ -4003,7 +4255,10 @@
             <a:pPr indent="0" algn="ctr">
               <a:buNone/>
             </a:pPr>
-            <a:endParaRPr b="0" lang="en-GB" sz="4400" spc="-1" strike="noStrike">
+            <a:endParaRPr b="0" lang="en-US" sz="4400" spc="-1" strike="noStrike">
+              <a:solidFill>
+                <a:srgbClr val="000000"/>
+              </a:solidFill>
               <a:latin typeface="Arial"/>
             </a:endParaRPr>
           </a:p>
@@ -4043,7 +4298,10 @@
               </a:spcBef>
               <a:buNone/>
             </a:pPr>
-            <a:endParaRPr b="0" lang="en-GB" sz="3200" spc="-1" strike="noStrike">
+            <a:endParaRPr b="0" lang="en-US" sz="3200" spc="-1" strike="noStrike">
+              <a:solidFill>
+                <a:srgbClr val="000000"/>
+              </a:solidFill>
               <a:latin typeface="Arial"/>
             </a:endParaRPr>
           </a:p>
@@ -4083,7 +4341,10 @@
               </a:spcBef>
               <a:buNone/>
             </a:pPr>
-            <a:endParaRPr b="0" lang="en-GB" sz="3200" spc="-1" strike="noStrike">
+            <a:endParaRPr b="0" lang="en-US" sz="3200" spc="-1" strike="noStrike">
+              <a:solidFill>
+                <a:srgbClr val="000000"/>
+              </a:solidFill>
               <a:latin typeface="Arial"/>
             </a:endParaRPr>
           </a:p>
@@ -4123,7 +4384,10 @@
               </a:spcBef>
               <a:buNone/>
             </a:pPr>
-            <a:endParaRPr b="0" lang="en-GB" sz="3200" spc="-1" strike="noStrike">
+            <a:endParaRPr b="0" lang="en-US" sz="3200" spc="-1" strike="noStrike">
+              <a:solidFill>
+                <a:srgbClr val="000000"/>
+              </a:solidFill>
               <a:latin typeface="Arial"/>
             </a:endParaRPr>
           </a:p>
@@ -4163,7 +4427,10 @@
               </a:spcBef>
               <a:buNone/>
             </a:pPr>
-            <a:endParaRPr b="0" lang="en-GB" sz="3200" spc="-1" strike="noStrike">
+            <a:endParaRPr b="0" lang="en-US" sz="3200" spc="-1" strike="noStrike">
+              <a:solidFill>
+                <a:srgbClr val="000000"/>
+              </a:solidFill>
               <a:latin typeface="Arial"/>
             </a:endParaRPr>
           </a:p>
@@ -4203,7 +4470,10 @@
               </a:spcBef>
               <a:buNone/>
             </a:pPr>
-            <a:endParaRPr b="0" lang="en-GB" sz="3200" spc="-1" strike="noStrike">
+            <a:endParaRPr b="0" lang="en-US" sz="3200" spc="-1" strike="noStrike">
+              <a:solidFill>
+                <a:srgbClr val="000000"/>
+              </a:solidFill>
               <a:latin typeface="Arial"/>
             </a:endParaRPr>
           </a:p>
@@ -4243,7 +4513,10 @@
               </a:spcBef>
               <a:buNone/>
             </a:pPr>
-            <a:endParaRPr b="0" lang="en-GB" sz="3200" spc="-1" strike="noStrike">
+            <a:endParaRPr b="0" lang="en-US" sz="3200" spc="-1" strike="noStrike">
+              <a:solidFill>
+                <a:srgbClr val="000000"/>
+              </a:solidFill>
               <a:latin typeface="Arial"/>
             </a:endParaRPr>
           </a:p>
@@ -4302,7 +4575,10 @@
             <a:pPr indent="0" algn="ctr">
               <a:buNone/>
             </a:pPr>
-            <a:endParaRPr b="0" lang="en-GB" sz="4400" spc="-1" strike="noStrike">
+            <a:endParaRPr b="0" lang="en-US" sz="4400" spc="-1" strike="noStrike">
+              <a:solidFill>
+                <a:srgbClr val="000000"/>
+              </a:solidFill>
               <a:latin typeface="Arial"/>
             </a:endParaRPr>
           </a:p>
@@ -4342,7 +4618,10 @@
               </a:spcBef>
               <a:buNone/>
             </a:pPr>
-            <a:endParaRPr b="0" lang="en-GB" sz="3200" spc="-1" strike="noStrike">
+            <a:endParaRPr b="0" lang="en-US" sz="3200" spc="-1" strike="noStrike">
+              <a:solidFill>
+                <a:srgbClr val="000000"/>
+              </a:solidFill>
               <a:latin typeface="Arial"/>
             </a:endParaRPr>
           </a:p>
@@ -4382,7 +4661,10 @@
               </a:spcBef>
               <a:buNone/>
             </a:pPr>
-            <a:endParaRPr b="0" lang="en-GB" sz="3200" spc="-1" strike="noStrike">
+            <a:endParaRPr b="0" lang="en-US" sz="3200" spc="-1" strike="noStrike">
+              <a:solidFill>
+                <a:srgbClr val="000000"/>
+              </a:solidFill>
               <a:latin typeface="Arial"/>
             </a:endParaRPr>
           </a:p>
@@ -4441,7 +4723,10 @@
             <a:pPr indent="0" algn="ctr">
               <a:buNone/>
             </a:pPr>
-            <a:endParaRPr b="0" lang="en-GB" sz="4400" spc="-1" strike="noStrike">
+            <a:endParaRPr b="0" lang="en-US" sz="4400" spc="-1" strike="noStrike">
+              <a:solidFill>
+                <a:srgbClr val="000000"/>
+              </a:solidFill>
               <a:latin typeface="Arial"/>
             </a:endParaRPr>
           </a:p>
@@ -4498,7 +4783,10 @@
           </a:bodyPr>
           <a:p>
             <a:pPr algn="ctr"/>
-            <a:endParaRPr b="0" lang="en-GB" sz="3200" spc="-1" strike="noStrike">
+            <a:endParaRPr b="0" lang="en-US" sz="3200" spc="-1" strike="noStrike">
+              <a:solidFill>
+                <a:srgbClr val="000000"/>
+              </a:solidFill>
               <a:latin typeface="Arial"/>
             </a:endParaRPr>
           </a:p>
@@ -4557,7 +4845,10 @@
             <a:pPr indent="0" algn="ctr">
               <a:buNone/>
             </a:pPr>
-            <a:endParaRPr b="0" lang="en-GB" sz="4400" spc="-1" strike="noStrike">
+            <a:endParaRPr b="0" lang="en-US" sz="4400" spc="-1" strike="noStrike">
+              <a:solidFill>
+                <a:srgbClr val="000000"/>
+              </a:solidFill>
               <a:latin typeface="Arial"/>
             </a:endParaRPr>
           </a:p>
@@ -4597,7 +4888,10 @@
               </a:spcBef>
               <a:buNone/>
             </a:pPr>
-            <a:endParaRPr b="0" lang="en-GB" sz="3200" spc="-1" strike="noStrike">
+            <a:endParaRPr b="0" lang="en-US" sz="3200" spc="-1" strike="noStrike">
+              <a:solidFill>
+                <a:srgbClr val="000000"/>
+              </a:solidFill>
               <a:latin typeface="Arial"/>
             </a:endParaRPr>
           </a:p>
@@ -4637,7 +4931,10 @@
               </a:spcBef>
               <a:buNone/>
             </a:pPr>
-            <a:endParaRPr b="0" lang="en-GB" sz="3200" spc="-1" strike="noStrike">
+            <a:endParaRPr b="0" lang="en-US" sz="3200" spc="-1" strike="noStrike">
+              <a:solidFill>
+                <a:srgbClr val="000000"/>
+              </a:solidFill>
               <a:latin typeface="Arial"/>
             </a:endParaRPr>
           </a:p>
@@ -4677,7 +4974,10 @@
               </a:spcBef>
               <a:buNone/>
             </a:pPr>
-            <a:endParaRPr b="0" lang="en-GB" sz="3200" spc="-1" strike="noStrike">
+            <a:endParaRPr b="0" lang="en-US" sz="3200" spc="-1" strike="noStrike">
+              <a:solidFill>
+                <a:srgbClr val="000000"/>
+              </a:solidFill>
               <a:latin typeface="Arial"/>
             </a:endParaRPr>
           </a:p>
@@ -4736,7 +5036,10 @@
             <a:pPr indent="0" algn="ctr">
               <a:buNone/>
             </a:pPr>
-            <a:endParaRPr b="0" lang="en-GB" sz="4400" spc="-1" strike="noStrike">
+            <a:endParaRPr b="0" lang="en-US" sz="4400" spc="-1" strike="noStrike">
+              <a:solidFill>
+                <a:srgbClr val="000000"/>
+              </a:solidFill>
               <a:latin typeface="Arial"/>
             </a:endParaRPr>
           </a:p>
@@ -4776,7 +5079,10 @@
               </a:spcBef>
               <a:buNone/>
             </a:pPr>
-            <a:endParaRPr b="0" lang="en-GB" sz="3200" spc="-1" strike="noStrike">
+            <a:endParaRPr b="0" lang="en-US" sz="3200" spc="-1" strike="noStrike">
+              <a:solidFill>
+                <a:srgbClr val="000000"/>
+              </a:solidFill>
               <a:latin typeface="Arial"/>
             </a:endParaRPr>
           </a:p>
@@ -4816,7 +5122,10 @@
               </a:spcBef>
               <a:buNone/>
             </a:pPr>
-            <a:endParaRPr b="0" lang="en-GB" sz="3200" spc="-1" strike="noStrike">
+            <a:endParaRPr b="0" lang="en-US" sz="3200" spc="-1" strike="noStrike">
+              <a:solidFill>
+                <a:srgbClr val="000000"/>
+              </a:solidFill>
               <a:latin typeface="Arial"/>
             </a:endParaRPr>
           </a:p>
@@ -4856,7 +5165,10 @@
               </a:spcBef>
               <a:buNone/>
             </a:pPr>
-            <a:endParaRPr b="0" lang="en-GB" sz="3200" spc="-1" strike="noStrike">
+            <a:endParaRPr b="0" lang="en-US" sz="3200" spc="-1" strike="noStrike">
+              <a:solidFill>
+                <a:srgbClr val="000000"/>
+              </a:solidFill>
               <a:latin typeface="Arial"/>
             </a:endParaRPr>
           </a:p>
@@ -4915,7 +5227,10 @@
             <a:pPr indent="0" algn="ctr">
               <a:buNone/>
             </a:pPr>
-            <a:endParaRPr b="0" lang="en-GB" sz="4400" spc="-1" strike="noStrike">
+            <a:endParaRPr b="0" lang="en-US" sz="4400" spc="-1" strike="noStrike">
+              <a:solidFill>
+                <a:srgbClr val="000000"/>
+              </a:solidFill>
               <a:latin typeface="Arial"/>
             </a:endParaRPr>
           </a:p>
@@ -4955,7 +5270,10 @@
               </a:spcBef>
               <a:buNone/>
             </a:pPr>
-            <a:endParaRPr b="0" lang="en-GB" sz="3200" spc="-1" strike="noStrike">
+            <a:endParaRPr b="0" lang="en-US" sz="3200" spc="-1" strike="noStrike">
+              <a:solidFill>
+                <a:srgbClr val="000000"/>
+              </a:solidFill>
               <a:latin typeface="Arial"/>
             </a:endParaRPr>
           </a:p>
@@ -4995,7 +5313,10 @@
               </a:spcBef>
               <a:buNone/>
             </a:pPr>
-            <a:endParaRPr b="0" lang="en-GB" sz="3200" spc="-1" strike="noStrike">
+            <a:endParaRPr b="0" lang="en-US" sz="3200" spc="-1" strike="noStrike">
+              <a:solidFill>
+                <a:srgbClr val="000000"/>
+              </a:solidFill>
               <a:latin typeface="Arial"/>
             </a:endParaRPr>
           </a:p>
@@ -5035,7 +5356,10 @@
               </a:spcBef>
               <a:buNone/>
             </a:pPr>
-            <a:endParaRPr b="0" lang="en-GB" sz="3200" spc="-1" strike="noStrike">
+            <a:endParaRPr b="0" lang="en-US" sz="3200" spc="-1" strike="noStrike">
+              <a:solidFill>
+                <a:srgbClr val="000000"/>
+              </a:solidFill>
               <a:latin typeface="Arial"/>
             </a:endParaRPr>
           </a:p>
@@ -5079,7 +5403,7 @@
         <p:spPr>
           <a:xfrm>
             <a:off x="11444760" y="0"/>
-            <a:ext cx="741600" cy="6850440"/>
+            <a:ext cx="741240" cy="6850080"/>
           </a:xfrm>
           <a:prstGeom prst="rect">
             <a:avLst/>
@@ -5099,6 +5423,19 @@
           <a:effectRef idx="0"/>
           <a:fontRef idx="minor"/>
         </p:style>
+        <p:txBody>
+          <a:bodyPr lIns="90000" rIns="90000" tIns="45000" bIns="45000" anchor="t">
+            <a:noAutofit/>
+          </a:bodyPr>
+          <a:p>
+            <a:endParaRPr b="0" lang="en-US" sz="1800" spc="-1" strike="noStrike">
+              <a:solidFill>
+                <a:srgbClr val="ffffff"/>
+              </a:solidFill>
+              <a:latin typeface="Arial"/>
+            </a:endParaRPr>
+          </a:p>
+        </p:txBody>
       </p:sp>
       <p:sp>
         <p:nvSpPr>
@@ -5109,7 +5446,7 @@
         <p:spPr>
           <a:xfrm>
             <a:off x="11438640" y="6453360"/>
-            <a:ext cx="758520" cy="363960"/>
+            <a:ext cx="758160" cy="363960"/>
           </a:xfrm>
           <a:prstGeom prst="rect">
             <a:avLst/>
@@ -5135,7 +5472,7 @@
                 <a:spcPct val="100000"/>
               </a:lnSpc>
             </a:pPr>
-            <a:fld id="{39B5A24E-49B1-40BD-A116-D1839ACE6DC2}" type="slidenum">
+            <a:fld id="{2B335B04-DCDB-4281-862F-038E6CC5BAE1}" type="slidenum">
               <a:rPr b="0" lang="en-US" sz="1800" spc="-1" strike="noStrike">
                 <a:solidFill>
                   <a:srgbClr val="808080"/>
@@ -5145,7 +5482,10 @@
               </a:rPr>
               <a:t>&lt;number&gt;</a:t>
             </a:fld>
-            <a:endParaRPr b="0" lang="en-GB" sz="1800" spc="-1" strike="noStrike">
+            <a:endParaRPr b="0" lang="en-US" sz="1800" spc="-1" strike="noStrike">
+              <a:solidFill>
+                <a:srgbClr val="000000"/>
+              </a:solidFill>
               <a:latin typeface="Arial"/>
             </a:endParaRPr>
           </a:p>
@@ -5160,7 +5500,7 @@
         <p:spPr>
           <a:xfrm>
             <a:off x="912240" y="1268280"/>
-            <a:ext cx="9208440" cy="361800"/>
+            <a:ext cx="9208080" cy="361440"/>
           </a:xfrm>
           <a:prstGeom prst="rect">
             <a:avLst/>
@@ -5176,6 +5516,19 @@
           <a:effectRef idx="0"/>
           <a:fontRef idx="minor"/>
         </p:style>
+        <p:txBody>
+          <a:bodyPr lIns="90000" rIns="90000" tIns="45000" bIns="45000" anchor="t">
+            <a:noAutofit/>
+          </a:bodyPr>
+          <a:p>
+            <a:endParaRPr b="0" lang="en-US" sz="1800" spc="-1" strike="noStrike">
+              <a:solidFill>
+                <a:srgbClr val="000000"/>
+              </a:solidFill>
+              <a:latin typeface="Arial"/>
+            </a:endParaRPr>
+          </a:p>
+        </p:txBody>
       </p:sp>
       <p:pic>
         <p:nvPicPr>
@@ -5190,7 +5543,7 @@
         <p:spPr>
           <a:xfrm>
             <a:off x="0" y="0"/>
-            <a:ext cx="3052440" cy="562320"/>
+            <a:ext cx="3052080" cy="561960"/>
           </a:xfrm>
           <a:prstGeom prst="rect">
             <a:avLst/>
@@ -5213,7 +5566,7 @@
         <p:spPr>
           <a:xfrm>
             <a:off x="7430400" y="134640"/>
-            <a:ext cx="3698280" cy="514440"/>
+            <a:ext cx="3697920" cy="514080"/>
           </a:xfrm>
           <a:prstGeom prst="rect">
             <a:avLst/>
@@ -5232,7 +5585,7 @@
         <p:spPr>
           <a:xfrm>
             <a:off x="912240" y="1268280"/>
-            <a:ext cx="9208440" cy="361800"/>
+            <a:ext cx="9208080" cy="361440"/>
           </a:xfrm>
           <a:prstGeom prst="rect">
             <a:avLst/>
@@ -5248,6 +5601,19 @@
           <a:effectRef idx="0"/>
           <a:fontRef idx="minor"/>
         </p:style>
+        <p:txBody>
+          <a:bodyPr lIns="90000" rIns="90000" tIns="45000" bIns="45000" anchor="t">
+            <a:noAutofit/>
+          </a:bodyPr>
+          <a:p>
+            <a:endParaRPr b="0" lang="en-US" sz="1800" spc="-1" strike="noStrike">
+              <a:solidFill>
+                <a:srgbClr val="000000"/>
+              </a:solidFill>
+              <a:latin typeface="Arial"/>
+            </a:endParaRPr>
+          </a:p>
+        </p:txBody>
       </p:sp>
       <p:sp>
         <p:nvSpPr>
@@ -5258,7 +5624,7 @@
         <p:spPr>
           <a:xfrm>
             <a:off x="11444760" y="0"/>
-            <a:ext cx="741600" cy="6850440"/>
+            <a:ext cx="741240" cy="6850080"/>
           </a:xfrm>
           <a:prstGeom prst="rect">
             <a:avLst/>
@@ -5278,6 +5644,19 @@
           <a:effectRef idx="0"/>
           <a:fontRef idx="minor"/>
         </p:style>
+        <p:txBody>
+          <a:bodyPr lIns="90000" rIns="90000" tIns="45000" bIns="45000" anchor="t">
+            <a:noAutofit/>
+          </a:bodyPr>
+          <a:p>
+            <a:endParaRPr b="0" lang="en-US" sz="1800" spc="-1" strike="noStrike">
+              <a:solidFill>
+                <a:srgbClr val="ffffff"/>
+              </a:solidFill>
+              <a:latin typeface="Arial"/>
+            </a:endParaRPr>
+          </a:p>
+        </p:txBody>
       </p:sp>
       <p:sp>
         <p:nvSpPr>
@@ -5288,7 +5667,7 @@
         <p:spPr>
           <a:xfrm>
             <a:off x="0" y="6646680"/>
-            <a:ext cx="12187080" cy="211320"/>
+            <a:ext cx="12186720" cy="211320"/>
           </a:xfrm>
           <a:prstGeom prst="rect">
             <a:avLst/>
@@ -5324,7 +5703,10 @@
               </a:rPr>
               <a:t>Requirements Engineering – TU Clausthal</a:t>
             </a:r>
-            <a:endParaRPr b="0" lang="en-GB" sz="800" spc="-1" strike="noStrike">
+            <a:endParaRPr b="0" lang="en-US" sz="800" spc="-1" strike="noStrike">
+              <a:solidFill>
+                <a:srgbClr val="000000"/>
+              </a:solidFill>
               <a:latin typeface="Arial"/>
             </a:endParaRPr>
           </a:p>
@@ -5362,12 +5744,18 @@
               <a:buNone/>
             </a:pPr>
             <a:r>
-              <a:rPr b="0" lang="en-GB" sz="4400" spc="-1" strike="noStrike">
+              <a:rPr b="0" lang="en-US" sz="4400" spc="-1" strike="noStrike">
+                <a:solidFill>
+                  <a:srgbClr val="000000"/>
+                </a:solidFill>
                 <a:latin typeface="Arial"/>
               </a:rPr>
               <a:t>Click to edit the title text format</a:t>
             </a:r>
-            <a:endParaRPr b="0" lang="en-GB" sz="4400" spc="-1" strike="noStrike">
+            <a:endParaRPr b="0" lang="en-US" sz="4400" spc="-1" strike="noStrike">
+              <a:solidFill>
+                <a:srgbClr val="000000"/>
+              </a:solidFill>
               <a:latin typeface="Arial"/>
             </a:endParaRPr>
           </a:p>
@@ -5413,12 +5801,18 @@
               <a:buChar char=""/>
             </a:pPr>
             <a:r>
-              <a:rPr b="0" lang="en-GB" sz="3200" spc="-1" strike="noStrike">
+              <a:rPr b="0" lang="en-US" sz="3200" spc="-1" strike="noStrike">
+                <a:solidFill>
+                  <a:srgbClr val="000000"/>
+                </a:solidFill>
                 <a:latin typeface="Arial"/>
               </a:rPr>
               <a:t>Click to edit the outline text format</a:t>
             </a:r>
-            <a:endParaRPr b="0" lang="en-GB" sz="3200" spc="-1" strike="noStrike">
+            <a:endParaRPr b="0" lang="en-US" sz="3200" spc="-1" strike="noStrike">
+              <a:solidFill>
+                <a:srgbClr val="000000"/>
+              </a:solidFill>
               <a:latin typeface="Arial"/>
             </a:endParaRPr>
           </a:p>
@@ -5435,12 +5829,18 @@
               <a:buChar char=""/>
             </a:pPr>
             <a:r>
-              <a:rPr b="0" lang="en-GB" sz="2800" spc="-1" strike="noStrike">
+              <a:rPr b="0" lang="en-US" sz="2800" spc="-1" strike="noStrike">
+                <a:solidFill>
+                  <a:srgbClr val="000000"/>
+                </a:solidFill>
                 <a:latin typeface="Arial"/>
               </a:rPr>
               <a:t>Second Outline Level</a:t>
             </a:r>
-            <a:endParaRPr b="0" lang="en-GB" sz="2800" spc="-1" strike="noStrike">
+            <a:endParaRPr b="0" lang="en-US" sz="2800" spc="-1" strike="noStrike">
+              <a:solidFill>
+                <a:srgbClr val="000000"/>
+              </a:solidFill>
               <a:latin typeface="Arial"/>
             </a:endParaRPr>
           </a:p>
@@ -5457,12 +5857,18 @@
               <a:buChar char=""/>
             </a:pPr>
             <a:r>
-              <a:rPr b="0" lang="en-GB" sz="2400" spc="-1" strike="noStrike">
+              <a:rPr b="0" lang="en-US" sz="2400" spc="-1" strike="noStrike">
+                <a:solidFill>
+                  <a:srgbClr val="000000"/>
+                </a:solidFill>
                 <a:latin typeface="Arial"/>
               </a:rPr>
               <a:t>Third Outline Level</a:t>
             </a:r>
-            <a:endParaRPr b="0" lang="en-GB" sz="2400" spc="-1" strike="noStrike">
+            <a:endParaRPr b="0" lang="en-US" sz="2400" spc="-1" strike="noStrike">
+              <a:solidFill>
+                <a:srgbClr val="000000"/>
+              </a:solidFill>
               <a:latin typeface="Arial"/>
             </a:endParaRPr>
           </a:p>
@@ -5479,12 +5885,18 @@
               <a:buChar char=""/>
             </a:pPr>
             <a:r>
-              <a:rPr b="0" lang="en-GB" sz="2000" spc="-1" strike="noStrike">
+              <a:rPr b="0" lang="en-US" sz="2000" spc="-1" strike="noStrike">
+                <a:solidFill>
+                  <a:srgbClr val="000000"/>
+                </a:solidFill>
                 <a:latin typeface="Arial"/>
               </a:rPr>
               <a:t>Fourth Outline Level</a:t>
             </a:r>
-            <a:endParaRPr b="0" lang="en-GB" sz="2000" spc="-1" strike="noStrike">
+            <a:endParaRPr b="0" lang="en-US" sz="2000" spc="-1" strike="noStrike">
+              <a:solidFill>
+                <a:srgbClr val="000000"/>
+              </a:solidFill>
               <a:latin typeface="Arial"/>
             </a:endParaRPr>
           </a:p>
@@ -5501,12 +5913,18 @@
               <a:buChar char=""/>
             </a:pPr>
             <a:r>
-              <a:rPr b="0" lang="en-GB" sz="2000" spc="-1" strike="noStrike">
+              <a:rPr b="0" lang="en-US" sz="2000" spc="-1" strike="noStrike">
+                <a:solidFill>
+                  <a:srgbClr val="000000"/>
+                </a:solidFill>
                 <a:latin typeface="Arial"/>
               </a:rPr>
               <a:t>Fifth Outline Level</a:t>
             </a:r>
-            <a:endParaRPr b="0" lang="en-GB" sz="2000" spc="-1" strike="noStrike">
+            <a:endParaRPr b="0" lang="en-US" sz="2000" spc="-1" strike="noStrike">
+              <a:solidFill>
+                <a:srgbClr val="000000"/>
+              </a:solidFill>
               <a:latin typeface="Arial"/>
             </a:endParaRPr>
           </a:p>
@@ -5523,12 +5941,18 @@
               <a:buChar char=""/>
             </a:pPr>
             <a:r>
-              <a:rPr b="0" lang="en-GB" sz="2000" spc="-1" strike="noStrike">
+              <a:rPr b="0" lang="en-US" sz="2000" spc="-1" strike="noStrike">
+                <a:solidFill>
+                  <a:srgbClr val="000000"/>
+                </a:solidFill>
                 <a:latin typeface="Arial"/>
               </a:rPr>
               <a:t>Sixth Outline Level</a:t>
             </a:r>
-            <a:endParaRPr b="0" lang="en-GB" sz="2000" spc="-1" strike="noStrike">
+            <a:endParaRPr b="0" lang="en-US" sz="2000" spc="-1" strike="noStrike">
+              <a:solidFill>
+                <a:srgbClr val="000000"/>
+              </a:solidFill>
               <a:latin typeface="Arial"/>
             </a:endParaRPr>
           </a:p>
@@ -5545,12 +5969,18 @@
               <a:buChar char=""/>
             </a:pPr>
             <a:r>
-              <a:rPr b="0" lang="en-GB" sz="2000" spc="-1" strike="noStrike">
+              <a:rPr b="0" lang="en-US" sz="2000" spc="-1" strike="noStrike">
+                <a:solidFill>
+                  <a:srgbClr val="000000"/>
+                </a:solidFill>
                 <a:latin typeface="Arial"/>
               </a:rPr>
               <a:t>Seventh Outline Level</a:t>
             </a:r>
-            <a:endParaRPr b="0" lang="en-GB" sz="2000" spc="-1" strike="noStrike">
+            <a:endParaRPr b="0" lang="en-US" sz="2000" spc="-1" strike="noStrike">
+              <a:solidFill>
+                <a:srgbClr val="000000"/>
+              </a:solidFill>
               <a:latin typeface="Arial"/>
             </a:endParaRPr>
           </a:p>
@@ -5609,7 +6039,7 @@
         <p:spPr>
           <a:xfrm>
             <a:off x="11444760" y="0"/>
-            <a:ext cx="741600" cy="6850440"/>
+            <a:ext cx="741240" cy="6850080"/>
           </a:xfrm>
           <a:prstGeom prst="rect">
             <a:avLst/>
@@ -5629,6 +6059,19 @@
           <a:effectRef idx="0"/>
           <a:fontRef idx="minor"/>
         </p:style>
+        <p:txBody>
+          <a:bodyPr lIns="90000" rIns="90000" tIns="45000" bIns="45000" anchor="t">
+            <a:noAutofit/>
+          </a:bodyPr>
+          <a:p>
+            <a:endParaRPr b="0" lang="en-US" sz="1800" spc="-1" strike="noStrike">
+              <a:solidFill>
+                <a:srgbClr val="ffffff"/>
+              </a:solidFill>
+              <a:latin typeface="Arial"/>
+            </a:endParaRPr>
+          </a:p>
+        </p:txBody>
       </p:sp>
       <p:sp>
         <p:nvSpPr>
@@ -5639,7 +6082,7 @@
         <p:spPr>
           <a:xfrm>
             <a:off x="11438640" y="6453360"/>
-            <a:ext cx="758520" cy="363960"/>
+            <a:ext cx="758160" cy="363960"/>
           </a:xfrm>
           <a:prstGeom prst="rect">
             <a:avLst/>
@@ -5665,7 +6108,7 @@
                 <a:spcPct val="100000"/>
               </a:lnSpc>
             </a:pPr>
-            <a:fld id="{4C70855D-40A7-4828-BC88-B964919872E8}" type="slidenum">
+            <a:fld id="{85A2B08C-9E41-46DA-8C29-42DD54C190E4}" type="slidenum">
               <a:rPr b="0" lang="en-US" sz="1800" spc="-1" strike="noStrike">
                 <a:solidFill>
                   <a:srgbClr val="808080"/>
@@ -5675,7 +6118,10 @@
               </a:rPr>
               <a:t>&lt;number&gt;</a:t>
             </a:fld>
-            <a:endParaRPr b="0" lang="en-GB" sz="1800" spc="-1" strike="noStrike">
+            <a:endParaRPr b="0" lang="en-US" sz="1800" spc="-1" strike="noStrike">
+              <a:solidFill>
+                <a:srgbClr val="000000"/>
+              </a:solidFill>
               <a:latin typeface="Arial"/>
             </a:endParaRPr>
           </a:p>
@@ -5690,7 +6136,7 @@
         <p:spPr>
           <a:xfrm>
             <a:off x="912240" y="1268280"/>
-            <a:ext cx="9208440" cy="361800"/>
+            <a:ext cx="9208080" cy="361440"/>
           </a:xfrm>
           <a:prstGeom prst="rect">
             <a:avLst/>
@@ -5706,6 +6152,19 @@
           <a:effectRef idx="0"/>
           <a:fontRef idx="minor"/>
         </p:style>
+        <p:txBody>
+          <a:bodyPr lIns="90000" rIns="90000" tIns="45000" bIns="45000" anchor="t">
+            <a:noAutofit/>
+          </a:bodyPr>
+          <a:p>
+            <a:endParaRPr b="0" lang="en-US" sz="1800" spc="-1" strike="noStrike">
+              <a:solidFill>
+                <a:srgbClr val="000000"/>
+              </a:solidFill>
+              <a:latin typeface="Arial"/>
+            </a:endParaRPr>
+          </a:p>
+        </p:txBody>
       </p:sp>
       <p:pic>
         <p:nvPicPr>
@@ -5720,7 +6179,7 @@
         <p:spPr>
           <a:xfrm>
             <a:off x="0" y="0"/>
-            <a:ext cx="3052440" cy="562320"/>
+            <a:ext cx="3052080" cy="561960"/>
           </a:xfrm>
           <a:prstGeom prst="rect">
             <a:avLst/>
@@ -5743,7 +6202,7 @@
         <p:spPr>
           <a:xfrm>
             <a:off x="7430400" y="134640"/>
-            <a:ext cx="3698280" cy="514440"/>
+            <a:ext cx="3697920" cy="514080"/>
           </a:xfrm>
           <a:prstGeom prst="rect">
             <a:avLst/>
@@ -5762,7 +6221,7 @@
         <p:spPr>
           <a:xfrm>
             <a:off x="912240" y="1268280"/>
-            <a:ext cx="9208440" cy="361800"/>
+            <a:ext cx="9208080" cy="361440"/>
           </a:xfrm>
           <a:prstGeom prst="rect">
             <a:avLst/>
@@ -5778,6 +6237,19 @@
           <a:effectRef idx="0"/>
           <a:fontRef idx="minor"/>
         </p:style>
+        <p:txBody>
+          <a:bodyPr lIns="90000" rIns="90000" tIns="45000" bIns="45000" anchor="t">
+            <a:noAutofit/>
+          </a:bodyPr>
+          <a:p>
+            <a:endParaRPr b="0" lang="en-US" sz="1800" spc="-1" strike="noStrike">
+              <a:solidFill>
+                <a:srgbClr val="000000"/>
+              </a:solidFill>
+              <a:latin typeface="Arial"/>
+            </a:endParaRPr>
+          </a:p>
+        </p:txBody>
       </p:sp>
       <p:sp>
         <p:nvSpPr>
@@ -5788,7 +6260,7 @@
         <p:spPr>
           <a:xfrm>
             <a:off x="11444760" y="0"/>
-            <a:ext cx="741600" cy="6850440"/>
+            <a:ext cx="741240" cy="6850080"/>
           </a:xfrm>
           <a:prstGeom prst="rect">
             <a:avLst/>
@@ -5808,6 +6280,19 @@
           <a:effectRef idx="0"/>
           <a:fontRef idx="minor"/>
         </p:style>
+        <p:txBody>
+          <a:bodyPr lIns="90000" rIns="90000" tIns="45000" bIns="45000" anchor="t">
+            <a:noAutofit/>
+          </a:bodyPr>
+          <a:p>
+            <a:endParaRPr b="0" lang="en-US" sz="1800" spc="-1" strike="noStrike">
+              <a:solidFill>
+                <a:srgbClr val="ffffff"/>
+              </a:solidFill>
+              <a:latin typeface="Arial"/>
+            </a:endParaRPr>
+          </a:p>
+        </p:txBody>
       </p:sp>
       <p:sp>
         <p:nvSpPr>
@@ -5818,7 +6303,7 @@
         <p:spPr>
           <a:xfrm>
             <a:off x="0" y="6646680"/>
-            <a:ext cx="12187080" cy="211320"/>
+            <a:ext cx="12186720" cy="211320"/>
           </a:xfrm>
           <a:prstGeom prst="rect">
             <a:avLst/>
@@ -5854,7 +6339,10 @@
               </a:rPr>
               <a:t>Requirements Engineering – TU Clausthal</a:t>
             </a:r>
-            <a:endParaRPr b="0" lang="en-GB" sz="800" spc="-1" strike="noStrike">
+            <a:endParaRPr b="0" lang="en-US" sz="800" spc="-1" strike="noStrike">
+              <a:solidFill>
+                <a:srgbClr val="000000"/>
+              </a:solidFill>
               <a:latin typeface="Arial"/>
             </a:endParaRPr>
           </a:p>
@@ -5892,12 +6380,18 @@
               <a:buNone/>
             </a:pPr>
             <a:r>
-              <a:rPr b="0" lang="en-GB" sz="4400" spc="-1" strike="noStrike">
+              <a:rPr b="0" lang="en-US" sz="4400" spc="-1" strike="noStrike">
+                <a:solidFill>
+                  <a:srgbClr val="000000"/>
+                </a:solidFill>
                 <a:latin typeface="Arial"/>
               </a:rPr>
               <a:t>Click to edit the title text format</a:t>
             </a:r>
-            <a:endParaRPr b="0" lang="en-GB" sz="4400" spc="-1" strike="noStrike">
+            <a:endParaRPr b="0" lang="en-US" sz="4400" spc="-1" strike="noStrike">
+              <a:solidFill>
+                <a:srgbClr val="000000"/>
+              </a:solidFill>
               <a:latin typeface="Arial"/>
             </a:endParaRPr>
           </a:p>
@@ -5943,12 +6437,18 @@
               <a:buChar char=""/>
             </a:pPr>
             <a:r>
-              <a:rPr b="0" lang="en-GB" sz="3200" spc="-1" strike="noStrike">
+              <a:rPr b="0" lang="en-US" sz="3200" spc="-1" strike="noStrike">
+                <a:solidFill>
+                  <a:srgbClr val="000000"/>
+                </a:solidFill>
                 <a:latin typeface="Arial"/>
               </a:rPr>
               <a:t>Click to edit the outline text format</a:t>
             </a:r>
-            <a:endParaRPr b="0" lang="en-GB" sz="3200" spc="-1" strike="noStrike">
+            <a:endParaRPr b="0" lang="en-US" sz="3200" spc="-1" strike="noStrike">
+              <a:solidFill>
+                <a:srgbClr val="000000"/>
+              </a:solidFill>
               <a:latin typeface="Arial"/>
             </a:endParaRPr>
           </a:p>
@@ -5965,12 +6465,18 @@
               <a:buChar char=""/>
             </a:pPr>
             <a:r>
-              <a:rPr b="0" lang="en-GB" sz="2800" spc="-1" strike="noStrike">
+              <a:rPr b="0" lang="en-US" sz="2800" spc="-1" strike="noStrike">
+                <a:solidFill>
+                  <a:srgbClr val="000000"/>
+                </a:solidFill>
                 <a:latin typeface="Arial"/>
               </a:rPr>
               <a:t>Second Outline Level</a:t>
             </a:r>
-            <a:endParaRPr b="0" lang="en-GB" sz="2800" spc="-1" strike="noStrike">
+            <a:endParaRPr b="0" lang="en-US" sz="2800" spc="-1" strike="noStrike">
+              <a:solidFill>
+                <a:srgbClr val="000000"/>
+              </a:solidFill>
               <a:latin typeface="Arial"/>
             </a:endParaRPr>
           </a:p>
@@ -5987,12 +6493,18 @@
               <a:buChar char=""/>
             </a:pPr>
             <a:r>
-              <a:rPr b="0" lang="en-GB" sz="2400" spc="-1" strike="noStrike">
+              <a:rPr b="0" lang="en-US" sz="2400" spc="-1" strike="noStrike">
+                <a:solidFill>
+                  <a:srgbClr val="000000"/>
+                </a:solidFill>
                 <a:latin typeface="Arial"/>
               </a:rPr>
               <a:t>Third Outline Level</a:t>
             </a:r>
-            <a:endParaRPr b="0" lang="en-GB" sz="2400" spc="-1" strike="noStrike">
+            <a:endParaRPr b="0" lang="en-US" sz="2400" spc="-1" strike="noStrike">
+              <a:solidFill>
+                <a:srgbClr val="000000"/>
+              </a:solidFill>
               <a:latin typeface="Arial"/>
             </a:endParaRPr>
           </a:p>
@@ -6009,12 +6521,18 @@
               <a:buChar char=""/>
             </a:pPr>
             <a:r>
-              <a:rPr b="0" lang="en-GB" sz="2000" spc="-1" strike="noStrike">
+              <a:rPr b="0" lang="en-US" sz="2000" spc="-1" strike="noStrike">
+                <a:solidFill>
+                  <a:srgbClr val="000000"/>
+                </a:solidFill>
                 <a:latin typeface="Arial"/>
               </a:rPr>
               <a:t>Fourth Outline Level</a:t>
             </a:r>
-            <a:endParaRPr b="0" lang="en-GB" sz="2000" spc="-1" strike="noStrike">
+            <a:endParaRPr b="0" lang="en-US" sz="2000" spc="-1" strike="noStrike">
+              <a:solidFill>
+                <a:srgbClr val="000000"/>
+              </a:solidFill>
               <a:latin typeface="Arial"/>
             </a:endParaRPr>
           </a:p>
@@ -6031,12 +6549,18 @@
               <a:buChar char=""/>
             </a:pPr>
             <a:r>
-              <a:rPr b="0" lang="en-GB" sz="2000" spc="-1" strike="noStrike">
+              <a:rPr b="0" lang="en-US" sz="2000" spc="-1" strike="noStrike">
+                <a:solidFill>
+                  <a:srgbClr val="000000"/>
+                </a:solidFill>
                 <a:latin typeface="Arial"/>
               </a:rPr>
               <a:t>Fifth Outline Level</a:t>
             </a:r>
-            <a:endParaRPr b="0" lang="en-GB" sz="2000" spc="-1" strike="noStrike">
+            <a:endParaRPr b="0" lang="en-US" sz="2000" spc="-1" strike="noStrike">
+              <a:solidFill>
+                <a:srgbClr val="000000"/>
+              </a:solidFill>
               <a:latin typeface="Arial"/>
             </a:endParaRPr>
           </a:p>
@@ -6053,12 +6577,18 @@
               <a:buChar char=""/>
             </a:pPr>
             <a:r>
-              <a:rPr b="0" lang="en-GB" sz="2000" spc="-1" strike="noStrike">
+              <a:rPr b="0" lang="en-US" sz="2000" spc="-1" strike="noStrike">
+                <a:solidFill>
+                  <a:srgbClr val="000000"/>
+                </a:solidFill>
                 <a:latin typeface="Arial"/>
               </a:rPr>
               <a:t>Sixth Outline Level</a:t>
             </a:r>
-            <a:endParaRPr b="0" lang="en-GB" sz="2000" spc="-1" strike="noStrike">
+            <a:endParaRPr b="0" lang="en-US" sz="2000" spc="-1" strike="noStrike">
+              <a:solidFill>
+                <a:srgbClr val="000000"/>
+              </a:solidFill>
               <a:latin typeface="Arial"/>
             </a:endParaRPr>
           </a:p>
@@ -6075,12 +6605,18 @@
               <a:buChar char=""/>
             </a:pPr>
             <a:r>
-              <a:rPr b="0" lang="en-GB" sz="2000" spc="-1" strike="noStrike">
+              <a:rPr b="0" lang="en-US" sz="2000" spc="-1" strike="noStrike">
+                <a:solidFill>
+                  <a:srgbClr val="000000"/>
+                </a:solidFill>
                 <a:latin typeface="Arial"/>
               </a:rPr>
               <a:t>Seventh Outline Level</a:t>
             </a:r>
-            <a:endParaRPr b="0" lang="en-GB" sz="2000" spc="-1" strike="noStrike">
+            <a:endParaRPr b="0" lang="en-US" sz="2000" spc="-1" strike="noStrike">
+              <a:solidFill>
+                <a:srgbClr val="000000"/>
+              </a:solidFill>
               <a:latin typeface="Arial"/>
             </a:endParaRPr>
           </a:p>
@@ -6139,7 +6675,7 @@
         <p:spPr>
           <a:xfrm>
             <a:off x="11444760" y="0"/>
-            <a:ext cx="741600" cy="6850440"/>
+            <a:ext cx="741240" cy="6850080"/>
           </a:xfrm>
           <a:prstGeom prst="rect">
             <a:avLst/>
@@ -6159,6 +6695,19 @@
           <a:effectRef idx="0"/>
           <a:fontRef idx="minor"/>
         </p:style>
+        <p:txBody>
+          <a:bodyPr lIns="90000" rIns="90000" tIns="45000" bIns="45000" anchor="t">
+            <a:noAutofit/>
+          </a:bodyPr>
+          <a:p>
+            <a:endParaRPr b="0" lang="en-US" sz="1800" spc="-1" strike="noStrike">
+              <a:solidFill>
+                <a:srgbClr val="ffffff"/>
+              </a:solidFill>
+              <a:latin typeface="Arial"/>
+            </a:endParaRPr>
+          </a:p>
+        </p:txBody>
       </p:sp>
       <p:sp>
         <p:nvSpPr>
@@ -6169,7 +6718,7 @@
         <p:spPr>
           <a:xfrm>
             <a:off x="11438640" y="6453360"/>
-            <a:ext cx="758520" cy="363960"/>
+            <a:ext cx="758160" cy="363960"/>
           </a:xfrm>
           <a:prstGeom prst="rect">
             <a:avLst/>
@@ -6195,7 +6744,7 @@
                 <a:spcPct val="100000"/>
               </a:lnSpc>
             </a:pPr>
-            <a:fld id="{DC90A72B-6432-4D8F-9627-E6D993FE011C}" type="slidenum">
+            <a:fld id="{FCDED7D4-32EC-498D-B993-0973588A78A2}" type="slidenum">
               <a:rPr b="0" lang="en-US" sz="1800" spc="-1" strike="noStrike">
                 <a:solidFill>
                   <a:srgbClr val="808080"/>
@@ -6205,7 +6754,10 @@
               </a:rPr>
               <a:t>&lt;number&gt;</a:t>
             </a:fld>
-            <a:endParaRPr b="0" lang="en-GB" sz="1800" spc="-1" strike="noStrike">
+            <a:endParaRPr b="0" lang="en-US" sz="1800" spc="-1" strike="noStrike">
+              <a:solidFill>
+                <a:srgbClr val="000000"/>
+              </a:solidFill>
               <a:latin typeface="Arial"/>
             </a:endParaRPr>
           </a:p>
@@ -6220,7 +6772,7 @@
         <p:spPr>
           <a:xfrm>
             <a:off x="912240" y="1268280"/>
-            <a:ext cx="9208440" cy="361800"/>
+            <a:ext cx="9208080" cy="361440"/>
           </a:xfrm>
           <a:prstGeom prst="rect">
             <a:avLst/>
@@ -6236,6 +6788,19 @@
           <a:effectRef idx="0"/>
           <a:fontRef idx="minor"/>
         </p:style>
+        <p:txBody>
+          <a:bodyPr lIns="90000" rIns="90000" tIns="45000" bIns="45000" anchor="t">
+            <a:noAutofit/>
+          </a:bodyPr>
+          <a:p>
+            <a:endParaRPr b="0" lang="en-US" sz="1800" spc="-1" strike="noStrike">
+              <a:solidFill>
+                <a:srgbClr val="000000"/>
+              </a:solidFill>
+              <a:latin typeface="Arial"/>
+            </a:endParaRPr>
+          </a:p>
+        </p:txBody>
       </p:sp>
       <p:pic>
         <p:nvPicPr>
@@ -6250,7 +6815,7 @@
         <p:spPr>
           <a:xfrm>
             <a:off x="0" y="0"/>
-            <a:ext cx="3052440" cy="562320"/>
+            <a:ext cx="3052080" cy="561960"/>
           </a:xfrm>
           <a:prstGeom prst="rect">
             <a:avLst/>
@@ -6273,7 +6838,7 @@
         <p:spPr>
           <a:xfrm>
             <a:off x="7430400" y="134640"/>
-            <a:ext cx="3698280" cy="514440"/>
+            <a:ext cx="3697920" cy="514080"/>
           </a:xfrm>
           <a:prstGeom prst="rect">
             <a:avLst/>
@@ -6292,7 +6857,7 @@
         <p:spPr>
           <a:xfrm>
             <a:off x="11444760" y="1440"/>
-            <a:ext cx="741600" cy="6850440"/>
+            <a:ext cx="741240" cy="6850080"/>
           </a:xfrm>
           <a:prstGeom prst="rect">
             <a:avLst/>
@@ -6312,6 +6877,19 @@
           <a:effectRef idx="0"/>
           <a:fontRef idx="minor"/>
         </p:style>
+        <p:txBody>
+          <a:bodyPr lIns="90000" rIns="90000" tIns="45000" bIns="45000" anchor="t">
+            <a:noAutofit/>
+          </a:bodyPr>
+          <a:p>
+            <a:endParaRPr b="0" lang="en-US" sz="1800" spc="-1" strike="noStrike">
+              <a:solidFill>
+                <a:srgbClr val="ffffff"/>
+              </a:solidFill>
+              <a:latin typeface="Arial"/>
+            </a:endParaRPr>
+          </a:p>
+        </p:txBody>
       </p:sp>
       <p:sp>
         <p:nvSpPr>
@@ -6322,7 +6900,7 @@
         <p:spPr>
           <a:xfrm>
             <a:off x="11427480" y="6453360"/>
-            <a:ext cx="758520" cy="363960"/>
+            <a:ext cx="758160" cy="363960"/>
           </a:xfrm>
           <a:prstGeom prst="rect">
             <a:avLst/>
@@ -6348,7 +6926,7 @@
                 <a:spcPct val="100000"/>
               </a:lnSpc>
             </a:pPr>
-            <a:fld id="{20E20285-8F3C-41D5-B12C-45A8304D8D62}" type="slidenum">
+            <a:fld id="{020CB693-E700-449A-B094-51B3ED1E68A5}" type="slidenum">
               <a:rPr b="0" lang="en-US" sz="1800" spc="-1" strike="noStrike">
                 <a:solidFill>
                   <a:srgbClr val="808080"/>
@@ -6358,7 +6936,10 @@
               </a:rPr>
               <a:t>&lt;number&gt;</a:t>
             </a:fld>
-            <a:endParaRPr b="0" lang="en-GB" sz="1800" spc="-1" strike="noStrike">
+            <a:endParaRPr b="0" lang="en-US" sz="1800" spc="-1" strike="noStrike">
+              <a:solidFill>
+                <a:srgbClr val="000000"/>
+              </a:solidFill>
               <a:latin typeface="Arial"/>
             </a:endParaRPr>
           </a:p>
@@ -6373,7 +6954,7 @@
         <p:spPr>
           <a:xfrm>
             <a:off x="0" y="6646680"/>
-            <a:ext cx="12187080" cy="211320"/>
+            <a:ext cx="12186720" cy="211320"/>
           </a:xfrm>
           <a:prstGeom prst="rect">
             <a:avLst/>
@@ -6409,7 +6990,10 @@
               </a:rPr>
               <a:t>Requirements Engineering – TU Clausthal</a:t>
             </a:r>
-            <a:endParaRPr b="0" lang="en-GB" sz="800" spc="-1" strike="noStrike">
+            <a:endParaRPr b="0" lang="en-US" sz="800" spc="-1" strike="noStrike">
+              <a:solidFill>
+                <a:srgbClr val="000000"/>
+              </a:solidFill>
               <a:latin typeface="Arial"/>
             </a:endParaRPr>
           </a:p>
@@ -6447,12 +7031,18 @@
               <a:buNone/>
             </a:pPr>
             <a:r>
-              <a:rPr b="0" lang="en-GB" sz="4400" spc="-1" strike="noStrike">
+              <a:rPr b="0" lang="en-US" sz="4400" spc="-1" strike="noStrike">
+                <a:solidFill>
+                  <a:srgbClr val="000000"/>
+                </a:solidFill>
                 <a:latin typeface="Arial"/>
               </a:rPr>
               <a:t>Click to edit the title text format</a:t>
             </a:r>
-            <a:endParaRPr b="0" lang="en-GB" sz="4400" spc="-1" strike="noStrike">
+            <a:endParaRPr b="0" lang="en-US" sz="4400" spc="-1" strike="noStrike">
+              <a:solidFill>
+                <a:srgbClr val="000000"/>
+              </a:solidFill>
               <a:latin typeface="Arial"/>
             </a:endParaRPr>
           </a:p>
@@ -6498,12 +7088,18 @@
               <a:buChar char=""/>
             </a:pPr>
             <a:r>
-              <a:rPr b="0" lang="en-GB" sz="3200" spc="-1" strike="noStrike">
+              <a:rPr b="0" lang="en-US" sz="3200" spc="-1" strike="noStrike">
+                <a:solidFill>
+                  <a:srgbClr val="000000"/>
+                </a:solidFill>
                 <a:latin typeface="Arial"/>
               </a:rPr>
               <a:t>Click to edit the outline text format</a:t>
             </a:r>
-            <a:endParaRPr b="0" lang="en-GB" sz="3200" spc="-1" strike="noStrike">
+            <a:endParaRPr b="0" lang="en-US" sz="3200" spc="-1" strike="noStrike">
+              <a:solidFill>
+                <a:srgbClr val="000000"/>
+              </a:solidFill>
               <a:latin typeface="Arial"/>
             </a:endParaRPr>
           </a:p>
@@ -6520,12 +7116,18 @@
               <a:buChar char=""/>
             </a:pPr>
             <a:r>
-              <a:rPr b="0" lang="en-GB" sz="2800" spc="-1" strike="noStrike">
+              <a:rPr b="0" lang="en-US" sz="2800" spc="-1" strike="noStrike">
+                <a:solidFill>
+                  <a:srgbClr val="000000"/>
+                </a:solidFill>
                 <a:latin typeface="Arial"/>
               </a:rPr>
               <a:t>Second Outline Level</a:t>
             </a:r>
-            <a:endParaRPr b="0" lang="en-GB" sz="2800" spc="-1" strike="noStrike">
+            <a:endParaRPr b="0" lang="en-US" sz="2800" spc="-1" strike="noStrike">
+              <a:solidFill>
+                <a:srgbClr val="000000"/>
+              </a:solidFill>
               <a:latin typeface="Arial"/>
             </a:endParaRPr>
           </a:p>
@@ -6542,12 +7144,18 @@
               <a:buChar char=""/>
             </a:pPr>
             <a:r>
-              <a:rPr b="0" lang="en-GB" sz="2400" spc="-1" strike="noStrike">
+              <a:rPr b="0" lang="en-US" sz="2400" spc="-1" strike="noStrike">
+                <a:solidFill>
+                  <a:srgbClr val="000000"/>
+                </a:solidFill>
                 <a:latin typeface="Arial"/>
               </a:rPr>
               <a:t>Third Outline Level</a:t>
             </a:r>
-            <a:endParaRPr b="0" lang="en-GB" sz="2400" spc="-1" strike="noStrike">
+            <a:endParaRPr b="0" lang="en-US" sz="2400" spc="-1" strike="noStrike">
+              <a:solidFill>
+                <a:srgbClr val="000000"/>
+              </a:solidFill>
               <a:latin typeface="Arial"/>
             </a:endParaRPr>
           </a:p>
@@ -6564,12 +7172,18 @@
               <a:buChar char=""/>
             </a:pPr>
             <a:r>
-              <a:rPr b="0" lang="en-GB" sz="2000" spc="-1" strike="noStrike">
+              <a:rPr b="0" lang="en-US" sz="2000" spc="-1" strike="noStrike">
+                <a:solidFill>
+                  <a:srgbClr val="000000"/>
+                </a:solidFill>
                 <a:latin typeface="Arial"/>
               </a:rPr>
               <a:t>Fourth Outline Level</a:t>
             </a:r>
-            <a:endParaRPr b="0" lang="en-GB" sz="2000" spc="-1" strike="noStrike">
+            <a:endParaRPr b="0" lang="en-US" sz="2000" spc="-1" strike="noStrike">
+              <a:solidFill>
+                <a:srgbClr val="000000"/>
+              </a:solidFill>
               <a:latin typeface="Arial"/>
             </a:endParaRPr>
           </a:p>
@@ -6586,12 +7200,18 @@
               <a:buChar char=""/>
             </a:pPr>
             <a:r>
-              <a:rPr b="0" lang="en-GB" sz="2000" spc="-1" strike="noStrike">
+              <a:rPr b="0" lang="en-US" sz="2000" spc="-1" strike="noStrike">
+                <a:solidFill>
+                  <a:srgbClr val="000000"/>
+                </a:solidFill>
                 <a:latin typeface="Arial"/>
               </a:rPr>
               <a:t>Fifth Outline Level</a:t>
             </a:r>
-            <a:endParaRPr b="0" lang="en-GB" sz="2000" spc="-1" strike="noStrike">
+            <a:endParaRPr b="0" lang="en-US" sz="2000" spc="-1" strike="noStrike">
+              <a:solidFill>
+                <a:srgbClr val="000000"/>
+              </a:solidFill>
               <a:latin typeface="Arial"/>
             </a:endParaRPr>
           </a:p>
@@ -6608,12 +7228,18 @@
               <a:buChar char=""/>
             </a:pPr>
             <a:r>
-              <a:rPr b="0" lang="en-GB" sz="2000" spc="-1" strike="noStrike">
+              <a:rPr b="0" lang="en-US" sz="2000" spc="-1" strike="noStrike">
+                <a:solidFill>
+                  <a:srgbClr val="000000"/>
+                </a:solidFill>
                 <a:latin typeface="Arial"/>
               </a:rPr>
               <a:t>Sixth Outline Level</a:t>
             </a:r>
-            <a:endParaRPr b="0" lang="en-GB" sz="2000" spc="-1" strike="noStrike">
+            <a:endParaRPr b="0" lang="en-US" sz="2000" spc="-1" strike="noStrike">
+              <a:solidFill>
+                <a:srgbClr val="000000"/>
+              </a:solidFill>
               <a:latin typeface="Arial"/>
             </a:endParaRPr>
           </a:p>
@@ -6630,12 +7256,18 @@
               <a:buChar char=""/>
             </a:pPr>
             <a:r>
-              <a:rPr b="0" lang="en-GB" sz="2000" spc="-1" strike="noStrike">
+              <a:rPr b="0" lang="en-US" sz="2000" spc="-1" strike="noStrike">
+                <a:solidFill>
+                  <a:srgbClr val="000000"/>
+                </a:solidFill>
                 <a:latin typeface="Arial"/>
               </a:rPr>
               <a:t>Seventh Outline Level</a:t>
             </a:r>
-            <a:endParaRPr b="0" lang="en-GB" sz="2000" spc="-1" strike="noStrike">
+            <a:endParaRPr b="0" lang="en-US" sz="2000" spc="-1" strike="noStrike">
+              <a:solidFill>
+                <a:srgbClr val="000000"/>
+              </a:solidFill>
               <a:latin typeface="Arial"/>
             </a:endParaRPr>
           </a:p>
@@ -6687,7 +7319,7 @@
         <p:spPr>
           <a:xfrm>
             <a:off x="527400" y="1412640"/>
-            <a:ext cx="10364400" cy="1150920"/>
+            <a:ext cx="10364040" cy="1150560"/>
           </a:xfrm>
           <a:prstGeom prst="rect">
             <a:avLst/>
@@ -6723,7 +7355,10 @@
               </a:rPr>
               <a:t>Requirement Engineering</a:t>
             </a:r>
-            <a:endParaRPr b="0" lang="en-GB" sz="3200" spc="-1" strike="noStrike">
+            <a:endParaRPr b="0" lang="en-US" sz="3200" spc="-1" strike="noStrike">
+              <a:solidFill>
+                <a:srgbClr val="000000"/>
+              </a:solidFill>
               <a:latin typeface="Arial"/>
             </a:endParaRPr>
           </a:p>
@@ -6738,7 +7373,7 @@
         <p:spPr>
           <a:xfrm>
             <a:off x="527400" y="2852640"/>
-            <a:ext cx="10364400" cy="2371680"/>
+            <a:ext cx="10364040" cy="2371320"/>
           </a:xfrm>
           <a:prstGeom prst="rect">
             <a:avLst/>
@@ -6780,7 +7415,10 @@
               </a:rPr>
               <a:t>Lecture 13: Tool Support</a:t>
             </a:r>
-            <a:endParaRPr b="0" lang="en-GB" sz="2400" spc="-1" strike="noStrike">
+            <a:endParaRPr b="0" lang="en-US" sz="2400" spc="-1" strike="noStrike">
+              <a:solidFill>
+                <a:srgbClr val="000000"/>
+              </a:solidFill>
               <a:latin typeface="Arial"/>
             </a:endParaRPr>
           </a:p>
@@ -6796,7 +7434,10 @@
                 <a:tab algn="l" pos="0"/>
               </a:tabLst>
             </a:pPr>
-            <a:endParaRPr b="0" lang="en-GB" sz="2400" spc="-1" strike="noStrike">
+            <a:endParaRPr b="0" lang="en-US" sz="2400" spc="-1" strike="noStrike">
+              <a:solidFill>
+                <a:srgbClr val="000000"/>
+              </a:solidFill>
               <a:latin typeface="Arial"/>
             </a:endParaRPr>
           </a:p>
@@ -6812,7 +7453,10 @@
                 <a:tab algn="l" pos="0"/>
               </a:tabLst>
             </a:pPr>
-            <a:endParaRPr b="0" lang="en-GB" sz="2400" spc="-1" strike="noStrike">
+            <a:endParaRPr b="0" lang="en-US" sz="2400" spc="-1" strike="noStrike">
+              <a:solidFill>
+                <a:srgbClr val="000000"/>
+              </a:solidFill>
               <a:latin typeface="Arial"/>
             </a:endParaRPr>
           </a:p>
@@ -6828,7 +7472,10 @@
                 <a:tab algn="l" pos="0"/>
               </a:tabLst>
             </a:pPr>
-            <a:endParaRPr b="0" lang="en-GB" sz="2400" spc="-1" strike="noStrike">
+            <a:endParaRPr b="0" lang="en-US" sz="2400" spc="-1" strike="noStrike">
+              <a:solidFill>
+                <a:srgbClr val="000000"/>
+              </a:solidFill>
               <a:latin typeface="Arial"/>
             </a:endParaRPr>
           </a:p>
@@ -6854,7 +7501,10 @@
               </a:rPr>
               <a:t>Prof. Dr. Benjamin Leiding</a:t>
             </a:r>
-            <a:endParaRPr b="0" lang="en-GB" sz="1600" spc="-1" strike="noStrike">
+            <a:endParaRPr b="0" lang="en-US" sz="1600" spc="-1" strike="noStrike">
+              <a:solidFill>
+                <a:srgbClr val="000000"/>
+              </a:solidFill>
               <a:latin typeface="Arial"/>
             </a:endParaRPr>
           </a:p>
@@ -6880,7 +7530,10 @@
               </a:rPr>
               <a:t>M.Sc. Anant Sujatanagarjuna</a:t>
             </a:r>
-            <a:endParaRPr b="0" lang="en-GB" sz="1600" spc="-1" strike="noStrike">
+            <a:endParaRPr b="0" lang="en-US" sz="1600" spc="-1" strike="noStrike">
+              <a:solidFill>
+                <a:srgbClr val="000000"/>
+              </a:solidFill>
               <a:latin typeface="Arial"/>
             </a:endParaRPr>
           </a:p>
@@ -6925,7 +7578,7 @@
         <p:spPr>
           <a:xfrm>
             <a:off x="542880" y="721800"/>
-            <a:ext cx="10357200" cy="497880"/>
+            <a:ext cx="10356840" cy="497520"/>
           </a:xfrm>
           <a:prstGeom prst="rect">
             <a:avLst/>
@@ -6961,7 +7614,10 @@
               </a:rPr>
               <a:t>Tool Support in General</a:t>
             </a:r>
-            <a:endParaRPr b="0" lang="en-GB" sz="2200" spc="-1" strike="noStrike">
+            <a:endParaRPr b="0" lang="en-US" sz="2200" spc="-1" strike="noStrike">
+              <a:solidFill>
+                <a:srgbClr val="000000"/>
+              </a:solidFill>
               <a:latin typeface="Arial"/>
             </a:endParaRPr>
           </a:p>
@@ -6976,7 +7632,7 @@
         <p:spPr>
           <a:xfrm>
             <a:off x="542880" y="1267200"/>
-            <a:ext cx="10357200" cy="497880"/>
+            <a:ext cx="10356840" cy="497520"/>
           </a:xfrm>
           <a:prstGeom prst="rect">
             <a:avLst/>
@@ -7022,7 +7678,10 @@
               </a:rPr>
               <a:t>Everyday” Tools</a:t>
             </a:r>
-            <a:endParaRPr b="0" lang="en-GB" sz="2200" spc="-1" strike="noStrike">
+            <a:endParaRPr b="0" lang="en-US" sz="2200" spc="-1" strike="noStrike">
+              <a:solidFill>
+                <a:srgbClr val="000000"/>
+              </a:solidFill>
               <a:latin typeface="Arial"/>
             </a:endParaRPr>
           </a:p>
@@ -7037,7 +7696,7 @@
         <p:spPr>
           <a:xfrm>
             <a:off x="451800" y="1709280"/>
-            <a:ext cx="8224560" cy="4352760"/>
+            <a:ext cx="8224200" cy="4352400"/>
           </a:xfrm>
           <a:prstGeom prst="rect">
             <a:avLst/>
@@ -7053,6 +7712,19 @@
           <a:effectRef idx="0"/>
           <a:fontRef idx="minor"/>
         </p:style>
+        <p:txBody>
+          <a:bodyPr lIns="90000" rIns="90000" tIns="45000" bIns="45000" anchor="t">
+            <a:noAutofit/>
+          </a:bodyPr>
+          <a:p>
+            <a:endParaRPr b="0" lang="en-US" sz="1800" spc="-1" strike="noStrike">
+              <a:solidFill>
+                <a:srgbClr val="000000"/>
+              </a:solidFill>
+              <a:latin typeface="Arial"/>
+            </a:endParaRPr>
+          </a:p>
+        </p:txBody>
       </p:sp>
       <p:sp>
         <p:nvSpPr>
@@ -7067,7 +7739,7 @@
         <p:spPr>
           <a:xfrm>
             <a:off x="609480" y="1769400"/>
-            <a:ext cx="10587600" cy="4855680"/>
+            <a:ext cx="10587240" cy="4855320"/>
           </a:xfrm>
           <a:prstGeom prst="rect">
             <a:avLst/>
@@ -7106,7 +7778,10 @@
               </a:rPr>
               <a:t>Mail clients, chat software, address books, online calendars vital for communication</a:t>
             </a:r>
-            <a:endParaRPr b="0" lang="en-GB" sz="2000" spc="-1" strike="noStrike">
+            <a:endParaRPr b="0" lang="en-US" sz="2000" spc="-1" strike="noStrike">
+              <a:solidFill>
+                <a:srgbClr val="000000"/>
+              </a:solidFill>
               <a:latin typeface="Arial"/>
             </a:endParaRPr>
           </a:p>
@@ -7135,7 +7810,10 @@
               </a:rPr>
               <a:t>Project management and controlling tools also required for managing the requirements engineering process</a:t>
             </a:r>
-            <a:endParaRPr b="0" lang="en-GB" sz="2000" spc="-1" strike="noStrike">
+            <a:endParaRPr b="0" lang="en-US" sz="2000" spc="-1" strike="noStrike">
+              <a:solidFill>
+                <a:srgbClr val="000000"/>
+              </a:solidFill>
               <a:latin typeface="Arial"/>
             </a:endParaRPr>
           </a:p>
@@ -7164,7 +7842,10 @@
               </a:rPr>
               <a:t>Help stakeholders with the coordination of tasks</a:t>
             </a:r>
-            <a:endParaRPr b="0" lang="en-GB" sz="2000" spc="-1" strike="noStrike">
+            <a:endParaRPr b="0" lang="en-US" sz="2000" spc="-1" strike="noStrike">
+              <a:solidFill>
+                <a:srgbClr val="000000"/>
+              </a:solidFill>
               <a:latin typeface="Arial"/>
             </a:endParaRPr>
           </a:p>
@@ -7209,7 +7890,7 @@
         <p:spPr>
           <a:xfrm>
             <a:off x="335520" y="4406760"/>
-            <a:ext cx="10748880" cy="1357920"/>
+            <a:ext cx="10748520" cy="1357560"/>
           </a:xfrm>
           <a:prstGeom prst="rect">
             <a:avLst/>
@@ -7245,7 +7926,10 @@
               </a:rPr>
               <a:t>Requirements Management Tools </a:t>
             </a:r>
-            <a:endParaRPr b="0" lang="en-GB" sz="3000" spc="-1" strike="noStrike">
+            <a:endParaRPr b="0" lang="en-US" sz="3000" spc="-1" strike="noStrike">
+              <a:solidFill>
+                <a:srgbClr val="000000"/>
+              </a:solidFill>
               <a:latin typeface="Arial"/>
             </a:endParaRPr>
           </a:p>
@@ -7255,7 +7939,10 @@
                 <a:spcPct val="100000"/>
               </a:lnSpc>
             </a:pPr>
-            <a:endParaRPr b="0" lang="en-GB" sz="3000" spc="-1" strike="noStrike">
+            <a:endParaRPr b="0" lang="en-US" sz="3000" spc="-1" strike="noStrike">
+              <a:solidFill>
+                <a:srgbClr val="000000"/>
+              </a:solidFill>
               <a:latin typeface="Arial"/>
             </a:endParaRPr>
           </a:p>
@@ -7270,7 +7957,7 @@
         <p:spPr>
           <a:xfrm>
             <a:off x="335520" y="2906640"/>
-            <a:ext cx="10748880" cy="1495800"/>
+            <a:ext cx="10748520" cy="1495440"/>
           </a:xfrm>
           <a:prstGeom prst="rect">
             <a:avLst/>
@@ -7286,6 +7973,19 @@
           <a:effectRef idx="0"/>
           <a:fontRef idx="minor"/>
         </p:style>
+        <p:txBody>
+          <a:bodyPr lIns="90000" rIns="90000" tIns="45000" bIns="45000" anchor="t">
+            <a:noAutofit/>
+          </a:bodyPr>
+          <a:p>
+            <a:endParaRPr b="0" lang="en-US" sz="1800" spc="-1" strike="noStrike">
+              <a:solidFill>
+                <a:srgbClr val="000000"/>
+              </a:solidFill>
+              <a:latin typeface="Arial"/>
+            </a:endParaRPr>
+          </a:p>
+        </p:txBody>
       </p:sp>
     </p:spTree>
   </p:cSld>
@@ -7326,7 +8026,7 @@
         <p:spPr>
           <a:xfrm>
             <a:off x="542880" y="721800"/>
-            <a:ext cx="10357200" cy="497880"/>
+            <a:ext cx="10356840" cy="497520"/>
           </a:xfrm>
           <a:prstGeom prst="rect">
             <a:avLst/>
@@ -7362,7 +8062,10 @@
               </a:rPr>
               <a:t>Requirements Management Tools </a:t>
             </a:r>
-            <a:endParaRPr b="0" lang="en-GB" sz="2200" spc="-1" strike="noStrike">
+            <a:endParaRPr b="0" lang="en-US" sz="2200" spc="-1" strike="noStrike">
+              <a:solidFill>
+                <a:srgbClr val="000000"/>
+              </a:solidFill>
               <a:latin typeface="Arial"/>
             </a:endParaRPr>
           </a:p>
@@ -7377,7 +8080,7 @@
         <p:spPr>
           <a:xfrm>
             <a:off x="542880" y="1267200"/>
-            <a:ext cx="10357200" cy="497880"/>
+            <a:ext cx="10356840" cy="497520"/>
           </a:xfrm>
           <a:prstGeom prst="rect">
             <a:avLst/>
@@ -7413,7 +8116,10 @@
               </a:rPr>
               <a:t>Properties</a:t>
             </a:r>
-            <a:endParaRPr b="0" lang="en-GB" sz="2200" spc="-1" strike="noStrike">
+            <a:endParaRPr b="0" lang="en-US" sz="2200" spc="-1" strike="noStrike">
+              <a:solidFill>
+                <a:srgbClr val="000000"/>
+              </a:solidFill>
               <a:latin typeface="Arial"/>
             </a:endParaRPr>
           </a:p>
@@ -7428,7 +8134,7 @@
         <p:spPr>
           <a:xfrm>
             <a:off x="451800" y="1709280"/>
-            <a:ext cx="8224560" cy="4352760"/>
+            <a:ext cx="8224200" cy="4352400"/>
           </a:xfrm>
           <a:prstGeom prst="rect">
             <a:avLst/>
@@ -7444,6 +8150,19 @@
           <a:effectRef idx="0"/>
           <a:fontRef idx="minor"/>
         </p:style>
+        <p:txBody>
+          <a:bodyPr lIns="90000" rIns="90000" tIns="45000" bIns="45000" anchor="t">
+            <a:noAutofit/>
+          </a:bodyPr>
+          <a:p>
+            <a:endParaRPr b="0" lang="en-US" sz="1800" spc="-1" strike="noStrike">
+              <a:solidFill>
+                <a:srgbClr val="000000"/>
+              </a:solidFill>
+              <a:latin typeface="Arial"/>
+            </a:endParaRPr>
+          </a:p>
+        </p:txBody>
       </p:sp>
       <p:sp>
         <p:nvSpPr>
@@ -7458,7 +8177,7 @@
         <p:spPr>
           <a:xfrm>
             <a:off x="609480" y="1769400"/>
-            <a:ext cx="10587600" cy="4855680"/>
+            <a:ext cx="10587240" cy="4855320"/>
           </a:xfrm>
           <a:prstGeom prst="rect">
             <a:avLst/>
@@ -7497,7 +8216,10 @@
               </a:rPr>
               <a:t>Manage different types of information</a:t>
             </a:r>
-            <a:endParaRPr b="0" lang="en-GB" sz="2000" spc="-1" strike="noStrike">
+            <a:endParaRPr b="0" lang="en-US" sz="2000" spc="-1" strike="noStrike">
+              <a:solidFill>
+                <a:srgbClr val="000000"/>
+              </a:solidFill>
               <a:latin typeface="Arial"/>
             </a:endParaRPr>
           </a:p>
@@ -7526,7 +8248,10 @@
               </a:rPr>
               <a:t>Natural language requirements</a:t>
             </a:r>
-            <a:endParaRPr b="0" lang="en-GB" sz="1800" spc="-1" strike="noStrike">
+            <a:endParaRPr b="0" lang="en-US" sz="1800" spc="-1" strike="noStrike">
+              <a:solidFill>
+                <a:srgbClr val="000000"/>
+              </a:solidFill>
               <a:latin typeface="Arial"/>
             </a:endParaRPr>
           </a:p>
@@ -7555,7 +8280,10 @@
               </a:rPr>
               <a:t>Conceptual models</a:t>
             </a:r>
-            <a:endParaRPr b="0" lang="en-GB" sz="1800" spc="-1" strike="noStrike">
+            <a:endParaRPr b="0" lang="en-US" sz="1800" spc="-1" strike="noStrike">
+              <a:solidFill>
+                <a:srgbClr val="000000"/>
+              </a:solidFill>
               <a:latin typeface="Arial"/>
             </a:endParaRPr>
           </a:p>
@@ -7584,7 +8312,10 @@
               </a:rPr>
               <a:t>Sketches</a:t>
             </a:r>
-            <a:endParaRPr b="0" lang="en-GB" sz="1800" spc="-1" strike="noStrike">
+            <a:endParaRPr b="0" lang="en-US" sz="1800" spc="-1" strike="noStrike">
+              <a:solidFill>
+                <a:srgbClr val="000000"/>
+              </a:solidFill>
               <a:latin typeface="Arial"/>
             </a:endParaRPr>
           </a:p>
@@ -7613,7 +8344,10 @@
               </a:rPr>
               <a:t>Test plans</a:t>
             </a:r>
-            <a:endParaRPr b="0" lang="en-GB" sz="1800" spc="-1" strike="noStrike">
+            <a:endParaRPr b="0" lang="en-US" sz="1800" spc="-1" strike="noStrike">
+              <a:solidFill>
+                <a:srgbClr val="000000"/>
+              </a:solidFill>
               <a:latin typeface="Arial"/>
             </a:endParaRPr>
           </a:p>
@@ -7642,7 +8376,10 @@
               </a:rPr>
               <a:t>Change requests</a:t>
             </a:r>
-            <a:endParaRPr b="0" lang="en-GB" sz="1800" spc="-1" strike="noStrike">
+            <a:endParaRPr b="0" lang="en-US" sz="1800" spc="-1" strike="noStrike">
+              <a:solidFill>
+                <a:srgbClr val="000000"/>
+              </a:solidFill>
               <a:latin typeface="Arial"/>
             </a:endParaRPr>
           </a:p>
@@ -7671,7 +8408,10 @@
               </a:rPr>
               <a:t>Manage logical relationships</a:t>
             </a:r>
-            <a:endParaRPr b="0" lang="en-GB" sz="2000" spc="-1" strike="noStrike">
+            <a:endParaRPr b="0" lang="en-US" sz="2000" spc="-1" strike="noStrike">
+              <a:solidFill>
+                <a:srgbClr val="000000"/>
+              </a:solidFill>
               <a:latin typeface="Arial"/>
             </a:endParaRPr>
           </a:p>
@@ -7700,7 +8440,10 @@
               </a:rPr>
               <a:t>Traceability</a:t>
             </a:r>
-            <a:endParaRPr b="0" lang="en-GB" sz="1800" spc="-1" strike="noStrike">
+            <a:endParaRPr b="0" lang="en-US" sz="1800" spc="-1" strike="noStrike">
+              <a:solidFill>
+                <a:srgbClr val="000000"/>
+              </a:solidFill>
               <a:latin typeface="Arial"/>
             </a:endParaRPr>
           </a:p>
@@ -7729,7 +8472,10 @@
               </a:rPr>
               <a:t>Allow unique identification</a:t>
             </a:r>
-            <a:endParaRPr b="0" lang="en-GB" sz="2000" spc="-1" strike="noStrike">
+            <a:endParaRPr b="0" lang="en-US" sz="2000" spc="-1" strike="noStrike">
+              <a:solidFill>
+                <a:srgbClr val="000000"/>
+              </a:solidFill>
               <a:latin typeface="Arial"/>
             </a:endParaRPr>
           </a:p>
@@ -7758,7 +8504,10 @@
               </a:rPr>
               <a:t>Unique Ids for every artifact</a:t>
             </a:r>
-            <a:endParaRPr b="0" lang="en-GB" sz="1800" spc="-1" strike="noStrike">
+            <a:endParaRPr b="0" lang="en-US" sz="1800" spc="-1" strike="noStrike">
+              <a:solidFill>
+                <a:srgbClr val="000000"/>
+              </a:solidFill>
               <a:latin typeface="Arial"/>
             </a:endParaRPr>
           </a:p>
@@ -7803,7 +8552,7 @@
         <p:spPr>
           <a:xfrm>
             <a:off x="542880" y="721800"/>
-            <a:ext cx="10357200" cy="497880"/>
+            <a:ext cx="10356840" cy="497520"/>
           </a:xfrm>
           <a:prstGeom prst="rect">
             <a:avLst/>
@@ -7839,7 +8588,10 @@
               </a:rPr>
               <a:t>Requirements Management Tools </a:t>
             </a:r>
-            <a:endParaRPr b="0" lang="en-GB" sz="2200" spc="-1" strike="noStrike">
+            <a:endParaRPr b="0" lang="en-US" sz="2200" spc="-1" strike="noStrike">
+              <a:solidFill>
+                <a:srgbClr val="000000"/>
+              </a:solidFill>
               <a:latin typeface="Arial"/>
             </a:endParaRPr>
           </a:p>
@@ -7854,7 +8606,7 @@
         <p:spPr>
           <a:xfrm>
             <a:off x="542880" y="1267200"/>
-            <a:ext cx="10357200" cy="497880"/>
+            <a:ext cx="10356840" cy="497520"/>
           </a:xfrm>
           <a:prstGeom prst="rect">
             <a:avLst/>
@@ -7890,7 +8642,10 @@
               </a:rPr>
               <a:t>Properties</a:t>
             </a:r>
-            <a:endParaRPr b="0" lang="en-GB" sz="2200" spc="-1" strike="noStrike">
+            <a:endParaRPr b="0" lang="en-US" sz="2200" spc="-1" strike="noStrike">
+              <a:solidFill>
+                <a:srgbClr val="000000"/>
+              </a:solidFill>
               <a:latin typeface="Arial"/>
             </a:endParaRPr>
           </a:p>
@@ -7905,7 +8660,7 @@
         <p:spPr>
           <a:xfrm>
             <a:off x="451800" y="1709280"/>
-            <a:ext cx="8224560" cy="4352760"/>
+            <a:ext cx="8224200" cy="4352400"/>
           </a:xfrm>
           <a:prstGeom prst="rect">
             <a:avLst/>
@@ -7921,6 +8676,19 @@
           <a:effectRef idx="0"/>
           <a:fontRef idx="minor"/>
         </p:style>
+        <p:txBody>
+          <a:bodyPr lIns="90000" rIns="90000" tIns="45000" bIns="45000" anchor="t">
+            <a:noAutofit/>
+          </a:bodyPr>
+          <a:p>
+            <a:endParaRPr b="0" lang="en-US" sz="1800" spc="-1" strike="noStrike">
+              <a:solidFill>
+                <a:srgbClr val="000000"/>
+              </a:solidFill>
+              <a:latin typeface="Arial"/>
+            </a:endParaRPr>
+          </a:p>
+        </p:txBody>
       </p:sp>
       <p:sp>
         <p:nvSpPr>
@@ -7935,7 +8703,7 @@
         <p:spPr>
           <a:xfrm>
             <a:off x="609480" y="1769400"/>
-            <a:ext cx="10587600" cy="4855680"/>
+            <a:ext cx="10587240" cy="4855320"/>
           </a:xfrm>
           <a:prstGeom prst="rect">
             <a:avLst/>
@@ -7974,7 +8742,10 @@
               </a:rPr>
               <a:t>Editors for managed information</a:t>
             </a:r>
-            <a:endParaRPr b="0" lang="en-GB" sz="2000" spc="-1" strike="noStrike">
+            <a:endParaRPr b="0" lang="en-US" sz="2000" spc="-1" strike="noStrike">
+              <a:solidFill>
+                <a:srgbClr val="000000"/>
+              </a:solidFill>
               <a:latin typeface="Arial"/>
             </a:endParaRPr>
           </a:p>
@@ -8003,7 +8774,10 @@
               </a:rPr>
               <a:t>Multi-user access</a:t>
             </a:r>
-            <a:endParaRPr b="0" lang="en-GB" sz="1800" spc="-1" strike="noStrike">
+            <a:endParaRPr b="0" lang="en-US" sz="1800" spc="-1" strike="noStrike">
+              <a:solidFill>
+                <a:srgbClr val="000000"/>
+              </a:solidFill>
               <a:latin typeface="Arial"/>
             </a:endParaRPr>
           </a:p>
@@ -8032,7 +8806,10 @@
               </a:rPr>
               <a:t>Access control</a:t>
             </a:r>
-            <a:endParaRPr b="0" lang="en-GB" sz="1800" spc="-1" strike="noStrike">
+            <a:endParaRPr b="0" lang="en-US" sz="1800" spc="-1" strike="noStrike">
+              <a:solidFill>
+                <a:srgbClr val="000000"/>
+              </a:solidFill>
               <a:latin typeface="Arial"/>
             </a:endParaRPr>
           </a:p>
@@ -8061,7 +8838,10 @@
               </a:rPr>
               <a:t>Configuration management</a:t>
             </a:r>
-            <a:endParaRPr b="0" lang="en-GB" sz="1800" spc="-1" strike="noStrike">
+            <a:endParaRPr b="0" lang="en-US" sz="1800" spc="-1" strike="noStrike">
+              <a:solidFill>
+                <a:srgbClr val="000000"/>
+              </a:solidFill>
               <a:latin typeface="Arial"/>
             </a:endParaRPr>
           </a:p>
@@ -8090,7 +8870,10 @@
               </a:rPr>
               <a:t>Version management</a:t>
             </a:r>
-            <a:endParaRPr b="0" lang="en-GB" sz="1800" spc="-1" strike="noStrike">
+            <a:endParaRPr b="0" lang="en-US" sz="1800" spc="-1" strike="noStrike">
+              <a:solidFill>
+                <a:srgbClr val="000000"/>
+              </a:solidFill>
               <a:latin typeface="Arial"/>
             </a:endParaRPr>
           </a:p>
@@ -8119,7 +8902,10 @@
               </a:rPr>
               <a:t>Different views on information</a:t>
             </a:r>
-            <a:endParaRPr b="0" lang="en-GB" sz="2000" spc="-1" strike="noStrike">
+            <a:endParaRPr b="0" lang="en-US" sz="2000" spc="-1" strike="noStrike">
+              <a:solidFill>
+                <a:srgbClr val="000000"/>
+              </a:solidFill>
               <a:latin typeface="Arial"/>
             </a:endParaRPr>
           </a:p>
@@ -8148,7 +8934,10 @@
               </a:rPr>
               <a:t>Developer view</a:t>
             </a:r>
-            <a:endParaRPr b="0" lang="en-GB" sz="1800" spc="-1" strike="noStrike">
+            <a:endParaRPr b="0" lang="en-US" sz="1800" spc="-1" strike="noStrike">
+              <a:solidFill>
+                <a:srgbClr val="000000"/>
+              </a:solidFill>
               <a:latin typeface="Arial"/>
             </a:endParaRPr>
           </a:p>
@@ -8177,7 +8966,10 @@
               </a:rPr>
               <a:t>Tester view</a:t>
             </a:r>
-            <a:endParaRPr b="0" lang="en-GB" sz="1800" spc="-1" strike="noStrike">
+            <a:endParaRPr b="0" lang="en-US" sz="1800" spc="-1" strike="noStrike">
+              <a:solidFill>
+                <a:srgbClr val="000000"/>
+              </a:solidFill>
               <a:latin typeface="Arial"/>
             </a:endParaRPr>
           </a:p>
@@ -8206,7 +8998,10 @@
               </a:rPr>
               <a:t>View on partial systems</a:t>
             </a:r>
-            <a:endParaRPr b="0" lang="en-GB" sz="1800" spc="-1" strike="noStrike">
+            <a:endParaRPr b="0" lang="en-US" sz="1800" spc="-1" strike="noStrike">
+              <a:solidFill>
+                <a:srgbClr val="000000"/>
+              </a:solidFill>
               <a:latin typeface="Arial"/>
             </a:endParaRPr>
           </a:p>
@@ -8251,7 +9046,7 @@
         <p:spPr>
           <a:xfrm>
             <a:off x="542880" y="721800"/>
-            <a:ext cx="10357200" cy="497880"/>
+            <a:ext cx="10356840" cy="497520"/>
           </a:xfrm>
           <a:prstGeom prst="rect">
             <a:avLst/>
@@ -8287,7 +9082,10 @@
               </a:rPr>
               <a:t>Requirements Management Tools </a:t>
             </a:r>
-            <a:endParaRPr b="0" lang="en-GB" sz="2200" spc="-1" strike="noStrike">
+            <a:endParaRPr b="0" lang="en-US" sz="2200" spc="-1" strike="noStrike">
+              <a:solidFill>
+                <a:srgbClr val="000000"/>
+              </a:solidFill>
               <a:latin typeface="Arial"/>
             </a:endParaRPr>
           </a:p>
@@ -8302,7 +9100,7 @@
         <p:spPr>
           <a:xfrm>
             <a:off x="542880" y="1267200"/>
-            <a:ext cx="10357200" cy="497880"/>
+            <a:ext cx="10356840" cy="497520"/>
           </a:xfrm>
           <a:prstGeom prst="rect">
             <a:avLst/>
@@ -8338,7 +9136,10 @@
               </a:rPr>
               <a:t>Properties</a:t>
             </a:r>
-            <a:endParaRPr b="0" lang="en-GB" sz="2200" spc="-1" strike="noStrike">
+            <a:endParaRPr b="0" lang="en-US" sz="2200" spc="-1" strike="noStrike">
+              <a:solidFill>
+                <a:srgbClr val="000000"/>
+              </a:solidFill>
               <a:latin typeface="Arial"/>
             </a:endParaRPr>
           </a:p>
@@ -8353,7 +9154,7 @@
         <p:spPr>
           <a:xfrm>
             <a:off x="451800" y="1709280"/>
-            <a:ext cx="8224560" cy="4352760"/>
+            <a:ext cx="8224200" cy="4352400"/>
           </a:xfrm>
           <a:prstGeom prst="rect">
             <a:avLst/>
@@ -8369,6 +9170,19 @@
           <a:effectRef idx="0"/>
           <a:fontRef idx="minor"/>
         </p:style>
+        <p:txBody>
+          <a:bodyPr lIns="90000" rIns="90000" tIns="45000" bIns="45000" anchor="t">
+            <a:noAutofit/>
+          </a:bodyPr>
+          <a:p>
+            <a:endParaRPr b="0" lang="en-US" sz="1800" spc="-1" strike="noStrike">
+              <a:solidFill>
+                <a:srgbClr val="000000"/>
+              </a:solidFill>
+              <a:latin typeface="Arial"/>
+            </a:endParaRPr>
+          </a:p>
+        </p:txBody>
       </p:sp>
       <p:sp>
         <p:nvSpPr>
@@ -8383,7 +9197,7 @@
         <p:spPr>
           <a:xfrm>
             <a:off x="609480" y="1769400"/>
-            <a:ext cx="10587600" cy="4855680"/>
+            <a:ext cx="10587240" cy="4855320"/>
           </a:xfrm>
           <a:prstGeom prst="rect">
             <a:avLst/>
@@ -8422,7 +9236,10 @@
               </a:rPr>
               <a:t>Organization of managed information</a:t>
             </a:r>
-            <a:endParaRPr b="0" lang="en-GB" sz="2000" spc="-1" strike="noStrike">
+            <a:endParaRPr b="0" lang="en-US" sz="2000" spc="-1" strike="noStrike">
+              <a:solidFill>
+                <a:srgbClr val="000000"/>
+              </a:solidFill>
               <a:latin typeface="Arial"/>
             </a:endParaRPr>
           </a:p>
@@ -8451,7 +9268,10 @@
               </a:rPr>
               <a:t>Grouping</a:t>
             </a:r>
-            <a:endParaRPr b="0" lang="en-GB" sz="1800" spc="-1" strike="noStrike">
+            <a:endParaRPr b="0" lang="en-US" sz="1800" spc="-1" strike="noStrike">
+              <a:solidFill>
+                <a:srgbClr val="000000"/>
+              </a:solidFill>
               <a:latin typeface="Arial"/>
             </a:endParaRPr>
           </a:p>
@@ -8480,7 +9300,10 @@
               </a:rPr>
               <a:t>Hierarchical structuring</a:t>
             </a:r>
-            <a:endParaRPr b="0" lang="en-GB" sz="1800" spc="-1" strike="noStrike">
+            <a:endParaRPr b="0" lang="en-US" sz="1800" spc="-1" strike="noStrike">
+              <a:solidFill>
+                <a:srgbClr val="000000"/>
+              </a:solidFill>
               <a:latin typeface="Arial"/>
             </a:endParaRPr>
           </a:p>
@@ -8509,7 +9332,10 @@
               </a:rPr>
               <a:t>Assigning attributes</a:t>
             </a:r>
-            <a:endParaRPr b="0" lang="en-GB" sz="1800" spc="-1" strike="noStrike">
+            <a:endParaRPr b="0" lang="en-US" sz="1800" spc="-1" strike="noStrike">
+              <a:solidFill>
+                <a:srgbClr val="000000"/>
+              </a:solidFill>
               <a:latin typeface="Arial"/>
             </a:endParaRPr>
           </a:p>
@@ -8538,7 +9364,10 @@
               </a:rPr>
               <a:t>Annotation with additional information</a:t>
             </a:r>
-            <a:endParaRPr b="0" lang="en-GB" sz="1800" spc="-1" strike="noStrike">
+            <a:endParaRPr b="0" lang="en-US" sz="1800" spc="-1" strike="noStrike">
+              <a:solidFill>
+                <a:srgbClr val="000000"/>
+              </a:solidFill>
               <a:latin typeface="Arial"/>
             </a:endParaRPr>
           </a:p>
@@ -8567,7 +9396,10 @@
               </a:rPr>
               <a:t>Generation of reports and summaries</a:t>
             </a:r>
-            <a:endParaRPr b="0" lang="en-GB" sz="2000" spc="-1" strike="noStrike">
+            <a:endParaRPr b="0" lang="en-US" sz="2000" spc="-1" strike="noStrike">
+              <a:solidFill>
+                <a:srgbClr val="000000"/>
+              </a:solidFill>
               <a:latin typeface="Arial"/>
             </a:endParaRPr>
           </a:p>
@@ -8596,7 +9428,10 @@
               </a:rPr>
               <a:t>Reports of change requests</a:t>
             </a:r>
-            <a:endParaRPr b="0" lang="en-GB" sz="1800" spc="-1" strike="noStrike">
+            <a:endParaRPr b="0" lang="en-US" sz="1800" spc="-1" strike="noStrike">
+              <a:solidFill>
+                <a:srgbClr val="000000"/>
+              </a:solidFill>
               <a:latin typeface="Arial"/>
             </a:endParaRPr>
           </a:p>
@@ -8625,7 +9460,10 @@
               </a:rPr>
               <a:t>Reports on state of the requirements implementation</a:t>
             </a:r>
-            <a:endParaRPr b="0" lang="en-GB" sz="1800" spc="-1" strike="noStrike">
+            <a:endParaRPr b="0" lang="en-US" sz="1800" spc="-1" strike="noStrike">
+              <a:solidFill>
+                <a:srgbClr val="000000"/>
+              </a:solidFill>
               <a:latin typeface="Arial"/>
             </a:endParaRPr>
           </a:p>
@@ -8654,7 +9492,10 @@
               </a:rPr>
               <a:t>Generation of appropriate outputs</a:t>
             </a:r>
-            <a:endParaRPr b="0" lang="en-GB" sz="2000" spc="-1" strike="noStrike">
+            <a:endParaRPr b="0" lang="en-US" sz="2000" spc="-1" strike="noStrike">
+              <a:solidFill>
+                <a:srgbClr val="000000"/>
+              </a:solidFill>
               <a:latin typeface="Arial"/>
             </a:endParaRPr>
           </a:p>
@@ -8683,7 +9524,10 @@
               </a:rPr>
               <a:t>Requirements document for a system release</a:t>
             </a:r>
-            <a:endParaRPr b="0" lang="en-GB" sz="1800" spc="-1" strike="noStrike">
+            <a:endParaRPr b="0" lang="en-US" sz="1800" spc="-1" strike="noStrike">
+              <a:solidFill>
+                <a:srgbClr val="000000"/>
+              </a:solidFill>
               <a:latin typeface="Arial"/>
             </a:endParaRPr>
           </a:p>
@@ -8728,7 +9572,7 @@
         <p:spPr>
           <a:xfrm>
             <a:off x="542880" y="721800"/>
-            <a:ext cx="10357200" cy="497880"/>
+            <a:ext cx="10356840" cy="497520"/>
           </a:xfrm>
           <a:prstGeom prst="rect">
             <a:avLst/>
@@ -8764,7 +9608,10 @@
               </a:rPr>
               <a:t>Requirements Management Tools </a:t>
             </a:r>
-            <a:endParaRPr b="0" lang="en-GB" sz="2200" spc="-1" strike="noStrike">
+            <a:endParaRPr b="0" lang="en-US" sz="2200" spc="-1" strike="noStrike">
+              <a:solidFill>
+                <a:srgbClr val="000000"/>
+              </a:solidFill>
               <a:latin typeface="Arial"/>
             </a:endParaRPr>
           </a:p>
@@ -8779,7 +9626,7 @@
         <p:spPr>
           <a:xfrm>
             <a:off x="542880" y="1267200"/>
-            <a:ext cx="10357200" cy="497880"/>
+            <a:ext cx="10356840" cy="497520"/>
           </a:xfrm>
           <a:prstGeom prst="rect">
             <a:avLst/>
@@ -8815,7 +9662,10 @@
               </a:rPr>
               <a:t>Special Purpose Tools</a:t>
             </a:r>
-            <a:endParaRPr b="0" lang="en-GB" sz="2200" spc="-1" strike="noStrike">
+            <a:endParaRPr b="0" lang="en-US" sz="2200" spc="-1" strike="noStrike">
+              <a:solidFill>
+                <a:srgbClr val="000000"/>
+              </a:solidFill>
               <a:latin typeface="Arial"/>
             </a:endParaRPr>
           </a:p>
@@ -8830,7 +9680,7 @@
         <p:spPr>
           <a:xfrm>
             <a:off x="451800" y="1709280"/>
-            <a:ext cx="8224560" cy="4352760"/>
+            <a:ext cx="8224200" cy="4352400"/>
           </a:xfrm>
           <a:prstGeom prst="rect">
             <a:avLst/>
@@ -8846,6 +9696,19 @@
           <a:effectRef idx="0"/>
           <a:fontRef idx="minor"/>
         </p:style>
+        <p:txBody>
+          <a:bodyPr lIns="90000" rIns="90000" tIns="45000" bIns="45000" anchor="t">
+            <a:noAutofit/>
+          </a:bodyPr>
+          <a:p>
+            <a:endParaRPr b="0" lang="en-US" sz="1800" spc="-1" strike="noStrike">
+              <a:solidFill>
+                <a:srgbClr val="000000"/>
+              </a:solidFill>
+              <a:latin typeface="Arial"/>
+            </a:endParaRPr>
+          </a:p>
+        </p:txBody>
       </p:sp>
       <p:sp>
         <p:nvSpPr>
@@ -8860,7 +9723,7 @@
         <p:spPr>
           <a:xfrm>
             <a:off x="609480" y="1769400"/>
-            <a:ext cx="10587600" cy="4855680"/>
+            <a:ext cx="10587240" cy="4855320"/>
           </a:xfrm>
           <a:prstGeom prst="rect">
             <a:avLst/>
@@ -8899,7 +9762,10 @@
               </a:rPr>
               <a:t>Comprehensive list:</a:t>
             </a:r>
-            <a:endParaRPr b="0" lang="en-GB" sz="2000" spc="-1" strike="noStrike">
+            <a:endParaRPr b="0" lang="en-US" sz="2000" spc="-1" strike="noStrike">
+              <a:solidFill>
+                <a:srgbClr val="000000"/>
+              </a:solidFill>
               <a:latin typeface="Arial"/>
             </a:endParaRPr>
           </a:p>
@@ -8928,7 +9794,10 @@
               </a:rPr>
               <a:t>http://www.volere.co.uk/tools.htm</a:t>
             </a:r>
-            <a:endParaRPr b="0" lang="en-GB" sz="1800" spc="-1" strike="noStrike">
+            <a:endParaRPr b="0" lang="en-US" sz="1800" spc="-1" strike="noStrike">
+              <a:solidFill>
+                <a:srgbClr val="000000"/>
+              </a:solidFill>
               <a:latin typeface="Arial"/>
             </a:endParaRPr>
           </a:p>
@@ -8957,7 +9826,10 @@
               </a:rPr>
               <a:t>Examples</a:t>
             </a:r>
-            <a:endParaRPr b="0" lang="en-GB" sz="2000" spc="-1" strike="noStrike">
+            <a:endParaRPr b="0" lang="en-US" sz="2000" spc="-1" strike="noStrike">
+              <a:solidFill>
+                <a:srgbClr val="000000"/>
+              </a:solidFill>
               <a:latin typeface="Arial"/>
             </a:endParaRPr>
           </a:p>
@@ -8986,7 +9858,10 @@
               </a:rPr>
               <a:t>Enterprise Architect (Sparx Systems)</a:t>
             </a:r>
-            <a:endParaRPr b="0" lang="en-GB" sz="1800" spc="-1" strike="noStrike">
+            <a:endParaRPr b="0" lang="en-US" sz="1800" spc="-1" strike="noStrike">
+              <a:solidFill>
+                <a:srgbClr val="000000"/>
+              </a:solidFill>
               <a:latin typeface="Arial"/>
             </a:endParaRPr>
           </a:p>
@@ -9015,7 +9890,10 @@
               </a:rPr>
               <a:t>HP Quality Center</a:t>
             </a:r>
-            <a:endParaRPr b="0" lang="en-GB" sz="1800" spc="-1" strike="noStrike">
+            <a:endParaRPr b="0" lang="en-US" sz="1800" spc="-1" strike="noStrike">
+              <a:solidFill>
+                <a:srgbClr val="000000"/>
+              </a:solidFill>
               <a:latin typeface="Arial"/>
             </a:endParaRPr>
           </a:p>
@@ -9044,7 +9922,10 @@
               </a:rPr>
               <a:t>IBM Rational DOORS</a:t>
             </a:r>
-            <a:endParaRPr b="0" lang="en-GB" sz="1800" spc="-1" strike="noStrike">
+            <a:endParaRPr b="0" lang="en-US" sz="1800" spc="-1" strike="noStrike">
+              <a:solidFill>
+                <a:srgbClr val="000000"/>
+              </a:solidFill>
               <a:latin typeface="Arial"/>
             </a:endParaRPr>
           </a:p>
@@ -9089,7 +9970,7 @@
         <p:spPr>
           <a:xfrm>
             <a:off x="542880" y="721800"/>
-            <a:ext cx="10357200" cy="497880"/>
+            <a:ext cx="10356840" cy="497520"/>
           </a:xfrm>
           <a:prstGeom prst="rect">
             <a:avLst/>
@@ -9125,7 +10006,10 @@
               </a:rPr>
               <a:t>Requirements Management Tools </a:t>
             </a:r>
-            <a:endParaRPr b="0" lang="en-GB" sz="2200" spc="-1" strike="noStrike">
+            <a:endParaRPr b="0" lang="en-US" sz="2200" spc="-1" strike="noStrike">
+              <a:solidFill>
+                <a:srgbClr val="000000"/>
+              </a:solidFill>
               <a:latin typeface="Arial"/>
             </a:endParaRPr>
           </a:p>
@@ -9140,7 +10024,7 @@
         <p:spPr>
           <a:xfrm>
             <a:off x="542880" y="1267200"/>
-            <a:ext cx="10357200" cy="497880"/>
+            <a:ext cx="10356840" cy="497520"/>
           </a:xfrm>
           <a:prstGeom prst="rect">
             <a:avLst/>
@@ -9176,7 +10060,10 @@
               </a:rPr>
               <a:t>Standard Office Tools</a:t>
             </a:r>
-            <a:endParaRPr b="0" lang="en-GB" sz="2200" spc="-1" strike="noStrike">
+            <a:endParaRPr b="0" lang="en-US" sz="2200" spc="-1" strike="noStrike">
+              <a:solidFill>
+                <a:srgbClr val="000000"/>
+              </a:solidFill>
               <a:latin typeface="Arial"/>
             </a:endParaRPr>
           </a:p>
@@ -9191,7 +10078,7 @@
         <p:spPr>
           <a:xfrm>
             <a:off x="451800" y="1709280"/>
-            <a:ext cx="8224560" cy="4352760"/>
+            <a:ext cx="8224200" cy="4352400"/>
           </a:xfrm>
           <a:prstGeom prst="rect">
             <a:avLst/>
@@ -9207,6 +10094,19 @@
           <a:effectRef idx="0"/>
           <a:fontRef idx="minor"/>
         </p:style>
+        <p:txBody>
+          <a:bodyPr lIns="90000" rIns="90000" tIns="45000" bIns="45000" anchor="t">
+            <a:noAutofit/>
+          </a:bodyPr>
+          <a:p>
+            <a:endParaRPr b="0" lang="en-US" sz="1800" spc="-1" strike="noStrike">
+              <a:solidFill>
+                <a:srgbClr val="000000"/>
+              </a:solidFill>
+              <a:latin typeface="Arial"/>
+            </a:endParaRPr>
+          </a:p>
+        </p:txBody>
       </p:sp>
       <p:sp>
         <p:nvSpPr>
@@ -9221,7 +10121,7 @@
         <p:spPr>
           <a:xfrm>
             <a:off x="609480" y="1769400"/>
-            <a:ext cx="10587600" cy="4855680"/>
+            <a:ext cx="10587240" cy="4855320"/>
           </a:xfrm>
           <a:prstGeom prst="rect">
             <a:avLst/>
@@ -9260,7 +10160,10 @@
               </a:rPr>
               <a:t>Word processors, spreadsheet calculators</a:t>
             </a:r>
-            <a:endParaRPr b="0" lang="en-GB" sz="2000" spc="-1" strike="noStrike">
+            <a:endParaRPr b="0" lang="en-US" sz="2000" spc="-1" strike="noStrike">
+              <a:solidFill>
+                <a:srgbClr val="000000"/>
+              </a:solidFill>
               <a:latin typeface="Arial"/>
             </a:endParaRPr>
           </a:p>
@@ -9289,7 +10192,10 @@
               </a:rPr>
               <a:t>Used in many projects due to multiple reasons</a:t>
             </a:r>
-            <a:endParaRPr b="0" lang="en-GB" sz="2000" spc="-1" strike="noStrike">
+            <a:endParaRPr b="0" lang="en-US" sz="2000" spc="-1" strike="noStrike">
+              <a:solidFill>
+                <a:srgbClr val="000000"/>
+              </a:solidFill>
               <a:latin typeface="Arial"/>
             </a:endParaRPr>
           </a:p>
@@ -9306,7 +10212,10 @@
                 <a:tab algn="l" pos="0"/>
               </a:tabLst>
             </a:pPr>
-            <a:endParaRPr b="0" lang="en-GB" sz="2000" spc="-1" strike="noStrike">
+            <a:endParaRPr b="0" lang="en-US" sz="2000" spc="-1" strike="noStrike">
+              <a:solidFill>
+                <a:srgbClr val="000000"/>
+              </a:solidFill>
               <a:latin typeface="Arial"/>
             </a:endParaRPr>
           </a:p>
@@ -9339,7 +10248,10 @@
               </a:rPr>
               <a:t>Advantages</a:t>
             </a:r>
-            <a:endParaRPr b="0" lang="en-GB" sz="2000" spc="-1" strike="noStrike">
+            <a:endParaRPr b="0" lang="en-US" sz="2000" spc="-1" strike="noStrike">
+              <a:solidFill>
+                <a:srgbClr val="000000"/>
+              </a:solidFill>
               <a:latin typeface="Arial"/>
             </a:endParaRPr>
           </a:p>
@@ -9371,7 +10283,10 @@
               </a:rPr>
               <a:t>Are already available</a:t>
             </a:r>
-            <a:endParaRPr b="0" lang="en-GB" sz="1800" spc="-1" strike="noStrike">
+            <a:endParaRPr b="0" lang="en-US" sz="1800" spc="-1" strike="noStrike">
+              <a:solidFill>
+                <a:srgbClr val="000000"/>
+              </a:solidFill>
               <a:latin typeface="Arial"/>
             </a:endParaRPr>
           </a:p>
@@ -9403,7 +10318,10 @@
               </a:rPr>
               <a:t>No additional training required</a:t>
             </a:r>
-            <a:endParaRPr b="0" lang="en-GB" sz="1800" spc="-1" strike="noStrike">
+            <a:endParaRPr b="0" lang="en-US" sz="1800" spc="-1" strike="noStrike">
+              <a:solidFill>
+                <a:srgbClr val="000000"/>
+              </a:solidFill>
               <a:latin typeface="Arial"/>
             </a:endParaRPr>
           </a:p>
@@ -9435,7 +10353,10 @@
               </a:rPr>
               <a:t>Versatile</a:t>
             </a:r>
-            <a:endParaRPr b="0" lang="en-GB" sz="1800" spc="-1" strike="noStrike">
+            <a:endParaRPr b="0" lang="en-US" sz="1800" spc="-1" strike="noStrike">
+              <a:solidFill>
+                <a:srgbClr val="000000"/>
+              </a:solidFill>
               <a:latin typeface="Arial"/>
             </a:endParaRPr>
           </a:p>
@@ -9467,7 +10388,10 @@
               </a:rPr>
               <a:t>Well-suited for natural-language requirements</a:t>
             </a:r>
-            <a:endParaRPr b="0" lang="en-GB" sz="1800" spc="-1" strike="noStrike">
+            <a:endParaRPr b="0" lang="en-US" sz="1800" spc="-1" strike="noStrike">
+              <a:solidFill>
+                <a:srgbClr val="000000"/>
+              </a:solidFill>
               <a:latin typeface="Arial"/>
             </a:endParaRPr>
           </a:p>
@@ -9499,7 +10423,10 @@
               </a:rPr>
               <a:t>Adapted for requirements management, e.g., by using templates and predefined document formats</a:t>
             </a:r>
-            <a:endParaRPr b="0" lang="en-GB" sz="1800" spc="-1" strike="noStrike">
+            <a:endParaRPr b="0" lang="en-US" sz="1800" spc="-1" strike="noStrike">
+              <a:solidFill>
+                <a:srgbClr val="000000"/>
+              </a:solidFill>
               <a:latin typeface="Arial"/>
             </a:endParaRPr>
           </a:p>
@@ -9531,7 +10458,10 @@
               </a:rPr>
               <a:t>Allow traceability to some degree through hyperlinks</a:t>
             </a:r>
-            <a:endParaRPr b="0" lang="en-GB" sz="1800" spc="-1" strike="noStrike">
+            <a:endParaRPr b="0" lang="en-US" sz="1800" spc="-1" strike="noStrike">
+              <a:solidFill>
+                <a:srgbClr val="000000"/>
+              </a:solidFill>
               <a:latin typeface="Arial"/>
             </a:endParaRPr>
           </a:p>
@@ -9576,7 +10506,7 @@
         <p:spPr>
           <a:xfrm>
             <a:off x="542880" y="721800"/>
-            <a:ext cx="10357200" cy="497880"/>
+            <a:ext cx="10356840" cy="497520"/>
           </a:xfrm>
           <a:prstGeom prst="rect">
             <a:avLst/>
@@ -9612,7 +10542,10 @@
               </a:rPr>
               <a:t>Requirements Management Tools </a:t>
             </a:r>
-            <a:endParaRPr b="0" lang="en-GB" sz="2200" spc="-1" strike="noStrike">
+            <a:endParaRPr b="0" lang="en-US" sz="2200" spc="-1" strike="noStrike">
+              <a:solidFill>
+                <a:srgbClr val="000000"/>
+              </a:solidFill>
               <a:latin typeface="Arial"/>
             </a:endParaRPr>
           </a:p>
@@ -9627,7 +10560,7 @@
         <p:spPr>
           <a:xfrm>
             <a:off x="542880" y="1267200"/>
-            <a:ext cx="10357200" cy="497880"/>
+            <a:ext cx="10356840" cy="497520"/>
           </a:xfrm>
           <a:prstGeom prst="rect">
             <a:avLst/>
@@ -9663,7 +10596,10 @@
               </a:rPr>
               <a:t>Standard Office Tools</a:t>
             </a:r>
-            <a:endParaRPr b="0" lang="en-GB" sz="2200" spc="-1" strike="noStrike">
+            <a:endParaRPr b="0" lang="en-US" sz="2200" spc="-1" strike="noStrike">
+              <a:solidFill>
+                <a:srgbClr val="000000"/>
+              </a:solidFill>
               <a:latin typeface="Arial"/>
             </a:endParaRPr>
           </a:p>
@@ -9678,7 +10614,7 @@
         <p:spPr>
           <a:xfrm>
             <a:off x="451800" y="1709280"/>
-            <a:ext cx="8224560" cy="4352760"/>
+            <a:ext cx="8224200" cy="4352400"/>
           </a:xfrm>
           <a:prstGeom prst="rect">
             <a:avLst/>
@@ -9694,6 +10630,19 @@
           <a:effectRef idx="0"/>
           <a:fontRef idx="minor"/>
         </p:style>
+        <p:txBody>
+          <a:bodyPr lIns="90000" rIns="90000" tIns="45000" bIns="45000" anchor="t">
+            <a:noAutofit/>
+          </a:bodyPr>
+          <a:p>
+            <a:endParaRPr b="0" lang="en-US" sz="1800" spc="-1" strike="noStrike">
+              <a:solidFill>
+                <a:srgbClr val="000000"/>
+              </a:solidFill>
+              <a:latin typeface="Arial"/>
+            </a:endParaRPr>
+          </a:p>
+        </p:txBody>
       </p:sp>
       <p:sp>
         <p:nvSpPr>
@@ -9708,7 +10657,7 @@
         <p:spPr>
           <a:xfrm>
             <a:off x="609480" y="1769400"/>
-            <a:ext cx="10587600" cy="4855680"/>
+            <a:ext cx="10587240" cy="4855320"/>
           </a:xfrm>
           <a:prstGeom prst="rect">
             <a:avLst/>
@@ -9748,7 +10697,10 @@
               </a:rPr>
               <a:t>Disadvantages</a:t>
             </a:r>
-            <a:endParaRPr b="0" lang="en-GB" sz="2000" spc="-1" strike="noStrike">
+            <a:endParaRPr b="0" lang="en-US" sz="2000" spc="-1" strike="noStrike">
+              <a:solidFill>
+                <a:srgbClr val="000000"/>
+              </a:solidFill>
               <a:latin typeface="Arial"/>
             </a:endParaRPr>
           </a:p>
@@ -9777,7 +10729,10 @@
               </a:rPr>
               <a:t>Do not offer version control on the level of requirements</a:t>
             </a:r>
-            <a:endParaRPr b="0" lang="en-GB" sz="1800" spc="-1" strike="noStrike">
+            <a:endParaRPr b="0" lang="en-US" sz="1800" spc="-1" strike="noStrike">
+              <a:solidFill>
+                <a:srgbClr val="000000"/>
+              </a:solidFill>
               <a:latin typeface="Arial"/>
             </a:endParaRPr>
           </a:p>
@@ -9806,7 +10761,10 @@
               </a:rPr>
               <a:t>Do not directly support requirements engineering, e.g., traceability links often have to be maintained manually</a:t>
             </a:r>
-            <a:endParaRPr b="0" lang="en-GB" sz="1800" spc="-1" strike="noStrike">
+            <a:endParaRPr b="0" lang="en-US" sz="1800" spc="-1" strike="noStrike">
+              <a:solidFill>
+                <a:srgbClr val="000000"/>
+              </a:solidFill>
               <a:latin typeface="Arial"/>
             </a:endParaRPr>
           </a:p>
@@ -9823,7 +10781,10 @@
                 <a:tab algn="l" pos="0"/>
               </a:tabLst>
             </a:pPr>
-            <a:endParaRPr b="0" lang="en-GB" sz="1800" spc="-1" strike="noStrike">
+            <a:endParaRPr b="0" lang="en-US" sz="1800" spc="-1" strike="noStrike">
+              <a:solidFill>
+                <a:srgbClr val="000000"/>
+              </a:solidFill>
               <a:latin typeface="Arial"/>
             </a:endParaRPr>
           </a:p>
@@ -9855,7 +10816,10 @@
               </a:rPr>
               <a:t>Drawbacks can be worked around</a:t>
             </a:r>
-            <a:endParaRPr b="0" lang="en-GB" sz="2000" spc="-1" strike="noStrike">
+            <a:endParaRPr b="0" lang="en-US" sz="2000" spc="-1" strike="noStrike">
+              <a:solidFill>
+                <a:srgbClr val="000000"/>
+              </a:solidFill>
               <a:latin typeface="Arial"/>
             </a:endParaRPr>
           </a:p>
@@ -9887,7 +10851,10 @@
               </a:rPr>
               <a:t>Still, the efficiency is lower than with a dedicated tool</a:t>
             </a:r>
-            <a:endParaRPr b="0" lang="en-GB" sz="1800" spc="-1" strike="noStrike">
+            <a:endParaRPr b="0" lang="en-US" sz="1800" spc="-1" strike="noStrike">
+              <a:solidFill>
+                <a:srgbClr val="000000"/>
+              </a:solidFill>
               <a:latin typeface="Arial"/>
             </a:endParaRPr>
           </a:p>
@@ -9932,7 +10899,7 @@
         <p:spPr>
           <a:xfrm>
             <a:off x="335520" y="4406760"/>
-            <a:ext cx="10748880" cy="1357920"/>
+            <a:ext cx="10748520" cy="1357560"/>
           </a:xfrm>
           <a:prstGeom prst="rect">
             <a:avLst/>
@@ -9968,7 +10935,10 @@
               </a:rPr>
               <a:t>Introducing and Evaluating Tools</a:t>
             </a:r>
-            <a:endParaRPr b="0" lang="en-GB" sz="3000" spc="-1" strike="noStrike">
+            <a:endParaRPr b="0" lang="en-US" sz="3000" spc="-1" strike="noStrike">
+              <a:solidFill>
+                <a:srgbClr val="000000"/>
+              </a:solidFill>
               <a:latin typeface="Arial"/>
             </a:endParaRPr>
           </a:p>
@@ -9988,7 +10958,10 @@
               </a:rPr>
               <a:t> </a:t>
             </a:r>
-            <a:endParaRPr b="0" lang="en-GB" sz="3000" spc="-1" strike="noStrike">
+            <a:endParaRPr b="0" lang="en-US" sz="3000" spc="-1" strike="noStrike">
+              <a:solidFill>
+                <a:srgbClr val="000000"/>
+              </a:solidFill>
               <a:latin typeface="Arial"/>
             </a:endParaRPr>
           </a:p>
@@ -9998,7 +10971,10 @@
                 <a:spcPct val="100000"/>
               </a:lnSpc>
             </a:pPr>
-            <a:endParaRPr b="0" lang="en-GB" sz="3000" spc="-1" strike="noStrike">
+            <a:endParaRPr b="0" lang="en-US" sz="3000" spc="-1" strike="noStrike">
+              <a:solidFill>
+                <a:srgbClr val="000000"/>
+              </a:solidFill>
               <a:latin typeface="Arial"/>
             </a:endParaRPr>
           </a:p>
@@ -10013,7 +10989,7 @@
         <p:spPr>
           <a:xfrm>
             <a:off x="335520" y="2906640"/>
-            <a:ext cx="10748880" cy="1495800"/>
+            <a:ext cx="10748520" cy="1495440"/>
           </a:xfrm>
           <a:prstGeom prst="rect">
             <a:avLst/>
@@ -10029,6 +11005,19 @@
           <a:effectRef idx="0"/>
           <a:fontRef idx="minor"/>
         </p:style>
+        <p:txBody>
+          <a:bodyPr lIns="90000" rIns="90000" tIns="45000" bIns="45000" anchor="t">
+            <a:noAutofit/>
+          </a:bodyPr>
+          <a:p>
+            <a:endParaRPr b="0" lang="en-US" sz="1800" spc="-1" strike="noStrike">
+              <a:solidFill>
+                <a:srgbClr val="000000"/>
+              </a:solidFill>
+              <a:latin typeface="Arial"/>
+            </a:endParaRPr>
+          </a:p>
+        </p:txBody>
       </p:sp>
     </p:spTree>
   </p:cSld>
@@ -10069,7 +11058,7 @@
         <p:spPr>
           <a:xfrm>
             <a:off x="542880" y="721800"/>
-            <a:ext cx="10357200" cy="497880"/>
+            <a:ext cx="10356840" cy="497520"/>
           </a:xfrm>
           <a:prstGeom prst="rect">
             <a:avLst/>
@@ -10105,7 +11094,10 @@
               </a:rPr>
               <a:t>Introducing and Evaluating Tools</a:t>
             </a:r>
-            <a:endParaRPr b="0" lang="en-GB" sz="2200" spc="-1" strike="noStrike">
+            <a:endParaRPr b="0" lang="en-US" sz="2200" spc="-1" strike="noStrike">
+              <a:solidFill>
+                <a:srgbClr val="000000"/>
+              </a:solidFill>
               <a:latin typeface="Arial"/>
             </a:endParaRPr>
           </a:p>
@@ -10120,7 +11112,7 @@
         <p:spPr>
           <a:xfrm>
             <a:off x="542880" y="1267200"/>
-            <a:ext cx="10357200" cy="497880"/>
+            <a:ext cx="10356840" cy="497520"/>
           </a:xfrm>
           <a:prstGeom prst="rect">
             <a:avLst/>
@@ -10156,7 +11148,10 @@
               </a:rPr>
               <a:t>Before Introducing Tools</a:t>
             </a:r>
-            <a:endParaRPr b="0" lang="en-GB" sz="2200" spc="-1" strike="noStrike">
+            <a:endParaRPr b="0" lang="en-US" sz="2200" spc="-1" strike="noStrike">
+              <a:solidFill>
+                <a:srgbClr val="000000"/>
+              </a:solidFill>
               <a:latin typeface="Arial"/>
             </a:endParaRPr>
           </a:p>
@@ -10171,7 +11166,7 @@
         <p:spPr>
           <a:xfrm>
             <a:off x="451800" y="1709280"/>
-            <a:ext cx="8224560" cy="4352760"/>
+            <a:ext cx="8224200" cy="4352400"/>
           </a:xfrm>
           <a:prstGeom prst="rect">
             <a:avLst/>
@@ -10187,6 +11182,19 @@
           <a:effectRef idx="0"/>
           <a:fontRef idx="minor"/>
         </p:style>
+        <p:txBody>
+          <a:bodyPr lIns="90000" rIns="90000" tIns="45000" bIns="45000" anchor="t">
+            <a:noAutofit/>
+          </a:bodyPr>
+          <a:p>
+            <a:endParaRPr b="0" lang="en-US" sz="1800" spc="-1" strike="noStrike">
+              <a:solidFill>
+                <a:srgbClr val="000000"/>
+              </a:solidFill>
+              <a:latin typeface="Arial"/>
+            </a:endParaRPr>
+          </a:p>
+        </p:txBody>
       </p:sp>
       <p:sp>
         <p:nvSpPr>
@@ -10201,7 +11209,7 @@
         <p:spPr>
           <a:xfrm>
             <a:off x="609480" y="1769400"/>
-            <a:ext cx="10587600" cy="4855680"/>
+            <a:ext cx="10587240" cy="4855320"/>
           </a:xfrm>
           <a:prstGeom prst="rect">
             <a:avLst/>
@@ -10240,7 +11248,10 @@
               </a:rPr>
               <a:t>Tools support existing processes</a:t>
             </a:r>
-            <a:endParaRPr b="0" lang="en-GB" sz="2000" spc="-1" strike="noStrike">
+            <a:endParaRPr b="0" lang="en-US" sz="2000" spc="-1" strike="noStrike">
+              <a:solidFill>
+                <a:srgbClr val="000000"/>
+              </a:solidFill>
               <a:latin typeface="Arial"/>
             </a:endParaRPr>
           </a:p>
@@ -10269,7 +11280,10 @@
               </a:rPr>
               <a:t>Process needs to be in place</a:t>
             </a:r>
-            <a:endParaRPr b="0" lang="en-GB" sz="1800" spc="-1" strike="noStrike">
+            <a:endParaRPr b="0" lang="en-US" sz="1800" spc="-1" strike="noStrike">
+              <a:solidFill>
+                <a:srgbClr val="000000"/>
+              </a:solidFill>
               <a:latin typeface="Arial"/>
             </a:endParaRPr>
           </a:p>
@@ -10298,7 +11312,10 @@
               </a:rPr>
               <a:t>Responsibilities must be clear</a:t>
             </a:r>
-            <a:endParaRPr b="0" lang="en-GB" sz="1800" spc="-1" strike="noStrike">
+            <a:endParaRPr b="0" lang="en-US" sz="1800" spc="-1" strike="noStrike">
+              <a:solidFill>
+                <a:srgbClr val="000000"/>
+              </a:solidFill>
               <a:latin typeface="Arial"/>
             </a:endParaRPr>
           </a:p>
@@ -10327,7 +11344,10 @@
               </a:rPr>
               <a:t>Techniques must be known</a:t>
             </a:r>
-            <a:endParaRPr b="0" lang="en-GB" sz="1800" spc="-1" strike="noStrike">
+            <a:endParaRPr b="0" lang="en-US" sz="1800" spc="-1" strike="noStrike">
+              <a:solidFill>
+                <a:srgbClr val="000000"/>
+              </a:solidFill>
               <a:latin typeface="Arial"/>
             </a:endParaRPr>
           </a:p>
@@ -10356,7 +11376,10 @@
               </a:rPr>
               <a:t>People must be able to follow all this</a:t>
             </a:r>
-            <a:endParaRPr b="0" lang="en-GB" sz="1800" spc="-1" strike="noStrike">
+            <a:endParaRPr b="0" lang="en-US" sz="1800" spc="-1" strike="noStrike">
+              <a:solidFill>
+                <a:srgbClr val="000000"/>
+              </a:solidFill>
               <a:latin typeface="Arial"/>
             </a:endParaRPr>
           </a:p>
@@ -10373,7 +11396,10 @@
                 <a:tab algn="l" pos="0"/>
               </a:tabLst>
             </a:pPr>
-            <a:endParaRPr b="0" lang="en-GB" sz="1800" spc="-1" strike="noStrike">
+            <a:endParaRPr b="0" lang="en-US" sz="1800" spc="-1" strike="noStrike">
+              <a:solidFill>
+                <a:srgbClr val="000000"/>
+              </a:solidFill>
               <a:latin typeface="Arial"/>
             </a:endParaRPr>
           </a:p>
@@ -10410,7 +11436,10 @@
               </a:rPr>
               <a:t>Automating chaos just gives faster chaos“ (Dorothy Graham)</a:t>
             </a:r>
-            <a:endParaRPr b="0" lang="en-GB" sz="2000" spc="-1" strike="noStrike">
+            <a:endParaRPr b="0" lang="en-US" sz="2000" spc="-1" strike="noStrike">
+              <a:solidFill>
+                <a:srgbClr val="000000"/>
+              </a:solidFill>
               <a:latin typeface="Arial"/>
             </a:endParaRPr>
           </a:p>
@@ -10455,7 +11484,7 @@
         <p:spPr>
           <a:xfrm>
             <a:off x="542880" y="721800"/>
-            <a:ext cx="10357200" cy="497880"/>
+            <a:ext cx="10356840" cy="497520"/>
           </a:xfrm>
           <a:prstGeom prst="rect">
             <a:avLst/>
@@ -10491,7 +11520,10 @@
               </a:rPr>
               <a:t>General Requirements Engineering Process</a:t>
             </a:r>
-            <a:endParaRPr b="0" lang="en-GB" sz="2200" spc="-1" strike="noStrike">
+            <a:endParaRPr b="0" lang="en-US" sz="2200" spc="-1" strike="noStrike">
+              <a:solidFill>
+                <a:srgbClr val="000000"/>
+              </a:solidFill>
               <a:latin typeface="Arial"/>
             </a:endParaRPr>
           </a:p>
@@ -10506,7 +11538,7 @@
         <p:spPr>
           <a:xfrm>
             <a:off x="542880" y="1267200"/>
-            <a:ext cx="10357200" cy="497880"/>
+            <a:ext cx="10356840" cy="497520"/>
           </a:xfrm>
           <a:prstGeom prst="rect">
             <a:avLst/>
@@ -10542,7 +11574,10 @@
               </a:rPr>
               <a:t>Overview</a:t>
             </a:r>
-            <a:endParaRPr b="0" lang="en-GB" sz="2200" spc="-1" strike="noStrike">
+            <a:endParaRPr b="0" lang="en-US" sz="2200" spc="-1" strike="noStrike">
+              <a:solidFill>
+                <a:srgbClr val="000000"/>
+              </a:solidFill>
               <a:latin typeface="Arial"/>
             </a:endParaRPr>
           </a:p>
@@ -10561,7 +11596,7 @@
         <p:spPr>
           <a:xfrm>
             <a:off x="542880" y="2387520"/>
-            <a:ext cx="10102320" cy="2079720"/>
+            <a:ext cx="10101960" cy="2079360"/>
           </a:xfrm>
           <a:prstGeom prst="rect">
             <a:avLst/>
@@ -10580,7 +11615,7 @@
         <p:spPr>
           <a:xfrm>
             <a:off x="453960" y="2309760"/>
-            <a:ext cx="10281240" cy="2258640"/>
+            <a:ext cx="10280880" cy="2258280"/>
           </a:xfrm>
           <a:prstGeom prst="frame">
             <a:avLst>
@@ -10611,6 +11646,19 @@
           </a:effectRef>
           <a:fontRef idx="minor"/>
         </p:style>
+        <p:txBody>
+          <a:bodyPr lIns="90000" rIns="90000" tIns="45000" bIns="45000" anchor="t">
+            <a:noAutofit/>
+          </a:bodyPr>
+          <a:p>
+            <a:endParaRPr b="0" lang="en-US" sz="1800" spc="-1" strike="noStrike">
+              <a:solidFill>
+                <a:srgbClr val="000000"/>
+              </a:solidFill>
+              <a:latin typeface="Arial"/>
+            </a:endParaRPr>
+          </a:p>
+        </p:txBody>
       </p:sp>
     </p:spTree>
   </p:cSld>
@@ -10651,7 +11699,7 @@
         <p:spPr>
           <a:xfrm>
             <a:off x="542880" y="721800"/>
-            <a:ext cx="10357200" cy="497880"/>
+            <a:ext cx="10356840" cy="497520"/>
           </a:xfrm>
           <a:prstGeom prst="rect">
             <a:avLst/>
@@ -10687,7 +11735,10 @@
               </a:rPr>
               <a:t>Introducing and Evaluating Tools</a:t>
             </a:r>
-            <a:endParaRPr b="0" lang="en-GB" sz="2200" spc="-1" strike="noStrike">
+            <a:endParaRPr b="0" lang="en-US" sz="2200" spc="-1" strike="noStrike">
+              <a:solidFill>
+                <a:srgbClr val="000000"/>
+              </a:solidFill>
               <a:latin typeface="Arial"/>
             </a:endParaRPr>
           </a:p>
@@ -10702,7 +11753,7 @@
         <p:spPr>
           <a:xfrm>
             <a:off x="542880" y="1267200"/>
-            <a:ext cx="10357200" cy="497880"/>
+            <a:ext cx="10356840" cy="497520"/>
           </a:xfrm>
           <a:prstGeom prst="rect">
             <a:avLst/>
@@ -10738,7 +11789,10 @@
               </a:rPr>
               <a:t>Before Introducing Tools</a:t>
             </a:r>
-            <a:endParaRPr b="0" lang="en-GB" sz="2200" spc="-1" strike="noStrike">
+            <a:endParaRPr b="0" lang="en-US" sz="2200" spc="-1" strike="noStrike">
+              <a:solidFill>
+                <a:srgbClr val="000000"/>
+              </a:solidFill>
               <a:latin typeface="Arial"/>
             </a:endParaRPr>
           </a:p>
@@ -10753,7 +11807,7 @@
         <p:spPr>
           <a:xfrm>
             <a:off x="451800" y="1709280"/>
-            <a:ext cx="8224560" cy="4352760"/>
+            <a:ext cx="8224200" cy="4352400"/>
           </a:xfrm>
           <a:prstGeom prst="rect">
             <a:avLst/>
@@ -10769,6 +11823,19 @@
           <a:effectRef idx="0"/>
           <a:fontRef idx="minor"/>
         </p:style>
+        <p:txBody>
+          <a:bodyPr lIns="90000" rIns="90000" tIns="45000" bIns="45000" anchor="t">
+            <a:noAutofit/>
+          </a:bodyPr>
+          <a:p>
+            <a:endParaRPr b="0" lang="en-US" sz="1800" spc="-1" strike="noStrike">
+              <a:solidFill>
+                <a:srgbClr val="000000"/>
+              </a:solidFill>
+              <a:latin typeface="Arial"/>
+            </a:endParaRPr>
+          </a:p>
+        </p:txBody>
       </p:sp>
       <p:sp>
         <p:nvSpPr>
@@ -10783,7 +11850,7 @@
         <p:spPr>
           <a:xfrm>
             <a:off x="609480" y="1769400"/>
-            <a:ext cx="10587600" cy="4855680"/>
+            <a:ext cx="10587240" cy="4855320"/>
           </a:xfrm>
           <a:prstGeom prst="rect">
             <a:avLst/>
@@ -10822,7 +11889,10 @@
               </a:rPr>
               <a:t>Choice and introduction of tool costs resources</a:t>
             </a:r>
-            <a:endParaRPr b="0" lang="en-GB" sz="2000" spc="-1" strike="noStrike">
+            <a:endParaRPr b="0" lang="en-US" sz="2000" spc="-1" strike="noStrike">
+              <a:solidFill>
+                <a:srgbClr val="000000"/>
+              </a:solidFill>
               <a:latin typeface="Arial"/>
             </a:endParaRPr>
           </a:p>
@@ -10851,7 +11921,10 @@
               </a:rPr>
               <a:t>Licensing costs</a:t>
             </a:r>
-            <a:endParaRPr b="0" lang="en-GB" sz="1800" spc="-1" strike="noStrike">
+            <a:endParaRPr b="0" lang="en-US" sz="1800" spc="-1" strike="noStrike">
+              <a:solidFill>
+                <a:srgbClr val="000000"/>
+              </a:solidFill>
               <a:latin typeface="Arial"/>
             </a:endParaRPr>
           </a:p>
@@ -10880,7 +11953,10 @@
               </a:rPr>
               <a:t>Training costs</a:t>
             </a:r>
-            <a:endParaRPr b="0" lang="en-GB" sz="1800" spc="-1" strike="noStrike">
+            <a:endParaRPr b="0" lang="en-US" sz="1800" spc="-1" strike="noStrike">
+              <a:solidFill>
+                <a:srgbClr val="000000"/>
+              </a:solidFill>
               <a:latin typeface="Arial"/>
             </a:endParaRPr>
           </a:p>
@@ -10909,7 +11985,10 @@
               </a:rPr>
               <a:t>Customization costs</a:t>
             </a:r>
-            <a:endParaRPr b="0" lang="en-GB" sz="1800" spc="-1" strike="noStrike">
+            <a:endParaRPr b="0" lang="en-US" sz="1800" spc="-1" strike="noStrike">
+              <a:solidFill>
+                <a:srgbClr val="000000"/>
+              </a:solidFill>
               <a:latin typeface="Arial"/>
             </a:endParaRPr>
           </a:p>
@@ -10938,7 +12017,10 @@
               </a:rPr>
               <a:t>Support costs</a:t>
             </a:r>
-            <a:endParaRPr b="0" lang="en-GB" sz="1800" spc="-1" strike="noStrike">
+            <a:endParaRPr b="0" lang="en-US" sz="1800" spc="-1" strike="noStrike">
+              <a:solidFill>
+                <a:srgbClr val="000000"/>
+              </a:solidFill>
               <a:latin typeface="Arial"/>
             </a:endParaRPr>
           </a:p>
@@ -10967,7 +12049,10 @@
               </a:rPr>
               <a:t>Not only current, but possible future efforts</a:t>
             </a:r>
-            <a:endParaRPr b="0" lang="en-GB" sz="1800" spc="-1" strike="noStrike">
+            <a:endParaRPr b="0" lang="en-US" sz="1800" spc="-1" strike="noStrike">
+              <a:solidFill>
+                <a:srgbClr val="000000"/>
+              </a:solidFill>
               <a:latin typeface="Arial"/>
             </a:endParaRPr>
           </a:p>
@@ -10996,7 +12081,10 @@
               </a:rPr>
               <a:t>Adaption of already existing artifacts may further increase the costs</a:t>
             </a:r>
-            <a:endParaRPr b="0" lang="en-GB" sz="1800" spc="-1" strike="noStrike">
+            <a:endParaRPr b="0" lang="en-US" sz="1800" spc="-1" strike="noStrike">
+              <a:solidFill>
+                <a:srgbClr val="000000"/>
+              </a:solidFill>
               <a:latin typeface="Arial"/>
             </a:endParaRPr>
           </a:p>
@@ -11041,7 +12129,7 @@
         <p:spPr>
           <a:xfrm>
             <a:off x="542880" y="721800"/>
-            <a:ext cx="10357200" cy="497880"/>
+            <a:ext cx="10356840" cy="497520"/>
           </a:xfrm>
           <a:prstGeom prst="rect">
             <a:avLst/>
@@ -11077,7 +12165,10 @@
               </a:rPr>
               <a:t>Introducing and Evaluating Tools</a:t>
             </a:r>
-            <a:endParaRPr b="0" lang="en-GB" sz="2200" spc="-1" strike="noStrike">
+            <a:endParaRPr b="0" lang="en-US" sz="2200" spc="-1" strike="noStrike">
+              <a:solidFill>
+                <a:srgbClr val="000000"/>
+              </a:solidFill>
               <a:latin typeface="Arial"/>
             </a:endParaRPr>
           </a:p>
@@ -11092,7 +12183,7 @@
         <p:spPr>
           <a:xfrm>
             <a:off x="542880" y="1267200"/>
-            <a:ext cx="10357200" cy="497880"/>
+            <a:ext cx="10356840" cy="497520"/>
           </a:xfrm>
           <a:prstGeom prst="rect">
             <a:avLst/>
@@ -11128,7 +12219,10 @@
               </a:rPr>
               <a:t>Before Introducing Tools</a:t>
             </a:r>
-            <a:endParaRPr b="0" lang="en-GB" sz="2200" spc="-1" strike="noStrike">
+            <a:endParaRPr b="0" lang="en-US" sz="2200" spc="-1" strike="noStrike">
+              <a:solidFill>
+                <a:srgbClr val="000000"/>
+              </a:solidFill>
               <a:latin typeface="Arial"/>
             </a:endParaRPr>
           </a:p>
@@ -11143,7 +12237,7 @@
         <p:spPr>
           <a:xfrm>
             <a:off x="451800" y="1709280"/>
-            <a:ext cx="8224560" cy="4352760"/>
+            <a:ext cx="8224200" cy="4352400"/>
           </a:xfrm>
           <a:prstGeom prst="rect">
             <a:avLst/>
@@ -11159,6 +12253,19 @@
           <a:effectRef idx="0"/>
           <a:fontRef idx="minor"/>
         </p:style>
+        <p:txBody>
+          <a:bodyPr lIns="90000" rIns="90000" tIns="45000" bIns="45000" anchor="t">
+            <a:noAutofit/>
+          </a:bodyPr>
+          <a:p>
+            <a:endParaRPr b="0" lang="en-US" sz="1800" spc="-1" strike="noStrike">
+              <a:solidFill>
+                <a:srgbClr val="000000"/>
+              </a:solidFill>
+              <a:latin typeface="Arial"/>
+            </a:endParaRPr>
+          </a:p>
+        </p:txBody>
       </p:sp>
       <p:sp>
         <p:nvSpPr>
@@ -11173,7 +12280,7 @@
         <p:spPr>
           <a:xfrm>
             <a:off x="609480" y="1769400"/>
-            <a:ext cx="10587600" cy="4855680"/>
+            <a:ext cx="10587240" cy="4855320"/>
           </a:xfrm>
           <a:prstGeom prst="rect">
             <a:avLst/>
@@ -11212,7 +12319,10 @@
               </a:rPr>
               <a:t>Introduction into already started projects difficult</a:t>
             </a:r>
-            <a:endParaRPr b="0" lang="en-GB" sz="2000" spc="-1" strike="noStrike">
+            <a:endParaRPr b="0" lang="en-US" sz="2000" spc="-1" strike="noStrike">
+              <a:solidFill>
+                <a:srgbClr val="000000"/>
+              </a:solidFill>
               <a:latin typeface="Arial"/>
             </a:endParaRPr>
           </a:p>
@@ -11241,7 +12351,10 @@
               </a:rPr>
               <a:t>Structure in place</a:t>
             </a:r>
-            <a:endParaRPr b="0" lang="en-GB" sz="1800" spc="-1" strike="noStrike">
+            <a:endParaRPr b="0" lang="en-US" sz="1800" spc="-1" strike="noStrike">
+              <a:solidFill>
+                <a:srgbClr val="000000"/>
+              </a:solidFill>
               <a:latin typeface="Arial"/>
             </a:endParaRPr>
           </a:p>
@@ -11270,7 +12383,10 @@
               </a:rPr>
               <a:t>Existing concepts would have to be replaced</a:t>
             </a:r>
-            <a:endParaRPr b="0" lang="en-GB" sz="1800" spc="-1" strike="noStrike">
+            <a:endParaRPr b="0" lang="en-US" sz="1800" spc="-1" strike="noStrike">
+              <a:solidFill>
+                <a:srgbClr val="000000"/>
+              </a:solidFill>
               <a:latin typeface="Arial"/>
             </a:endParaRPr>
           </a:p>
@@ -11299,7 +12415,10 @@
               </a:rPr>
               <a:t>Effort and risk can be estimated</a:t>
             </a:r>
-            <a:endParaRPr b="0" lang="en-GB" sz="1800" spc="-1" strike="noStrike">
+            <a:endParaRPr b="0" lang="en-US" sz="1800" spc="-1" strike="noStrike">
+              <a:solidFill>
+                <a:srgbClr val="000000"/>
+              </a:solidFill>
               <a:latin typeface="Arial"/>
             </a:endParaRPr>
           </a:p>
@@ -11328,7 +12447,10 @@
               </a:rPr>
               <a:t>Often underestimated due to multiple factors</a:t>
             </a:r>
-            <a:endParaRPr b="0" lang="en-GB" sz="1800" spc="-1" strike="noStrike">
+            <a:endParaRPr b="0" lang="en-US" sz="1800" spc="-1" strike="noStrike">
+              <a:solidFill>
+                <a:srgbClr val="000000"/>
+              </a:solidFill>
               <a:latin typeface="Arial"/>
             </a:endParaRPr>
           </a:p>
@@ -11357,7 +12479,10 @@
               </a:rPr>
               <a:t>Employee resistance</a:t>
             </a:r>
-            <a:endParaRPr b="0" lang="en-GB" sz="2000" spc="-1" strike="noStrike">
+            <a:endParaRPr b="0" lang="en-US" sz="2000" spc="-1" strike="noStrike">
+              <a:solidFill>
+                <a:srgbClr val="000000"/>
+              </a:solidFill>
               <a:latin typeface="Arial"/>
             </a:endParaRPr>
           </a:p>
@@ -11397,7 +12522,10 @@
               </a:rPr>
               <a:t>Instead → </a:t>
             </a:r>
-            <a:endParaRPr b="0" lang="en-GB" sz="2000" spc="-1" strike="noStrike">
+            <a:endParaRPr b="0" lang="en-US" sz="2000" spc="-1" strike="noStrike">
+              <a:solidFill>
+                <a:srgbClr val="000000"/>
+              </a:solidFill>
               <a:latin typeface="Arial"/>
             </a:endParaRPr>
           </a:p>
@@ -11442,7 +12570,7 @@
         <p:spPr>
           <a:xfrm>
             <a:off x="542880" y="721800"/>
-            <a:ext cx="10357200" cy="497880"/>
+            <a:ext cx="10356840" cy="497520"/>
           </a:xfrm>
           <a:prstGeom prst="rect">
             <a:avLst/>
@@ -11478,7 +12606,10 @@
               </a:rPr>
               <a:t>Introducing and Evaluating Tools</a:t>
             </a:r>
-            <a:endParaRPr b="0" lang="en-GB" sz="2200" spc="-1" strike="noStrike">
+            <a:endParaRPr b="0" lang="en-US" sz="2200" spc="-1" strike="noStrike">
+              <a:solidFill>
+                <a:srgbClr val="000000"/>
+              </a:solidFill>
               <a:latin typeface="Arial"/>
             </a:endParaRPr>
           </a:p>
@@ -11493,7 +12624,7 @@
         <p:spPr>
           <a:xfrm>
             <a:off x="542880" y="1267200"/>
-            <a:ext cx="10357200" cy="497880"/>
+            <a:ext cx="10356840" cy="497520"/>
           </a:xfrm>
           <a:prstGeom prst="rect">
             <a:avLst/>
@@ -11529,7 +12660,10 @@
               </a:rPr>
               <a:t>Before Introducing Tools</a:t>
             </a:r>
-            <a:endParaRPr b="0" lang="en-GB" sz="2200" spc="-1" strike="noStrike">
+            <a:endParaRPr b="0" lang="en-US" sz="2200" spc="-1" strike="noStrike">
+              <a:solidFill>
+                <a:srgbClr val="000000"/>
+              </a:solidFill>
               <a:latin typeface="Arial"/>
             </a:endParaRPr>
           </a:p>
@@ -11544,7 +12678,7 @@
         <p:spPr>
           <a:xfrm>
             <a:off x="451800" y="1709280"/>
-            <a:ext cx="8224560" cy="4352760"/>
+            <a:ext cx="8224200" cy="4352400"/>
           </a:xfrm>
           <a:prstGeom prst="rect">
             <a:avLst/>
@@ -11560,6 +12694,19 @@
           <a:effectRef idx="0"/>
           <a:fontRef idx="minor"/>
         </p:style>
+        <p:txBody>
+          <a:bodyPr lIns="90000" rIns="90000" tIns="45000" bIns="45000" anchor="t">
+            <a:noAutofit/>
+          </a:bodyPr>
+          <a:p>
+            <a:endParaRPr b="0" lang="en-US" sz="1800" spc="-1" strike="noStrike">
+              <a:solidFill>
+                <a:srgbClr val="000000"/>
+              </a:solidFill>
+              <a:latin typeface="Arial"/>
+            </a:endParaRPr>
+          </a:p>
+        </p:txBody>
       </p:sp>
       <p:sp>
         <p:nvSpPr>
@@ -11574,7 +12721,7 @@
         <p:spPr>
           <a:xfrm>
             <a:off x="609480" y="1769400"/>
-            <a:ext cx="10587600" cy="4855680"/>
+            <a:ext cx="10587240" cy="4855320"/>
           </a:xfrm>
           <a:prstGeom prst="rect">
             <a:avLst/>
@@ -11613,7 +12760,10 @@
               </a:rPr>
               <a:t>Introduction into already started projects difficult</a:t>
             </a:r>
-            <a:endParaRPr b="0" lang="en-GB" sz="2000" spc="-1" strike="noStrike">
+            <a:endParaRPr b="0" lang="en-US" sz="2000" spc="-1" strike="noStrike">
+              <a:solidFill>
+                <a:srgbClr val="000000"/>
+              </a:solidFill>
               <a:latin typeface="Arial"/>
             </a:endParaRPr>
           </a:p>
@@ -11642,7 +12792,10 @@
               </a:rPr>
               <a:t>Structure in place</a:t>
             </a:r>
-            <a:endParaRPr b="0" lang="en-GB" sz="1800" spc="-1" strike="noStrike">
+            <a:endParaRPr b="0" lang="en-US" sz="1800" spc="-1" strike="noStrike">
+              <a:solidFill>
+                <a:srgbClr val="000000"/>
+              </a:solidFill>
               <a:latin typeface="Arial"/>
             </a:endParaRPr>
           </a:p>
@@ -11671,7 +12824,10 @@
               </a:rPr>
               <a:t>Existing concepts would have to be replaced</a:t>
             </a:r>
-            <a:endParaRPr b="0" lang="en-GB" sz="1800" spc="-1" strike="noStrike">
+            <a:endParaRPr b="0" lang="en-US" sz="1800" spc="-1" strike="noStrike">
+              <a:solidFill>
+                <a:srgbClr val="000000"/>
+              </a:solidFill>
               <a:latin typeface="Arial"/>
             </a:endParaRPr>
           </a:p>
@@ -11700,7 +12856,10 @@
               </a:rPr>
               <a:t>Effort and risk can be estimated</a:t>
             </a:r>
-            <a:endParaRPr b="0" lang="en-GB" sz="1800" spc="-1" strike="noStrike">
+            <a:endParaRPr b="0" lang="en-US" sz="1800" spc="-1" strike="noStrike">
+              <a:solidFill>
+                <a:srgbClr val="000000"/>
+              </a:solidFill>
               <a:latin typeface="Arial"/>
             </a:endParaRPr>
           </a:p>
@@ -11729,7 +12888,10 @@
               </a:rPr>
               <a:t>Often underestimated due to multiple factors</a:t>
             </a:r>
-            <a:endParaRPr b="0" lang="en-GB" sz="1800" spc="-1" strike="noStrike">
+            <a:endParaRPr b="0" lang="en-US" sz="1800" spc="-1" strike="noStrike">
+              <a:solidFill>
+                <a:srgbClr val="000000"/>
+              </a:solidFill>
               <a:latin typeface="Arial"/>
             </a:endParaRPr>
           </a:p>
@@ -11758,7 +12920,10 @@
               </a:rPr>
               <a:t>Employee resistance</a:t>
             </a:r>
-            <a:endParaRPr b="0" lang="en-GB" sz="2000" spc="-1" strike="noStrike">
+            <a:endParaRPr b="0" lang="en-US" sz="2000" spc="-1" strike="noStrike">
+              <a:solidFill>
+                <a:srgbClr val="000000"/>
+              </a:solidFill>
               <a:latin typeface="Arial"/>
             </a:endParaRPr>
           </a:p>
@@ -11787,7 +12952,10 @@
               </a:rPr>
               <a:t>Tool deficiencies</a:t>
             </a:r>
-            <a:endParaRPr b="0" lang="en-GB" sz="2000" spc="-1" strike="noStrike">
+            <a:endParaRPr b="0" lang="en-US" sz="2000" spc="-1" strike="noStrike">
+              <a:solidFill>
+                <a:srgbClr val="000000"/>
+              </a:solidFill>
               <a:latin typeface="Arial"/>
             </a:endParaRPr>
           </a:p>
@@ -11804,7 +12972,10 @@
                 <a:tab algn="l" pos="0"/>
               </a:tabLst>
             </a:pPr>
-            <a:endParaRPr b="0" lang="en-GB" sz="2000" spc="-1" strike="noStrike">
+            <a:endParaRPr b="0" lang="en-US" sz="2000" spc="-1" strike="noStrike">
+              <a:solidFill>
+                <a:srgbClr val="000000"/>
+              </a:solidFill>
               <a:latin typeface="Arial"/>
             </a:endParaRPr>
           </a:p>
@@ -11821,7 +12992,10 @@
                 <a:tab algn="l" pos="0"/>
               </a:tabLst>
             </a:pPr>
-            <a:endParaRPr b="0" lang="en-GB" sz="2000" spc="-1" strike="noStrike">
+            <a:endParaRPr b="0" lang="en-US" sz="2000" spc="-1" strike="noStrike">
+              <a:solidFill>
+                <a:srgbClr val="000000"/>
+              </a:solidFill>
               <a:latin typeface="Arial"/>
             </a:endParaRPr>
           </a:p>
@@ -11836,7 +13010,7 @@
         <p:spPr>
           <a:xfrm>
             <a:off x="542880" y="5303520"/>
-            <a:ext cx="10580400" cy="908640"/>
+            <a:ext cx="10580040" cy="908280"/>
           </a:xfrm>
           <a:prstGeom prst="roundRect">
             <a:avLst>
@@ -11890,7 +13064,10 @@
               </a:rPr>
               <a:t>Instead → </a:t>
             </a:r>
-            <a:endParaRPr b="0" lang="en-GB" sz="2000" spc="-1" strike="noStrike">
+            <a:endParaRPr b="0" lang="en-US" sz="2000" spc="-1" strike="noStrike">
+              <a:solidFill>
+                <a:srgbClr val="000000"/>
+              </a:solidFill>
               <a:latin typeface="Arial"/>
             </a:endParaRPr>
           </a:p>
@@ -11935,7 +13112,7 @@
         <p:spPr>
           <a:xfrm>
             <a:off x="542880" y="721800"/>
-            <a:ext cx="10357200" cy="497880"/>
+            <a:ext cx="10356840" cy="497520"/>
           </a:xfrm>
           <a:prstGeom prst="rect">
             <a:avLst/>
@@ -11971,7 +13148,10 @@
               </a:rPr>
               <a:t>Introducing and Evaluating Tools</a:t>
             </a:r>
-            <a:endParaRPr b="0" lang="en-GB" sz="2200" spc="-1" strike="noStrike">
+            <a:endParaRPr b="0" lang="en-US" sz="2200" spc="-1" strike="noStrike">
+              <a:solidFill>
+                <a:srgbClr val="000000"/>
+              </a:solidFill>
               <a:latin typeface="Arial"/>
             </a:endParaRPr>
           </a:p>
@@ -11986,7 +13166,7 @@
         <p:spPr>
           <a:xfrm>
             <a:off x="542880" y="1267200"/>
-            <a:ext cx="10357200" cy="497880"/>
+            <a:ext cx="10356840" cy="497520"/>
           </a:xfrm>
           <a:prstGeom prst="rect">
             <a:avLst/>
@@ -12022,7 +13202,10 @@
               </a:rPr>
               <a:t>Before Introducing Tools</a:t>
             </a:r>
-            <a:endParaRPr b="0" lang="en-GB" sz="2200" spc="-1" strike="noStrike">
+            <a:endParaRPr b="0" lang="en-US" sz="2200" spc="-1" strike="noStrike">
+              <a:solidFill>
+                <a:srgbClr val="000000"/>
+              </a:solidFill>
               <a:latin typeface="Arial"/>
             </a:endParaRPr>
           </a:p>
@@ -12037,7 +13220,7 @@
         <p:spPr>
           <a:xfrm>
             <a:off x="451800" y="1709280"/>
-            <a:ext cx="8224560" cy="4352760"/>
+            <a:ext cx="8224200" cy="4352400"/>
           </a:xfrm>
           <a:prstGeom prst="rect">
             <a:avLst/>
@@ -12053,6 +13236,19 @@
           <a:effectRef idx="0"/>
           <a:fontRef idx="minor"/>
         </p:style>
+        <p:txBody>
+          <a:bodyPr lIns="90000" rIns="90000" tIns="45000" bIns="45000" anchor="t">
+            <a:noAutofit/>
+          </a:bodyPr>
+          <a:p>
+            <a:endParaRPr b="0" lang="en-US" sz="1800" spc="-1" strike="noStrike">
+              <a:solidFill>
+                <a:srgbClr val="000000"/>
+              </a:solidFill>
+              <a:latin typeface="Arial"/>
+            </a:endParaRPr>
+          </a:p>
+        </p:txBody>
       </p:sp>
       <p:sp>
         <p:nvSpPr>
@@ -12067,7 +13263,7 @@
         <p:spPr>
           <a:xfrm>
             <a:off x="609480" y="1769400"/>
-            <a:ext cx="10587600" cy="4855680"/>
+            <a:ext cx="10587240" cy="4855320"/>
           </a:xfrm>
           <a:prstGeom prst="rect">
             <a:avLst/>
@@ -12106,7 +13302,10 @@
               </a:rPr>
               <a:t>Introduction into already started projects difficult</a:t>
             </a:r>
-            <a:endParaRPr b="0" lang="en-GB" sz="2000" spc="-1" strike="noStrike">
+            <a:endParaRPr b="0" lang="en-US" sz="2000" spc="-1" strike="noStrike">
+              <a:solidFill>
+                <a:srgbClr val="000000"/>
+              </a:solidFill>
               <a:latin typeface="Arial"/>
             </a:endParaRPr>
           </a:p>
@@ -12135,7 +13334,10 @@
               </a:rPr>
               <a:t>Structure in place</a:t>
             </a:r>
-            <a:endParaRPr b="0" lang="en-GB" sz="1800" spc="-1" strike="noStrike">
+            <a:endParaRPr b="0" lang="en-US" sz="1800" spc="-1" strike="noStrike">
+              <a:solidFill>
+                <a:srgbClr val="000000"/>
+              </a:solidFill>
               <a:latin typeface="Arial"/>
             </a:endParaRPr>
           </a:p>
@@ -12164,7 +13366,10 @@
               </a:rPr>
               <a:t>Existing concepts would have to be replaced</a:t>
             </a:r>
-            <a:endParaRPr b="0" lang="en-GB" sz="1800" spc="-1" strike="noStrike">
+            <a:endParaRPr b="0" lang="en-US" sz="1800" spc="-1" strike="noStrike">
+              <a:solidFill>
+                <a:srgbClr val="000000"/>
+              </a:solidFill>
               <a:latin typeface="Arial"/>
             </a:endParaRPr>
           </a:p>
@@ -12193,7 +13398,10 @@
               </a:rPr>
               <a:t>Effort and risk can be estimated</a:t>
             </a:r>
-            <a:endParaRPr b="0" lang="en-GB" sz="1800" spc="-1" strike="noStrike">
+            <a:endParaRPr b="0" lang="en-US" sz="1800" spc="-1" strike="noStrike">
+              <a:solidFill>
+                <a:srgbClr val="000000"/>
+              </a:solidFill>
               <a:latin typeface="Arial"/>
             </a:endParaRPr>
           </a:p>
@@ -12222,7 +13430,10 @@
               </a:rPr>
               <a:t>Often underestimated due to multiple factors</a:t>
             </a:r>
-            <a:endParaRPr b="0" lang="en-GB" sz="1800" spc="-1" strike="noStrike">
+            <a:endParaRPr b="0" lang="en-US" sz="1800" spc="-1" strike="noStrike">
+              <a:solidFill>
+                <a:srgbClr val="000000"/>
+              </a:solidFill>
               <a:latin typeface="Arial"/>
             </a:endParaRPr>
           </a:p>
@@ -12251,7 +13462,10 @@
               </a:rPr>
               <a:t>Employee resistance</a:t>
             </a:r>
-            <a:endParaRPr b="0" lang="en-GB" sz="2000" spc="-1" strike="noStrike">
+            <a:endParaRPr b="0" lang="en-US" sz="2000" spc="-1" strike="noStrike">
+              <a:solidFill>
+                <a:srgbClr val="000000"/>
+              </a:solidFill>
               <a:latin typeface="Arial"/>
             </a:endParaRPr>
           </a:p>
@@ -12280,7 +13494,10 @@
               </a:rPr>
               <a:t>Tool deficiencies</a:t>
             </a:r>
-            <a:endParaRPr b="0" lang="en-GB" sz="2000" spc="-1" strike="noStrike">
+            <a:endParaRPr b="0" lang="en-US" sz="2000" spc="-1" strike="noStrike">
+              <a:solidFill>
+                <a:srgbClr val="000000"/>
+              </a:solidFill>
               <a:latin typeface="Arial"/>
             </a:endParaRPr>
           </a:p>
@@ -12297,7 +13514,10 @@
                 <a:tab algn="l" pos="0"/>
               </a:tabLst>
             </a:pPr>
-            <a:endParaRPr b="0" lang="en-GB" sz="2000" spc="-1" strike="noStrike">
+            <a:endParaRPr b="0" lang="en-US" sz="2000" spc="-1" strike="noStrike">
+              <a:solidFill>
+                <a:srgbClr val="000000"/>
+              </a:solidFill>
               <a:latin typeface="Arial"/>
             </a:endParaRPr>
           </a:p>
@@ -12314,7 +13534,10 @@
                 <a:tab algn="l" pos="0"/>
               </a:tabLst>
             </a:pPr>
-            <a:endParaRPr b="0" lang="en-GB" sz="2000" spc="-1" strike="noStrike">
+            <a:endParaRPr b="0" lang="en-US" sz="2000" spc="-1" strike="noStrike">
+              <a:solidFill>
+                <a:srgbClr val="000000"/>
+              </a:solidFill>
               <a:latin typeface="Arial"/>
             </a:endParaRPr>
           </a:p>
@@ -12329,7 +13552,7 @@
         <p:spPr>
           <a:xfrm>
             <a:off x="542880" y="5303520"/>
-            <a:ext cx="10580400" cy="908640"/>
+            <a:ext cx="10580040" cy="908280"/>
           </a:xfrm>
           <a:prstGeom prst="roundRect">
             <a:avLst>
@@ -12383,7 +13606,10 @@
               </a:rPr>
               <a:t>Instead → pilot project</a:t>
             </a:r>
-            <a:endParaRPr b="0" lang="en-GB" sz="2000" spc="-1" strike="noStrike">
+            <a:endParaRPr b="0" lang="en-US" sz="2000" spc="-1" strike="noStrike">
+              <a:solidFill>
+                <a:srgbClr val="000000"/>
+              </a:solidFill>
               <a:latin typeface="Arial"/>
             </a:endParaRPr>
           </a:p>
@@ -12428,7 +13654,7 @@
         <p:spPr>
           <a:xfrm>
             <a:off x="542880" y="721800"/>
-            <a:ext cx="10357200" cy="497880"/>
+            <a:ext cx="10356840" cy="497520"/>
           </a:xfrm>
           <a:prstGeom prst="rect">
             <a:avLst/>
@@ -12464,7 +13690,10 @@
               </a:rPr>
               <a:t>Introducing and Evaluating Tools</a:t>
             </a:r>
-            <a:endParaRPr b="0" lang="en-GB" sz="2200" spc="-1" strike="noStrike">
+            <a:endParaRPr b="0" lang="en-US" sz="2200" spc="-1" strike="noStrike">
+              <a:solidFill>
+                <a:srgbClr val="000000"/>
+              </a:solidFill>
               <a:latin typeface="Arial"/>
             </a:endParaRPr>
           </a:p>
@@ -12479,7 +13708,7 @@
         <p:spPr>
           <a:xfrm>
             <a:off x="542880" y="1267200"/>
-            <a:ext cx="10357200" cy="497880"/>
+            <a:ext cx="10356840" cy="497520"/>
           </a:xfrm>
           <a:prstGeom prst="rect">
             <a:avLst/>
@@ -12515,7 +13744,10 @@
               </a:rPr>
               <a:t>Evaluation of Tools</a:t>
             </a:r>
-            <a:endParaRPr b="0" lang="en-GB" sz="2200" spc="-1" strike="noStrike">
+            <a:endParaRPr b="0" lang="en-US" sz="2200" spc="-1" strike="noStrike">
+              <a:solidFill>
+                <a:srgbClr val="000000"/>
+              </a:solidFill>
               <a:latin typeface="Arial"/>
             </a:endParaRPr>
           </a:p>
@@ -12530,7 +13762,7 @@
         <p:spPr>
           <a:xfrm>
             <a:off x="451800" y="1709280"/>
-            <a:ext cx="8224560" cy="4352760"/>
+            <a:ext cx="8224200" cy="4352400"/>
           </a:xfrm>
           <a:prstGeom prst="rect">
             <a:avLst/>
@@ -12546,6 +13778,19 @@
           <a:effectRef idx="0"/>
           <a:fontRef idx="minor"/>
         </p:style>
+        <p:txBody>
+          <a:bodyPr lIns="90000" rIns="90000" tIns="45000" bIns="45000" anchor="t">
+            <a:noAutofit/>
+          </a:bodyPr>
+          <a:p>
+            <a:endParaRPr b="0" lang="en-US" sz="1800" spc="-1" strike="noStrike">
+              <a:solidFill>
+                <a:srgbClr val="000000"/>
+              </a:solidFill>
+              <a:latin typeface="Arial"/>
+            </a:endParaRPr>
+          </a:p>
+        </p:txBody>
       </p:sp>
       <p:sp>
         <p:nvSpPr>
@@ -12560,7 +13805,7 @@
         <p:spPr>
           <a:xfrm>
             <a:off x="609480" y="1769400"/>
-            <a:ext cx="10587600" cy="4855680"/>
+            <a:ext cx="10587240" cy="4855320"/>
           </a:xfrm>
           <a:prstGeom prst="rect">
             <a:avLst/>
@@ -12599,7 +13844,10 @@
               </a:rPr>
               <a:t>Different perspectives matter for tools</a:t>
             </a:r>
-            <a:endParaRPr b="0" lang="en-GB" sz="2000" spc="-1" strike="noStrike">
+            <a:endParaRPr b="0" lang="en-US" sz="2000" spc="-1" strike="noStrike">
+              <a:solidFill>
+                <a:srgbClr val="000000"/>
+              </a:solidFill>
               <a:latin typeface="Arial"/>
             </a:endParaRPr>
           </a:p>
@@ -12628,7 +13876,10 @@
               </a:rPr>
               <a:t>Project view</a:t>
             </a:r>
-            <a:endParaRPr b="0" lang="en-GB" sz="1800" spc="-1" strike="noStrike">
+            <a:endParaRPr b="0" lang="en-US" sz="1800" spc="-1" strike="noStrike">
+              <a:solidFill>
+                <a:srgbClr val="000000"/>
+              </a:solidFill>
               <a:latin typeface="Arial"/>
             </a:endParaRPr>
           </a:p>
@@ -12657,7 +13908,10 @@
               </a:rPr>
               <a:t>User view</a:t>
             </a:r>
-            <a:endParaRPr b="0" lang="en-GB" sz="1800" spc="-1" strike="noStrike">
+            <a:endParaRPr b="0" lang="en-US" sz="1800" spc="-1" strike="noStrike">
+              <a:solidFill>
+                <a:srgbClr val="000000"/>
+              </a:solidFill>
               <a:latin typeface="Arial"/>
             </a:endParaRPr>
           </a:p>
@@ -12686,7 +13940,10 @@
               </a:rPr>
               <a:t>Product view</a:t>
             </a:r>
-            <a:endParaRPr b="0" lang="en-GB" sz="1800" spc="-1" strike="noStrike">
+            <a:endParaRPr b="0" lang="en-US" sz="1800" spc="-1" strike="noStrike">
+              <a:solidFill>
+                <a:srgbClr val="000000"/>
+              </a:solidFill>
               <a:latin typeface="Arial"/>
             </a:endParaRPr>
           </a:p>
@@ -12715,7 +13972,10 @@
               </a:rPr>
               <a:t>Process view</a:t>
             </a:r>
-            <a:endParaRPr b="0" lang="en-GB" sz="1800" spc="-1" strike="noStrike">
+            <a:endParaRPr b="0" lang="en-US" sz="1800" spc="-1" strike="noStrike">
+              <a:solidFill>
+                <a:srgbClr val="000000"/>
+              </a:solidFill>
               <a:latin typeface="Arial"/>
             </a:endParaRPr>
           </a:p>
@@ -12744,7 +14004,10 @@
               </a:rPr>
               <a:t>Provider view</a:t>
             </a:r>
-            <a:endParaRPr b="0" lang="en-GB" sz="1800" spc="-1" strike="noStrike">
+            <a:endParaRPr b="0" lang="en-US" sz="1800" spc="-1" strike="noStrike">
+              <a:solidFill>
+                <a:srgbClr val="000000"/>
+              </a:solidFill>
               <a:latin typeface="Arial"/>
             </a:endParaRPr>
           </a:p>
@@ -12773,7 +14036,10 @@
               </a:rPr>
               <a:t>Technical view</a:t>
             </a:r>
-            <a:endParaRPr b="0" lang="en-GB" sz="1800" spc="-1" strike="noStrike">
+            <a:endParaRPr b="0" lang="en-US" sz="1800" spc="-1" strike="noStrike">
+              <a:solidFill>
+                <a:srgbClr val="000000"/>
+              </a:solidFill>
               <a:latin typeface="Arial"/>
             </a:endParaRPr>
           </a:p>
@@ -12802,7 +14068,10 @@
               </a:rPr>
               <a:t>Economic view</a:t>
             </a:r>
-            <a:endParaRPr b="0" lang="en-GB" sz="1800" spc="-1" strike="noStrike">
+            <a:endParaRPr b="0" lang="en-US" sz="1800" spc="-1" strike="noStrike">
+              <a:solidFill>
+                <a:srgbClr val="000000"/>
+              </a:solidFill>
               <a:latin typeface="Arial"/>
             </a:endParaRPr>
           </a:p>
@@ -12831,7 +14100,10 @@
               </a:rPr>
               <a:t>Should be taken into account when evaluating tools</a:t>
             </a:r>
-            <a:endParaRPr b="0" lang="en-GB" sz="2000" spc="-1" strike="noStrike">
+            <a:endParaRPr b="0" lang="en-US" sz="2000" spc="-1" strike="noStrike">
+              <a:solidFill>
+                <a:srgbClr val="000000"/>
+              </a:solidFill>
               <a:latin typeface="Arial"/>
             </a:endParaRPr>
           </a:p>
@@ -12860,7 +14132,10 @@
               </a:rPr>
               <a:t>Criteria for all views should be defined</a:t>
             </a:r>
-            <a:endParaRPr b="0" lang="en-GB" sz="1800" spc="-1" strike="noStrike">
+            <a:endParaRPr b="0" lang="en-US" sz="1800" spc="-1" strike="noStrike">
+              <a:solidFill>
+                <a:srgbClr val="000000"/>
+              </a:solidFill>
               <a:latin typeface="Arial"/>
             </a:endParaRPr>
           </a:p>
@@ -12905,7 +14180,7 @@
         <p:spPr>
           <a:xfrm>
             <a:off x="542880" y="721800"/>
-            <a:ext cx="10357200" cy="497880"/>
+            <a:ext cx="10356840" cy="497520"/>
           </a:xfrm>
           <a:prstGeom prst="rect">
             <a:avLst/>
@@ -12941,7 +14216,10 @@
               </a:rPr>
               <a:t>Introducing and Evaluating Tools</a:t>
             </a:r>
-            <a:endParaRPr b="0" lang="en-GB" sz="2200" spc="-1" strike="noStrike">
+            <a:endParaRPr b="0" lang="en-US" sz="2200" spc="-1" strike="noStrike">
+              <a:solidFill>
+                <a:srgbClr val="000000"/>
+              </a:solidFill>
               <a:latin typeface="Arial"/>
             </a:endParaRPr>
           </a:p>
@@ -12956,7 +14234,7 @@
         <p:spPr>
           <a:xfrm>
             <a:off x="542880" y="1267200"/>
-            <a:ext cx="10357200" cy="497880"/>
+            <a:ext cx="10356840" cy="497520"/>
           </a:xfrm>
           <a:prstGeom prst="rect">
             <a:avLst/>
@@ -12992,7 +14270,10 @@
               </a:rPr>
               <a:t>Views on RE Tools</a:t>
             </a:r>
-            <a:endParaRPr b="0" lang="en-GB" sz="2200" spc="-1" strike="noStrike">
+            <a:endParaRPr b="0" lang="en-US" sz="2200" spc="-1" strike="noStrike">
+              <a:solidFill>
+                <a:srgbClr val="000000"/>
+              </a:solidFill>
               <a:latin typeface="Arial"/>
             </a:endParaRPr>
           </a:p>
@@ -13007,7 +14288,7 @@
         <p:spPr>
           <a:xfrm>
             <a:off x="451800" y="1709280"/>
-            <a:ext cx="8224560" cy="4352760"/>
+            <a:ext cx="8224200" cy="4352400"/>
           </a:xfrm>
           <a:prstGeom prst="rect">
             <a:avLst/>
@@ -13023,6 +14304,19 @@
           <a:effectRef idx="0"/>
           <a:fontRef idx="minor"/>
         </p:style>
+        <p:txBody>
+          <a:bodyPr lIns="90000" rIns="90000" tIns="45000" bIns="45000" anchor="t">
+            <a:noAutofit/>
+          </a:bodyPr>
+          <a:p>
+            <a:endParaRPr b="0" lang="en-US" sz="1800" spc="-1" strike="noStrike">
+              <a:solidFill>
+                <a:srgbClr val="000000"/>
+              </a:solidFill>
+              <a:latin typeface="Arial"/>
+            </a:endParaRPr>
+          </a:p>
+        </p:txBody>
       </p:sp>
       <p:sp>
         <p:nvSpPr>
@@ -13033,7 +14327,7 @@
         <p:spPr>
           <a:xfrm>
             <a:off x="263520" y="6411600"/>
-            <a:ext cx="10919520" cy="226800"/>
+            <a:ext cx="10919160" cy="226800"/>
           </a:xfrm>
           <a:prstGeom prst="rect">
             <a:avLst/>
@@ -13079,7 +14373,10 @@
               </a:rPr>
               <a:t>Requirements Engineering Fundamentals: A study guide for Requirements Engineering Foundation Level</a:t>
             </a:r>
-            <a:endParaRPr b="0" lang="en-GB" sz="900" spc="-1" strike="noStrike">
+            <a:endParaRPr b="0" lang="en-US" sz="900" spc="-1" strike="noStrike">
+              <a:solidFill>
+                <a:srgbClr val="000000"/>
+              </a:solidFill>
               <a:latin typeface="Arial"/>
             </a:endParaRPr>
           </a:p>
@@ -13098,7 +14395,7 @@
         <p:spPr>
           <a:xfrm>
             <a:off x="2883960" y="1812600"/>
-            <a:ext cx="5674680" cy="4376160"/>
+            <a:ext cx="5674320" cy="4375800"/>
           </a:xfrm>
           <a:prstGeom prst="rect">
             <a:avLst/>
@@ -13147,7 +14444,7 @@
         <p:spPr>
           <a:xfrm>
             <a:off x="542880" y="721800"/>
-            <a:ext cx="10357200" cy="497880"/>
+            <a:ext cx="10356840" cy="497520"/>
           </a:xfrm>
           <a:prstGeom prst="rect">
             <a:avLst/>
@@ -13183,7 +14480,10 @@
               </a:rPr>
               <a:t>Introducing and Evaluating Tools</a:t>
             </a:r>
-            <a:endParaRPr b="0" lang="en-GB" sz="2200" spc="-1" strike="noStrike">
+            <a:endParaRPr b="0" lang="en-US" sz="2200" spc="-1" strike="noStrike">
+              <a:solidFill>
+                <a:srgbClr val="000000"/>
+              </a:solidFill>
               <a:latin typeface="Arial"/>
             </a:endParaRPr>
           </a:p>
@@ -13198,7 +14498,7 @@
         <p:spPr>
           <a:xfrm>
             <a:off x="542880" y="1267200"/>
-            <a:ext cx="10357200" cy="497880"/>
+            <a:ext cx="10356840" cy="497520"/>
           </a:xfrm>
           <a:prstGeom prst="rect">
             <a:avLst/>
@@ -13234,7 +14534,10 @@
               </a:rPr>
               <a:t>Views on Tools: Project View</a:t>
             </a:r>
-            <a:endParaRPr b="0" lang="en-GB" sz="2200" spc="-1" strike="noStrike">
+            <a:endParaRPr b="0" lang="en-US" sz="2200" spc="-1" strike="noStrike">
+              <a:solidFill>
+                <a:srgbClr val="000000"/>
+              </a:solidFill>
               <a:latin typeface="Arial"/>
             </a:endParaRPr>
           </a:p>
@@ -13249,7 +14552,7 @@
         <p:spPr>
           <a:xfrm>
             <a:off x="451800" y="1709280"/>
-            <a:ext cx="8224560" cy="4352760"/>
+            <a:ext cx="8224200" cy="4352400"/>
           </a:xfrm>
           <a:prstGeom prst="rect">
             <a:avLst/>
@@ -13265,6 +14568,19 @@
           <a:effectRef idx="0"/>
           <a:fontRef idx="minor"/>
         </p:style>
+        <p:txBody>
+          <a:bodyPr lIns="90000" rIns="90000" tIns="45000" bIns="45000" anchor="t">
+            <a:noAutofit/>
+          </a:bodyPr>
+          <a:p>
+            <a:endParaRPr b="0" lang="en-US" sz="1800" spc="-1" strike="noStrike">
+              <a:solidFill>
+                <a:srgbClr val="000000"/>
+              </a:solidFill>
+              <a:latin typeface="Arial"/>
+            </a:endParaRPr>
+          </a:p>
+        </p:txBody>
       </p:sp>
       <p:sp>
         <p:nvSpPr>
@@ -13279,7 +14595,7 @@
         <p:spPr>
           <a:xfrm>
             <a:off x="609480" y="1769400"/>
-            <a:ext cx="10587600" cy="4855680"/>
+            <a:ext cx="10587240" cy="4855320"/>
           </a:xfrm>
           <a:prstGeom prst="rect">
             <a:avLst/>
@@ -13318,7 +14634,10 @@
               </a:rPr>
               <a:t>Extent to which a tool can support a project</a:t>
             </a:r>
-            <a:endParaRPr b="0" lang="en-GB" sz="2000" spc="-1" strike="noStrike">
+            <a:endParaRPr b="0" lang="en-US" sz="2000" spc="-1" strike="noStrike">
+              <a:solidFill>
+                <a:srgbClr val="000000"/>
+              </a:solidFill>
               <a:latin typeface="Arial"/>
             </a:endParaRPr>
           </a:p>
@@ -13335,7 +14654,10 @@
                 <a:tab algn="l" pos="0"/>
               </a:tabLst>
             </a:pPr>
-            <a:endParaRPr b="0" lang="en-GB" sz="2000" spc="-1" strike="noStrike">
+            <a:endParaRPr b="0" lang="en-US" sz="2000" spc="-1" strike="noStrike">
+              <a:solidFill>
+                <a:srgbClr val="000000"/>
+              </a:solidFill>
               <a:latin typeface="Arial"/>
             </a:endParaRPr>
           </a:p>
@@ -13367,7 +14689,10 @@
               </a:rPr>
               <a:t>Project preparation</a:t>
             </a:r>
-            <a:endParaRPr b="0" lang="en-GB" sz="2000" spc="-1" strike="noStrike">
+            <a:endParaRPr b="0" lang="en-US" sz="2000" spc="-1" strike="noStrike">
+              <a:solidFill>
+                <a:srgbClr val="000000"/>
+              </a:solidFill>
               <a:latin typeface="Arial"/>
             </a:endParaRPr>
           </a:p>
@@ -13399,7 +14724,10 @@
               </a:rPr>
               <a:t>Definition of project-specific information types</a:t>
             </a:r>
-            <a:endParaRPr b="0" lang="en-GB" sz="1800" spc="-1" strike="noStrike">
+            <a:endParaRPr b="0" lang="en-US" sz="1800" spc="-1" strike="noStrike">
+              <a:solidFill>
+                <a:srgbClr val="000000"/>
+              </a:solidFill>
               <a:latin typeface="Arial"/>
             </a:endParaRPr>
           </a:p>
@@ -13431,7 +14759,10 @@
               </a:rPr>
               <a:t>Definition of project-specific document formats</a:t>
             </a:r>
-            <a:endParaRPr b="0" lang="en-GB" sz="1800" spc="-1" strike="noStrike">
+            <a:endParaRPr b="0" lang="en-US" sz="1800" spc="-1" strike="noStrike">
+              <a:solidFill>
+                <a:srgbClr val="000000"/>
+              </a:solidFill>
               <a:latin typeface="Arial"/>
             </a:endParaRPr>
           </a:p>
@@ -13463,7 +14794,10 @@
               </a:rPr>
               <a:t>Project planning</a:t>
             </a:r>
-            <a:endParaRPr b="0" lang="en-GB" sz="2000" spc="-1" strike="noStrike">
+            <a:endParaRPr b="0" lang="en-US" sz="2000" spc="-1" strike="noStrike">
+              <a:solidFill>
+                <a:srgbClr val="000000"/>
+              </a:solidFill>
               <a:latin typeface="Arial"/>
             </a:endParaRPr>
           </a:p>
@@ -13495,7 +14829,10 @@
               </a:rPr>
               <a:t>Scope of milestones</a:t>
             </a:r>
-            <a:endParaRPr b="0" lang="en-GB" sz="1800" spc="-1" strike="noStrike">
+            <a:endParaRPr b="0" lang="en-US" sz="1800" spc="-1" strike="noStrike">
+              <a:solidFill>
+                <a:srgbClr val="000000"/>
+              </a:solidFill>
               <a:latin typeface="Arial"/>
             </a:endParaRPr>
           </a:p>
@@ -13527,7 +14864,10 @@
               </a:rPr>
               <a:t>How information managed by the tool pertains to milestones</a:t>
             </a:r>
-            <a:endParaRPr b="0" lang="en-GB" sz="1800" spc="-1" strike="noStrike">
+            <a:endParaRPr b="0" lang="en-US" sz="1800" spc="-1" strike="noStrike">
+              <a:solidFill>
+                <a:srgbClr val="000000"/>
+              </a:solidFill>
               <a:latin typeface="Arial"/>
             </a:endParaRPr>
           </a:p>
@@ -13559,7 +14899,10 @@
               </a:rPr>
               <a:t>Project execution</a:t>
             </a:r>
-            <a:endParaRPr b="0" lang="en-GB" sz="2000" spc="-1" strike="noStrike">
+            <a:endParaRPr b="0" lang="en-US" sz="2000" spc="-1" strike="noStrike">
+              <a:solidFill>
+                <a:srgbClr val="000000"/>
+              </a:solidFill>
               <a:latin typeface="Arial"/>
             </a:endParaRPr>
           </a:p>
@@ -13591,7 +14934,10 @@
               </a:rPr>
               <a:t>Project control, e.g., completion of requirements</a:t>
             </a:r>
-            <a:endParaRPr b="0" lang="en-GB" sz="1800" spc="-1" strike="noStrike">
+            <a:endParaRPr b="0" lang="en-US" sz="1800" spc="-1" strike="noStrike">
+              <a:solidFill>
+                <a:srgbClr val="000000"/>
+              </a:solidFill>
               <a:latin typeface="Arial"/>
             </a:endParaRPr>
           </a:p>
@@ -13636,7 +14982,7 @@
         <p:spPr>
           <a:xfrm>
             <a:off x="542880" y="721800"/>
-            <a:ext cx="10357200" cy="497880"/>
+            <a:ext cx="10356840" cy="497520"/>
           </a:xfrm>
           <a:prstGeom prst="rect">
             <a:avLst/>
@@ -13672,7 +15018,10 @@
               </a:rPr>
               <a:t>Introducing and Evaluating Tools</a:t>
             </a:r>
-            <a:endParaRPr b="0" lang="en-GB" sz="2200" spc="-1" strike="noStrike">
+            <a:endParaRPr b="0" lang="en-US" sz="2200" spc="-1" strike="noStrike">
+              <a:solidFill>
+                <a:srgbClr val="000000"/>
+              </a:solidFill>
               <a:latin typeface="Arial"/>
             </a:endParaRPr>
           </a:p>
@@ -13687,7 +15036,7 @@
         <p:spPr>
           <a:xfrm>
             <a:off x="542880" y="1267200"/>
-            <a:ext cx="10357200" cy="497880"/>
+            <a:ext cx="10356840" cy="497520"/>
           </a:xfrm>
           <a:prstGeom prst="rect">
             <a:avLst/>
@@ -13723,7 +15072,10 @@
               </a:rPr>
               <a:t>Views on Tools: User View</a:t>
             </a:r>
-            <a:endParaRPr b="0" lang="en-GB" sz="2200" spc="-1" strike="noStrike">
+            <a:endParaRPr b="0" lang="en-US" sz="2200" spc="-1" strike="noStrike">
+              <a:solidFill>
+                <a:srgbClr val="000000"/>
+              </a:solidFill>
               <a:latin typeface="Arial"/>
             </a:endParaRPr>
           </a:p>
@@ -13738,7 +15090,7 @@
         <p:spPr>
           <a:xfrm>
             <a:off x="451800" y="1709280"/>
-            <a:ext cx="8224560" cy="4352760"/>
+            <a:ext cx="8224200" cy="4352400"/>
           </a:xfrm>
           <a:prstGeom prst="rect">
             <a:avLst/>
@@ -13754,6 +15106,19 @@
           <a:effectRef idx="0"/>
           <a:fontRef idx="minor"/>
         </p:style>
+        <p:txBody>
+          <a:bodyPr lIns="90000" rIns="90000" tIns="45000" bIns="45000" anchor="t">
+            <a:noAutofit/>
+          </a:bodyPr>
+          <a:p>
+            <a:endParaRPr b="0" lang="en-US" sz="1800" spc="-1" strike="noStrike">
+              <a:solidFill>
+                <a:srgbClr val="000000"/>
+              </a:solidFill>
+              <a:latin typeface="Arial"/>
+            </a:endParaRPr>
+          </a:p>
+        </p:txBody>
       </p:sp>
       <p:sp>
         <p:nvSpPr>
@@ -13768,7 +15133,7 @@
         <p:spPr>
           <a:xfrm>
             <a:off x="609480" y="1769400"/>
-            <a:ext cx="10587600" cy="4855680"/>
+            <a:ext cx="10587240" cy="4855320"/>
           </a:xfrm>
           <a:prstGeom prst="rect">
             <a:avLst/>
@@ -13807,7 +15172,10 @@
               </a:rPr>
               <a:t>Tool requirements from the user‘s perspective</a:t>
             </a:r>
-            <a:endParaRPr b="0" lang="en-GB" sz="2000" spc="-1" strike="noStrike">
+            <a:endParaRPr b="0" lang="en-US" sz="2000" spc="-1" strike="noStrike">
+              <a:solidFill>
+                <a:srgbClr val="000000"/>
+              </a:solidFill>
               <a:latin typeface="Arial"/>
             </a:endParaRPr>
           </a:p>
@@ -13824,7 +15192,10 @@
                 <a:tab algn="l" pos="0"/>
               </a:tabLst>
             </a:pPr>
-            <a:endParaRPr b="0" lang="en-GB" sz="2000" spc="-1" strike="noStrike">
+            <a:endParaRPr b="0" lang="en-US" sz="2000" spc="-1" strike="noStrike">
+              <a:solidFill>
+                <a:srgbClr val="000000"/>
+              </a:solidFill>
               <a:latin typeface="Arial"/>
             </a:endParaRPr>
           </a:p>
@@ -13856,7 +15227,10 @@
               </a:rPr>
               <a:t>Tool usage</a:t>
             </a:r>
-            <a:endParaRPr b="0" lang="en-GB" sz="2000" spc="-1" strike="noStrike">
+            <a:endParaRPr b="0" lang="en-US" sz="2000" spc="-1" strike="noStrike">
+              <a:solidFill>
+                <a:srgbClr val="000000"/>
+              </a:solidFill>
               <a:latin typeface="Arial"/>
             </a:endParaRPr>
           </a:p>
@@ -13888,7 +15262,10 @@
               </a:rPr>
               <a:t>Access to appropriate functions required</a:t>
             </a:r>
-            <a:endParaRPr b="0" lang="en-GB" sz="1800" spc="-1" strike="noStrike">
+            <a:endParaRPr b="0" lang="en-US" sz="1800" spc="-1" strike="noStrike">
+              <a:solidFill>
+                <a:srgbClr val="000000"/>
+              </a:solidFill>
               <a:latin typeface="Arial"/>
             </a:endParaRPr>
           </a:p>
@@ -13920,7 +15297,10 @@
               </a:rPr>
               <a:t>Mapping of roles</a:t>
             </a:r>
-            <a:endParaRPr b="0" lang="en-GB" sz="2000" spc="-1" strike="noStrike">
+            <a:endParaRPr b="0" lang="en-US" sz="2000" spc="-1" strike="noStrike">
+              <a:solidFill>
+                <a:srgbClr val="000000"/>
+              </a:solidFill>
               <a:latin typeface="Arial"/>
             </a:endParaRPr>
           </a:p>
@@ -13952,7 +15332,10 @@
               </a:rPr>
               <a:t>Stakeholders mapped to roles through user management and access rights</a:t>
             </a:r>
-            <a:endParaRPr b="0" lang="en-GB" sz="1800" spc="-1" strike="noStrike">
+            <a:endParaRPr b="0" lang="en-US" sz="1800" spc="-1" strike="noStrike">
+              <a:solidFill>
+                <a:srgbClr val="000000"/>
+              </a:solidFill>
               <a:latin typeface="Arial"/>
             </a:endParaRPr>
           </a:p>
@@ -13984,7 +15367,10 @@
               </a:rPr>
               <a:t>Support of group work</a:t>
             </a:r>
-            <a:endParaRPr b="0" lang="en-GB" sz="2000" spc="-1" strike="noStrike">
+            <a:endParaRPr b="0" lang="en-US" sz="2000" spc="-1" strike="noStrike">
+              <a:solidFill>
+                <a:srgbClr val="000000"/>
+              </a:solidFill>
               <a:latin typeface="Arial"/>
             </a:endParaRPr>
           </a:p>
@@ -14016,7 +15402,10 @@
               </a:rPr>
               <a:t>Multiple users should be able to work collaboratively</a:t>
             </a:r>
-            <a:endParaRPr b="0" lang="en-GB" sz="1800" spc="-1" strike="noStrike">
+            <a:endParaRPr b="0" lang="en-US" sz="1800" spc="-1" strike="noStrike">
+              <a:solidFill>
+                <a:srgbClr val="000000"/>
+              </a:solidFill>
               <a:latin typeface="Arial"/>
             </a:endParaRPr>
           </a:p>
@@ -14061,7 +15450,7 @@
         <p:spPr>
           <a:xfrm>
             <a:off x="542880" y="721800"/>
-            <a:ext cx="10357200" cy="497880"/>
+            <a:ext cx="10356840" cy="497520"/>
           </a:xfrm>
           <a:prstGeom prst="rect">
             <a:avLst/>
@@ -14097,7 +15486,10 @@
               </a:rPr>
               <a:t>Introducing and Evaluating Tools</a:t>
             </a:r>
-            <a:endParaRPr b="0" lang="en-GB" sz="2200" spc="-1" strike="noStrike">
+            <a:endParaRPr b="0" lang="en-US" sz="2200" spc="-1" strike="noStrike">
+              <a:solidFill>
+                <a:srgbClr val="000000"/>
+              </a:solidFill>
               <a:latin typeface="Arial"/>
             </a:endParaRPr>
           </a:p>
@@ -14112,7 +15504,7 @@
         <p:spPr>
           <a:xfrm>
             <a:off x="542880" y="1267200"/>
-            <a:ext cx="10357200" cy="497880"/>
+            <a:ext cx="10356840" cy="497520"/>
           </a:xfrm>
           <a:prstGeom prst="rect">
             <a:avLst/>
@@ -14148,7 +15540,10 @@
               </a:rPr>
               <a:t>Views on Tools: Product View</a:t>
             </a:r>
-            <a:endParaRPr b="0" lang="en-GB" sz="2200" spc="-1" strike="noStrike">
+            <a:endParaRPr b="0" lang="en-US" sz="2200" spc="-1" strike="noStrike">
+              <a:solidFill>
+                <a:srgbClr val="000000"/>
+              </a:solidFill>
               <a:latin typeface="Arial"/>
             </a:endParaRPr>
           </a:p>
@@ -14163,7 +15558,7 @@
         <p:spPr>
           <a:xfrm>
             <a:off x="451800" y="1709280"/>
-            <a:ext cx="8224560" cy="4352760"/>
+            <a:ext cx="8224200" cy="4352400"/>
           </a:xfrm>
           <a:prstGeom prst="rect">
             <a:avLst/>
@@ -14179,6 +15574,19 @@
           <a:effectRef idx="0"/>
           <a:fontRef idx="minor"/>
         </p:style>
+        <p:txBody>
+          <a:bodyPr lIns="90000" rIns="90000" tIns="45000" bIns="45000" anchor="t">
+            <a:noAutofit/>
+          </a:bodyPr>
+          <a:p>
+            <a:endParaRPr b="0" lang="en-US" sz="1800" spc="-1" strike="noStrike">
+              <a:solidFill>
+                <a:srgbClr val="000000"/>
+              </a:solidFill>
+              <a:latin typeface="Arial"/>
+            </a:endParaRPr>
+          </a:p>
+        </p:txBody>
       </p:sp>
       <p:sp>
         <p:nvSpPr>
@@ -14193,7 +15601,7 @@
         <p:spPr>
           <a:xfrm>
             <a:off x="609480" y="1769400"/>
-            <a:ext cx="10587600" cy="4855680"/>
+            <a:ext cx="10587240" cy="4855320"/>
           </a:xfrm>
           <a:prstGeom prst="rect">
             <a:avLst/>
@@ -14232,7 +15640,10 @@
               </a:rPr>
               <a:t>Concerned with the functionalities possed by a tool</a:t>
             </a:r>
-            <a:endParaRPr b="0" lang="en-GB" sz="2000" spc="-1" strike="noStrike">
+            <a:endParaRPr b="0" lang="en-US" sz="2000" spc="-1" strike="noStrike">
+              <a:solidFill>
+                <a:srgbClr val="000000"/>
+              </a:solidFill>
               <a:latin typeface="Arial"/>
             </a:endParaRPr>
           </a:p>
@@ -14261,7 +15672,10 @@
               </a:rPr>
               <a:t>For example, for different documentation types</a:t>
             </a:r>
-            <a:endParaRPr b="0" lang="en-GB" sz="1800" spc="-1" strike="noStrike">
+            <a:endParaRPr b="0" lang="en-US" sz="1800" spc="-1" strike="noStrike">
+              <a:solidFill>
+                <a:srgbClr val="000000"/>
+              </a:solidFill>
               <a:latin typeface="Arial"/>
             </a:endParaRPr>
           </a:p>
@@ -14278,7 +15692,10 @@
                 <a:tab algn="l" pos="0"/>
               </a:tabLst>
             </a:pPr>
-            <a:endParaRPr b="0" lang="en-GB" sz="1800" spc="-1" strike="noStrike">
+            <a:endParaRPr b="0" lang="en-US" sz="1800" spc="-1" strike="noStrike">
+              <a:solidFill>
+                <a:srgbClr val="000000"/>
+              </a:solidFill>
               <a:latin typeface="Arial"/>
             </a:endParaRPr>
           </a:p>
@@ -14310,7 +15727,10 @@
               </a:rPr>
               <a:t>Considerations</a:t>
             </a:r>
-            <a:endParaRPr b="0" lang="en-GB" sz="2000" spc="-1" strike="noStrike">
+            <a:endParaRPr b="0" lang="en-US" sz="2000" spc="-1" strike="noStrike">
+              <a:solidFill>
+                <a:srgbClr val="000000"/>
+              </a:solidFill>
               <a:latin typeface="Arial"/>
             </a:endParaRPr>
           </a:p>
@@ -14342,7 +15762,10 @@
               </a:rPr>
               <a:t>Supported document types</a:t>
             </a:r>
-            <a:endParaRPr b="0" lang="en-GB" sz="1800" spc="-1" strike="noStrike">
+            <a:endParaRPr b="0" lang="en-US" sz="1800" spc="-1" strike="noStrike">
+              <a:solidFill>
+                <a:srgbClr val="000000"/>
+              </a:solidFill>
               <a:latin typeface="Arial"/>
             </a:endParaRPr>
           </a:p>
@@ -14374,7 +15797,10 @@
               </a:rPr>
               <a:t>Views on requirements</a:t>
             </a:r>
-            <a:endParaRPr b="0" lang="en-GB" sz="1800" spc="-1" strike="noStrike">
+            <a:endParaRPr b="0" lang="en-US" sz="1800" spc="-1" strike="noStrike">
+              <a:solidFill>
+                <a:srgbClr val="000000"/>
+              </a:solidFill>
               <a:latin typeface="Arial"/>
             </a:endParaRPr>
           </a:p>
@@ -14406,7 +15832,10 @@
               </a:rPr>
               <a:t>Reports that can be generated</a:t>
             </a:r>
-            <a:endParaRPr b="0" lang="en-GB" sz="1800" spc="-1" strike="noStrike">
+            <a:endParaRPr b="0" lang="en-US" sz="1800" spc="-1" strike="noStrike">
+              <a:solidFill>
+                <a:srgbClr val="000000"/>
+              </a:solidFill>
               <a:latin typeface="Arial"/>
             </a:endParaRPr>
           </a:p>
@@ -14438,7 +15867,10 @@
               </a:rPr>
               <a:t>Traceability</a:t>
             </a:r>
-            <a:endParaRPr b="0" lang="en-GB" sz="1800" spc="-1" strike="noStrike">
+            <a:endParaRPr b="0" lang="en-US" sz="1800" spc="-1" strike="noStrike">
+              <a:solidFill>
+                <a:srgbClr val="000000"/>
+              </a:solidFill>
               <a:latin typeface="Arial"/>
             </a:endParaRPr>
           </a:p>
@@ -14483,7 +15915,7 @@
         <p:spPr>
           <a:xfrm>
             <a:off x="542880" y="721800"/>
-            <a:ext cx="10357200" cy="497880"/>
+            <a:ext cx="10356840" cy="497520"/>
           </a:xfrm>
           <a:prstGeom prst="rect">
             <a:avLst/>
@@ -14519,7 +15951,10 @@
               </a:rPr>
               <a:t>Introducing and Evaluating Tools</a:t>
             </a:r>
-            <a:endParaRPr b="0" lang="en-GB" sz="2200" spc="-1" strike="noStrike">
+            <a:endParaRPr b="0" lang="en-US" sz="2200" spc="-1" strike="noStrike">
+              <a:solidFill>
+                <a:srgbClr val="000000"/>
+              </a:solidFill>
               <a:latin typeface="Arial"/>
             </a:endParaRPr>
           </a:p>
@@ -14534,7 +15969,7 @@
         <p:spPr>
           <a:xfrm>
             <a:off x="542880" y="1267200"/>
-            <a:ext cx="10357200" cy="497880"/>
+            <a:ext cx="10356840" cy="497520"/>
           </a:xfrm>
           <a:prstGeom prst="rect">
             <a:avLst/>
@@ -14570,7 +16005,10 @@
               </a:rPr>
               <a:t>Views on Tools: Process View</a:t>
             </a:r>
-            <a:endParaRPr b="0" lang="en-GB" sz="2200" spc="-1" strike="noStrike">
+            <a:endParaRPr b="0" lang="en-US" sz="2200" spc="-1" strike="noStrike">
+              <a:solidFill>
+                <a:srgbClr val="000000"/>
+              </a:solidFill>
               <a:latin typeface="Arial"/>
             </a:endParaRPr>
           </a:p>
@@ -14585,7 +16023,7 @@
         <p:spPr>
           <a:xfrm>
             <a:off x="451800" y="1709280"/>
-            <a:ext cx="8224560" cy="4352760"/>
+            <a:ext cx="8224200" cy="4352400"/>
           </a:xfrm>
           <a:prstGeom prst="rect">
             <a:avLst/>
@@ -14601,6 +16039,19 @@
           <a:effectRef idx="0"/>
           <a:fontRef idx="minor"/>
         </p:style>
+        <p:txBody>
+          <a:bodyPr lIns="90000" rIns="90000" tIns="45000" bIns="45000" anchor="t">
+            <a:noAutofit/>
+          </a:bodyPr>
+          <a:p>
+            <a:endParaRPr b="0" lang="en-US" sz="1800" spc="-1" strike="noStrike">
+              <a:solidFill>
+                <a:srgbClr val="000000"/>
+              </a:solidFill>
+              <a:latin typeface="Arial"/>
+            </a:endParaRPr>
+          </a:p>
+        </p:txBody>
       </p:sp>
       <p:sp>
         <p:nvSpPr>
@@ -14615,7 +16066,7 @@
         <p:spPr>
           <a:xfrm>
             <a:off x="609480" y="1769400"/>
-            <a:ext cx="10587600" cy="4855680"/>
+            <a:ext cx="10587240" cy="4855320"/>
           </a:xfrm>
           <a:prstGeom prst="rect">
             <a:avLst/>
@@ -14654,7 +16105,10 @@
               </a:rPr>
               <a:t>From the perspective of method support</a:t>
             </a:r>
-            <a:endParaRPr b="0" lang="en-GB" sz="2000" spc="-1" strike="noStrike">
+            <a:endParaRPr b="0" lang="en-US" sz="2000" spc="-1" strike="noStrike">
+              <a:solidFill>
+                <a:srgbClr val="000000"/>
+              </a:solidFill>
               <a:latin typeface="Arial"/>
             </a:endParaRPr>
           </a:p>
@@ -14683,7 +16137,10 @@
               </a:rPr>
               <a:t>How does a tool support the application of a specific technique?</a:t>
             </a:r>
-            <a:endParaRPr b="0" lang="en-GB" sz="1800" spc="-1" strike="noStrike">
+            <a:endParaRPr b="0" lang="en-US" sz="1800" spc="-1" strike="noStrike">
+              <a:solidFill>
+                <a:srgbClr val="000000"/>
+              </a:solidFill>
               <a:latin typeface="Arial"/>
             </a:endParaRPr>
           </a:p>
@@ -14700,7 +16157,10 @@
                 <a:tab algn="l" pos="0"/>
               </a:tabLst>
             </a:pPr>
-            <a:endParaRPr b="0" lang="en-GB" sz="1800" spc="-1" strike="noStrike">
+            <a:endParaRPr b="0" lang="en-US" sz="1800" spc="-1" strike="noStrike">
+              <a:solidFill>
+                <a:srgbClr val="000000"/>
+              </a:solidFill>
               <a:latin typeface="Arial"/>
             </a:endParaRPr>
           </a:p>
@@ -14732,7 +16192,10 @@
               </a:rPr>
               <a:t>Ability to document activities</a:t>
             </a:r>
-            <a:endParaRPr b="0" lang="en-GB" sz="2000" spc="-1" strike="noStrike">
+            <a:endParaRPr b="0" lang="en-US" sz="2000" spc="-1" strike="noStrike">
+              <a:solidFill>
+                <a:srgbClr val="000000"/>
+              </a:solidFill>
               <a:latin typeface="Arial"/>
             </a:endParaRPr>
           </a:p>
@@ -14764,7 +16227,10 @@
               </a:rPr>
               <a:t>Method guidance</a:t>
             </a:r>
-            <a:endParaRPr b="0" lang="en-GB" sz="2000" spc="-1" strike="noStrike">
+            <a:endParaRPr b="0" lang="en-US" sz="2000" spc="-1" strike="noStrike">
+              <a:solidFill>
+                <a:srgbClr val="000000"/>
+              </a:solidFill>
               <a:latin typeface="Arial"/>
             </a:endParaRPr>
           </a:p>
@@ -14796,7 +16262,10 @@
               </a:rPr>
               <a:t>Strict and restrictive guidance (e.g., wizards)</a:t>
             </a:r>
-            <a:endParaRPr b="0" lang="en-GB" sz="1800" spc="-1" strike="noStrike">
+            <a:endParaRPr b="0" lang="en-US" sz="1800" spc="-1" strike="noStrike">
+              <a:solidFill>
+                <a:srgbClr val="000000"/>
+              </a:solidFill>
               <a:latin typeface="Arial"/>
             </a:endParaRPr>
           </a:p>
@@ -14828,7 +16297,10 @@
               </a:rPr>
               <a:t>Lenient guidance (e.g., suggestions and hints)</a:t>
             </a:r>
-            <a:endParaRPr b="0" lang="en-GB" sz="1800" spc="-1" strike="noStrike">
+            <a:endParaRPr b="0" lang="en-US" sz="1800" spc="-1" strike="noStrike">
+              <a:solidFill>
+                <a:srgbClr val="000000"/>
+              </a:solidFill>
               <a:latin typeface="Arial"/>
             </a:endParaRPr>
           </a:p>
@@ -14860,7 +16332,10 @@
               </a:rPr>
               <a:t>Project-specific process model definition</a:t>
             </a:r>
-            <a:endParaRPr b="0" lang="en-GB" sz="2000" spc="-1" strike="noStrike">
+            <a:endParaRPr b="0" lang="en-US" sz="2000" spc="-1" strike="noStrike">
+              <a:solidFill>
+                <a:srgbClr val="000000"/>
+              </a:solidFill>
               <a:latin typeface="Arial"/>
             </a:endParaRPr>
           </a:p>
@@ -14892,7 +16367,10 @@
               </a:rPr>
               <a:t>e.g, phases</a:t>
             </a:r>
-            <a:endParaRPr b="0" lang="en-GB" sz="1800" spc="-1" strike="noStrike">
+            <a:endParaRPr b="0" lang="en-US" sz="1800" spc="-1" strike="noStrike">
+              <a:solidFill>
+                <a:srgbClr val="000000"/>
+              </a:solidFill>
               <a:latin typeface="Arial"/>
             </a:endParaRPr>
           </a:p>
@@ -14937,7 +16415,7 @@
         <p:spPr>
           <a:xfrm>
             <a:off x="542880" y="721800"/>
-            <a:ext cx="10357200" cy="497880"/>
+            <a:ext cx="10356840" cy="497520"/>
           </a:xfrm>
           <a:prstGeom prst="rect">
             <a:avLst/>
@@ -14973,7 +16451,10 @@
               </a:rPr>
               <a:t>Lecture 13: Tool Support</a:t>
             </a:r>
-            <a:endParaRPr b="0" lang="en-GB" sz="2200" spc="-1" strike="noStrike">
+            <a:endParaRPr b="0" lang="en-US" sz="2200" spc="-1" strike="noStrike">
+              <a:solidFill>
+                <a:srgbClr val="000000"/>
+              </a:solidFill>
               <a:latin typeface="Arial"/>
             </a:endParaRPr>
           </a:p>
@@ -14988,7 +16469,7 @@
         <p:spPr>
           <a:xfrm>
             <a:off x="542880" y="1267200"/>
-            <a:ext cx="10357200" cy="497880"/>
+            <a:ext cx="10356840" cy="497520"/>
           </a:xfrm>
           <a:prstGeom prst="rect">
             <a:avLst/>
@@ -15024,7 +16505,10 @@
               </a:rPr>
               <a:t>Content</a:t>
             </a:r>
-            <a:endParaRPr b="0" lang="en-GB" sz="2200" spc="-1" strike="noStrike">
+            <a:endParaRPr b="0" lang="en-US" sz="2200" spc="-1" strike="noStrike">
+              <a:solidFill>
+                <a:srgbClr val="000000"/>
+              </a:solidFill>
               <a:latin typeface="Arial"/>
             </a:endParaRPr>
           </a:p>
@@ -15039,7 +16523,7 @@
         <p:spPr>
           <a:xfrm>
             <a:off x="451800" y="1709280"/>
-            <a:ext cx="8224560" cy="4352760"/>
+            <a:ext cx="8224200" cy="4352400"/>
           </a:xfrm>
           <a:prstGeom prst="rect">
             <a:avLst/>
@@ -15086,7 +16570,10 @@
               </a:rPr>
               <a:t>Tool Support in General</a:t>
             </a:r>
-            <a:endParaRPr b="0" lang="en-GB" sz="1800" spc="-1" strike="noStrike">
+            <a:endParaRPr b="0" lang="en-US" sz="1800" spc="-1" strike="noStrike">
+              <a:solidFill>
+                <a:srgbClr val="000000"/>
+              </a:solidFill>
               <a:latin typeface="Arial"/>
             </a:endParaRPr>
           </a:p>
@@ -15117,7 +16604,10 @@
               </a:rPr>
               <a:t>Requirements Management Tools</a:t>
             </a:r>
-            <a:endParaRPr b="0" lang="en-GB" sz="1800" spc="-1" strike="noStrike">
+            <a:endParaRPr b="0" lang="en-US" sz="1800" spc="-1" strike="noStrike">
+              <a:solidFill>
+                <a:srgbClr val="000000"/>
+              </a:solidFill>
               <a:latin typeface="Arial"/>
             </a:endParaRPr>
           </a:p>
@@ -15148,7 +16638,10 @@
               </a:rPr>
               <a:t>Introducing and Evaluating Tools</a:t>
             </a:r>
-            <a:endParaRPr b="0" lang="en-GB" sz="1800" spc="-1" strike="noStrike">
+            <a:endParaRPr b="0" lang="en-US" sz="1800" spc="-1" strike="noStrike">
+              <a:solidFill>
+                <a:srgbClr val="000000"/>
+              </a:solidFill>
               <a:latin typeface="Arial"/>
             </a:endParaRPr>
           </a:p>
@@ -15164,7 +16657,10 @@
                 <a:tab algn="l" pos="0"/>
               </a:tabLst>
             </a:pPr>
-            <a:endParaRPr b="0" lang="en-GB" sz="1800" spc="-1" strike="noStrike">
+            <a:endParaRPr b="0" lang="en-US" sz="1800" spc="-1" strike="noStrike">
+              <a:solidFill>
+                <a:srgbClr val="000000"/>
+              </a:solidFill>
               <a:latin typeface="Arial"/>
             </a:endParaRPr>
           </a:p>
@@ -15209,7 +16705,7 @@
         <p:spPr>
           <a:xfrm>
             <a:off x="542880" y="721800"/>
-            <a:ext cx="10357200" cy="497880"/>
+            <a:ext cx="10356840" cy="497520"/>
           </a:xfrm>
           <a:prstGeom prst="rect">
             <a:avLst/>
@@ -15245,7 +16741,10 @@
               </a:rPr>
               <a:t>Introducing and Evaluating Tools</a:t>
             </a:r>
-            <a:endParaRPr b="0" lang="en-GB" sz="2200" spc="-1" strike="noStrike">
+            <a:endParaRPr b="0" lang="en-US" sz="2200" spc="-1" strike="noStrike">
+              <a:solidFill>
+                <a:srgbClr val="000000"/>
+              </a:solidFill>
               <a:latin typeface="Arial"/>
             </a:endParaRPr>
           </a:p>
@@ -15260,7 +16759,7 @@
         <p:spPr>
           <a:xfrm>
             <a:off x="542880" y="1267200"/>
-            <a:ext cx="10357200" cy="497880"/>
+            <a:ext cx="10356840" cy="497520"/>
           </a:xfrm>
           <a:prstGeom prst="rect">
             <a:avLst/>
@@ -15296,7 +16795,10 @@
               </a:rPr>
               <a:t>Views on Tools: Provider View</a:t>
             </a:r>
-            <a:endParaRPr b="0" lang="en-GB" sz="2200" spc="-1" strike="noStrike">
+            <a:endParaRPr b="0" lang="en-US" sz="2200" spc="-1" strike="noStrike">
+              <a:solidFill>
+                <a:srgbClr val="000000"/>
+              </a:solidFill>
               <a:latin typeface="Arial"/>
             </a:endParaRPr>
           </a:p>
@@ -15311,7 +16813,7 @@
         <p:spPr>
           <a:xfrm>
             <a:off x="451800" y="1709280"/>
-            <a:ext cx="8224560" cy="4352760"/>
+            <a:ext cx="8224200" cy="4352400"/>
           </a:xfrm>
           <a:prstGeom prst="rect">
             <a:avLst/>
@@ -15327,6 +16829,19 @@
           <a:effectRef idx="0"/>
           <a:fontRef idx="minor"/>
         </p:style>
+        <p:txBody>
+          <a:bodyPr lIns="90000" rIns="90000" tIns="45000" bIns="45000" anchor="t">
+            <a:noAutofit/>
+          </a:bodyPr>
+          <a:p>
+            <a:endParaRPr b="0" lang="en-US" sz="1800" spc="-1" strike="noStrike">
+              <a:solidFill>
+                <a:srgbClr val="000000"/>
+              </a:solidFill>
+              <a:latin typeface="Arial"/>
+            </a:endParaRPr>
+          </a:p>
+        </p:txBody>
       </p:sp>
       <p:sp>
         <p:nvSpPr>
@@ -15341,7 +16856,7 @@
         <p:spPr>
           <a:xfrm>
             <a:off x="609480" y="1769400"/>
-            <a:ext cx="10587600" cy="4855680"/>
+            <a:ext cx="10587240" cy="4855320"/>
           </a:xfrm>
           <a:prstGeom prst="rect">
             <a:avLst/>
@@ -15380,7 +16895,10 @@
               </a:rPr>
               <a:t>Market position and services offered by the tool manufacturer</a:t>
             </a:r>
-            <a:endParaRPr b="0" lang="en-GB" sz="2000" spc="-1" strike="noStrike">
+            <a:endParaRPr b="0" lang="en-US" sz="2000" spc="-1" strike="noStrike">
+              <a:solidFill>
+                <a:srgbClr val="000000"/>
+              </a:solidFill>
               <a:latin typeface="Arial"/>
             </a:endParaRPr>
           </a:p>
@@ -15397,7 +16915,10 @@
                 <a:tab algn="l" pos="0"/>
               </a:tabLst>
             </a:pPr>
-            <a:endParaRPr b="0" lang="en-GB" sz="2000" spc="-1" strike="noStrike">
+            <a:endParaRPr b="0" lang="en-US" sz="2000" spc="-1" strike="noStrike">
+              <a:solidFill>
+                <a:srgbClr val="000000"/>
+              </a:solidFill>
               <a:latin typeface="Arial"/>
             </a:endParaRPr>
           </a:p>
@@ -15429,7 +16950,10 @@
               </a:rPr>
               <a:t>Brand awareness and reputation often important criteria</a:t>
             </a:r>
-            <a:endParaRPr b="0" lang="en-GB" sz="2000" spc="-1" strike="noStrike">
+            <a:endParaRPr b="0" lang="en-US" sz="2000" spc="-1" strike="noStrike">
+              <a:solidFill>
+                <a:srgbClr val="000000"/>
+              </a:solidFill>
               <a:latin typeface="Arial"/>
             </a:endParaRPr>
           </a:p>
@@ -15446,7 +16970,10 @@
                 <a:tab algn="l" pos="0"/>
               </a:tabLst>
             </a:pPr>
-            <a:endParaRPr b="0" lang="en-GB" sz="2000" spc="-1" strike="noStrike">
+            <a:endParaRPr b="0" lang="en-US" sz="2000" spc="-1" strike="noStrike">
+              <a:solidFill>
+                <a:srgbClr val="000000"/>
+              </a:solidFill>
               <a:latin typeface="Arial"/>
             </a:endParaRPr>
           </a:p>
@@ -15478,7 +17005,10 @@
               </a:rPr>
               <a:t>High costs and required long-term support require strong commitment</a:t>
             </a:r>
-            <a:endParaRPr b="0" lang="en-GB" sz="2000" spc="-1" strike="noStrike">
+            <a:endParaRPr b="0" lang="en-US" sz="2000" spc="-1" strike="noStrike">
+              <a:solidFill>
+                <a:srgbClr val="000000"/>
+              </a:solidFill>
               <a:latin typeface="Arial"/>
             </a:endParaRPr>
           </a:p>
@@ -15523,7 +17053,7 @@
         <p:spPr>
           <a:xfrm>
             <a:off x="542880" y="721800"/>
-            <a:ext cx="10357200" cy="497880"/>
+            <a:ext cx="10356840" cy="497520"/>
           </a:xfrm>
           <a:prstGeom prst="rect">
             <a:avLst/>
@@ -15559,7 +17089,10 @@
               </a:rPr>
               <a:t>Introducing and Evaluating Tools</a:t>
             </a:r>
-            <a:endParaRPr b="0" lang="en-GB" sz="2200" spc="-1" strike="noStrike">
+            <a:endParaRPr b="0" lang="en-US" sz="2200" spc="-1" strike="noStrike">
+              <a:solidFill>
+                <a:srgbClr val="000000"/>
+              </a:solidFill>
               <a:latin typeface="Arial"/>
             </a:endParaRPr>
           </a:p>
@@ -15574,7 +17107,7 @@
         <p:spPr>
           <a:xfrm>
             <a:off x="542880" y="1267200"/>
-            <a:ext cx="10357200" cy="497880"/>
+            <a:ext cx="10356840" cy="497520"/>
           </a:xfrm>
           <a:prstGeom prst="rect">
             <a:avLst/>
@@ -15610,7 +17143,10 @@
               </a:rPr>
               <a:t>Views on Tools: Technical View</a:t>
             </a:r>
-            <a:endParaRPr b="0" lang="en-GB" sz="2200" spc="-1" strike="noStrike">
+            <a:endParaRPr b="0" lang="en-US" sz="2200" spc="-1" strike="noStrike">
+              <a:solidFill>
+                <a:srgbClr val="000000"/>
+              </a:solidFill>
               <a:latin typeface="Arial"/>
             </a:endParaRPr>
           </a:p>
@@ -15625,7 +17161,7 @@
         <p:spPr>
           <a:xfrm>
             <a:off x="451800" y="1709280"/>
-            <a:ext cx="8224560" cy="4352760"/>
+            <a:ext cx="8224200" cy="4352400"/>
           </a:xfrm>
           <a:prstGeom prst="rect">
             <a:avLst/>
@@ -15641,6 +17177,19 @@
           <a:effectRef idx="0"/>
           <a:fontRef idx="minor"/>
         </p:style>
+        <p:txBody>
+          <a:bodyPr lIns="90000" rIns="90000" tIns="45000" bIns="45000" anchor="t">
+            <a:noAutofit/>
+          </a:bodyPr>
+          <a:p>
+            <a:endParaRPr b="0" lang="en-US" sz="1800" spc="-1" strike="noStrike">
+              <a:solidFill>
+                <a:srgbClr val="000000"/>
+              </a:solidFill>
+              <a:latin typeface="Arial"/>
+            </a:endParaRPr>
+          </a:p>
+        </p:txBody>
       </p:sp>
       <p:sp>
         <p:nvSpPr>
@@ -15655,7 +17204,7 @@
         <p:spPr>
           <a:xfrm>
             <a:off x="609480" y="1769400"/>
-            <a:ext cx="10587600" cy="4855680"/>
+            <a:ext cx="10587240" cy="4855320"/>
           </a:xfrm>
           <a:prstGeom prst="rect">
             <a:avLst/>
@@ -15694,7 +17243,10 @@
               </a:rPr>
               <a:t>Considers technical context</a:t>
             </a:r>
-            <a:endParaRPr b="0" lang="en-GB" sz="2000" spc="-1" strike="noStrike">
+            <a:endParaRPr b="0" lang="en-US" sz="2000" spc="-1" strike="noStrike">
+              <a:solidFill>
+                <a:srgbClr val="000000"/>
+              </a:solidFill>
               <a:latin typeface="Arial"/>
             </a:endParaRPr>
           </a:p>
@@ -15711,7 +17263,10 @@
                 <a:tab algn="l" pos="0"/>
               </a:tabLst>
             </a:pPr>
-            <a:endParaRPr b="0" lang="en-GB" sz="2000" spc="-1" strike="noStrike">
+            <a:endParaRPr b="0" lang="en-US" sz="2000" spc="-1" strike="noStrike">
+              <a:solidFill>
+                <a:srgbClr val="000000"/>
+              </a:solidFill>
               <a:latin typeface="Arial"/>
             </a:endParaRPr>
           </a:p>
@@ -15743,7 +17298,10 @@
               </a:rPr>
               <a:t>Ability to integrate the tool with existing tools</a:t>
             </a:r>
-            <a:endParaRPr b="0" lang="en-GB" sz="2000" spc="-1" strike="noStrike">
+            <a:endParaRPr b="0" lang="en-US" sz="2000" spc="-1" strike="noStrike">
+              <a:solidFill>
+                <a:srgbClr val="000000"/>
+              </a:solidFill>
               <a:latin typeface="Arial"/>
             </a:endParaRPr>
           </a:p>
@@ -15775,7 +17333,10 @@
               </a:rPr>
               <a:t>Evaluate APIs</a:t>
             </a:r>
-            <a:endParaRPr b="0" lang="en-GB" sz="1800" spc="-1" strike="noStrike">
+            <a:endParaRPr b="0" lang="en-US" sz="1800" spc="-1" strike="noStrike">
+              <a:solidFill>
+                <a:srgbClr val="000000"/>
+              </a:solidFill>
               <a:latin typeface="Arial"/>
             </a:endParaRPr>
           </a:p>
@@ -15807,7 +17368,10 @@
               </a:rPr>
               <a:t>Performance of the tool</a:t>
             </a:r>
-            <a:endParaRPr b="0" lang="en-GB" sz="2000" spc="-1" strike="noStrike">
+            <a:endParaRPr b="0" lang="en-US" sz="2000" spc="-1" strike="noStrike">
+              <a:solidFill>
+                <a:srgbClr val="000000"/>
+              </a:solidFill>
               <a:latin typeface="Arial"/>
             </a:endParaRPr>
           </a:p>
@@ -15839,7 +17403,10 @@
               </a:rPr>
               <a:t>Evaluate how long importing/exporting data takes</a:t>
             </a:r>
-            <a:endParaRPr b="0" lang="en-GB" sz="1800" spc="-1" strike="noStrike">
+            <a:endParaRPr b="0" lang="en-US" sz="1800" spc="-1" strike="noStrike">
+              <a:solidFill>
+                <a:srgbClr val="000000"/>
+              </a:solidFill>
               <a:latin typeface="Arial"/>
             </a:endParaRPr>
           </a:p>
@@ -15871,7 +17438,10 @@
               </a:rPr>
               <a:t>Scalability</a:t>
             </a:r>
-            <a:endParaRPr b="0" lang="en-GB" sz="2000" spc="-1" strike="noStrike">
+            <a:endParaRPr b="0" lang="en-US" sz="2000" spc="-1" strike="noStrike">
+              <a:solidFill>
+                <a:srgbClr val="000000"/>
+              </a:solidFill>
               <a:latin typeface="Arial"/>
             </a:endParaRPr>
           </a:p>
@@ -15903,7 +17473,10 @@
               </a:rPr>
               <a:t>Maximum number of users/objects</a:t>
             </a:r>
-            <a:endParaRPr b="0" lang="en-GB" sz="1800" spc="-1" strike="noStrike">
+            <a:endParaRPr b="0" lang="en-US" sz="1800" spc="-1" strike="noStrike">
+              <a:solidFill>
+                <a:srgbClr val="000000"/>
+              </a:solidFill>
               <a:latin typeface="Arial"/>
             </a:endParaRPr>
           </a:p>
@@ -15935,7 +17508,10 @@
               </a:rPr>
               <a:t>Hardware and software requirements</a:t>
             </a:r>
-            <a:endParaRPr b="0" lang="en-GB" sz="2000" spc="-1" strike="noStrike">
+            <a:endParaRPr b="0" lang="en-US" sz="2000" spc="-1" strike="noStrike">
+              <a:solidFill>
+                <a:srgbClr val="000000"/>
+              </a:solidFill>
               <a:latin typeface="Arial"/>
             </a:endParaRPr>
           </a:p>
@@ -15980,7 +17556,7 @@
         <p:spPr>
           <a:xfrm>
             <a:off x="542880" y="721800"/>
-            <a:ext cx="10357200" cy="497880"/>
+            <a:ext cx="10356840" cy="497520"/>
           </a:xfrm>
           <a:prstGeom prst="rect">
             <a:avLst/>
@@ -16016,7 +17592,10 @@
               </a:rPr>
               <a:t>Introducing and Evaluating Tools</a:t>
             </a:r>
-            <a:endParaRPr b="0" lang="en-GB" sz="2200" spc="-1" strike="noStrike">
+            <a:endParaRPr b="0" lang="en-US" sz="2200" spc="-1" strike="noStrike">
+              <a:solidFill>
+                <a:srgbClr val="000000"/>
+              </a:solidFill>
               <a:latin typeface="Arial"/>
             </a:endParaRPr>
           </a:p>
@@ -16031,7 +17610,7 @@
         <p:spPr>
           <a:xfrm>
             <a:off x="542880" y="1267200"/>
-            <a:ext cx="10357200" cy="497880"/>
+            <a:ext cx="10356840" cy="497520"/>
           </a:xfrm>
           <a:prstGeom prst="rect">
             <a:avLst/>
@@ -16067,7 +17646,10 @@
               </a:rPr>
               <a:t>Views on Tools: Economic View</a:t>
             </a:r>
-            <a:endParaRPr b="0" lang="en-GB" sz="2200" spc="-1" strike="noStrike">
+            <a:endParaRPr b="0" lang="en-US" sz="2200" spc="-1" strike="noStrike">
+              <a:solidFill>
+                <a:srgbClr val="000000"/>
+              </a:solidFill>
               <a:latin typeface="Arial"/>
             </a:endParaRPr>
           </a:p>
@@ -16082,7 +17664,7 @@
         <p:spPr>
           <a:xfrm>
             <a:off x="451800" y="1709280"/>
-            <a:ext cx="8224560" cy="4352760"/>
+            <a:ext cx="8224200" cy="4352400"/>
           </a:xfrm>
           <a:prstGeom prst="rect">
             <a:avLst/>
@@ -16098,6 +17680,19 @@
           <a:effectRef idx="0"/>
           <a:fontRef idx="minor"/>
         </p:style>
+        <p:txBody>
+          <a:bodyPr lIns="90000" rIns="90000" tIns="45000" bIns="45000" anchor="t">
+            <a:noAutofit/>
+          </a:bodyPr>
+          <a:p>
+            <a:endParaRPr b="0" lang="en-US" sz="1800" spc="-1" strike="noStrike">
+              <a:solidFill>
+                <a:srgbClr val="000000"/>
+              </a:solidFill>
+              <a:latin typeface="Arial"/>
+            </a:endParaRPr>
+          </a:p>
+        </p:txBody>
       </p:sp>
       <p:sp>
         <p:nvSpPr>
@@ -16112,7 +17707,7 @@
         <p:spPr>
           <a:xfrm>
             <a:off x="609480" y="1769400"/>
-            <a:ext cx="10587600" cy="4855680"/>
+            <a:ext cx="10587240" cy="4855320"/>
           </a:xfrm>
           <a:prstGeom prst="rect">
             <a:avLst/>
@@ -16151,7 +17746,10 @@
               </a:rPr>
               <a:t>Considers costs</a:t>
             </a:r>
-            <a:endParaRPr b="0" lang="en-GB" sz="2000" spc="-1" strike="noStrike">
+            <a:endParaRPr b="0" lang="en-US" sz="2000" spc="-1" strike="noStrike">
+              <a:solidFill>
+                <a:srgbClr val="000000"/>
+              </a:solidFill>
               <a:latin typeface="Arial"/>
             </a:endParaRPr>
           </a:p>
@@ -16180,7 +17778,10 @@
               </a:rPr>
               <a:t>Due to acquisition</a:t>
             </a:r>
-            <a:endParaRPr b="0" lang="en-GB" sz="1800" spc="-1" strike="noStrike">
+            <a:endParaRPr b="0" lang="en-US" sz="1800" spc="-1" strike="noStrike">
+              <a:solidFill>
+                <a:srgbClr val="000000"/>
+              </a:solidFill>
               <a:latin typeface="Arial"/>
             </a:endParaRPr>
           </a:p>
@@ -16209,7 +17810,10 @@
               </a:rPr>
               <a:t>Introduction</a:t>
             </a:r>
-            <a:endParaRPr b="0" lang="en-GB" sz="1800" spc="-1" strike="noStrike">
+            <a:endParaRPr b="0" lang="en-US" sz="1800" spc="-1" strike="noStrike">
+              <a:solidFill>
+                <a:srgbClr val="000000"/>
+              </a:solidFill>
               <a:latin typeface="Arial"/>
             </a:endParaRPr>
           </a:p>
@@ -16238,7 +17842,10 @@
               </a:rPr>
               <a:t>Maintenance</a:t>
             </a:r>
-            <a:endParaRPr b="0" lang="en-GB" sz="1800" spc="-1" strike="noStrike">
+            <a:endParaRPr b="0" lang="en-US" sz="1800" spc="-1" strike="noStrike">
+              <a:solidFill>
+                <a:srgbClr val="000000"/>
+              </a:solidFill>
               <a:latin typeface="Arial"/>
             </a:endParaRPr>
           </a:p>
@@ -16267,7 +17874,10 @@
               </a:rPr>
               <a:t>Integration costs</a:t>
             </a:r>
-            <a:endParaRPr b="0" lang="en-GB" sz="1800" spc="-1" strike="noStrike">
+            <a:endParaRPr b="0" lang="en-US" sz="1800" spc="-1" strike="noStrike">
+              <a:solidFill>
+                <a:srgbClr val="000000"/>
+              </a:solidFill>
               <a:latin typeface="Arial"/>
             </a:endParaRPr>
           </a:p>
@@ -16296,7 +17906,10 @@
               </a:rPr>
               <a:t>Operation costs</a:t>
             </a:r>
-            <a:endParaRPr b="0" lang="en-GB" sz="1800" spc="-1" strike="noStrike">
+            <a:endParaRPr b="0" lang="en-US" sz="1800" spc="-1" strike="noStrike">
+              <a:solidFill>
+                <a:srgbClr val="000000"/>
+              </a:solidFill>
               <a:latin typeface="Arial"/>
             </a:endParaRPr>
           </a:p>
@@ -16325,7 +17938,10 @@
               </a:rPr>
               <a:t>Method tailoring</a:t>
             </a:r>
-            <a:endParaRPr b="0" lang="en-GB" sz="1800" spc="-1" strike="noStrike">
+            <a:endParaRPr b="0" lang="en-US" sz="1800" spc="-1" strike="noStrike">
+              <a:solidFill>
+                <a:srgbClr val="000000"/>
+              </a:solidFill>
               <a:latin typeface="Arial"/>
             </a:endParaRPr>
           </a:p>
@@ -16370,7 +17986,7 @@
         <p:spPr>
           <a:xfrm>
             <a:off x="335520" y="4406760"/>
-            <a:ext cx="10748880" cy="1357920"/>
+            <a:ext cx="10748520" cy="1357560"/>
           </a:xfrm>
           <a:prstGeom prst="rect">
             <a:avLst/>
@@ -16406,7 +18022,10 @@
               </a:rPr>
               <a:t>Summary</a:t>
             </a:r>
-            <a:endParaRPr b="0" lang="en-GB" sz="3000" spc="-1" strike="noStrike">
+            <a:endParaRPr b="0" lang="en-US" sz="3000" spc="-1" strike="noStrike">
+              <a:solidFill>
+                <a:srgbClr val="000000"/>
+              </a:solidFill>
               <a:latin typeface="Arial"/>
             </a:endParaRPr>
           </a:p>
@@ -16426,7 +18045,10 @@
               </a:rPr>
               <a:t> </a:t>
             </a:r>
-            <a:endParaRPr b="0" lang="en-GB" sz="3000" spc="-1" strike="noStrike">
+            <a:endParaRPr b="0" lang="en-US" sz="3000" spc="-1" strike="noStrike">
+              <a:solidFill>
+                <a:srgbClr val="000000"/>
+              </a:solidFill>
               <a:latin typeface="Arial"/>
             </a:endParaRPr>
           </a:p>
@@ -16436,7 +18058,10 @@
                 <a:spcPct val="100000"/>
               </a:lnSpc>
             </a:pPr>
-            <a:endParaRPr b="0" lang="en-GB" sz="3000" spc="-1" strike="noStrike">
+            <a:endParaRPr b="0" lang="en-US" sz="3000" spc="-1" strike="noStrike">
+              <a:solidFill>
+                <a:srgbClr val="000000"/>
+              </a:solidFill>
               <a:latin typeface="Arial"/>
             </a:endParaRPr>
           </a:p>
@@ -16451,7 +18076,7 @@
         <p:spPr>
           <a:xfrm>
             <a:off x="335520" y="2906640"/>
-            <a:ext cx="10748880" cy="1495800"/>
+            <a:ext cx="10748520" cy="1495440"/>
           </a:xfrm>
           <a:prstGeom prst="rect">
             <a:avLst/>
@@ -16467,6 +18092,19 @@
           <a:effectRef idx="0"/>
           <a:fontRef idx="minor"/>
         </p:style>
+        <p:txBody>
+          <a:bodyPr lIns="90000" rIns="90000" tIns="45000" bIns="45000" anchor="t">
+            <a:noAutofit/>
+          </a:bodyPr>
+          <a:p>
+            <a:endParaRPr b="0" lang="en-US" sz="1800" spc="-1" strike="noStrike">
+              <a:solidFill>
+                <a:srgbClr val="000000"/>
+              </a:solidFill>
+              <a:latin typeface="Arial"/>
+            </a:endParaRPr>
+          </a:p>
+        </p:txBody>
       </p:sp>
     </p:spTree>
   </p:cSld>
@@ -16507,7 +18145,7 @@
         <p:spPr>
           <a:xfrm>
             <a:off x="542880" y="721800"/>
-            <a:ext cx="10357200" cy="497880"/>
+            <a:ext cx="10356840" cy="497520"/>
           </a:xfrm>
           <a:prstGeom prst="rect">
             <a:avLst/>
@@ -16543,7 +18181,10 @@
               </a:rPr>
               <a:t>Summary</a:t>
             </a:r>
-            <a:endParaRPr b="0" lang="en-GB" sz="2200" spc="-1" strike="noStrike">
+            <a:endParaRPr b="0" lang="en-US" sz="2200" spc="-1" strike="noStrike">
+              <a:solidFill>
+                <a:srgbClr val="000000"/>
+              </a:solidFill>
               <a:latin typeface="Arial"/>
             </a:endParaRPr>
           </a:p>
@@ -16558,7 +18199,7 @@
         <p:spPr>
           <a:xfrm>
             <a:off x="542880" y="1267200"/>
-            <a:ext cx="10357200" cy="497880"/>
+            <a:ext cx="10356840" cy="497520"/>
           </a:xfrm>
           <a:prstGeom prst="rect">
             <a:avLst/>
@@ -16574,6 +18215,19 @@
           <a:effectRef idx="0"/>
           <a:fontRef idx="minor"/>
         </p:style>
+        <p:txBody>
+          <a:bodyPr lIns="90000" rIns="90000" tIns="45000" bIns="45000" anchor="t">
+            <a:noAutofit/>
+          </a:bodyPr>
+          <a:p>
+            <a:endParaRPr b="0" lang="en-US" sz="1800" spc="-1" strike="noStrike">
+              <a:solidFill>
+                <a:srgbClr val="000000"/>
+              </a:solidFill>
+              <a:latin typeface="Arial"/>
+            </a:endParaRPr>
+          </a:p>
+        </p:txBody>
       </p:sp>
       <p:sp>
         <p:nvSpPr>
@@ -16584,7 +18238,7 @@
         <p:spPr>
           <a:xfrm>
             <a:off x="451800" y="1709280"/>
-            <a:ext cx="8224560" cy="4352760"/>
+            <a:ext cx="8224200" cy="4352400"/>
           </a:xfrm>
           <a:prstGeom prst="rect">
             <a:avLst/>
@@ -16600,6 +18254,19 @@
           <a:effectRef idx="0"/>
           <a:fontRef idx="minor"/>
         </p:style>
+        <p:txBody>
+          <a:bodyPr lIns="90000" rIns="90000" tIns="45000" bIns="45000" anchor="t">
+            <a:noAutofit/>
+          </a:bodyPr>
+          <a:p>
+            <a:endParaRPr b="0" lang="en-US" sz="1800" spc="-1" strike="noStrike">
+              <a:solidFill>
+                <a:srgbClr val="000000"/>
+              </a:solidFill>
+              <a:latin typeface="Arial"/>
+            </a:endParaRPr>
+          </a:p>
+        </p:txBody>
       </p:sp>
       <p:sp>
         <p:nvSpPr>
@@ -16614,7 +18281,7 @@
         <p:spPr>
           <a:xfrm>
             <a:off x="609480" y="1769400"/>
-            <a:ext cx="10587600" cy="4855680"/>
+            <a:ext cx="10587240" cy="4855320"/>
           </a:xfrm>
           <a:prstGeom prst="rect">
             <a:avLst/>
@@ -16653,7 +18320,10 @@
               </a:rPr>
               <a:t>Different kinds of tools available</a:t>
             </a:r>
-            <a:endParaRPr b="0" lang="en-GB" sz="2000" spc="-1" strike="noStrike">
+            <a:endParaRPr b="0" lang="en-US" sz="2000" spc="-1" strike="noStrike">
+              <a:solidFill>
+                <a:srgbClr val="000000"/>
+              </a:solidFill>
               <a:latin typeface="Arial"/>
             </a:endParaRPr>
           </a:p>
@@ -16682,7 +18352,10 @@
               </a:rPr>
               <a:t>Special RE tools vs. general purpose tools</a:t>
             </a:r>
-            <a:endParaRPr b="0" lang="en-GB" sz="1800" spc="-1" strike="noStrike">
+            <a:endParaRPr b="0" lang="en-US" sz="1800" spc="-1" strike="noStrike">
+              <a:solidFill>
+                <a:srgbClr val="000000"/>
+              </a:solidFill>
               <a:latin typeface="Arial"/>
             </a:endParaRPr>
           </a:p>
@@ -16711,7 +18384,10 @@
               </a:rPr>
               <a:t>A good process comes before a good tool</a:t>
             </a:r>
-            <a:endParaRPr b="0" lang="en-GB" sz="2000" spc="-1" strike="noStrike">
+            <a:endParaRPr b="0" lang="en-US" sz="2000" spc="-1" strike="noStrike">
+              <a:solidFill>
+                <a:srgbClr val="000000"/>
+              </a:solidFill>
               <a:latin typeface="Arial"/>
             </a:endParaRPr>
           </a:p>
@@ -16740,7 +18416,10 @@
               </a:rPr>
               <a:t>Whatever the tool, its use must be fitting for the process</a:t>
             </a:r>
-            <a:endParaRPr b="0" lang="en-GB" sz="2000" spc="-1" strike="noStrike">
+            <a:endParaRPr b="0" lang="en-US" sz="2000" spc="-1" strike="noStrike">
+              <a:solidFill>
+                <a:srgbClr val="000000"/>
+              </a:solidFill>
               <a:latin typeface="Arial"/>
             </a:endParaRPr>
           </a:p>
@@ -16769,7 +18448,10 @@
               </a:rPr>
               <a:t>New tools should be introduced in a pilot</a:t>
             </a:r>
-            <a:endParaRPr b="0" lang="en-GB" sz="2000" spc="-1" strike="noStrike">
+            <a:endParaRPr b="0" lang="en-US" sz="2000" spc="-1" strike="noStrike">
+              <a:solidFill>
+                <a:srgbClr val="000000"/>
+              </a:solidFill>
               <a:latin typeface="Arial"/>
             </a:endParaRPr>
           </a:p>
@@ -16798,7 +18480,10 @@
               </a:rPr>
               <a:t>Evaluating new tools is time consuming</a:t>
             </a:r>
-            <a:endParaRPr b="0" lang="en-GB" sz="1800" spc="-1" strike="noStrike">
+            <a:endParaRPr b="0" lang="en-US" sz="1800" spc="-1" strike="noStrike">
+              <a:solidFill>
+                <a:srgbClr val="000000"/>
+              </a:solidFill>
               <a:latin typeface="Arial"/>
             </a:endParaRPr>
           </a:p>
@@ -16843,7 +18528,7 @@
         <p:spPr>
           <a:xfrm>
             <a:off x="335520" y="1268640"/>
-            <a:ext cx="10745640" cy="5033160"/>
+            <a:ext cx="10745280" cy="5032800"/>
           </a:xfrm>
           <a:prstGeom prst="rect">
             <a:avLst/>
@@ -16885,7 +18570,10 @@
               </a:rPr>
               <a:t>Questions?</a:t>
             </a:r>
-            <a:endParaRPr b="0" lang="en-GB" sz="4000" spc="-1" strike="noStrike">
+            <a:endParaRPr b="0" lang="en-US" sz="4000" spc="-1" strike="noStrike">
+              <a:solidFill>
+                <a:srgbClr val="000000"/>
+              </a:solidFill>
               <a:latin typeface="Arial"/>
             </a:endParaRPr>
           </a:p>
@@ -16900,7 +18588,7 @@
         <p:spPr>
           <a:xfrm>
             <a:off x="335520" y="764640"/>
-            <a:ext cx="10745640" cy="496440"/>
+            <a:ext cx="10745280" cy="496080"/>
           </a:xfrm>
           <a:prstGeom prst="rect">
             <a:avLst/>
@@ -16916,6 +18604,19 @@
           <a:effectRef idx="0"/>
           <a:fontRef idx="minor"/>
         </p:style>
+        <p:txBody>
+          <a:bodyPr lIns="90000" rIns="90000" tIns="45000" bIns="45000" anchor="t">
+            <a:noAutofit/>
+          </a:bodyPr>
+          <a:p>
+            <a:endParaRPr b="0" lang="en-US" sz="1800" spc="-1" strike="noStrike">
+              <a:solidFill>
+                <a:srgbClr val="000000"/>
+              </a:solidFill>
+              <a:latin typeface="Arial"/>
+            </a:endParaRPr>
+          </a:p>
+        </p:txBody>
       </p:sp>
     </p:spTree>
   </p:cSld>
@@ -16956,7 +18657,7 @@
         <p:spPr>
           <a:xfrm>
             <a:off x="335520" y="4406760"/>
-            <a:ext cx="10748880" cy="1357920"/>
+            <a:ext cx="10748520" cy="1357560"/>
           </a:xfrm>
           <a:prstGeom prst="rect">
             <a:avLst/>
@@ -16992,7 +18693,10 @@
               </a:rPr>
               <a:t>Tool Support in General</a:t>
             </a:r>
-            <a:endParaRPr b="0" lang="en-GB" sz="3000" spc="-1" strike="noStrike">
+            <a:endParaRPr b="0" lang="en-US" sz="3000" spc="-1" strike="noStrike">
+              <a:solidFill>
+                <a:srgbClr val="000000"/>
+              </a:solidFill>
               <a:latin typeface="Arial"/>
             </a:endParaRPr>
           </a:p>
@@ -17007,7 +18711,7 @@
         <p:spPr>
           <a:xfrm>
             <a:off x="335520" y="2906640"/>
-            <a:ext cx="10748880" cy="1495800"/>
+            <a:ext cx="10748520" cy="1495440"/>
           </a:xfrm>
           <a:prstGeom prst="rect">
             <a:avLst/>
@@ -17023,6 +18727,19 @@
           <a:effectRef idx="0"/>
           <a:fontRef idx="minor"/>
         </p:style>
+        <p:txBody>
+          <a:bodyPr lIns="90000" rIns="90000" tIns="45000" bIns="45000" anchor="t">
+            <a:noAutofit/>
+          </a:bodyPr>
+          <a:p>
+            <a:endParaRPr b="0" lang="en-US" sz="1800" spc="-1" strike="noStrike">
+              <a:solidFill>
+                <a:srgbClr val="000000"/>
+              </a:solidFill>
+              <a:latin typeface="Arial"/>
+            </a:endParaRPr>
+          </a:p>
+        </p:txBody>
       </p:sp>
     </p:spTree>
   </p:cSld>
@@ -17063,7 +18780,7 @@
         <p:spPr>
           <a:xfrm>
             <a:off x="542880" y="721800"/>
-            <a:ext cx="10357200" cy="497880"/>
+            <a:ext cx="10356840" cy="497520"/>
           </a:xfrm>
           <a:prstGeom prst="rect">
             <a:avLst/>
@@ -17099,7 +18816,10 @@
               </a:rPr>
               <a:t>Tool Support in General</a:t>
             </a:r>
-            <a:endParaRPr b="0" lang="en-GB" sz="2200" spc="-1" strike="noStrike">
+            <a:endParaRPr b="0" lang="en-US" sz="2200" spc="-1" strike="noStrike">
+              <a:solidFill>
+                <a:srgbClr val="000000"/>
+              </a:solidFill>
               <a:latin typeface="Arial"/>
             </a:endParaRPr>
           </a:p>
@@ -17114,7 +18834,7 @@
         <p:spPr>
           <a:xfrm>
             <a:off x="542880" y="1267200"/>
-            <a:ext cx="10357200" cy="497880"/>
+            <a:ext cx="10356840" cy="497520"/>
           </a:xfrm>
           <a:prstGeom prst="rect">
             <a:avLst/>
@@ -17150,7 +18870,10 @@
               </a:rPr>
               <a:t>Motivation</a:t>
             </a:r>
-            <a:endParaRPr b="0" lang="en-GB" sz="2200" spc="-1" strike="noStrike">
+            <a:endParaRPr b="0" lang="en-US" sz="2200" spc="-1" strike="noStrike">
+              <a:solidFill>
+                <a:srgbClr val="000000"/>
+              </a:solidFill>
               <a:latin typeface="Arial"/>
             </a:endParaRPr>
           </a:p>
@@ -17165,7 +18888,7 @@
         <p:spPr>
           <a:xfrm>
             <a:off x="451800" y="1709280"/>
-            <a:ext cx="8224560" cy="4352760"/>
+            <a:ext cx="8224200" cy="4352400"/>
           </a:xfrm>
           <a:prstGeom prst="rect">
             <a:avLst/>
@@ -17181,6 +18904,19 @@
           <a:effectRef idx="0"/>
           <a:fontRef idx="minor"/>
         </p:style>
+        <p:txBody>
+          <a:bodyPr lIns="90000" rIns="90000" tIns="45000" bIns="45000" anchor="t">
+            <a:noAutofit/>
+          </a:bodyPr>
+          <a:p>
+            <a:endParaRPr b="0" lang="en-US" sz="1800" spc="-1" strike="noStrike">
+              <a:solidFill>
+                <a:srgbClr val="000000"/>
+              </a:solidFill>
+              <a:latin typeface="Arial"/>
+            </a:endParaRPr>
+          </a:p>
+        </p:txBody>
       </p:sp>
       <p:sp>
         <p:nvSpPr>
@@ -17195,7 +18931,7 @@
         <p:spPr>
           <a:xfrm>
             <a:off x="609480" y="1769400"/>
-            <a:ext cx="10587600" cy="4855680"/>
+            <a:ext cx="10587240" cy="4855320"/>
           </a:xfrm>
           <a:prstGeom prst="rect">
             <a:avLst/>
@@ -17234,7 +18970,10 @@
               </a:rPr>
               <a:t>Integrate and process already existing information</a:t>
             </a:r>
-            <a:endParaRPr b="0" lang="en-GB" sz="2000" spc="-1" strike="noStrike">
+            <a:endParaRPr b="0" lang="en-US" sz="2000" spc="-1" strike="noStrike">
+              <a:solidFill>
+                <a:srgbClr val="000000"/>
+              </a:solidFill>
               <a:latin typeface="Arial"/>
             </a:endParaRPr>
           </a:p>
@@ -17263,7 +19002,10 @@
               </a:rPr>
               <a:t>Information from requirements engineering</a:t>
             </a:r>
-            <a:endParaRPr b="0" lang="en-GB" sz="2000" spc="-1" strike="noStrike">
+            <a:endParaRPr b="0" lang="en-US" sz="2000" spc="-1" strike="noStrike">
+              <a:solidFill>
+                <a:srgbClr val="000000"/>
+              </a:solidFill>
               <a:latin typeface="Arial"/>
             </a:endParaRPr>
           </a:p>
@@ -17292,7 +19034,10 @@
               </a:rPr>
               <a:t>Natural language requirements, models, ...</a:t>
             </a:r>
-            <a:endParaRPr b="0" lang="en-GB" sz="1800" spc="-1" strike="noStrike">
+            <a:endParaRPr b="0" lang="en-US" sz="1800" spc="-1" strike="noStrike">
+              <a:solidFill>
+                <a:srgbClr val="000000"/>
+              </a:solidFill>
               <a:latin typeface="Arial"/>
             </a:endParaRPr>
           </a:p>
@@ -17321,7 +19066,10 @@
               </a:rPr>
               <a:t>Information that is the basis of requirements</a:t>
             </a:r>
-            <a:endParaRPr b="0" lang="en-GB" sz="2000" spc="-1" strike="noStrike">
+            <a:endParaRPr b="0" lang="en-US" sz="2000" spc="-1" strike="noStrike">
+              <a:solidFill>
+                <a:srgbClr val="000000"/>
+              </a:solidFill>
               <a:latin typeface="Arial"/>
             </a:endParaRPr>
           </a:p>
@@ -17350,7 +19098,10 @@
               </a:rPr>
               <a:t>Minutes, goal documents, stakeholder lists, ...</a:t>
             </a:r>
-            <a:endParaRPr b="0" lang="en-GB" sz="1800" spc="-1" strike="noStrike">
+            <a:endParaRPr b="0" lang="en-US" sz="1800" spc="-1" strike="noStrike">
+              <a:solidFill>
+                <a:srgbClr val="000000"/>
+              </a:solidFill>
               <a:latin typeface="Arial"/>
             </a:endParaRPr>
           </a:p>
@@ -17379,7 +19130,10 @@
               </a:rPr>
               <a:t>In practice mostly support of requirements management</a:t>
             </a:r>
-            <a:endParaRPr b="0" lang="en-GB" sz="2000" spc="-1" strike="noStrike">
+            <a:endParaRPr b="0" lang="en-US" sz="2000" spc="-1" strike="noStrike">
+              <a:solidFill>
+                <a:srgbClr val="000000"/>
+              </a:solidFill>
               <a:latin typeface="Arial"/>
             </a:endParaRPr>
           </a:p>
@@ -17424,7 +19178,7 @@
         <p:spPr>
           <a:xfrm>
             <a:off x="542880" y="721800"/>
-            <a:ext cx="10357200" cy="497880"/>
+            <a:ext cx="10356840" cy="497520"/>
           </a:xfrm>
           <a:prstGeom prst="rect">
             <a:avLst/>
@@ -17460,7 +19214,10 @@
               </a:rPr>
               <a:t>Tool Support in General</a:t>
             </a:r>
-            <a:endParaRPr b="0" lang="en-GB" sz="2200" spc="-1" strike="noStrike">
+            <a:endParaRPr b="0" lang="en-US" sz="2200" spc="-1" strike="noStrike">
+              <a:solidFill>
+                <a:srgbClr val="000000"/>
+              </a:solidFill>
               <a:latin typeface="Arial"/>
             </a:endParaRPr>
           </a:p>
@@ -17475,7 +19232,7 @@
         <p:spPr>
           <a:xfrm>
             <a:off x="542880" y="1267200"/>
-            <a:ext cx="10357200" cy="497880"/>
+            <a:ext cx="10356840" cy="497520"/>
           </a:xfrm>
           <a:prstGeom prst="rect">
             <a:avLst/>
@@ -17511,7 +19268,10 @@
               </a:rPr>
               <a:t>Traceability between Tools</a:t>
             </a:r>
-            <a:endParaRPr b="0" lang="en-GB" sz="2200" spc="-1" strike="noStrike">
+            <a:endParaRPr b="0" lang="en-US" sz="2200" spc="-1" strike="noStrike">
+              <a:solidFill>
+                <a:srgbClr val="000000"/>
+              </a:solidFill>
               <a:latin typeface="Arial"/>
             </a:endParaRPr>
           </a:p>
@@ -17526,7 +19286,7 @@
         <p:spPr>
           <a:xfrm>
             <a:off x="451800" y="1709280"/>
-            <a:ext cx="8224560" cy="4352760"/>
+            <a:ext cx="8224200" cy="4352400"/>
           </a:xfrm>
           <a:prstGeom prst="rect">
             <a:avLst/>
@@ -17542,6 +19302,19 @@
           <a:effectRef idx="0"/>
           <a:fontRef idx="minor"/>
         </p:style>
+        <p:txBody>
+          <a:bodyPr lIns="90000" rIns="90000" tIns="45000" bIns="45000" anchor="t">
+            <a:noAutofit/>
+          </a:bodyPr>
+          <a:p>
+            <a:endParaRPr b="0" lang="en-US" sz="1800" spc="-1" strike="noStrike">
+              <a:solidFill>
+                <a:srgbClr val="000000"/>
+              </a:solidFill>
+              <a:latin typeface="Arial"/>
+            </a:endParaRPr>
+          </a:p>
+        </p:txBody>
       </p:sp>
       <p:sp>
         <p:nvSpPr>
@@ -17556,7 +19329,7 @@
         <p:spPr>
           <a:xfrm>
             <a:off x="609480" y="1769400"/>
-            <a:ext cx="10587600" cy="4855680"/>
+            <a:ext cx="10587240" cy="4855320"/>
           </a:xfrm>
           <a:prstGeom prst="rect">
             <a:avLst/>
@@ -17595,7 +19368,10 @@
               </a:rPr>
               <a:t>Usually, multiple tools are used</a:t>
             </a:r>
-            <a:endParaRPr b="0" lang="en-GB" sz="2000" spc="-1" strike="noStrike">
+            <a:endParaRPr b="0" lang="en-US" sz="2000" spc="-1" strike="noStrike">
+              <a:solidFill>
+                <a:srgbClr val="000000"/>
+              </a:solidFill>
               <a:latin typeface="Arial"/>
             </a:endParaRPr>
           </a:p>
@@ -17624,7 +19400,10 @@
               </a:rPr>
               <a:t>Interfaces for integration and traceability required</a:t>
             </a:r>
-            <a:endParaRPr b="0" lang="en-GB" sz="2000" spc="-1" strike="noStrike">
+            <a:endParaRPr b="0" lang="en-US" sz="2000" spc="-1" strike="noStrike">
+              <a:solidFill>
+                <a:srgbClr val="000000"/>
+              </a:solidFill>
               <a:latin typeface="Arial"/>
             </a:endParaRPr>
           </a:p>
@@ -17653,7 +19432,10 @@
               </a:rPr>
               <a:t>Should be either available or easy to create</a:t>
             </a:r>
-            <a:endParaRPr b="0" lang="en-GB" sz="1800" spc="-1" strike="noStrike">
+            <a:endParaRPr b="0" lang="en-US" sz="1800" spc="-1" strike="noStrike">
+              <a:solidFill>
+                <a:srgbClr val="000000"/>
+              </a:solidFill>
               <a:latin typeface="Arial"/>
             </a:endParaRPr>
           </a:p>
@@ -17682,7 +19464,10 @@
               </a:rPr>
               <a:t>Should allow tracing changes</a:t>
             </a:r>
-            <a:endParaRPr b="0" lang="en-GB" sz="2000" spc="-1" strike="noStrike">
+            <a:endParaRPr b="0" lang="en-US" sz="2000" spc="-1" strike="noStrike">
+              <a:solidFill>
+                <a:srgbClr val="000000"/>
+              </a:solidFill>
               <a:latin typeface="Arial"/>
             </a:endParaRPr>
           </a:p>
@@ -17711,7 +19496,10 @@
               </a:rPr>
               <a:t>Should allow managing the traces</a:t>
             </a:r>
-            <a:endParaRPr b="0" lang="en-GB" sz="2000" spc="-1" strike="noStrike">
+            <a:endParaRPr b="0" lang="en-US" sz="2000" spc="-1" strike="noStrike">
+              <a:solidFill>
+                <a:srgbClr val="000000"/>
+              </a:solidFill>
               <a:latin typeface="Arial"/>
             </a:endParaRPr>
           </a:p>
@@ -17740,7 +19528,10 @@
               </a:rPr>
               <a:t>Vital to know where changes are propagated to</a:t>
             </a:r>
-            <a:endParaRPr b="0" lang="en-GB" sz="2000" spc="-1" strike="noStrike">
+            <a:endParaRPr b="0" lang="en-US" sz="2000" spc="-1" strike="noStrike">
+              <a:solidFill>
+                <a:srgbClr val="000000"/>
+              </a:solidFill>
               <a:latin typeface="Arial"/>
             </a:endParaRPr>
           </a:p>
@@ -17785,7 +19576,7 @@
         <p:spPr>
           <a:xfrm>
             <a:off x="542880" y="721800"/>
-            <a:ext cx="10357200" cy="497880"/>
+            <a:ext cx="10356840" cy="497520"/>
           </a:xfrm>
           <a:prstGeom prst="rect">
             <a:avLst/>
@@ -17821,7 +19612,10 @@
               </a:rPr>
               <a:t>Tool Support in General</a:t>
             </a:r>
-            <a:endParaRPr b="0" lang="en-GB" sz="2200" spc="-1" strike="noStrike">
+            <a:endParaRPr b="0" lang="en-US" sz="2200" spc="-1" strike="noStrike">
+              <a:solidFill>
+                <a:srgbClr val="000000"/>
+              </a:solidFill>
               <a:latin typeface="Arial"/>
             </a:endParaRPr>
           </a:p>
@@ -17836,7 +19630,7 @@
         <p:spPr>
           <a:xfrm>
             <a:off x="542880" y="1267200"/>
-            <a:ext cx="10357200" cy="497880"/>
+            <a:ext cx="10356840" cy="497520"/>
           </a:xfrm>
           <a:prstGeom prst="rect">
             <a:avLst/>
@@ -17872,7 +19666,10 @@
               </a:rPr>
               <a:t>Reuse of Tools from System Development</a:t>
             </a:r>
-            <a:endParaRPr b="0" lang="en-GB" sz="2200" spc="-1" strike="noStrike">
+            <a:endParaRPr b="0" lang="en-US" sz="2200" spc="-1" strike="noStrike">
+              <a:solidFill>
+                <a:srgbClr val="000000"/>
+              </a:solidFill>
               <a:latin typeface="Arial"/>
             </a:endParaRPr>
           </a:p>
@@ -17887,7 +19684,7 @@
         <p:spPr>
           <a:xfrm>
             <a:off x="451800" y="1709280"/>
-            <a:ext cx="8224560" cy="4352760"/>
+            <a:ext cx="8224200" cy="4352400"/>
           </a:xfrm>
           <a:prstGeom prst="rect">
             <a:avLst/>
@@ -17903,6 +19700,19 @@
           <a:effectRef idx="0"/>
           <a:fontRef idx="minor"/>
         </p:style>
+        <p:txBody>
+          <a:bodyPr lIns="90000" rIns="90000" tIns="45000" bIns="45000" anchor="t">
+            <a:noAutofit/>
+          </a:bodyPr>
+          <a:p>
+            <a:endParaRPr b="0" lang="en-US" sz="1800" spc="-1" strike="noStrike">
+              <a:solidFill>
+                <a:srgbClr val="000000"/>
+              </a:solidFill>
+              <a:latin typeface="Arial"/>
+            </a:endParaRPr>
+          </a:p>
+        </p:txBody>
       </p:sp>
       <p:sp>
         <p:nvSpPr>
@@ -17917,7 +19727,7 @@
         <p:spPr>
           <a:xfrm>
             <a:off x="609480" y="1769400"/>
-            <a:ext cx="10587600" cy="4855680"/>
+            <a:ext cx="10587240" cy="4855320"/>
           </a:xfrm>
           <a:prstGeom prst="rect">
             <a:avLst/>
@@ -17933,35 +19743,6 @@
           </a:bodyPr>
           <a:p>
             <a:pPr marL="216000" indent="-216000">
-              <a:lnSpc>
-                <a:spcPct val="100000"/>
-              </a:lnSpc>
-              <a:spcBef>
-                <a:spcPts val="1417"/>
-              </a:spcBef>
-              <a:buClr>
-                <a:srgbClr val="008c4f"/>
-              </a:buClr>
-              <a:buSzPct val="80000"/>
-              <a:buFont typeface="Wingdings 2" charset="2"/>
-              <a:buChar char=""/>
-            </a:pPr>
-            <a:r>
-              <a:rPr b="0" lang="en-US" sz="2000" spc="-1" strike="noStrike">
-                <a:solidFill>
-                  <a:srgbClr val="000000"/>
-                </a:solidFill>
-                <a:latin typeface="DejaVu Sans"/>
-                <a:ea typeface="DejaVu Sans"/>
-              </a:rPr>
-              <a:t>Tools for development can often be used for requirements engineering</a:t>
-            </a:r>
-            <a:endParaRPr b="0" lang="en-GB" sz="2000" spc="-1" strike="noStrike">
-              <a:latin typeface="Arial"/>
-            </a:endParaRPr>
-          </a:p>
-          <a:p>
-            <a:pPr lvl="1" marL="432000" indent="-216000">
               <a:lnSpc>
                 <a:spcPct val="100000"/>
               </a:lnSpc>
@@ -17972,7 +19753,39 @@
                 <a:srgbClr val="008c4f"/>
               </a:buClr>
               <a:buSzPct val="45000"/>
-              <a:buFont typeface="OpenSymbol"/>
+              <a:buFont typeface="DejaVu Sans"/>
+              <a:buChar char="◾"/>
+            </a:pPr>
+            <a:r>
+              <a:rPr b="0" lang="en-US" sz="2000" spc="-1" strike="noStrike">
+                <a:solidFill>
+                  <a:srgbClr val="000000"/>
+                </a:solidFill>
+                <a:latin typeface="DejaVu Sans"/>
+                <a:ea typeface="DejaVu Sans"/>
+              </a:rPr>
+              <a:t>Tools for development can often be used for requirements engineering</a:t>
+            </a:r>
+            <a:endParaRPr b="0" lang="en-US" sz="2000" spc="-1" strike="noStrike">
+              <a:solidFill>
+                <a:srgbClr val="000000"/>
+              </a:solidFill>
+              <a:latin typeface="Arial"/>
+            </a:endParaRPr>
+          </a:p>
+          <a:p>
+            <a:pPr lvl="1" marL="432000" indent="-216000">
+              <a:lnSpc>
+                <a:spcPct val="100000"/>
+              </a:lnSpc>
+              <a:spcBef>
+                <a:spcPts val="1417"/>
+              </a:spcBef>
+              <a:buClr>
+                <a:srgbClr val="008c4f"/>
+              </a:buClr>
+              <a:buSzPct val="60000"/>
+              <a:buFont typeface="DejaVu Sans"/>
               <a:buChar char="—"/>
             </a:pPr>
             <a:r>
@@ -17985,12 +19798,47 @@
               </a:rPr>
               <a:t>Often offer ability to manage requirements</a:t>
             </a:r>
-            <a:endParaRPr b="0" lang="en-GB" sz="1800" spc="-1" strike="noStrike">
+            <a:endParaRPr b="0" lang="en-US" sz="1800" spc="-1" strike="noStrike">
+              <a:solidFill>
+                <a:srgbClr val="000000"/>
+              </a:solidFill>
               <a:latin typeface="Arial"/>
             </a:endParaRPr>
           </a:p>
           <a:p>
             <a:pPr lvl="1" marL="432000" indent="-216000">
+              <a:lnSpc>
+                <a:spcPct val="100000"/>
+              </a:lnSpc>
+              <a:spcBef>
+                <a:spcPts val="1417"/>
+              </a:spcBef>
+              <a:buClr>
+                <a:srgbClr val="008c4f"/>
+              </a:buClr>
+              <a:buSzPct val="60000"/>
+              <a:buFont typeface="DejaVu Sans"/>
+              <a:buChar char="—"/>
+            </a:pPr>
+            <a:r>
+              <a:rPr b="0" lang="en-US" sz="1800" spc="-1" strike="noStrike">
+                <a:solidFill>
+                  <a:srgbClr val="000000"/>
+                </a:solidFill>
+                <a:latin typeface="DejaVu Sans"/>
+                <a:ea typeface="DejaVu Sans"/>
+              </a:rPr>
+              <a:t>Examples:</a:t>
+            </a:r>
+            <a:endParaRPr b="0" lang="en-US" sz="1800" spc="-1" strike="noStrike">
+              <a:solidFill>
+                <a:srgbClr val="000000"/>
+              </a:solidFill>
+              <a:latin typeface="Arial"/>
+            </a:endParaRPr>
+          </a:p>
+          <a:p>
+            <a:pPr lvl="2" marL="648000" indent="-216000">
               <a:lnSpc>
                 <a:spcPct val="100000"/>
               </a:lnSpc>
@@ -18001,141 +19849,28 @@
                 <a:srgbClr val="008c4f"/>
               </a:buClr>
               <a:buSzPct val="45000"/>
-              <a:buFont typeface="OpenSymbol"/>
+              <a:buFont typeface="DejaVu Sans"/>
               <a:buChar char="—"/>
             </a:pPr>
             <a:r>
-              <a:rPr b="0" lang="en-US" sz="1800" spc="-1" strike="noStrike">
-                <a:solidFill>
-                  <a:srgbClr val="000000"/>
-                </a:solidFill>
-                <a:latin typeface="DejaVu Sans"/>
-                <a:ea typeface="DejaVu Sans"/>
-              </a:rPr>
-              <a:t>Examples:</a:t>
-            </a:r>
-            <a:endParaRPr b="0" lang="en-GB" sz="1800" spc="-1" strike="noStrike">
+              <a:rPr b="0" lang="en-US" sz="1600" spc="-1" strike="noStrike">
+                <a:solidFill>
+                  <a:srgbClr val="000000"/>
+                </a:solidFill>
+                <a:latin typeface="DejaVu Sans"/>
+                <a:ea typeface="DejaVu Sans"/>
+              </a:rPr>
+              <a:t>Test management tools</a:t>
+            </a:r>
+            <a:endParaRPr b="0" lang="en-US" sz="1600" spc="-1" strike="noStrike">
+              <a:solidFill>
+                <a:srgbClr val="000000"/>
+              </a:solidFill>
               <a:latin typeface="Arial"/>
             </a:endParaRPr>
           </a:p>
           <a:p>
             <a:pPr lvl="2" marL="648000" indent="-216000">
-              <a:lnSpc>
-                <a:spcPct val="100000"/>
-              </a:lnSpc>
-              <a:spcBef>
-                <a:spcPts val="1417"/>
-              </a:spcBef>
-              <a:buClr>
-                <a:srgbClr val="000000"/>
-              </a:buClr>
-              <a:buSzPct val="45000"/>
-              <a:buFont typeface="Wingdings" charset="2"/>
-              <a:buChar char=""/>
-            </a:pPr>
-            <a:r>
-              <a:rPr b="0" lang="en-US" sz="1600" spc="-1" strike="noStrike">
-                <a:solidFill>
-                  <a:srgbClr val="000000"/>
-                </a:solidFill>
-                <a:latin typeface="DejaVu Sans"/>
-                <a:ea typeface="DejaVu Sans"/>
-              </a:rPr>
-              <a:t>Test management tools</a:t>
-            </a:r>
-            <a:endParaRPr b="0" lang="en-GB" sz="1600" spc="-1" strike="noStrike">
-              <a:latin typeface="Arial"/>
-            </a:endParaRPr>
-          </a:p>
-          <a:p>
-            <a:pPr lvl="2" marL="648000" indent="-216000">
-              <a:lnSpc>
-                <a:spcPct val="100000"/>
-              </a:lnSpc>
-              <a:spcBef>
-                <a:spcPts val="1417"/>
-              </a:spcBef>
-              <a:buClr>
-                <a:srgbClr val="000000"/>
-              </a:buClr>
-              <a:buSzPct val="45000"/>
-              <a:buFont typeface="Wingdings" charset="2"/>
-              <a:buChar char=""/>
-            </a:pPr>
-            <a:r>
-              <a:rPr b="0" lang="en-US" sz="1600" spc="-1" strike="noStrike">
-                <a:solidFill>
-                  <a:srgbClr val="000000"/>
-                </a:solidFill>
-                <a:latin typeface="DejaVu Sans"/>
-                <a:ea typeface="DejaVu Sans"/>
-              </a:rPr>
-              <a:t>Bug tracking tools</a:t>
-            </a:r>
-            <a:endParaRPr b="0" lang="en-GB" sz="1600" spc="-1" strike="noStrike">
-              <a:latin typeface="Arial"/>
-            </a:endParaRPr>
-          </a:p>
-          <a:p>
-            <a:pPr lvl="2" marL="648000" indent="-216000">
-              <a:lnSpc>
-                <a:spcPct val="100000"/>
-              </a:lnSpc>
-              <a:spcBef>
-                <a:spcPts val="1417"/>
-              </a:spcBef>
-              <a:buClr>
-                <a:srgbClr val="000000"/>
-              </a:buClr>
-              <a:buSzPct val="45000"/>
-              <a:buFont typeface="Wingdings" charset="2"/>
-              <a:buChar char=""/>
-            </a:pPr>
-            <a:r>
-              <a:rPr b="0" lang="en-US" sz="1600" spc="-1" strike="noStrike">
-                <a:solidFill>
-                  <a:srgbClr val="000000"/>
-                </a:solidFill>
-                <a:latin typeface="DejaVu Sans"/>
-                <a:ea typeface="DejaVu Sans"/>
-              </a:rPr>
-              <a:t>Configuration management tools</a:t>
-            </a:r>
-            <a:endParaRPr b="0" lang="en-GB" sz="1600" spc="-1" strike="noStrike">
-              <a:latin typeface="Arial"/>
-            </a:endParaRPr>
-          </a:p>
-          <a:p>
-            <a:pPr marL="216000" indent="-216000">
-              <a:lnSpc>
-                <a:spcPct val="100000"/>
-              </a:lnSpc>
-              <a:spcBef>
-                <a:spcPts val="1417"/>
-              </a:spcBef>
-              <a:buClr>
-                <a:srgbClr val="008c4f"/>
-              </a:buClr>
-              <a:buSzPct val="80000"/>
-              <a:buFont typeface="Wingdings 2" charset="2"/>
-              <a:buChar char=""/>
-            </a:pPr>
-            <a:r>
-              <a:rPr b="0" lang="en-US" sz="2000" spc="-1" strike="noStrike">
-                <a:solidFill>
-                  <a:srgbClr val="000000"/>
-                </a:solidFill>
-                <a:latin typeface="DejaVu Sans"/>
-                <a:ea typeface="DejaVu Sans"/>
-              </a:rPr>
-              <a:t>Advantage</a:t>
-            </a:r>
-            <a:endParaRPr b="0" lang="en-GB" sz="2000" spc="-1" strike="noStrike">
-              <a:latin typeface="Arial"/>
-            </a:endParaRPr>
-          </a:p>
-          <a:p>
-            <a:pPr lvl="1" marL="432000" indent="-216000">
               <a:lnSpc>
                 <a:spcPct val="100000"/>
               </a:lnSpc>
@@ -18146,25 +19881,28 @@
                 <a:srgbClr val="008c4f"/>
               </a:buClr>
               <a:buSzPct val="45000"/>
-              <a:buFont typeface="OpenSymbol"/>
+              <a:buFont typeface="DejaVu Sans"/>
               <a:buChar char="—"/>
             </a:pPr>
             <a:r>
-              <a:rPr b="0" lang="en-US" sz="1800" spc="-1" strike="noStrike">
-                <a:solidFill>
-                  <a:srgbClr val="000000"/>
-                </a:solidFill>
-                <a:latin typeface="DejaVu Sans"/>
-                <a:ea typeface="DejaVu Sans"/>
-              </a:rPr>
-              <a:t>Requirements automatically integrated with developed artifacts</a:t>
-            </a:r>
-            <a:endParaRPr b="0" lang="en-GB" sz="1800" spc="-1" strike="noStrike">
-              <a:latin typeface="Arial"/>
-            </a:endParaRPr>
-          </a:p>
-          <a:p>
-            <a:pPr lvl="1" marL="432000" indent="-216000">
+              <a:rPr b="0" lang="en-US" sz="1600" spc="-1" strike="noStrike">
+                <a:solidFill>
+                  <a:srgbClr val="000000"/>
+                </a:solidFill>
+                <a:latin typeface="DejaVu Sans"/>
+                <a:ea typeface="DejaVu Sans"/>
+              </a:rPr>
+              <a:t>Bug tracking tools</a:t>
+            </a:r>
+            <a:endParaRPr b="0" lang="en-US" sz="1600" spc="-1" strike="noStrike">
+              <a:solidFill>
+                <a:srgbClr val="000000"/>
+              </a:solidFill>
+              <a:latin typeface="Arial"/>
+            </a:endParaRPr>
+          </a:p>
+          <a:p>
+            <a:pPr lvl="2" marL="648000" indent="-216000">
               <a:lnSpc>
                 <a:spcPct val="100000"/>
               </a:lnSpc>
@@ -18175,10 +19913,74 @@
                 <a:srgbClr val="008c4f"/>
               </a:buClr>
               <a:buSzPct val="45000"/>
-              <a:buFont typeface="OpenSymbol"/>
+              <a:buFont typeface="DejaVu Sans"/>
               <a:buChar char="—"/>
             </a:pPr>
             <a:r>
+              <a:rPr b="0" lang="en-US" sz="1600" spc="-1" strike="noStrike">
+                <a:solidFill>
+                  <a:srgbClr val="000000"/>
+                </a:solidFill>
+                <a:latin typeface="DejaVu Sans"/>
+                <a:ea typeface="DejaVu Sans"/>
+              </a:rPr>
+              <a:t>Configuration management tools</a:t>
+            </a:r>
+            <a:endParaRPr b="0" lang="en-US" sz="1600" spc="-1" strike="noStrike">
+              <a:solidFill>
+                <a:srgbClr val="000000"/>
+              </a:solidFill>
+              <a:latin typeface="Arial"/>
+            </a:endParaRPr>
+          </a:p>
+          <a:p>
+            <a:pPr marL="216000" indent="-216000">
+              <a:lnSpc>
+                <a:spcPct val="100000"/>
+              </a:lnSpc>
+              <a:spcBef>
+                <a:spcPts val="1417"/>
+              </a:spcBef>
+              <a:buClr>
+                <a:srgbClr val="008c4f"/>
+              </a:buClr>
+              <a:buSzPct val="45000"/>
+              <a:buFont typeface="DejaVu Sans"/>
+              <a:buChar char="◾"/>
+            </a:pPr>
+            <a:r>
+              <a:rPr b="0" lang="en-US" sz="2000" spc="-1" strike="noStrike">
+                <a:solidFill>
+                  <a:srgbClr val="000000"/>
+                </a:solidFill>
+                <a:latin typeface="DejaVu Sans"/>
+                <a:ea typeface="DejaVu Sans"/>
+              </a:rPr>
+              <a:t>Advantage</a:t>
+            </a:r>
+            <a:endParaRPr b="0" lang="en-US" sz="2000" spc="-1" strike="noStrike">
+              <a:solidFill>
+                <a:srgbClr val="000000"/>
+              </a:solidFill>
+              <a:latin typeface="Arial"/>
+            </a:endParaRPr>
+          </a:p>
+          <a:p>
+            <a:pPr lvl="1" marL="432000" indent="-216000">
+              <a:lnSpc>
+                <a:spcPct val="100000"/>
+              </a:lnSpc>
+              <a:spcBef>
+                <a:spcPts val="1417"/>
+              </a:spcBef>
+              <a:buClr>
+                <a:srgbClr val="008c4f"/>
+              </a:buClr>
+              <a:buSzPct val="60000"/>
+              <a:buFont typeface="DejaVu Sans"/>
+              <a:buChar char="—"/>
+            </a:pPr>
+            <a:r>
               <a:rPr b="0" lang="en-US" sz="1800" spc="-1" strike="noStrike">
                 <a:solidFill>
                   <a:srgbClr val="000000"/>
@@ -18186,9 +19988,44 @@
                 <a:latin typeface="DejaVu Sans"/>
                 <a:ea typeface="DejaVu Sans"/>
               </a:rPr>
+              <a:t>Requirements automatically integrated with developed artifacts</a:t>
+            </a:r>
+            <a:endParaRPr b="0" lang="en-US" sz="1800" spc="-1" strike="noStrike">
+              <a:solidFill>
+                <a:srgbClr val="000000"/>
+              </a:solidFill>
+              <a:latin typeface="Arial"/>
+            </a:endParaRPr>
+          </a:p>
+          <a:p>
+            <a:pPr lvl="1" marL="432000" indent="-216000">
+              <a:lnSpc>
+                <a:spcPct val="100000"/>
+              </a:lnSpc>
+              <a:spcBef>
+                <a:spcPts val="1417"/>
+              </a:spcBef>
+              <a:buClr>
+                <a:srgbClr val="008c4f"/>
+              </a:buClr>
+              <a:buSzPct val="60000"/>
+              <a:buFont typeface="DejaVu Sans"/>
+              <a:buChar char="—"/>
+            </a:pPr>
+            <a:r>
+              <a:rPr b="0" lang="en-US" sz="1800" spc="-1" strike="noStrike">
+                <a:solidFill>
+                  <a:srgbClr val="000000"/>
+                </a:solidFill>
+                <a:latin typeface="DejaVu Sans"/>
+                <a:ea typeface="DejaVu Sans"/>
+              </a:rPr>
               <a:t>Interface between requirements management tool and development tool not required</a:t>
             </a:r>
-            <a:endParaRPr b="0" lang="en-GB" sz="1800" spc="-1" strike="noStrike">
+            <a:endParaRPr b="0" lang="en-US" sz="1800" spc="-1" strike="noStrike">
+              <a:solidFill>
+                <a:srgbClr val="000000"/>
+              </a:solidFill>
               <a:latin typeface="Arial"/>
             </a:endParaRPr>
           </a:p>
@@ -18233,7 +20070,7 @@
         <p:spPr>
           <a:xfrm>
             <a:off x="542880" y="721800"/>
-            <a:ext cx="10357200" cy="497880"/>
+            <a:ext cx="10356840" cy="497520"/>
           </a:xfrm>
           <a:prstGeom prst="rect">
             <a:avLst/>
@@ -18269,7 +20106,10 @@
               </a:rPr>
               <a:t>Tool Support in General</a:t>
             </a:r>
-            <a:endParaRPr b="0" lang="en-GB" sz="2200" spc="-1" strike="noStrike">
+            <a:endParaRPr b="0" lang="en-US" sz="2200" spc="-1" strike="noStrike">
+              <a:solidFill>
+                <a:srgbClr val="000000"/>
+              </a:solidFill>
               <a:latin typeface="Arial"/>
             </a:endParaRPr>
           </a:p>
@@ -18284,7 +20124,7 @@
         <p:spPr>
           <a:xfrm>
             <a:off x="542880" y="1267200"/>
-            <a:ext cx="10357200" cy="497880"/>
+            <a:ext cx="10356840" cy="497520"/>
           </a:xfrm>
           <a:prstGeom prst="rect">
             <a:avLst/>
@@ -18320,7 +20160,10 @@
               </a:rPr>
               <a:t>Wikis in Requirements Engineering</a:t>
             </a:r>
-            <a:endParaRPr b="0" lang="en-GB" sz="2200" spc="-1" strike="noStrike">
+            <a:endParaRPr b="0" lang="en-US" sz="2200" spc="-1" strike="noStrike">
+              <a:solidFill>
+                <a:srgbClr val="000000"/>
+              </a:solidFill>
               <a:latin typeface="Arial"/>
             </a:endParaRPr>
           </a:p>
@@ -18335,7 +20178,7 @@
         <p:spPr>
           <a:xfrm>
             <a:off x="451800" y="1709280"/>
-            <a:ext cx="8224560" cy="4352760"/>
+            <a:ext cx="8224200" cy="4352400"/>
           </a:xfrm>
           <a:prstGeom prst="rect">
             <a:avLst/>
@@ -18351,6 +20194,19 @@
           <a:effectRef idx="0"/>
           <a:fontRef idx="minor"/>
         </p:style>
+        <p:txBody>
+          <a:bodyPr lIns="90000" rIns="90000" tIns="45000" bIns="45000" anchor="t">
+            <a:noAutofit/>
+          </a:bodyPr>
+          <a:p>
+            <a:endParaRPr b="0" lang="en-US" sz="1800" spc="-1" strike="noStrike">
+              <a:solidFill>
+                <a:srgbClr val="000000"/>
+              </a:solidFill>
+              <a:latin typeface="Arial"/>
+            </a:endParaRPr>
+          </a:p>
+        </p:txBody>
       </p:sp>
       <p:sp>
         <p:nvSpPr>
@@ -18365,7 +20221,7 @@
         <p:spPr>
           <a:xfrm>
             <a:off x="609480" y="1769400"/>
-            <a:ext cx="10587600" cy="4855680"/>
+            <a:ext cx="10587240" cy="4855320"/>
           </a:xfrm>
           <a:prstGeom prst="rect">
             <a:avLst/>
@@ -18404,7 +20260,10 @@
               </a:rPr>
               <a:t>Wikis offer a simple to use and easy to access opportunity for collaboratively working on documents</a:t>
             </a:r>
-            <a:endParaRPr b="0" lang="en-GB" sz="2000" spc="-1" strike="noStrike">
+            <a:endParaRPr b="0" lang="en-US" sz="2000" spc="-1" strike="noStrike">
+              <a:solidFill>
+                <a:srgbClr val="000000"/>
+              </a:solidFill>
               <a:latin typeface="Arial"/>
             </a:endParaRPr>
           </a:p>
@@ -18433,7 +20292,10 @@
               </a:rPr>
               <a:t>Interesting for glossaries</a:t>
             </a:r>
-            <a:endParaRPr b="0" lang="en-GB" sz="2000" spc="-1" strike="noStrike">
+            <a:endParaRPr b="0" lang="en-US" sz="2000" spc="-1" strike="noStrike">
+              <a:solidFill>
+                <a:srgbClr val="000000"/>
+              </a:solidFill>
               <a:latin typeface="Arial"/>
             </a:endParaRPr>
           </a:p>
@@ -18462,7 +20324,10 @@
               </a:rPr>
               <a:t>Each wiki page defines a glossary term</a:t>
             </a:r>
-            <a:endParaRPr b="0" lang="en-GB" sz="1800" spc="-1" strike="noStrike">
+            <a:endParaRPr b="0" lang="en-US" sz="1800" spc="-1" strike="noStrike">
+              <a:solidFill>
+                <a:srgbClr val="000000"/>
+              </a:solidFill>
               <a:latin typeface="Arial"/>
             </a:endParaRPr>
           </a:p>
@@ -18491,7 +20356,10 @@
               </a:rPr>
               <a:t>Well suited if a lot of different stakeholders are involved</a:t>
             </a:r>
-            <a:endParaRPr b="0" lang="en-GB" sz="2000" spc="-1" strike="noStrike">
+            <a:endParaRPr b="0" lang="en-US" sz="2000" spc="-1" strike="noStrike">
+              <a:solidFill>
+                <a:srgbClr val="000000"/>
+              </a:solidFill>
               <a:latin typeface="Arial"/>
             </a:endParaRPr>
           </a:p>
@@ -18536,7 +20404,7 @@
         <p:spPr>
           <a:xfrm>
             <a:off x="542880" y="721800"/>
-            <a:ext cx="10357200" cy="497880"/>
+            <a:ext cx="10356840" cy="497520"/>
           </a:xfrm>
           <a:prstGeom prst="rect">
             <a:avLst/>
@@ -18572,7 +20440,10 @@
               </a:rPr>
               <a:t>Tool Support in General</a:t>
             </a:r>
-            <a:endParaRPr b="0" lang="en-GB" sz="2200" spc="-1" strike="noStrike">
+            <a:endParaRPr b="0" lang="en-US" sz="2200" spc="-1" strike="noStrike">
+              <a:solidFill>
+                <a:srgbClr val="000000"/>
+              </a:solidFill>
               <a:latin typeface="Arial"/>
             </a:endParaRPr>
           </a:p>
@@ -18587,7 +20458,7 @@
         <p:spPr>
           <a:xfrm>
             <a:off x="542880" y="1267200"/>
-            <a:ext cx="10357200" cy="497880"/>
+            <a:ext cx="10356840" cy="497520"/>
           </a:xfrm>
           <a:prstGeom prst="rect">
             <a:avLst/>
@@ -18623,7 +20494,10 @@
               </a:rPr>
               <a:t>Visualization Tools</a:t>
             </a:r>
-            <a:endParaRPr b="0" lang="en-GB" sz="2200" spc="-1" strike="noStrike">
+            <a:endParaRPr b="0" lang="en-US" sz="2200" spc="-1" strike="noStrike">
+              <a:solidFill>
+                <a:srgbClr val="000000"/>
+              </a:solidFill>
               <a:latin typeface="Arial"/>
             </a:endParaRPr>
           </a:p>
@@ -18638,7 +20512,7 @@
         <p:spPr>
           <a:xfrm>
             <a:off x="451800" y="1709280"/>
-            <a:ext cx="8224560" cy="4352760"/>
+            <a:ext cx="8224200" cy="4352400"/>
           </a:xfrm>
           <a:prstGeom prst="rect">
             <a:avLst/>
@@ -18654,6 +20528,19 @@
           <a:effectRef idx="0"/>
           <a:fontRef idx="minor"/>
         </p:style>
+        <p:txBody>
+          <a:bodyPr lIns="90000" rIns="90000" tIns="45000" bIns="45000" anchor="t">
+            <a:noAutofit/>
+          </a:bodyPr>
+          <a:p>
+            <a:endParaRPr b="0" lang="en-US" sz="1800" spc="-1" strike="noStrike">
+              <a:solidFill>
+                <a:srgbClr val="000000"/>
+              </a:solidFill>
+              <a:latin typeface="Arial"/>
+            </a:endParaRPr>
+          </a:p>
+        </p:txBody>
       </p:sp>
       <p:sp>
         <p:nvSpPr>
@@ -18668,7 +20555,7 @@
         <p:spPr>
           <a:xfrm>
             <a:off x="609480" y="1769400"/>
-            <a:ext cx="10587600" cy="4855680"/>
+            <a:ext cx="10587240" cy="4855320"/>
           </a:xfrm>
           <a:prstGeom prst="rect">
             <a:avLst/>
@@ -18707,7 +20594,10 @@
               </a:rPr>
               <a:t>Mind mapping tools to support brainstorming sessions</a:t>
             </a:r>
-            <a:endParaRPr b="0" lang="en-GB" sz="2000" spc="-1" strike="noStrike">
+            <a:endParaRPr b="0" lang="en-US" sz="2000" spc="-1" strike="noStrike">
+              <a:solidFill>
+                <a:srgbClr val="000000"/>
+              </a:solidFill>
               <a:latin typeface="Arial"/>
             </a:endParaRPr>
           </a:p>
@@ -18736,7 +20626,10 @@
               </a:rPr>
               <a:t>Presentation tools can help guide through meetings and for describing rough analysis</a:t>
             </a:r>
-            <a:endParaRPr b="0" lang="en-GB" sz="1800" spc="-1" strike="noStrike">
+            <a:endParaRPr b="0" lang="en-US" sz="1800" spc="-1" strike="noStrike">
+              <a:solidFill>
+                <a:srgbClr val="000000"/>
+              </a:solidFill>
               <a:latin typeface="Arial"/>
             </a:endParaRPr>
           </a:p>
@@ -18765,7 +20658,10 @@
               </a:rPr>
               <a:t>GUI modeling tools for prototyping user interfaces</a:t>
             </a:r>
-            <a:endParaRPr b="0" lang="en-GB" sz="2000" spc="-1" strike="noStrike">
+            <a:endParaRPr b="0" lang="en-US" sz="2000" spc="-1" strike="noStrike">
+              <a:solidFill>
+                <a:srgbClr val="000000"/>
+              </a:solidFill>
               <a:latin typeface="Arial"/>
             </a:endParaRPr>
           </a:p>
@@ -18794,7 +20690,10 @@
               </a:rPr>
               <a:t>Flow charting tools to depict processes and work-flows</a:t>
             </a:r>
-            <a:endParaRPr b="0" lang="en-GB" sz="2000" spc="-1" strike="noStrike">
+            <a:endParaRPr b="0" lang="en-US" sz="2000" spc="-1" strike="noStrike">
+              <a:solidFill>
+                <a:srgbClr val="000000"/>
+              </a:solidFill>
               <a:latin typeface="Arial"/>
             </a:endParaRPr>
           </a:p>
@@ -18919,7 +20818,7 @@
         </a:gradFill>
       </a:fillStyleLst>
       <a:lnStyleLst>
-        <a:ln w="9525" cap="flat" cmpd="sng" algn="ctr">
+        <a:ln w="6350" cap="flat" cmpd="sng" algn="ctr">
           <a:solidFill>
             <a:schemeClr val="phClr">
               <a:shade val="95000"/>
@@ -18929,14 +20828,14 @@
           <a:prstDash val="solid"/>
           <a:miter/>
         </a:ln>
-        <a:ln w="25400" cap="flat" cmpd="sng" algn="ctr">
+        <a:ln w="12700" cap="flat" cmpd="sng" algn="ctr">
           <a:solidFill>
             <a:schemeClr val="phClr"/>
           </a:solidFill>
           <a:prstDash val="solid"/>
           <a:miter/>
         </a:ln>
-        <a:ln w="38100" cap="flat" cmpd="sng" algn="ctr">
+        <a:ln w="19050" cap="flat" cmpd="sng" algn="ctr">
           <a:solidFill>
             <a:schemeClr val="phClr"/>
           </a:solidFill>
@@ -18946,22 +20845,10 @@
       </a:lnStyleLst>
       <a:effectStyleLst>
         <a:effectStyle>
-          <a:effectLst>
-            <a:outerShdw blurRad="40000" dist="20000" dir="5400000" rotWithShape="0">
-              <a:srgbClr val="000000">
-                <a:alpha val="38000"/>
-              </a:srgbClr>
-            </a:outerShdw>
-          </a:effectLst>
+          <a:effectLst/>
         </a:effectStyle>
         <a:effectStyle>
-          <a:effectLst>
-            <a:outerShdw blurRad="40000" dist="23000" dir="5400000" rotWithShape="0">
-              <a:srgbClr val="000000">
-                <a:alpha val="35000"/>
-              </a:srgbClr>
-            </a:outerShdw>
-          </a:effectLst>
+          <a:effectLst/>
         </a:effectStyle>
         <a:effectStyle>
           <a:effectLst>
@@ -19145,7 +21032,7 @@
         </a:gradFill>
       </a:fillStyleLst>
       <a:lnStyleLst>
-        <a:ln w="9525" cap="flat" cmpd="sng" algn="ctr">
+        <a:ln w="6350" cap="flat" cmpd="sng" algn="ctr">
           <a:solidFill>
             <a:schemeClr val="phClr">
               <a:shade val="95000"/>
@@ -19155,14 +21042,14 @@
           <a:prstDash val="solid"/>
           <a:miter/>
         </a:ln>
-        <a:ln w="25400" cap="flat" cmpd="sng" algn="ctr">
+        <a:ln w="12700" cap="flat" cmpd="sng" algn="ctr">
           <a:solidFill>
             <a:schemeClr val="phClr"/>
           </a:solidFill>
           <a:prstDash val="solid"/>
           <a:miter/>
         </a:ln>
-        <a:ln w="38100" cap="flat" cmpd="sng" algn="ctr">
+        <a:ln w="19050" cap="flat" cmpd="sng" algn="ctr">
           <a:solidFill>
             <a:schemeClr val="phClr"/>
           </a:solidFill>
@@ -19172,22 +21059,10 @@
       </a:lnStyleLst>
       <a:effectStyleLst>
         <a:effectStyle>
-          <a:effectLst>
-            <a:outerShdw blurRad="40000" dist="20000" dir="5400000" rotWithShape="0">
-              <a:srgbClr val="000000">
-                <a:alpha val="38000"/>
-              </a:srgbClr>
-            </a:outerShdw>
-          </a:effectLst>
+          <a:effectLst/>
         </a:effectStyle>
         <a:effectStyle>
-          <a:effectLst>
-            <a:outerShdw blurRad="40000" dist="23000" dir="5400000" rotWithShape="0">
-              <a:srgbClr val="000000">
-                <a:alpha val="35000"/>
-              </a:srgbClr>
-            </a:outerShdw>
-          </a:effectLst>
+          <a:effectLst/>
         </a:effectStyle>
         <a:effectStyle>
           <a:effectLst>
@@ -19371,7 +21246,7 @@
         </a:gradFill>
       </a:fillStyleLst>
       <a:lnStyleLst>
-        <a:ln w="9525" cap="flat" cmpd="sng" algn="ctr">
+        <a:ln w="6350" cap="flat" cmpd="sng" algn="ctr">
           <a:solidFill>
             <a:schemeClr val="phClr">
               <a:shade val="95000"/>
@@ -19381,14 +21256,14 @@
           <a:prstDash val="solid"/>
           <a:miter/>
         </a:ln>
-        <a:ln w="25400" cap="flat" cmpd="sng" algn="ctr">
+        <a:ln w="12700" cap="flat" cmpd="sng" algn="ctr">
           <a:solidFill>
             <a:schemeClr val="phClr"/>
           </a:solidFill>
           <a:prstDash val="solid"/>
           <a:miter/>
         </a:ln>
-        <a:ln w="38100" cap="flat" cmpd="sng" algn="ctr">
+        <a:ln w="19050" cap="flat" cmpd="sng" algn="ctr">
           <a:solidFill>
             <a:schemeClr val="phClr"/>
           </a:solidFill>
@@ -19398,22 +21273,10 @@
       </a:lnStyleLst>
       <a:effectStyleLst>
         <a:effectStyle>
-          <a:effectLst>
-            <a:outerShdw blurRad="40000" dist="20000" dir="5400000" rotWithShape="0">
-              <a:srgbClr val="000000">
-                <a:alpha val="38000"/>
-              </a:srgbClr>
-            </a:outerShdw>
-          </a:effectLst>
+          <a:effectLst/>
         </a:effectStyle>
         <a:effectStyle>
-          <a:effectLst>
-            <a:outerShdw blurRad="40000" dist="23000" dir="5400000" rotWithShape="0">
-              <a:srgbClr val="000000">
-                <a:alpha val="35000"/>
-              </a:srgbClr>
-            </a:outerShdw>
-          </a:effectLst>
+          <a:effectLst/>
         </a:effectStyle>
         <a:effectStyle>
           <a:effectLst>

--- a/Requirements-Engineering/RE-L13_Tool-Support.pptx
+++ b/Requirements-Engineering/RE-L13_Tool-Support.pptx
@@ -44,7 +44,7 @@
     <p:sldId id="290" r:id="rId39"/>
   </p:sldIdLst>
   <p:sldSz cx="12192000" cy="6858000"/>
-  <p:notesSz cx="7772400" cy="10058400"/>
+  <p:notesSz cx="7559675" cy="10691813"/>
 </p:presentation>
 </file>
 
@@ -118,7 +118,7 @@
             <a:pPr indent="0" algn="ctr">
               <a:buNone/>
             </a:pPr>
-            <a:endParaRPr b="0" lang="en-US" sz="4400" spc="-1" strike="noStrike">
+            <a:endParaRPr b="0" lang="en-GB" sz="4400" spc="-1" strike="noStrike">
               <a:solidFill>
                 <a:srgbClr val="000000"/>
               </a:solidFill>
@@ -161,7 +161,7 @@
               </a:spcBef>
               <a:buNone/>
             </a:pPr>
-            <a:endParaRPr b="0" lang="en-US" sz="3200" spc="-1" strike="noStrike">
+            <a:endParaRPr b="0" lang="en-GB" sz="3200" spc="-1" strike="noStrike">
               <a:solidFill>
                 <a:srgbClr val="000000"/>
               </a:solidFill>
@@ -204,7 +204,7 @@
               </a:spcBef>
               <a:buNone/>
             </a:pPr>
-            <a:endParaRPr b="0" lang="en-US" sz="3200" spc="-1" strike="noStrike">
+            <a:endParaRPr b="0" lang="en-GB" sz="3200" spc="-1" strike="noStrike">
               <a:solidFill>
                 <a:srgbClr val="000000"/>
               </a:solidFill>
@@ -266,7 +266,7 @@
             <a:pPr indent="0" algn="ctr">
               <a:buNone/>
             </a:pPr>
-            <a:endParaRPr b="0" lang="en-US" sz="4400" spc="-1" strike="noStrike">
+            <a:endParaRPr b="0" lang="en-GB" sz="4400" spc="-1" strike="noStrike">
               <a:solidFill>
                 <a:srgbClr val="000000"/>
               </a:solidFill>
@@ -309,7 +309,7 @@
               </a:spcBef>
               <a:buNone/>
             </a:pPr>
-            <a:endParaRPr b="0" lang="en-US" sz="3200" spc="-1" strike="noStrike">
+            <a:endParaRPr b="0" lang="en-GB" sz="3200" spc="-1" strike="noStrike">
               <a:solidFill>
                 <a:srgbClr val="000000"/>
               </a:solidFill>
@@ -352,7 +352,7 @@
               </a:spcBef>
               <a:buNone/>
             </a:pPr>
-            <a:endParaRPr b="0" lang="en-US" sz="3200" spc="-1" strike="noStrike">
+            <a:endParaRPr b="0" lang="en-GB" sz="3200" spc="-1" strike="noStrike">
               <a:solidFill>
                 <a:srgbClr val="000000"/>
               </a:solidFill>
@@ -395,7 +395,7 @@
               </a:spcBef>
               <a:buNone/>
             </a:pPr>
-            <a:endParaRPr b="0" lang="en-US" sz="3200" spc="-1" strike="noStrike">
+            <a:endParaRPr b="0" lang="en-GB" sz="3200" spc="-1" strike="noStrike">
               <a:solidFill>
                 <a:srgbClr val="000000"/>
               </a:solidFill>
@@ -438,7 +438,7 @@
               </a:spcBef>
               <a:buNone/>
             </a:pPr>
-            <a:endParaRPr b="0" lang="en-US" sz="3200" spc="-1" strike="noStrike">
+            <a:endParaRPr b="0" lang="en-GB" sz="3200" spc="-1" strike="noStrike">
               <a:solidFill>
                 <a:srgbClr val="000000"/>
               </a:solidFill>
@@ -500,7 +500,7 @@
             <a:pPr indent="0" algn="ctr">
               <a:buNone/>
             </a:pPr>
-            <a:endParaRPr b="0" lang="en-US" sz="4400" spc="-1" strike="noStrike">
+            <a:endParaRPr b="0" lang="en-GB" sz="4400" spc="-1" strike="noStrike">
               <a:solidFill>
                 <a:srgbClr val="000000"/>
               </a:solidFill>
@@ -543,7 +543,7 @@
               </a:spcBef>
               <a:buNone/>
             </a:pPr>
-            <a:endParaRPr b="0" lang="en-US" sz="3200" spc="-1" strike="noStrike">
+            <a:endParaRPr b="0" lang="en-GB" sz="3200" spc="-1" strike="noStrike">
               <a:solidFill>
                 <a:srgbClr val="000000"/>
               </a:solidFill>
@@ -586,7 +586,7 @@
               </a:spcBef>
               <a:buNone/>
             </a:pPr>
-            <a:endParaRPr b="0" lang="en-US" sz="3200" spc="-1" strike="noStrike">
+            <a:endParaRPr b="0" lang="en-GB" sz="3200" spc="-1" strike="noStrike">
               <a:solidFill>
                 <a:srgbClr val="000000"/>
               </a:solidFill>
@@ -629,7 +629,7 @@
               </a:spcBef>
               <a:buNone/>
             </a:pPr>
-            <a:endParaRPr b="0" lang="en-US" sz="3200" spc="-1" strike="noStrike">
+            <a:endParaRPr b="0" lang="en-GB" sz="3200" spc="-1" strike="noStrike">
               <a:solidFill>
                 <a:srgbClr val="000000"/>
               </a:solidFill>
@@ -672,7 +672,7 @@
               </a:spcBef>
               <a:buNone/>
             </a:pPr>
-            <a:endParaRPr b="0" lang="en-US" sz="3200" spc="-1" strike="noStrike">
+            <a:endParaRPr b="0" lang="en-GB" sz="3200" spc="-1" strike="noStrike">
               <a:solidFill>
                 <a:srgbClr val="000000"/>
               </a:solidFill>
@@ -715,7 +715,7 @@
               </a:spcBef>
               <a:buNone/>
             </a:pPr>
-            <a:endParaRPr b="0" lang="en-US" sz="3200" spc="-1" strike="noStrike">
+            <a:endParaRPr b="0" lang="en-GB" sz="3200" spc="-1" strike="noStrike">
               <a:solidFill>
                 <a:srgbClr val="000000"/>
               </a:solidFill>
@@ -758,7 +758,7 @@
               </a:spcBef>
               <a:buNone/>
             </a:pPr>
-            <a:endParaRPr b="0" lang="en-US" sz="3200" spc="-1" strike="noStrike">
+            <a:endParaRPr b="0" lang="en-GB" sz="3200" spc="-1" strike="noStrike">
               <a:solidFill>
                 <a:srgbClr val="000000"/>
               </a:solidFill>
@@ -842,7 +842,7 @@
             <a:pPr indent="0" algn="ctr">
               <a:buNone/>
             </a:pPr>
-            <a:endParaRPr b="0" lang="en-US" sz="4400" spc="-1" strike="noStrike">
+            <a:endParaRPr b="0" lang="en-GB" sz="4400" spc="-1" strike="noStrike">
               <a:solidFill>
                 <a:srgbClr val="000000"/>
               </a:solidFill>
@@ -882,7 +882,7 @@
             <a:pPr indent="0" algn="ctr">
               <a:buNone/>
             </a:pPr>
-            <a:endParaRPr b="0" lang="en-US" sz="3200" spc="-1" strike="noStrike">
+            <a:endParaRPr b="0" lang="en-GB" sz="3200" spc="-1" strike="noStrike">
               <a:solidFill>
                 <a:srgbClr val="000000"/>
               </a:solidFill>
@@ -944,7 +944,7 @@
             <a:pPr indent="0" algn="ctr">
               <a:buNone/>
             </a:pPr>
-            <a:endParaRPr b="0" lang="en-US" sz="4400" spc="-1" strike="noStrike">
+            <a:endParaRPr b="0" lang="en-GB" sz="4400" spc="-1" strike="noStrike">
               <a:solidFill>
                 <a:srgbClr val="000000"/>
               </a:solidFill>
@@ -987,7 +987,7 @@
               </a:spcBef>
               <a:buNone/>
             </a:pPr>
-            <a:endParaRPr b="0" lang="en-US" sz="3200" spc="-1" strike="noStrike">
+            <a:endParaRPr b="0" lang="en-GB" sz="3200" spc="-1" strike="noStrike">
               <a:solidFill>
                 <a:srgbClr val="000000"/>
               </a:solidFill>
@@ -1049,7 +1049,7 @@
             <a:pPr indent="0" algn="ctr">
               <a:buNone/>
             </a:pPr>
-            <a:endParaRPr b="0" lang="en-US" sz="4400" spc="-1" strike="noStrike">
+            <a:endParaRPr b="0" lang="en-GB" sz="4400" spc="-1" strike="noStrike">
               <a:solidFill>
                 <a:srgbClr val="000000"/>
               </a:solidFill>
@@ -1092,7 +1092,7 @@
               </a:spcBef>
               <a:buNone/>
             </a:pPr>
-            <a:endParaRPr b="0" lang="en-US" sz="3200" spc="-1" strike="noStrike">
+            <a:endParaRPr b="0" lang="en-GB" sz="3200" spc="-1" strike="noStrike">
               <a:solidFill>
                 <a:srgbClr val="000000"/>
               </a:solidFill>
@@ -1135,7 +1135,7 @@
               </a:spcBef>
               <a:buNone/>
             </a:pPr>
-            <a:endParaRPr b="0" lang="en-US" sz="3200" spc="-1" strike="noStrike">
+            <a:endParaRPr b="0" lang="en-GB" sz="3200" spc="-1" strike="noStrike">
               <a:solidFill>
                 <a:srgbClr val="000000"/>
               </a:solidFill>
@@ -1197,7 +1197,7 @@
             <a:pPr indent="0" algn="ctr">
               <a:buNone/>
             </a:pPr>
-            <a:endParaRPr b="0" lang="en-US" sz="4400" spc="-1" strike="noStrike">
+            <a:endParaRPr b="0" lang="en-GB" sz="4400" spc="-1" strike="noStrike">
               <a:solidFill>
                 <a:srgbClr val="000000"/>
               </a:solidFill>
@@ -1257,7 +1257,7 @@
           </a:bodyPr>
           <a:p>
             <a:pPr algn="ctr"/>
-            <a:endParaRPr b="0" lang="en-US" sz="3200" spc="-1" strike="noStrike">
+            <a:endParaRPr b="0" lang="en-GB" sz="3200" spc="-1" strike="noStrike">
               <a:solidFill>
                 <a:srgbClr val="000000"/>
               </a:solidFill>
@@ -1319,7 +1319,7 @@
             <a:pPr indent="0" algn="ctr">
               <a:buNone/>
             </a:pPr>
-            <a:endParaRPr b="0" lang="en-US" sz="4400" spc="-1" strike="noStrike">
+            <a:endParaRPr b="0" lang="en-GB" sz="4400" spc="-1" strike="noStrike">
               <a:solidFill>
                 <a:srgbClr val="000000"/>
               </a:solidFill>
@@ -1362,7 +1362,7 @@
               </a:spcBef>
               <a:buNone/>
             </a:pPr>
-            <a:endParaRPr b="0" lang="en-US" sz="3200" spc="-1" strike="noStrike">
+            <a:endParaRPr b="0" lang="en-GB" sz="3200" spc="-1" strike="noStrike">
               <a:solidFill>
                 <a:srgbClr val="000000"/>
               </a:solidFill>
@@ -1405,7 +1405,7 @@
               </a:spcBef>
               <a:buNone/>
             </a:pPr>
-            <a:endParaRPr b="0" lang="en-US" sz="3200" spc="-1" strike="noStrike">
+            <a:endParaRPr b="0" lang="en-GB" sz="3200" spc="-1" strike="noStrike">
               <a:solidFill>
                 <a:srgbClr val="000000"/>
               </a:solidFill>
@@ -1448,7 +1448,7 @@
               </a:spcBef>
               <a:buNone/>
             </a:pPr>
-            <a:endParaRPr b="0" lang="en-US" sz="3200" spc="-1" strike="noStrike">
+            <a:endParaRPr b="0" lang="en-GB" sz="3200" spc="-1" strike="noStrike">
               <a:solidFill>
                 <a:srgbClr val="000000"/>
               </a:solidFill>
@@ -1510,7 +1510,7 @@
             <a:pPr indent="0" algn="ctr">
               <a:buNone/>
             </a:pPr>
-            <a:endParaRPr b="0" lang="en-US" sz="4400" spc="-1" strike="noStrike">
+            <a:endParaRPr b="0" lang="en-GB" sz="4400" spc="-1" strike="noStrike">
               <a:solidFill>
                 <a:srgbClr val="000000"/>
               </a:solidFill>
@@ -1550,7 +1550,7 @@
             <a:pPr indent="0" algn="ctr">
               <a:buNone/>
             </a:pPr>
-            <a:endParaRPr b="0" lang="en-US" sz="3200" spc="-1" strike="noStrike">
+            <a:endParaRPr b="0" lang="en-GB" sz="3200" spc="-1" strike="noStrike">
               <a:solidFill>
                 <a:srgbClr val="000000"/>
               </a:solidFill>
@@ -1612,7 +1612,7 @@
             <a:pPr indent="0" algn="ctr">
               <a:buNone/>
             </a:pPr>
-            <a:endParaRPr b="0" lang="en-US" sz="4400" spc="-1" strike="noStrike">
+            <a:endParaRPr b="0" lang="en-GB" sz="4400" spc="-1" strike="noStrike">
               <a:solidFill>
                 <a:srgbClr val="000000"/>
               </a:solidFill>
@@ -1655,7 +1655,7 @@
               </a:spcBef>
               <a:buNone/>
             </a:pPr>
-            <a:endParaRPr b="0" lang="en-US" sz="3200" spc="-1" strike="noStrike">
+            <a:endParaRPr b="0" lang="en-GB" sz="3200" spc="-1" strike="noStrike">
               <a:solidFill>
                 <a:srgbClr val="000000"/>
               </a:solidFill>
@@ -1698,7 +1698,7 @@
               </a:spcBef>
               <a:buNone/>
             </a:pPr>
-            <a:endParaRPr b="0" lang="en-US" sz="3200" spc="-1" strike="noStrike">
+            <a:endParaRPr b="0" lang="en-GB" sz="3200" spc="-1" strike="noStrike">
               <a:solidFill>
                 <a:srgbClr val="000000"/>
               </a:solidFill>
@@ -1741,7 +1741,7 @@
               </a:spcBef>
               <a:buNone/>
             </a:pPr>
-            <a:endParaRPr b="0" lang="en-US" sz="3200" spc="-1" strike="noStrike">
+            <a:endParaRPr b="0" lang="en-GB" sz="3200" spc="-1" strike="noStrike">
               <a:solidFill>
                 <a:srgbClr val="000000"/>
               </a:solidFill>
@@ -1803,7 +1803,7 @@
             <a:pPr indent="0" algn="ctr">
               <a:buNone/>
             </a:pPr>
-            <a:endParaRPr b="0" lang="en-US" sz="4400" spc="-1" strike="noStrike">
+            <a:endParaRPr b="0" lang="en-GB" sz="4400" spc="-1" strike="noStrike">
               <a:solidFill>
                 <a:srgbClr val="000000"/>
               </a:solidFill>
@@ -1846,7 +1846,7 @@
               </a:spcBef>
               <a:buNone/>
             </a:pPr>
-            <a:endParaRPr b="0" lang="en-US" sz="3200" spc="-1" strike="noStrike">
+            <a:endParaRPr b="0" lang="en-GB" sz="3200" spc="-1" strike="noStrike">
               <a:solidFill>
                 <a:srgbClr val="000000"/>
               </a:solidFill>
@@ -1889,7 +1889,7 @@
               </a:spcBef>
               <a:buNone/>
             </a:pPr>
-            <a:endParaRPr b="0" lang="en-US" sz="3200" spc="-1" strike="noStrike">
+            <a:endParaRPr b="0" lang="en-GB" sz="3200" spc="-1" strike="noStrike">
               <a:solidFill>
                 <a:srgbClr val="000000"/>
               </a:solidFill>
@@ -1932,7 +1932,7 @@
               </a:spcBef>
               <a:buNone/>
             </a:pPr>
-            <a:endParaRPr b="0" lang="en-US" sz="3200" spc="-1" strike="noStrike">
+            <a:endParaRPr b="0" lang="en-GB" sz="3200" spc="-1" strike="noStrike">
               <a:solidFill>
                 <a:srgbClr val="000000"/>
               </a:solidFill>
@@ -1994,7 +1994,7 @@
             <a:pPr indent="0" algn="ctr">
               <a:buNone/>
             </a:pPr>
-            <a:endParaRPr b="0" lang="en-US" sz="4400" spc="-1" strike="noStrike">
+            <a:endParaRPr b="0" lang="en-GB" sz="4400" spc="-1" strike="noStrike">
               <a:solidFill>
                 <a:srgbClr val="000000"/>
               </a:solidFill>
@@ -2037,7 +2037,7 @@
               </a:spcBef>
               <a:buNone/>
             </a:pPr>
-            <a:endParaRPr b="0" lang="en-US" sz="3200" spc="-1" strike="noStrike">
+            <a:endParaRPr b="0" lang="en-GB" sz="3200" spc="-1" strike="noStrike">
               <a:solidFill>
                 <a:srgbClr val="000000"/>
               </a:solidFill>
@@ -2080,7 +2080,7 @@
               </a:spcBef>
               <a:buNone/>
             </a:pPr>
-            <a:endParaRPr b="0" lang="en-US" sz="3200" spc="-1" strike="noStrike">
+            <a:endParaRPr b="0" lang="en-GB" sz="3200" spc="-1" strike="noStrike">
               <a:solidFill>
                 <a:srgbClr val="000000"/>
               </a:solidFill>
@@ -2142,7 +2142,7 @@
             <a:pPr indent="0" algn="ctr">
               <a:buNone/>
             </a:pPr>
-            <a:endParaRPr b="0" lang="en-US" sz="4400" spc="-1" strike="noStrike">
+            <a:endParaRPr b="0" lang="en-GB" sz="4400" spc="-1" strike="noStrike">
               <a:solidFill>
                 <a:srgbClr val="000000"/>
               </a:solidFill>
@@ -2185,7 +2185,7 @@
               </a:spcBef>
               <a:buNone/>
             </a:pPr>
-            <a:endParaRPr b="0" lang="en-US" sz="3200" spc="-1" strike="noStrike">
+            <a:endParaRPr b="0" lang="en-GB" sz="3200" spc="-1" strike="noStrike">
               <a:solidFill>
                 <a:srgbClr val="000000"/>
               </a:solidFill>
@@ -2228,7 +2228,7 @@
               </a:spcBef>
               <a:buNone/>
             </a:pPr>
-            <a:endParaRPr b="0" lang="en-US" sz="3200" spc="-1" strike="noStrike">
+            <a:endParaRPr b="0" lang="en-GB" sz="3200" spc="-1" strike="noStrike">
               <a:solidFill>
                 <a:srgbClr val="000000"/>
               </a:solidFill>
@@ -2271,7 +2271,7 @@
               </a:spcBef>
               <a:buNone/>
             </a:pPr>
-            <a:endParaRPr b="0" lang="en-US" sz="3200" spc="-1" strike="noStrike">
+            <a:endParaRPr b="0" lang="en-GB" sz="3200" spc="-1" strike="noStrike">
               <a:solidFill>
                 <a:srgbClr val="000000"/>
               </a:solidFill>
@@ -2314,7 +2314,7 @@
               </a:spcBef>
               <a:buNone/>
             </a:pPr>
-            <a:endParaRPr b="0" lang="en-US" sz="3200" spc="-1" strike="noStrike">
+            <a:endParaRPr b="0" lang="en-GB" sz="3200" spc="-1" strike="noStrike">
               <a:solidFill>
                 <a:srgbClr val="000000"/>
               </a:solidFill>
@@ -2376,7 +2376,7 @@
             <a:pPr indent="0" algn="ctr">
               <a:buNone/>
             </a:pPr>
-            <a:endParaRPr b="0" lang="en-US" sz="4400" spc="-1" strike="noStrike">
+            <a:endParaRPr b="0" lang="en-GB" sz="4400" spc="-1" strike="noStrike">
               <a:solidFill>
                 <a:srgbClr val="000000"/>
               </a:solidFill>
@@ -2419,7 +2419,7 @@
               </a:spcBef>
               <a:buNone/>
             </a:pPr>
-            <a:endParaRPr b="0" lang="en-US" sz="3200" spc="-1" strike="noStrike">
+            <a:endParaRPr b="0" lang="en-GB" sz="3200" spc="-1" strike="noStrike">
               <a:solidFill>
                 <a:srgbClr val="000000"/>
               </a:solidFill>
@@ -2462,7 +2462,7 @@
               </a:spcBef>
               <a:buNone/>
             </a:pPr>
-            <a:endParaRPr b="0" lang="en-US" sz="3200" spc="-1" strike="noStrike">
+            <a:endParaRPr b="0" lang="en-GB" sz="3200" spc="-1" strike="noStrike">
               <a:solidFill>
                 <a:srgbClr val="000000"/>
               </a:solidFill>
@@ -2505,7 +2505,7 @@
               </a:spcBef>
               <a:buNone/>
             </a:pPr>
-            <a:endParaRPr b="0" lang="en-US" sz="3200" spc="-1" strike="noStrike">
+            <a:endParaRPr b="0" lang="en-GB" sz="3200" spc="-1" strike="noStrike">
               <a:solidFill>
                 <a:srgbClr val="000000"/>
               </a:solidFill>
@@ -2548,7 +2548,7 @@
               </a:spcBef>
               <a:buNone/>
             </a:pPr>
-            <a:endParaRPr b="0" lang="en-US" sz="3200" spc="-1" strike="noStrike">
+            <a:endParaRPr b="0" lang="en-GB" sz="3200" spc="-1" strike="noStrike">
               <a:solidFill>
                 <a:srgbClr val="000000"/>
               </a:solidFill>
@@ -2591,7 +2591,7 @@
               </a:spcBef>
               <a:buNone/>
             </a:pPr>
-            <a:endParaRPr b="0" lang="en-US" sz="3200" spc="-1" strike="noStrike">
+            <a:endParaRPr b="0" lang="en-GB" sz="3200" spc="-1" strike="noStrike">
               <a:solidFill>
                 <a:srgbClr val="000000"/>
               </a:solidFill>
@@ -2634,7 +2634,7 @@
               </a:spcBef>
               <a:buNone/>
             </a:pPr>
-            <a:endParaRPr b="0" lang="en-US" sz="3200" spc="-1" strike="noStrike">
+            <a:endParaRPr b="0" lang="en-GB" sz="3200" spc="-1" strike="noStrike">
               <a:solidFill>
                 <a:srgbClr val="000000"/>
               </a:solidFill>
@@ -2718,7 +2718,7 @@
             <a:pPr indent="0" algn="ctr">
               <a:buNone/>
             </a:pPr>
-            <a:endParaRPr b="0" lang="en-US" sz="4400" spc="-1" strike="noStrike">
+            <a:endParaRPr b="0" lang="en-GB" sz="4400" spc="-1" strike="noStrike">
               <a:solidFill>
                 <a:srgbClr val="000000"/>
               </a:solidFill>
@@ -2758,7 +2758,7 @@
             <a:pPr indent="0" algn="ctr">
               <a:buNone/>
             </a:pPr>
-            <a:endParaRPr b="0" lang="en-US" sz="3200" spc="-1" strike="noStrike">
+            <a:endParaRPr b="0" lang="en-GB" sz="3200" spc="-1" strike="noStrike">
               <a:solidFill>
                 <a:srgbClr val="000000"/>
               </a:solidFill>
@@ -2820,7 +2820,7 @@
             <a:pPr indent="0" algn="ctr">
               <a:buNone/>
             </a:pPr>
-            <a:endParaRPr b="0" lang="en-US" sz="4400" spc="-1" strike="noStrike">
+            <a:endParaRPr b="0" lang="en-GB" sz="4400" spc="-1" strike="noStrike">
               <a:solidFill>
                 <a:srgbClr val="000000"/>
               </a:solidFill>
@@ -2863,7 +2863,7 @@
               </a:spcBef>
               <a:buNone/>
             </a:pPr>
-            <a:endParaRPr b="0" lang="en-US" sz="3200" spc="-1" strike="noStrike">
+            <a:endParaRPr b="0" lang="en-GB" sz="3200" spc="-1" strike="noStrike">
               <a:solidFill>
                 <a:srgbClr val="000000"/>
               </a:solidFill>
@@ -2925,7 +2925,7 @@
             <a:pPr indent="0" algn="ctr">
               <a:buNone/>
             </a:pPr>
-            <a:endParaRPr b="0" lang="en-US" sz="4400" spc="-1" strike="noStrike">
+            <a:endParaRPr b="0" lang="en-GB" sz="4400" spc="-1" strike="noStrike">
               <a:solidFill>
                 <a:srgbClr val="000000"/>
               </a:solidFill>
@@ -2968,7 +2968,7 @@
               </a:spcBef>
               <a:buNone/>
             </a:pPr>
-            <a:endParaRPr b="0" lang="en-US" sz="3200" spc="-1" strike="noStrike">
+            <a:endParaRPr b="0" lang="en-GB" sz="3200" spc="-1" strike="noStrike">
               <a:solidFill>
                 <a:srgbClr val="000000"/>
               </a:solidFill>
@@ -3011,7 +3011,7 @@
               </a:spcBef>
               <a:buNone/>
             </a:pPr>
-            <a:endParaRPr b="0" lang="en-US" sz="3200" spc="-1" strike="noStrike">
+            <a:endParaRPr b="0" lang="en-GB" sz="3200" spc="-1" strike="noStrike">
               <a:solidFill>
                 <a:srgbClr val="000000"/>
               </a:solidFill>
@@ -3073,7 +3073,7 @@
             <a:pPr indent="0" algn="ctr">
               <a:buNone/>
             </a:pPr>
-            <a:endParaRPr b="0" lang="en-US" sz="4400" spc="-1" strike="noStrike">
+            <a:endParaRPr b="0" lang="en-GB" sz="4400" spc="-1" strike="noStrike">
               <a:solidFill>
                 <a:srgbClr val="000000"/>
               </a:solidFill>
@@ -3135,7 +3135,7 @@
             <a:pPr indent="0" algn="ctr">
               <a:buNone/>
             </a:pPr>
-            <a:endParaRPr b="0" lang="en-US" sz="4400" spc="-1" strike="noStrike">
+            <a:endParaRPr b="0" lang="en-GB" sz="4400" spc="-1" strike="noStrike">
               <a:solidFill>
                 <a:srgbClr val="000000"/>
               </a:solidFill>
@@ -3178,7 +3178,7 @@
               </a:spcBef>
               <a:buNone/>
             </a:pPr>
-            <a:endParaRPr b="0" lang="en-US" sz="3200" spc="-1" strike="noStrike">
+            <a:endParaRPr b="0" lang="en-GB" sz="3200" spc="-1" strike="noStrike">
               <a:solidFill>
                 <a:srgbClr val="000000"/>
               </a:solidFill>
@@ -3238,7 +3238,7 @@
           </a:bodyPr>
           <a:p>
             <a:pPr algn="ctr"/>
-            <a:endParaRPr b="0" lang="en-US" sz="3200" spc="-1" strike="noStrike">
+            <a:endParaRPr b="0" lang="en-GB" sz="3200" spc="-1" strike="noStrike">
               <a:solidFill>
                 <a:srgbClr val="000000"/>
               </a:solidFill>
@@ -3300,7 +3300,7 @@
             <a:pPr indent="0" algn="ctr">
               <a:buNone/>
             </a:pPr>
-            <a:endParaRPr b="0" lang="en-US" sz="4400" spc="-1" strike="noStrike">
+            <a:endParaRPr b="0" lang="en-GB" sz="4400" spc="-1" strike="noStrike">
               <a:solidFill>
                 <a:srgbClr val="000000"/>
               </a:solidFill>
@@ -3343,7 +3343,7 @@
               </a:spcBef>
               <a:buNone/>
             </a:pPr>
-            <a:endParaRPr b="0" lang="en-US" sz="3200" spc="-1" strike="noStrike">
+            <a:endParaRPr b="0" lang="en-GB" sz="3200" spc="-1" strike="noStrike">
               <a:solidFill>
                 <a:srgbClr val="000000"/>
               </a:solidFill>
@@ -3386,7 +3386,7 @@
               </a:spcBef>
               <a:buNone/>
             </a:pPr>
-            <a:endParaRPr b="0" lang="en-US" sz="3200" spc="-1" strike="noStrike">
+            <a:endParaRPr b="0" lang="en-GB" sz="3200" spc="-1" strike="noStrike">
               <a:solidFill>
                 <a:srgbClr val="000000"/>
               </a:solidFill>
@@ -3429,7 +3429,7 @@
               </a:spcBef>
               <a:buNone/>
             </a:pPr>
-            <a:endParaRPr b="0" lang="en-US" sz="3200" spc="-1" strike="noStrike">
+            <a:endParaRPr b="0" lang="en-GB" sz="3200" spc="-1" strike="noStrike">
               <a:solidFill>
                 <a:srgbClr val="000000"/>
               </a:solidFill>
@@ -3491,7 +3491,7 @@
             <a:pPr indent="0" algn="ctr">
               <a:buNone/>
             </a:pPr>
-            <a:endParaRPr b="0" lang="en-US" sz="4400" spc="-1" strike="noStrike">
+            <a:endParaRPr b="0" lang="en-GB" sz="4400" spc="-1" strike="noStrike">
               <a:solidFill>
                 <a:srgbClr val="000000"/>
               </a:solidFill>
@@ -3534,7 +3534,7 @@
               </a:spcBef>
               <a:buNone/>
             </a:pPr>
-            <a:endParaRPr b="0" lang="en-US" sz="3200" spc="-1" strike="noStrike">
+            <a:endParaRPr b="0" lang="en-GB" sz="3200" spc="-1" strike="noStrike">
               <a:solidFill>
                 <a:srgbClr val="000000"/>
               </a:solidFill>
@@ -3577,7 +3577,7 @@
               </a:spcBef>
               <a:buNone/>
             </a:pPr>
-            <a:endParaRPr b="0" lang="en-US" sz="3200" spc="-1" strike="noStrike">
+            <a:endParaRPr b="0" lang="en-GB" sz="3200" spc="-1" strike="noStrike">
               <a:solidFill>
                 <a:srgbClr val="000000"/>
               </a:solidFill>
@@ -3620,7 +3620,7 @@
               </a:spcBef>
               <a:buNone/>
             </a:pPr>
-            <a:endParaRPr b="0" lang="en-US" sz="3200" spc="-1" strike="noStrike">
+            <a:endParaRPr b="0" lang="en-GB" sz="3200" spc="-1" strike="noStrike">
               <a:solidFill>
                 <a:srgbClr val="000000"/>
               </a:solidFill>
@@ -3682,7 +3682,7 @@
             <a:pPr indent="0" algn="ctr">
               <a:buNone/>
             </a:pPr>
-            <a:endParaRPr b="0" lang="en-US" sz="4400" spc="-1" strike="noStrike">
+            <a:endParaRPr b="0" lang="en-GB" sz="4400" spc="-1" strike="noStrike">
               <a:solidFill>
                 <a:srgbClr val="000000"/>
               </a:solidFill>
@@ -3725,7 +3725,7 @@
               </a:spcBef>
               <a:buNone/>
             </a:pPr>
-            <a:endParaRPr b="0" lang="en-US" sz="3200" spc="-1" strike="noStrike">
+            <a:endParaRPr b="0" lang="en-GB" sz="3200" spc="-1" strike="noStrike">
               <a:solidFill>
                 <a:srgbClr val="000000"/>
               </a:solidFill>
@@ -3768,7 +3768,7 @@
               </a:spcBef>
               <a:buNone/>
             </a:pPr>
-            <a:endParaRPr b="0" lang="en-US" sz="3200" spc="-1" strike="noStrike">
+            <a:endParaRPr b="0" lang="en-GB" sz="3200" spc="-1" strike="noStrike">
               <a:solidFill>
                 <a:srgbClr val="000000"/>
               </a:solidFill>
@@ -3811,7 +3811,7 @@
               </a:spcBef>
               <a:buNone/>
             </a:pPr>
-            <a:endParaRPr b="0" lang="en-US" sz="3200" spc="-1" strike="noStrike">
+            <a:endParaRPr b="0" lang="en-GB" sz="3200" spc="-1" strike="noStrike">
               <a:solidFill>
                 <a:srgbClr val="000000"/>
               </a:solidFill>
@@ -3873,7 +3873,7 @@
             <a:pPr indent="0" algn="ctr">
               <a:buNone/>
             </a:pPr>
-            <a:endParaRPr b="0" lang="en-US" sz="4400" spc="-1" strike="noStrike">
+            <a:endParaRPr b="0" lang="en-GB" sz="4400" spc="-1" strike="noStrike">
               <a:solidFill>
                 <a:srgbClr val="000000"/>
               </a:solidFill>
@@ -3916,7 +3916,7 @@
               </a:spcBef>
               <a:buNone/>
             </a:pPr>
-            <a:endParaRPr b="0" lang="en-US" sz="3200" spc="-1" strike="noStrike">
+            <a:endParaRPr b="0" lang="en-GB" sz="3200" spc="-1" strike="noStrike">
               <a:solidFill>
                 <a:srgbClr val="000000"/>
               </a:solidFill>
@@ -3959,7 +3959,7 @@
               </a:spcBef>
               <a:buNone/>
             </a:pPr>
-            <a:endParaRPr b="0" lang="en-US" sz="3200" spc="-1" strike="noStrike">
+            <a:endParaRPr b="0" lang="en-GB" sz="3200" spc="-1" strike="noStrike">
               <a:solidFill>
                 <a:srgbClr val="000000"/>
               </a:solidFill>
@@ -4021,7 +4021,7 @@
             <a:pPr indent="0" algn="ctr">
               <a:buNone/>
             </a:pPr>
-            <a:endParaRPr b="0" lang="en-US" sz="4400" spc="-1" strike="noStrike">
+            <a:endParaRPr b="0" lang="en-GB" sz="4400" spc="-1" strike="noStrike">
               <a:solidFill>
                 <a:srgbClr val="000000"/>
               </a:solidFill>
@@ -4064,7 +4064,7 @@
               </a:spcBef>
               <a:buNone/>
             </a:pPr>
-            <a:endParaRPr b="0" lang="en-US" sz="3200" spc="-1" strike="noStrike">
+            <a:endParaRPr b="0" lang="en-GB" sz="3200" spc="-1" strike="noStrike">
               <a:solidFill>
                 <a:srgbClr val="000000"/>
               </a:solidFill>
@@ -4107,7 +4107,7 @@
               </a:spcBef>
               <a:buNone/>
             </a:pPr>
-            <a:endParaRPr b="0" lang="en-US" sz="3200" spc="-1" strike="noStrike">
+            <a:endParaRPr b="0" lang="en-GB" sz="3200" spc="-1" strike="noStrike">
               <a:solidFill>
                 <a:srgbClr val="000000"/>
               </a:solidFill>
@@ -4150,7 +4150,7 @@
               </a:spcBef>
               <a:buNone/>
             </a:pPr>
-            <a:endParaRPr b="0" lang="en-US" sz="3200" spc="-1" strike="noStrike">
+            <a:endParaRPr b="0" lang="en-GB" sz="3200" spc="-1" strike="noStrike">
               <a:solidFill>
                 <a:srgbClr val="000000"/>
               </a:solidFill>
@@ -4193,7 +4193,7 @@
               </a:spcBef>
               <a:buNone/>
             </a:pPr>
-            <a:endParaRPr b="0" lang="en-US" sz="3200" spc="-1" strike="noStrike">
+            <a:endParaRPr b="0" lang="en-GB" sz="3200" spc="-1" strike="noStrike">
               <a:solidFill>
                 <a:srgbClr val="000000"/>
               </a:solidFill>
@@ -4255,7 +4255,7 @@
             <a:pPr indent="0" algn="ctr">
               <a:buNone/>
             </a:pPr>
-            <a:endParaRPr b="0" lang="en-US" sz="4400" spc="-1" strike="noStrike">
+            <a:endParaRPr b="0" lang="en-GB" sz="4400" spc="-1" strike="noStrike">
               <a:solidFill>
                 <a:srgbClr val="000000"/>
               </a:solidFill>
@@ -4298,7 +4298,7 @@
               </a:spcBef>
               <a:buNone/>
             </a:pPr>
-            <a:endParaRPr b="0" lang="en-US" sz="3200" spc="-1" strike="noStrike">
+            <a:endParaRPr b="0" lang="en-GB" sz="3200" spc="-1" strike="noStrike">
               <a:solidFill>
                 <a:srgbClr val="000000"/>
               </a:solidFill>
@@ -4341,7 +4341,7 @@
               </a:spcBef>
               <a:buNone/>
             </a:pPr>
-            <a:endParaRPr b="0" lang="en-US" sz="3200" spc="-1" strike="noStrike">
+            <a:endParaRPr b="0" lang="en-GB" sz="3200" spc="-1" strike="noStrike">
               <a:solidFill>
                 <a:srgbClr val="000000"/>
               </a:solidFill>
@@ -4384,7 +4384,7 @@
               </a:spcBef>
               <a:buNone/>
             </a:pPr>
-            <a:endParaRPr b="0" lang="en-US" sz="3200" spc="-1" strike="noStrike">
+            <a:endParaRPr b="0" lang="en-GB" sz="3200" spc="-1" strike="noStrike">
               <a:solidFill>
                 <a:srgbClr val="000000"/>
               </a:solidFill>
@@ -4427,7 +4427,7 @@
               </a:spcBef>
               <a:buNone/>
             </a:pPr>
-            <a:endParaRPr b="0" lang="en-US" sz="3200" spc="-1" strike="noStrike">
+            <a:endParaRPr b="0" lang="en-GB" sz="3200" spc="-1" strike="noStrike">
               <a:solidFill>
                 <a:srgbClr val="000000"/>
               </a:solidFill>
@@ -4470,7 +4470,7 @@
               </a:spcBef>
               <a:buNone/>
             </a:pPr>
-            <a:endParaRPr b="0" lang="en-US" sz="3200" spc="-1" strike="noStrike">
+            <a:endParaRPr b="0" lang="en-GB" sz="3200" spc="-1" strike="noStrike">
               <a:solidFill>
                 <a:srgbClr val="000000"/>
               </a:solidFill>
@@ -4513,7 +4513,7 @@
               </a:spcBef>
               <a:buNone/>
             </a:pPr>
-            <a:endParaRPr b="0" lang="en-US" sz="3200" spc="-1" strike="noStrike">
+            <a:endParaRPr b="0" lang="en-GB" sz="3200" spc="-1" strike="noStrike">
               <a:solidFill>
                 <a:srgbClr val="000000"/>
               </a:solidFill>
@@ -4575,7 +4575,7 @@
             <a:pPr indent="0" algn="ctr">
               <a:buNone/>
             </a:pPr>
-            <a:endParaRPr b="0" lang="en-US" sz="4400" spc="-1" strike="noStrike">
+            <a:endParaRPr b="0" lang="en-GB" sz="4400" spc="-1" strike="noStrike">
               <a:solidFill>
                 <a:srgbClr val="000000"/>
               </a:solidFill>
@@ -4618,7 +4618,7 @@
               </a:spcBef>
               <a:buNone/>
             </a:pPr>
-            <a:endParaRPr b="0" lang="en-US" sz="3200" spc="-1" strike="noStrike">
+            <a:endParaRPr b="0" lang="en-GB" sz="3200" spc="-1" strike="noStrike">
               <a:solidFill>
                 <a:srgbClr val="000000"/>
               </a:solidFill>
@@ -4661,7 +4661,7 @@
               </a:spcBef>
               <a:buNone/>
             </a:pPr>
-            <a:endParaRPr b="0" lang="en-US" sz="3200" spc="-1" strike="noStrike">
+            <a:endParaRPr b="0" lang="en-GB" sz="3200" spc="-1" strike="noStrike">
               <a:solidFill>
                 <a:srgbClr val="000000"/>
               </a:solidFill>
@@ -4723,7 +4723,7 @@
             <a:pPr indent="0" algn="ctr">
               <a:buNone/>
             </a:pPr>
-            <a:endParaRPr b="0" lang="en-US" sz="4400" spc="-1" strike="noStrike">
+            <a:endParaRPr b="0" lang="en-GB" sz="4400" spc="-1" strike="noStrike">
               <a:solidFill>
                 <a:srgbClr val="000000"/>
               </a:solidFill>
@@ -4783,7 +4783,7 @@
           </a:bodyPr>
           <a:p>
             <a:pPr algn="ctr"/>
-            <a:endParaRPr b="0" lang="en-US" sz="3200" spc="-1" strike="noStrike">
+            <a:endParaRPr b="0" lang="en-GB" sz="3200" spc="-1" strike="noStrike">
               <a:solidFill>
                 <a:srgbClr val="000000"/>
               </a:solidFill>
@@ -4845,7 +4845,7 @@
             <a:pPr indent="0" algn="ctr">
               <a:buNone/>
             </a:pPr>
-            <a:endParaRPr b="0" lang="en-US" sz="4400" spc="-1" strike="noStrike">
+            <a:endParaRPr b="0" lang="en-GB" sz="4400" spc="-1" strike="noStrike">
               <a:solidFill>
                 <a:srgbClr val="000000"/>
               </a:solidFill>
@@ -4888,7 +4888,7 @@
               </a:spcBef>
               <a:buNone/>
             </a:pPr>
-            <a:endParaRPr b="0" lang="en-US" sz="3200" spc="-1" strike="noStrike">
+            <a:endParaRPr b="0" lang="en-GB" sz="3200" spc="-1" strike="noStrike">
               <a:solidFill>
                 <a:srgbClr val="000000"/>
               </a:solidFill>
@@ -4931,7 +4931,7 @@
               </a:spcBef>
               <a:buNone/>
             </a:pPr>
-            <a:endParaRPr b="0" lang="en-US" sz="3200" spc="-1" strike="noStrike">
+            <a:endParaRPr b="0" lang="en-GB" sz="3200" spc="-1" strike="noStrike">
               <a:solidFill>
                 <a:srgbClr val="000000"/>
               </a:solidFill>
@@ -4974,7 +4974,7 @@
               </a:spcBef>
               <a:buNone/>
             </a:pPr>
-            <a:endParaRPr b="0" lang="en-US" sz="3200" spc="-1" strike="noStrike">
+            <a:endParaRPr b="0" lang="en-GB" sz="3200" spc="-1" strike="noStrike">
               <a:solidFill>
                 <a:srgbClr val="000000"/>
               </a:solidFill>
@@ -5036,7 +5036,7 @@
             <a:pPr indent="0" algn="ctr">
               <a:buNone/>
             </a:pPr>
-            <a:endParaRPr b="0" lang="en-US" sz="4400" spc="-1" strike="noStrike">
+            <a:endParaRPr b="0" lang="en-GB" sz="4400" spc="-1" strike="noStrike">
               <a:solidFill>
                 <a:srgbClr val="000000"/>
               </a:solidFill>
@@ -5079,7 +5079,7 @@
               </a:spcBef>
               <a:buNone/>
             </a:pPr>
-            <a:endParaRPr b="0" lang="en-US" sz="3200" spc="-1" strike="noStrike">
+            <a:endParaRPr b="0" lang="en-GB" sz="3200" spc="-1" strike="noStrike">
               <a:solidFill>
                 <a:srgbClr val="000000"/>
               </a:solidFill>
@@ -5122,7 +5122,7 @@
               </a:spcBef>
               <a:buNone/>
             </a:pPr>
-            <a:endParaRPr b="0" lang="en-US" sz="3200" spc="-1" strike="noStrike">
+            <a:endParaRPr b="0" lang="en-GB" sz="3200" spc="-1" strike="noStrike">
               <a:solidFill>
                 <a:srgbClr val="000000"/>
               </a:solidFill>
@@ -5165,7 +5165,7 @@
               </a:spcBef>
               <a:buNone/>
             </a:pPr>
-            <a:endParaRPr b="0" lang="en-US" sz="3200" spc="-1" strike="noStrike">
+            <a:endParaRPr b="0" lang="en-GB" sz="3200" spc="-1" strike="noStrike">
               <a:solidFill>
                 <a:srgbClr val="000000"/>
               </a:solidFill>
@@ -5227,7 +5227,7 @@
             <a:pPr indent="0" algn="ctr">
               <a:buNone/>
             </a:pPr>
-            <a:endParaRPr b="0" lang="en-US" sz="4400" spc="-1" strike="noStrike">
+            <a:endParaRPr b="0" lang="en-GB" sz="4400" spc="-1" strike="noStrike">
               <a:solidFill>
                 <a:srgbClr val="000000"/>
               </a:solidFill>
@@ -5270,7 +5270,7 @@
               </a:spcBef>
               <a:buNone/>
             </a:pPr>
-            <a:endParaRPr b="0" lang="en-US" sz="3200" spc="-1" strike="noStrike">
+            <a:endParaRPr b="0" lang="en-GB" sz="3200" spc="-1" strike="noStrike">
               <a:solidFill>
                 <a:srgbClr val="000000"/>
               </a:solidFill>
@@ -5313,7 +5313,7 @@
               </a:spcBef>
               <a:buNone/>
             </a:pPr>
-            <a:endParaRPr b="0" lang="en-US" sz="3200" spc="-1" strike="noStrike">
+            <a:endParaRPr b="0" lang="en-GB" sz="3200" spc="-1" strike="noStrike">
               <a:solidFill>
                 <a:srgbClr val="000000"/>
               </a:solidFill>
@@ -5356,7 +5356,7 @@
               </a:spcBef>
               <a:buNone/>
             </a:pPr>
-            <a:endParaRPr b="0" lang="en-US" sz="3200" spc="-1" strike="noStrike">
+            <a:endParaRPr b="0" lang="en-GB" sz="3200" spc="-1" strike="noStrike">
               <a:solidFill>
                 <a:srgbClr val="000000"/>
               </a:solidFill>
@@ -5403,7 +5403,7 @@
         <p:spPr>
           <a:xfrm>
             <a:off x="11444760" y="0"/>
-            <a:ext cx="741240" cy="6850080"/>
+            <a:ext cx="740880" cy="6849720"/>
           </a:xfrm>
           <a:prstGeom prst="rect">
             <a:avLst/>
@@ -5428,11 +5428,17 @@
             <a:noAutofit/>
           </a:bodyPr>
           <a:p>
+            <a:pPr>
+              <a:lnSpc>
+                <a:spcPct val="100000"/>
+              </a:lnSpc>
+            </a:pPr>
             <a:endParaRPr b="0" lang="en-US" sz="1800" spc="-1" strike="noStrike">
               <a:solidFill>
                 <a:srgbClr val="ffffff"/>
               </a:solidFill>
               <a:latin typeface="Arial"/>
+              <a:ea typeface="DejaVu Sans"/>
             </a:endParaRPr>
           </a:p>
         </p:txBody>
@@ -5446,7 +5452,7 @@
         <p:spPr>
           <a:xfrm>
             <a:off x="11438640" y="6453360"/>
-            <a:ext cx="758160" cy="363960"/>
+            <a:ext cx="757800" cy="363960"/>
           </a:xfrm>
           <a:prstGeom prst="rect">
             <a:avLst/>
@@ -5472,7 +5478,7 @@
                 <a:spcPct val="100000"/>
               </a:lnSpc>
             </a:pPr>
-            <a:fld id="{2B335B04-DCDB-4281-862F-038E6CC5BAE1}" type="slidenum">
+            <a:fld id="{4C583C24-DC80-4151-90BC-5D922230C75E}" type="slidenum">
               <a:rPr b="0" lang="en-US" sz="1800" spc="-1" strike="noStrike">
                 <a:solidFill>
                   <a:srgbClr val="808080"/>
@@ -5482,7 +5488,7 @@
               </a:rPr>
               <a:t>&lt;number&gt;</a:t>
             </a:fld>
-            <a:endParaRPr b="0" lang="en-US" sz="1800" spc="-1" strike="noStrike">
+            <a:endParaRPr b="0" lang="en-GB" sz="1800" spc="-1" strike="noStrike">
               <a:solidFill>
                 <a:srgbClr val="000000"/>
               </a:solidFill>
@@ -5500,7 +5506,7 @@
         <p:spPr>
           <a:xfrm>
             <a:off x="912240" y="1268280"/>
-            <a:ext cx="9208080" cy="361440"/>
+            <a:ext cx="9207720" cy="361080"/>
           </a:xfrm>
           <a:prstGeom prst="rect">
             <a:avLst/>
@@ -5521,11 +5527,17 @@
             <a:noAutofit/>
           </a:bodyPr>
           <a:p>
+            <a:pPr>
+              <a:lnSpc>
+                <a:spcPct val="100000"/>
+              </a:lnSpc>
+            </a:pPr>
             <a:endParaRPr b="0" lang="en-US" sz="1800" spc="-1" strike="noStrike">
               <a:solidFill>
                 <a:srgbClr val="000000"/>
               </a:solidFill>
               <a:latin typeface="Arial"/>
+              <a:ea typeface="DejaVu Sans"/>
             </a:endParaRPr>
           </a:p>
         </p:txBody>
@@ -5543,7 +5555,7 @@
         <p:spPr>
           <a:xfrm>
             <a:off x="0" y="0"/>
-            <a:ext cx="3052080" cy="561960"/>
+            <a:ext cx="3051720" cy="561600"/>
           </a:xfrm>
           <a:prstGeom prst="rect">
             <a:avLst/>
@@ -5566,7 +5578,7 @@
         <p:spPr>
           <a:xfrm>
             <a:off x="7430400" y="134640"/>
-            <a:ext cx="3697920" cy="514080"/>
+            <a:ext cx="3697560" cy="513720"/>
           </a:xfrm>
           <a:prstGeom prst="rect">
             <a:avLst/>
@@ -5585,7 +5597,7 @@
         <p:spPr>
           <a:xfrm>
             <a:off x="912240" y="1268280"/>
-            <a:ext cx="9208080" cy="361440"/>
+            <a:ext cx="9207720" cy="361080"/>
           </a:xfrm>
           <a:prstGeom prst="rect">
             <a:avLst/>
@@ -5606,11 +5618,17 @@
             <a:noAutofit/>
           </a:bodyPr>
           <a:p>
+            <a:pPr>
+              <a:lnSpc>
+                <a:spcPct val="100000"/>
+              </a:lnSpc>
+            </a:pPr>
             <a:endParaRPr b="0" lang="en-US" sz="1800" spc="-1" strike="noStrike">
               <a:solidFill>
                 <a:srgbClr val="000000"/>
               </a:solidFill>
               <a:latin typeface="Arial"/>
+              <a:ea typeface="DejaVu Sans"/>
             </a:endParaRPr>
           </a:p>
         </p:txBody>
@@ -5624,7 +5642,7 @@
         <p:spPr>
           <a:xfrm>
             <a:off x="11444760" y="0"/>
-            <a:ext cx="741240" cy="6850080"/>
+            <a:ext cx="740880" cy="6849720"/>
           </a:xfrm>
           <a:prstGeom prst="rect">
             <a:avLst/>
@@ -5649,11 +5667,17 @@
             <a:noAutofit/>
           </a:bodyPr>
           <a:p>
+            <a:pPr>
+              <a:lnSpc>
+                <a:spcPct val="100000"/>
+              </a:lnSpc>
+            </a:pPr>
             <a:endParaRPr b="0" lang="en-US" sz="1800" spc="-1" strike="noStrike">
               <a:solidFill>
                 <a:srgbClr val="ffffff"/>
               </a:solidFill>
               <a:latin typeface="Arial"/>
+              <a:ea typeface="DejaVu Sans"/>
             </a:endParaRPr>
           </a:p>
         </p:txBody>
@@ -5667,7 +5691,7 @@
         <p:spPr>
           <a:xfrm>
             <a:off x="0" y="6646680"/>
-            <a:ext cx="12186720" cy="211320"/>
+            <a:ext cx="12186360" cy="211320"/>
           </a:xfrm>
           <a:prstGeom prst="rect">
             <a:avLst/>
@@ -5703,7 +5727,7 @@
               </a:rPr>
               <a:t>Requirements Engineering – TU Clausthal</a:t>
             </a:r>
-            <a:endParaRPr b="0" lang="en-US" sz="800" spc="-1" strike="noStrike">
+            <a:endParaRPr b="0" lang="en-GB" sz="800" spc="-1" strike="noStrike">
               <a:solidFill>
                 <a:srgbClr val="000000"/>
               </a:solidFill>
@@ -5744,7 +5768,7 @@
               <a:buNone/>
             </a:pPr>
             <a:r>
-              <a:rPr b="0" lang="en-US" sz="4400" spc="-1" strike="noStrike">
+              <a:rPr b="0" lang="en-GB" sz="4400" spc="-1" strike="noStrike">
                 <a:solidFill>
                   <a:srgbClr val="000000"/>
                 </a:solidFill>
@@ -5752,7 +5776,7 @@
               </a:rPr>
               <a:t>Click to edit the title text format</a:t>
             </a:r>
-            <a:endParaRPr b="0" lang="en-US" sz="4400" spc="-1" strike="noStrike">
+            <a:endParaRPr b="0" lang="en-GB" sz="4400" spc="-1" strike="noStrike">
               <a:solidFill>
                 <a:srgbClr val="000000"/>
               </a:solidFill>
@@ -5801,7 +5825,7 @@
               <a:buChar char=""/>
             </a:pPr>
             <a:r>
-              <a:rPr b="0" lang="en-US" sz="3200" spc="-1" strike="noStrike">
+              <a:rPr b="0" lang="en-GB" sz="3200" spc="-1" strike="noStrike">
                 <a:solidFill>
                   <a:srgbClr val="000000"/>
                 </a:solidFill>
@@ -5809,7 +5833,7 @@
               </a:rPr>
               <a:t>Click to edit the outline text format</a:t>
             </a:r>
-            <a:endParaRPr b="0" lang="en-US" sz="3200" spc="-1" strike="noStrike">
+            <a:endParaRPr b="0" lang="en-GB" sz="3200" spc="-1" strike="noStrike">
               <a:solidFill>
                 <a:srgbClr val="000000"/>
               </a:solidFill>
@@ -5829,7 +5853,7 @@
               <a:buChar char=""/>
             </a:pPr>
             <a:r>
-              <a:rPr b="0" lang="en-US" sz="2800" spc="-1" strike="noStrike">
+              <a:rPr b="0" lang="en-GB" sz="2800" spc="-1" strike="noStrike">
                 <a:solidFill>
                   <a:srgbClr val="000000"/>
                 </a:solidFill>
@@ -5837,7 +5861,7 @@
               </a:rPr>
               <a:t>Second Outline Level</a:t>
             </a:r>
-            <a:endParaRPr b="0" lang="en-US" sz="2800" spc="-1" strike="noStrike">
+            <a:endParaRPr b="0" lang="en-GB" sz="2800" spc="-1" strike="noStrike">
               <a:solidFill>
                 <a:srgbClr val="000000"/>
               </a:solidFill>
@@ -5857,7 +5881,7 @@
               <a:buChar char=""/>
             </a:pPr>
             <a:r>
-              <a:rPr b="0" lang="en-US" sz="2400" spc="-1" strike="noStrike">
+              <a:rPr b="0" lang="en-GB" sz="2400" spc="-1" strike="noStrike">
                 <a:solidFill>
                   <a:srgbClr val="000000"/>
                 </a:solidFill>
@@ -5865,7 +5889,7 @@
               </a:rPr>
               <a:t>Third Outline Level</a:t>
             </a:r>
-            <a:endParaRPr b="0" lang="en-US" sz="2400" spc="-1" strike="noStrike">
+            <a:endParaRPr b="0" lang="en-GB" sz="2400" spc="-1" strike="noStrike">
               <a:solidFill>
                 <a:srgbClr val="000000"/>
               </a:solidFill>
@@ -5885,7 +5909,7 @@
               <a:buChar char=""/>
             </a:pPr>
             <a:r>
-              <a:rPr b="0" lang="en-US" sz="2000" spc="-1" strike="noStrike">
+              <a:rPr b="0" lang="en-GB" sz="2000" spc="-1" strike="noStrike">
                 <a:solidFill>
                   <a:srgbClr val="000000"/>
                 </a:solidFill>
@@ -5893,7 +5917,7 @@
               </a:rPr>
               <a:t>Fourth Outline Level</a:t>
             </a:r>
-            <a:endParaRPr b="0" lang="en-US" sz="2000" spc="-1" strike="noStrike">
+            <a:endParaRPr b="0" lang="en-GB" sz="2000" spc="-1" strike="noStrike">
               <a:solidFill>
                 <a:srgbClr val="000000"/>
               </a:solidFill>
@@ -5913,7 +5937,7 @@
               <a:buChar char=""/>
             </a:pPr>
             <a:r>
-              <a:rPr b="0" lang="en-US" sz="2000" spc="-1" strike="noStrike">
+              <a:rPr b="0" lang="en-GB" sz="2000" spc="-1" strike="noStrike">
                 <a:solidFill>
                   <a:srgbClr val="000000"/>
                 </a:solidFill>
@@ -5921,7 +5945,7 @@
               </a:rPr>
               <a:t>Fifth Outline Level</a:t>
             </a:r>
-            <a:endParaRPr b="0" lang="en-US" sz="2000" spc="-1" strike="noStrike">
+            <a:endParaRPr b="0" lang="en-GB" sz="2000" spc="-1" strike="noStrike">
               <a:solidFill>
                 <a:srgbClr val="000000"/>
               </a:solidFill>
@@ -5941,7 +5965,7 @@
               <a:buChar char=""/>
             </a:pPr>
             <a:r>
-              <a:rPr b="0" lang="en-US" sz="2000" spc="-1" strike="noStrike">
+              <a:rPr b="0" lang="en-GB" sz="2000" spc="-1" strike="noStrike">
                 <a:solidFill>
                   <a:srgbClr val="000000"/>
                 </a:solidFill>
@@ -5949,7 +5973,7 @@
               </a:rPr>
               <a:t>Sixth Outline Level</a:t>
             </a:r>
-            <a:endParaRPr b="0" lang="en-US" sz="2000" spc="-1" strike="noStrike">
+            <a:endParaRPr b="0" lang="en-GB" sz="2000" spc="-1" strike="noStrike">
               <a:solidFill>
                 <a:srgbClr val="000000"/>
               </a:solidFill>
@@ -5969,7 +5993,7 @@
               <a:buChar char=""/>
             </a:pPr>
             <a:r>
-              <a:rPr b="0" lang="en-US" sz="2000" spc="-1" strike="noStrike">
+              <a:rPr b="0" lang="en-GB" sz="2000" spc="-1" strike="noStrike">
                 <a:solidFill>
                   <a:srgbClr val="000000"/>
                 </a:solidFill>
@@ -5977,7 +6001,7 @@
               </a:rPr>
               <a:t>Seventh Outline Level</a:t>
             </a:r>
-            <a:endParaRPr b="0" lang="en-US" sz="2000" spc="-1" strike="noStrike">
+            <a:endParaRPr b="0" lang="en-GB" sz="2000" spc="-1" strike="noStrike">
               <a:solidFill>
                 <a:srgbClr val="000000"/>
               </a:solidFill>
@@ -6039,7 +6063,7 @@
         <p:spPr>
           <a:xfrm>
             <a:off x="11444760" y="0"/>
-            <a:ext cx="741240" cy="6850080"/>
+            <a:ext cx="740880" cy="6849720"/>
           </a:xfrm>
           <a:prstGeom prst="rect">
             <a:avLst/>
@@ -6064,11 +6088,17 @@
             <a:noAutofit/>
           </a:bodyPr>
           <a:p>
+            <a:pPr>
+              <a:lnSpc>
+                <a:spcPct val="100000"/>
+              </a:lnSpc>
+            </a:pPr>
             <a:endParaRPr b="0" lang="en-US" sz="1800" spc="-1" strike="noStrike">
               <a:solidFill>
                 <a:srgbClr val="ffffff"/>
               </a:solidFill>
               <a:latin typeface="Arial"/>
+              <a:ea typeface="DejaVu Sans"/>
             </a:endParaRPr>
           </a:p>
         </p:txBody>
@@ -6082,7 +6112,7 @@
         <p:spPr>
           <a:xfrm>
             <a:off x="11438640" y="6453360"/>
-            <a:ext cx="758160" cy="363960"/>
+            <a:ext cx="757800" cy="363960"/>
           </a:xfrm>
           <a:prstGeom prst="rect">
             <a:avLst/>
@@ -6108,7 +6138,7 @@
                 <a:spcPct val="100000"/>
               </a:lnSpc>
             </a:pPr>
-            <a:fld id="{85A2B08C-9E41-46DA-8C29-42DD54C190E4}" type="slidenum">
+            <a:fld id="{EA0B8F27-2F3A-4652-B25F-EABE5BC02CA7}" type="slidenum">
               <a:rPr b="0" lang="en-US" sz="1800" spc="-1" strike="noStrike">
                 <a:solidFill>
                   <a:srgbClr val="808080"/>
@@ -6118,7 +6148,7 @@
               </a:rPr>
               <a:t>&lt;number&gt;</a:t>
             </a:fld>
-            <a:endParaRPr b="0" lang="en-US" sz="1800" spc="-1" strike="noStrike">
+            <a:endParaRPr b="0" lang="en-GB" sz="1800" spc="-1" strike="noStrike">
               <a:solidFill>
                 <a:srgbClr val="000000"/>
               </a:solidFill>
@@ -6136,7 +6166,7 @@
         <p:spPr>
           <a:xfrm>
             <a:off x="912240" y="1268280"/>
-            <a:ext cx="9208080" cy="361440"/>
+            <a:ext cx="9207720" cy="361080"/>
           </a:xfrm>
           <a:prstGeom prst="rect">
             <a:avLst/>
@@ -6157,11 +6187,17 @@
             <a:noAutofit/>
           </a:bodyPr>
           <a:p>
+            <a:pPr>
+              <a:lnSpc>
+                <a:spcPct val="100000"/>
+              </a:lnSpc>
+            </a:pPr>
             <a:endParaRPr b="0" lang="en-US" sz="1800" spc="-1" strike="noStrike">
               <a:solidFill>
                 <a:srgbClr val="000000"/>
               </a:solidFill>
               <a:latin typeface="Arial"/>
+              <a:ea typeface="DejaVu Sans"/>
             </a:endParaRPr>
           </a:p>
         </p:txBody>
@@ -6179,7 +6215,7 @@
         <p:spPr>
           <a:xfrm>
             <a:off x="0" y="0"/>
-            <a:ext cx="3052080" cy="561960"/>
+            <a:ext cx="3051720" cy="561600"/>
           </a:xfrm>
           <a:prstGeom prst="rect">
             <a:avLst/>
@@ -6202,7 +6238,7 @@
         <p:spPr>
           <a:xfrm>
             <a:off x="7430400" y="134640"/>
-            <a:ext cx="3697920" cy="514080"/>
+            <a:ext cx="3697560" cy="513720"/>
           </a:xfrm>
           <a:prstGeom prst="rect">
             <a:avLst/>
@@ -6221,7 +6257,7 @@
         <p:spPr>
           <a:xfrm>
             <a:off x="912240" y="1268280"/>
-            <a:ext cx="9208080" cy="361440"/>
+            <a:ext cx="9207720" cy="361080"/>
           </a:xfrm>
           <a:prstGeom prst="rect">
             <a:avLst/>
@@ -6242,11 +6278,17 @@
             <a:noAutofit/>
           </a:bodyPr>
           <a:p>
+            <a:pPr>
+              <a:lnSpc>
+                <a:spcPct val="100000"/>
+              </a:lnSpc>
+            </a:pPr>
             <a:endParaRPr b="0" lang="en-US" sz="1800" spc="-1" strike="noStrike">
               <a:solidFill>
                 <a:srgbClr val="000000"/>
               </a:solidFill>
               <a:latin typeface="Arial"/>
+              <a:ea typeface="DejaVu Sans"/>
             </a:endParaRPr>
           </a:p>
         </p:txBody>
@@ -6260,7 +6302,7 @@
         <p:spPr>
           <a:xfrm>
             <a:off x="11444760" y="0"/>
-            <a:ext cx="741240" cy="6850080"/>
+            <a:ext cx="740880" cy="6849720"/>
           </a:xfrm>
           <a:prstGeom prst="rect">
             <a:avLst/>
@@ -6285,11 +6327,17 @@
             <a:noAutofit/>
           </a:bodyPr>
           <a:p>
+            <a:pPr>
+              <a:lnSpc>
+                <a:spcPct val="100000"/>
+              </a:lnSpc>
+            </a:pPr>
             <a:endParaRPr b="0" lang="en-US" sz="1800" spc="-1" strike="noStrike">
               <a:solidFill>
                 <a:srgbClr val="ffffff"/>
               </a:solidFill>
               <a:latin typeface="Arial"/>
+              <a:ea typeface="DejaVu Sans"/>
             </a:endParaRPr>
           </a:p>
         </p:txBody>
@@ -6303,7 +6351,7 @@
         <p:spPr>
           <a:xfrm>
             <a:off x="0" y="6646680"/>
-            <a:ext cx="12186720" cy="211320"/>
+            <a:ext cx="12186360" cy="211320"/>
           </a:xfrm>
           <a:prstGeom prst="rect">
             <a:avLst/>
@@ -6339,7 +6387,7 @@
               </a:rPr>
               <a:t>Requirements Engineering – TU Clausthal</a:t>
             </a:r>
-            <a:endParaRPr b="0" lang="en-US" sz="800" spc="-1" strike="noStrike">
+            <a:endParaRPr b="0" lang="en-GB" sz="800" spc="-1" strike="noStrike">
               <a:solidFill>
                 <a:srgbClr val="000000"/>
               </a:solidFill>
@@ -6380,7 +6428,7 @@
               <a:buNone/>
             </a:pPr>
             <a:r>
-              <a:rPr b="0" lang="en-US" sz="4400" spc="-1" strike="noStrike">
+              <a:rPr b="0" lang="en-GB" sz="4400" spc="-1" strike="noStrike">
                 <a:solidFill>
                   <a:srgbClr val="000000"/>
                 </a:solidFill>
@@ -6388,7 +6436,7 @@
               </a:rPr>
               <a:t>Click to edit the title text format</a:t>
             </a:r>
-            <a:endParaRPr b="0" lang="en-US" sz="4400" spc="-1" strike="noStrike">
+            <a:endParaRPr b="0" lang="en-GB" sz="4400" spc="-1" strike="noStrike">
               <a:solidFill>
                 <a:srgbClr val="000000"/>
               </a:solidFill>
@@ -6437,7 +6485,7 @@
               <a:buChar char=""/>
             </a:pPr>
             <a:r>
-              <a:rPr b="0" lang="en-US" sz="3200" spc="-1" strike="noStrike">
+              <a:rPr b="0" lang="en-GB" sz="3200" spc="-1" strike="noStrike">
                 <a:solidFill>
                   <a:srgbClr val="000000"/>
                 </a:solidFill>
@@ -6445,7 +6493,7 @@
               </a:rPr>
               <a:t>Click to edit the outline text format</a:t>
             </a:r>
-            <a:endParaRPr b="0" lang="en-US" sz="3200" spc="-1" strike="noStrike">
+            <a:endParaRPr b="0" lang="en-GB" sz="3200" spc="-1" strike="noStrike">
               <a:solidFill>
                 <a:srgbClr val="000000"/>
               </a:solidFill>
@@ -6465,7 +6513,7 @@
               <a:buChar char=""/>
             </a:pPr>
             <a:r>
-              <a:rPr b="0" lang="en-US" sz="2800" spc="-1" strike="noStrike">
+              <a:rPr b="0" lang="en-GB" sz="2800" spc="-1" strike="noStrike">
                 <a:solidFill>
                   <a:srgbClr val="000000"/>
                 </a:solidFill>
@@ -6473,7 +6521,7 @@
               </a:rPr>
               <a:t>Second Outline Level</a:t>
             </a:r>
-            <a:endParaRPr b="0" lang="en-US" sz="2800" spc="-1" strike="noStrike">
+            <a:endParaRPr b="0" lang="en-GB" sz="2800" spc="-1" strike="noStrike">
               <a:solidFill>
                 <a:srgbClr val="000000"/>
               </a:solidFill>
@@ -6493,7 +6541,7 @@
               <a:buChar char=""/>
             </a:pPr>
             <a:r>
-              <a:rPr b="0" lang="en-US" sz="2400" spc="-1" strike="noStrike">
+              <a:rPr b="0" lang="en-GB" sz="2400" spc="-1" strike="noStrike">
                 <a:solidFill>
                   <a:srgbClr val="000000"/>
                 </a:solidFill>
@@ -6501,7 +6549,7 @@
               </a:rPr>
               <a:t>Third Outline Level</a:t>
             </a:r>
-            <a:endParaRPr b="0" lang="en-US" sz="2400" spc="-1" strike="noStrike">
+            <a:endParaRPr b="0" lang="en-GB" sz="2400" spc="-1" strike="noStrike">
               <a:solidFill>
                 <a:srgbClr val="000000"/>
               </a:solidFill>
@@ -6521,7 +6569,7 @@
               <a:buChar char=""/>
             </a:pPr>
             <a:r>
-              <a:rPr b="0" lang="en-US" sz="2000" spc="-1" strike="noStrike">
+              <a:rPr b="0" lang="en-GB" sz="2000" spc="-1" strike="noStrike">
                 <a:solidFill>
                   <a:srgbClr val="000000"/>
                 </a:solidFill>
@@ -6529,7 +6577,7 @@
               </a:rPr>
               <a:t>Fourth Outline Level</a:t>
             </a:r>
-            <a:endParaRPr b="0" lang="en-US" sz="2000" spc="-1" strike="noStrike">
+            <a:endParaRPr b="0" lang="en-GB" sz="2000" spc="-1" strike="noStrike">
               <a:solidFill>
                 <a:srgbClr val="000000"/>
               </a:solidFill>
@@ -6549,7 +6597,7 @@
               <a:buChar char=""/>
             </a:pPr>
             <a:r>
-              <a:rPr b="0" lang="en-US" sz="2000" spc="-1" strike="noStrike">
+              <a:rPr b="0" lang="en-GB" sz="2000" spc="-1" strike="noStrike">
                 <a:solidFill>
                   <a:srgbClr val="000000"/>
                 </a:solidFill>
@@ -6557,7 +6605,7 @@
               </a:rPr>
               <a:t>Fifth Outline Level</a:t>
             </a:r>
-            <a:endParaRPr b="0" lang="en-US" sz="2000" spc="-1" strike="noStrike">
+            <a:endParaRPr b="0" lang="en-GB" sz="2000" spc="-1" strike="noStrike">
               <a:solidFill>
                 <a:srgbClr val="000000"/>
               </a:solidFill>
@@ -6577,7 +6625,7 @@
               <a:buChar char=""/>
             </a:pPr>
             <a:r>
-              <a:rPr b="0" lang="en-US" sz="2000" spc="-1" strike="noStrike">
+              <a:rPr b="0" lang="en-GB" sz="2000" spc="-1" strike="noStrike">
                 <a:solidFill>
                   <a:srgbClr val="000000"/>
                 </a:solidFill>
@@ -6585,7 +6633,7 @@
               </a:rPr>
               <a:t>Sixth Outline Level</a:t>
             </a:r>
-            <a:endParaRPr b="0" lang="en-US" sz="2000" spc="-1" strike="noStrike">
+            <a:endParaRPr b="0" lang="en-GB" sz="2000" spc="-1" strike="noStrike">
               <a:solidFill>
                 <a:srgbClr val="000000"/>
               </a:solidFill>
@@ -6605,7 +6653,7 @@
               <a:buChar char=""/>
             </a:pPr>
             <a:r>
-              <a:rPr b="0" lang="en-US" sz="2000" spc="-1" strike="noStrike">
+              <a:rPr b="0" lang="en-GB" sz="2000" spc="-1" strike="noStrike">
                 <a:solidFill>
                   <a:srgbClr val="000000"/>
                 </a:solidFill>
@@ -6613,7 +6661,7 @@
               </a:rPr>
               <a:t>Seventh Outline Level</a:t>
             </a:r>
-            <a:endParaRPr b="0" lang="en-US" sz="2000" spc="-1" strike="noStrike">
+            <a:endParaRPr b="0" lang="en-GB" sz="2000" spc="-1" strike="noStrike">
               <a:solidFill>
                 <a:srgbClr val="000000"/>
               </a:solidFill>
@@ -6675,7 +6723,7 @@
         <p:spPr>
           <a:xfrm>
             <a:off x="11444760" y="0"/>
-            <a:ext cx="741240" cy="6850080"/>
+            <a:ext cx="740880" cy="6849720"/>
           </a:xfrm>
           <a:prstGeom prst="rect">
             <a:avLst/>
@@ -6700,11 +6748,17 @@
             <a:noAutofit/>
           </a:bodyPr>
           <a:p>
+            <a:pPr>
+              <a:lnSpc>
+                <a:spcPct val="100000"/>
+              </a:lnSpc>
+            </a:pPr>
             <a:endParaRPr b="0" lang="en-US" sz="1800" spc="-1" strike="noStrike">
               <a:solidFill>
                 <a:srgbClr val="ffffff"/>
               </a:solidFill>
               <a:latin typeface="Arial"/>
+              <a:ea typeface="DejaVu Sans"/>
             </a:endParaRPr>
           </a:p>
         </p:txBody>
@@ -6718,7 +6772,7 @@
         <p:spPr>
           <a:xfrm>
             <a:off x="11438640" y="6453360"/>
-            <a:ext cx="758160" cy="363960"/>
+            <a:ext cx="757800" cy="363960"/>
           </a:xfrm>
           <a:prstGeom prst="rect">
             <a:avLst/>
@@ -6744,7 +6798,7 @@
                 <a:spcPct val="100000"/>
               </a:lnSpc>
             </a:pPr>
-            <a:fld id="{FCDED7D4-32EC-498D-B993-0973588A78A2}" type="slidenum">
+            <a:fld id="{B59F5F59-7EF5-42B5-B4D6-66F0D4C9752E}" type="slidenum">
               <a:rPr b="0" lang="en-US" sz="1800" spc="-1" strike="noStrike">
                 <a:solidFill>
                   <a:srgbClr val="808080"/>
@@ -6754,7 +6808,7 @@
               </a:rPr>
               <a:t>&lt;number&gt;</a:t>
             </a:fld>
-            <a:endParaRPr b="0" lang="en-US" sz="1800" spc="-1" strike="noStrike">
+            <a:endParaRPr b="0" lang="en-GB" sz="1800" spc="-1" strike="noStrike">
               <a:solidFill>
                 <a:srgbClr val="000000"/>
               </a:solidFill>
@@ -6772,7 +6826,7 @@
         <p:spPr>
           <a:xfrm>
             <a:off x="912240" y="1268280"/>
-            <a:ext cx="9208080" cy="361440"/>
+            <a:ext cx="9207720" cy="361080"/>
           </a:xfrm>
           <a:prstGeom prst="rect">
             <a:avLst/>
@@ -6793,11 +6847,17 @@
             <a:noAutofit/>
           </a:bodyPr>
           <a:p>
+            <a:pPr>
+              <a:lnSpc>
+                <a:spcPct val="100000"/>
+              </a:lnSpc>
+            </a:pPr>
             <a:endParaRPr b="0" lang="en-US" sz="1800" spc="-1" strike="noStrike">
               <a:solidFill>
                 <a:srgbClr val="000000"/>
               </a:solidFill>
               <a:latin typeface="Arial"/>
+              <a:ea typeface="DejaVu Sans"/>
             </a:endParaRPr>
           </a:p>
         </p:txBody>
@@ -6815,7 +6875,7 @@
         <p:spPr>
           <a:xfrm>
             <a:off x="0" y="0"/>
-            <a:ext cx="3052080" cy="561960"/>
+            <a:ext cx="3051720" cy="561600"/>
           </a:xfrm>
           <a:prstGeom prst="rect">
             <a:avLst/>
@@ -6838,7 +6898,7 @@
         <p:spPr>
           <a:xfrm>
             <a:off x="7430400" y="134640"/>
-            <a:ext cx="3697920" cy="514080"/>
+            <a:ext cx="3697560" cy="513720"/>
           </a:xfrm>
           <a:prstGeom prst="rect">
             <a:avLst/>
@@ -6857,7 +6917,7 @@
         <p:spPr>
           <a:xfrm>
             <a:off x="11444760" y="1440"/>
-            <a:ext cx="741240" cy="6850080"/>
+            <a:ext cx="740880" cy="6849720"/>
           </a:xfrm>
           <a:prstGeom prst="rect">
             <a:avLst/>
@@ -6882,11 +6942,17 @@
             <a:noAutofit/>
           </a:bodyPr>
           <a:p>
+            <a:pPr>
+              <a:lnSpc>
+                <a:spcPct val="100000"/>
+              </a:lnSpc>
+            </a:pPr>
             <a:endParaRPr b="0" lang="en-US" sz="1800" spc="-1" strike="noStrike">
               <a:solidFill>
                 <a:srgbClr val="ffffff"/>
               </a:solidFill>
               <a:latin typeface="Arial"/>
+              <a:ea typeface="DejaVu Sans"/>
             </a:endParaRPr>
           </a:p>
         </p:txBody>
@@ -6900,7 +6966,7 @@
         <p:spPr>
           <a:xfrm>
             <a:off x="11427480" y="6453360"/>
-            <a:ext cx="758160" cy="363960"/>
+            <a:ext cx="757800" cy="363960"/>
           </a:xfrm>
           <a:prstGeom prst="rect">
             <a:avLst/>
@@ -6926,7 +6992,7 @@
                 <a:spcPct val="100000"/>
               </a:lnSpc>
             </a:pPr>
-            <a:fld id="{020CB693-E700-449A-B094-51B3ED1E68A5}" type="slidenum">
+            <a:fld id="{138FCC1C-BEBB-4F73-AA6A-5BCE681B3216}" type="slidenum">
               <a:rPr b="0" lang="en-US" sz="1800" spc="-1" strike="noStrike">
                 <a:solidFill>
                   <a:srgbClr val="808080"/>
@@ -6936,7 +7002,7 @@
               </a:rPr>
               <a:t>&lt;number&gt;</a:t>
             </a:fld>
-            <a:endParaRPr b="0" lang="en-US" sz="1800" spc="-1" strike="noStrike">
+            <a:endParaRPr b="0" lang="en-GB" sz="1800" spc="-1" strike="noStrike">
               <a:solidFill>
                 <a:srgbClr val="000000"/>
               </a:solidFill>
@@ -6954,7 +7020,7 @@
         <p:spPr>
           <a:xfrm>
             <a:off x="0" y="6646680"/>
-            <a:ext cx="12186720" cy="211320"/>
+            <a:ext cx="12186360" cy="211320"/>
           </a:xfrm>
           <a:prstGeom prst="rect">
             <a:avLst/>
@@ -6990,7 +7056,7 @@
               </a:rPr>
               <a:t>Requirements Engineering – TU Clausthal</a:t>
             </a:r>
-            <a:endParaRPr b="0" lang="en-US" sz="800" spc="-1" strike="noStrike">
+            <a:endParaRPr b="0" lang="en-GB" sz="800" spc="-1" strike="noStrike">
               <a:solidFill>
                 <a:srgbClr val="000000"/>
               </a:solidFill>
@@ -7031,7 +7097,7 @@
               <a:buNone/>
             </a:pPr>
             <a:r>
-              <a:rPr b="0" lang="en-US" sz="4400" spc="-1" strike="noStrike">
+              <a:rPr b="0" lang="en-GB" sz="4400" spc="-1" strike="noStrike">
                 <a:solidFill>
                   <a:srgbClr val="000000"/>
                 </a:solidFill>
@@ -7039,7 +7105,7 @@
               </a:rPr>
               <a:t>Click to edit the title text format</a:t>
             </a:r>
-            <a:endParaRPr b="0" lang="en-US" sz="4400" spc="-1" strike="noStrike">
+            <a:endParaRPr b="0" lang="en-GB" sz="4400" spc="-1" strike="noStrike">
               <a:solidFill>
                 <a:srgbClr val="000000"/>
               </a:solidFill>
@@ -7088,7 +7154,7 @@
               <a:buChar char=""/>
             </a:pPr>
             <a:r>
-              <a:rPr b="0" lang="en-US" sz="3200" spc="-1" strike="noStrike">
+              <a:rPr b="0" lang="en-GB" sz="3200" spc="-1" strike="noStrike">
                 <a:solidFill>
                   <a:srgbClr val="000000"/>
                 </a:solidFill>
@@ -7096,7 +7162,7 @@
               </a:rPr>
               <a:t>Click to edit the outline text format</a:t>
             </a:r>
-            <a:endParaRPr b="0" lang="en-US" sz="3200" spc="-1" strike="noStrike">
+            <a:endParaRPr b="0" lang="en-GB" sz="3200" spc="-1" strike="noStrike">
               <a:solidFill>
                 <a:srgbClr val="000000"/>
               </a:solidFill>
@@ -7116,7 +7182,7 @@
               <a:buChar char=""/>
             </a:pPr>
             <a:r>
-              <a:rPr b="0" lang="en-US" sz="2800" spc="-1" strike="noStrike">
+              <a:rPr b="0" lang="en-GB" sz="2800" spc="-1" strike="noStrike">
                 <a:solidFill>
                   <a:srgbClr val="000000"/>
                 </a:solidFill>
@@ -7124,7 +7190,7 @@
               </a:rPr>
               <a:t>Second Outline Level</a:t>
             </a:r>
-            <a:endParaRPr b="0" lang="en-US" sz="2800" spc="-1" strike="noStrike">
+            <a:endParaRPr b="0" lang="en-GB" sz="2800" spc="-1" strike="noStrike">
               <a:solidFill>
                 <a:srgbClr val="000000"/>
               </a:solidFill>
@@ -7144,7 +7210,7 @@
               <a:buChar char=""/>
             </a:pPr>
             <a:r>
-              <a:rPr b="0" lang="en-US" sz="2400" spc="-1" strike="noStrike">
+              <a:rPr b="0" lang="en-GB" sz="2400" spc="-1" strike="noStrike">
                 <a:solidFill>
                   <a:srgbClr val="000000"/>
                 </a:solidFill>
@@ -7152,7 +7218,7 @@
               </a:rPr>
               <a:t>Third Outline Level</a:t>
             </a:r>
-            <a:endParaRPr b="0" lang="en-US" sz="2400" spc="-1" strike="noStrike">
+            <a:endParaRPr b="0" lang="en-GB" sz="2400" spc="-1" strike="noStrike">
               <a:solidFill>
                 <a:srgbClr val="000000"/>
               </a:solidFill>
@@ -7172,7 +7238,7 @@
               <a:buChar char=""/>
             </a:pPr>
             <a:r>
-              <a:rPr b="0" lang="en-US" sz="2000" spc="-1" strike="noStrike">
+              <a:rPr b="0" lang="en-GB" sz="2000" spc="-1" strike="noStrike">
                 <a:solidFill>
                   <a:srgbClr val="000000"/>
                 </a:solidFill>
@@ -7180,7 +7246,7 @@
               </a:rPr>
               <a:t>Fourth Outline Level</a:t>
             </a:r>
-            <a:endParaRPr b="0" lang="en-US" sz="2000" spc="-1" strike="noStrike">
+            <a:endParaRPr b="0" lang="en-GB" sz="2000" spc="-1" strike="noStrike">
               <a:solidFill>
                 <a:srgbClr val="000000"/>
               </a:solidFill>
@@ -7200,7 +7266,7 @@
               <a:buChar char=""/>
             </a:pPr>
             <a:r>
-              <a:rPr b="0" lang="en-US" sz="2000" spc="-1" strike="noStrike">
+              <a:rPr b="0" lang="en-GB" sz="2000" spc="-1" strike="noStrike">
                 <a:solidFill>
                   <a:srgbClr val="000000"/>
                 </a:solidFill>
@@ -7208,7 +7274,7 @@
               </a:rPr>
               <a:t>Fifth Outline Level</a:t>
             </a:r>
-            <a:endParaRPr b="0" lang="en-US" sz="2000" spc="-1" strike="noStrike">
+            <a:endParaRPr b="0" lang="en-GB" sz="2000" spc="-1" strike="noStrike">
               <a:solidFill>
                 <a:srgbClr val="000000"/>
               </a:solidFill>
@@ -7228,7 +7294,7 @@
               <a:buChar char=""/>
             </a:pPr>
             <a:r>
-              <a:rPr b="0" lang="en-US" sz="2000" spc="-1" strike="noStrike">
+              <a:rPr b="0" lang="en-GB" sz="2000" spc="-1" strike="noStrike">
                 <a:solidFill>
                   <a:srgbClr val="000000"/>
                 </a:solidFill>
@@ -7236,7 +7302,7 @@
               </a:rPr>
               <a:t>Sixth Outline Level</a:t>
             </a:r>
-            <a:endParaRPr b="0" lang="en-US" sz="2000" spc="-1" strike="noStrike">
+            <a:endParaRPr b="0" lang="en-GB" sz="2000" spc="-1" strike="noStrike">
               <a:solidFill>
                 <a:srgbClr val="000000"/>
               </a:solidFill>
@@ -7256,7 +7322,7 @@
               <a:buChar char=""/>
             </a:pPr>
             <a:r>
-              <a:rPr b="0" lang="en-US" sz="2000" spc="-1" strike="noStrike">
+              <a:rPr b="0" lang="en-GB" sz="2000" spc="-1" strike="noStrike">
                 <a:solidFill>
                   <a:srgbClr val="000000"/>
                 </a:solidFill>
@@ -7264,7 +7330,7 @@
               </a:rPr>
               <a:t>Seventh Outline Level</a:t>
             </a:r>
-            <a:endParaRPr b="0" lang="en-US" sz="2000" spc="-1" strike="noStrike">
+            <a:endParaRPr b="0" lang="en-GB" sz="2000" spc="-1" strike="noStrike">
               <a:solidFill>
                 <a:srgbClr val="000000"/>
               </a:solidFill>
@@ -7319,7 +7385,7 @@
         <p:spPr>
           <a:xfrm>
             <a:off x="527400" y="1412640"/>
-            <a:ext cx="10364040" cy="1150560"/>
+            <a:ext cx="10363680" cy="1150200"/>
           </a:xfrm>
           <a:prstGeom prst="rect">
             <a:avLst/>
@@ -7355,7 +7421,7 @@
               </a:rPr>
               <a:t>Requirement Engineering</a:t>
             </a:r>
-            <a:endParaRPr b="0" lang="en-US" sz="3200" spc="-1" strike="noStrike">
+            <a:endParaRPr b="0" lang="en-GB" sz="3200" spc="-1" strike="noStrike">
               <a:solidFill>
                 <a:srgbClr val="000000"/>
               </a:solidFill>
@@ -7373,7 +7439,7 @@
         <p:spPr>
           <a:xfrm>
             <a:off x="527400" y="2852640"/>
-            <a:ext cx="10364040" cy="2371320"/>
+            <a:ext cx="10363680" cy="2370960"/>
           </a:xfrm>
           <a:prstGeom prst="rect">
             <a:avLst/>
@@ -7415,7 +7481,7 @@
               </a:rPr>
               <a:t>Lecture 13: Tool Support</a:t>
             </a:r>
-            <a:endParaRPr b="0" lang="en-US" sz="2400" spc="-1" strike="noStrike">
+            <a:endParaRPr b="0" lang="en-GB" sz="2400" spc="-1" strike="noStrike">
               <a:solidFill>
                 <a:srgbClr val="000000"/>
               </a:solidFill>
@@ -7434,7 +7500,7 @@
                 <a:tab algn="l" pos="0"/>
               </a:tabLst>
             </a:pPr>
-            <a:endParaRPr b="0" lang="en-US" sz="2400" spc="-1" strike="noStrike">
+            <a:endParaRPr b="0" lang="en-GB" sz="2400" spc="-1" strike="noStrike">
               <a:solidFill>
                 <a:srgbClr val="000000"/>
               </a:solidFill>
@@ -7453,7 +7519,7 @@
                 <a:tab algn="l" pos="0"/>
               </a:tabLst>
             </a:pPr>
-            <a:endParaRPr b="0" lang="en-US" sz="2400" spc="-1" strike="noStrike">
+            <a:endParaRPr b="0" lang="en-GB" sz="2400" spc="-1" strike="noStrike">
               <a:solidFill>
                 <a:srgbClr val="000000"/>
               </a:solidFill>
@@ -7472,7 +7538,7 @@
                 <a:tab algn="l" pos="0"/>
               </a:tabLst>
             </a:pPr>
-            <a:endParaRPr b="0" lang="en-US" sz="2400" spc="-1" strike="noStrike">
+            <a:endParaRPr b="0" lang="en-GB" sz="2400" spc="-1" strike="noStrike">
               <a:solidFill>
                 <a:srgbClr val="000000"/>
               </a:solidFill>
@@ -7501,7 +7567,7 @@
               </a:rPr>
               <a:t>Prof. Dr. Benjamin Leiding</a:t>
             </a:r>
-            <a:endParaRPr b="0" lang="en-US" sz="1600" spc="-1" strike="noStrike">
+            <a:endParaRPr b="0" lang="en-GB" sz="1600" spc="-1" strike="noStrike">
               <a:solidFill>
                 <a:srgbClr val="000000"/>
               </a:solidFill>
@@ -7530,7 +7596,36 @@
               </a:rPr>
               <a:t>M.Sc. Anant Sujatanagarjuna</a:t>
             </a:r>
-            <a:endParaRPr b="0" lang="en-US" sz="1600" spc="-1" strike="noStrike">
+            <a:endParaRPr b="0" lang="en-GB" sz="1600" spc="-1" strike="noStrike">
+              <a:solidFill>
+                <a:srgbClr val="000000"/>
+              </a:solidFill>
+              <a:latin typeface="Arial"/>
+            </a:endParaRPr>
+          </a:p>
+          <a:p>
+            <a:pPr algn="ctr">
+              <a:lnSpc>
+                <a:spcPct val="100000"/>
+              </a:lnSpc>
+              <a:spcBef>
+                <a:spcPts val="320"/>
+              </a:spcBef>
+              <a:tabLst>
+                <a:tab algn="l" pos="0"/>
+              </a:tabLst>
+            </a:pPr>
+            <a:r>
+              <a:rPr b="0" lang="en-GB" sz="1600" spc="-1" strike="noStrike">
+                <a:solidFill>
+                  <a:srgbClr val="000000"/>
+                </a:solidFill>
+                <a:latin typeface="DejaVu Sans"/>
+                <a:ea typeface="DejaVu Sans"/>
+              </a:rPr>
+              <a:t>M.Sc. Chintan Patel</a:t>
+            </a:r>
+            <a:endParaRPr b="0" lang="en-GB" sz="1600" spc="-1" strike="noStrike">
               <a:solidFill>
                 <a:srgbClr val="000000"/>
               </a:solidFill>
@@ -7578,7 +7673,7 @@
         <p:spPr>
           <a:xfrm>
             <a:off x="542880" y="721800"/>
-            <a:ext cx="10356840" cy="497520"/>
+            <a:ext cx="10356480" cy="497160"/>
           </a:xfrm>
           <a:prstGeom prst="rect">
             <a:avLst/>
@@ -7614,7 +7709,7 @@
               </a:rPr>
               <a:t>Tool Support in General</a:t>
             </a:r>
-            <a:endParaRPr b="0" lang="en-US" sz="2200" spc="-1" strike="noStrike">
+            <a:endParaRPr b="0" lang="en-GB" sz="2200" spc="-1" strike="noStrike">
               <a:solidFill>
                 <a:srgbClr val="000000"/>
               </a:solidFill>
@@ -7632,7 +7727,7 @@
         <p:spPr>
           <a:xfrm>
             <a:off x="542880" y="1267200"/>
-            <a:ext cx="10356840" cy="497520"/>
+            <a:ext cx="10356480" cy="497160"/>
           </a:xfrm>
           <a:prstGeom prst="rect">
             <a:avLst/>
@@ -7678,7 +7773,7 @@
               </a:rPr>
               <a:t>Everyday” Tools</a:t>
             </a:r>
-            <a:endParaRPr b="0" lang="en-US" sz="2200" spc="-1" strike="noStrike">
+            <a:endParaRPr b="0" lang="en-GB" sz="2200" spc="-1" strike="noStrike">
               <a:solidFill>
                 <a:srgbClr val="000000"/>
               </a:solidFill>
@@ -7696,7 +7791,7 @@
         <p:spPr>
           <a:xfrm>
             <a:off x="451800" y="1709280"/>
-            <a:ext cx="8224200" cy="4352400"/>
+            <a:ext cx="8223840" cy="4352040"/>
           </a:xfrm>
           <a:prstGeom prst="rect">
             <a:avLst/>
@@ -7717,11 +7812,17 @@
             <a:noAutofit/>
           </a:bodyPr>
           <a:p>
+            <a:pPr>
+              <a:lnSpc>
+                <a:spcPct val="100000"/>
+              </a:lnSpc>
+            </a:pPr>
             <a:endParaRPr b="0" lang="en-US" sz="1800" spc="-1" strike="noStrike">
               <a:solidFill>
                 <a:srgbClr val="000000"/>
               </a:solidFill>
               <a:latin typeface="Arial"/>
+              <a:ea typeface="DejaVu Sans"/>
             </a:endParaRPr>
           </a:p>
         </p:txBody>
@@ -7739,7 +7840,7 @@
         <p:spPr>
           <a:xfrm>
             <a:off x="609480" y="1769400"/>
-            <a:ext cx="10587240" cy="4855320"/>
+            <a:ext cx="10586880" cy="4854960"/>
           </a:xfrm>
           <a:prstGeom prst="rect">
             <a:avLst/>
@@ -7778,7 +7879,7 @@
               </a:rPr>
               <a:t>Mail clients, chat software, address books, online calendars vital for communication</a:t>
             </a:r>
-            <a:endParaRPr b="0" lang="en-US" sz="2000" spc="-1" strike="noStrike">
+            <a:endParaRPr b="0" lang="en-GB" sz="2000" spc="-1" strike="noStrike">
               <a:solidFill>
                 <a:srgbClr val="000000"/>
               </a:solidFill>
@@ -7810,7 +7911,7 @@
               </a:rPr>
               <a:t>Project management and controlling tools also required for managing the requirements engineering process</a:t>
             </a:r>
-            <a:endParaRPr b="0" lang="en-US" sz="2000" spc="-1" strike="noStrike">
+            <a:endParaRPr b="0" lang="en-GB" sz="2000" spc="-1" strike="noStrike">
               <a:solidFill>
                 <a:srgbClr val="000000"/>
               </a:solidFill>
@@ -7842,7 +7943,7 @@
               </a:rPr>
               <a:t>Help stakeholders with the coordination of tasks</a:t>
             </a:r>
-            <a:endParaRPr b="0" lang="en-US" sz="2000" spc="-1" strike="noStrike">
+            <a:endParaRPr b="0" lang="en-GB" sz="2000" spc="-1" strike="noStrike">
               <a:solidFill>
                 <a:srgbClr val="000000"/>
               </a:solidFill>
@@ -7890,7 +7991,7 @@
         <p:spPr>
           <a:xfrm>
             <a:off x="335520" y="4406760"/>
-            <a:ext cx="10748520" cy="1357560"/>
+            <a:ext cx="10748160" cy="1357200"/>
           </a:xfrm>
           <a:prstGeom prst="rect">
             <a:avLst/>
@@ -7926,7 +8027,7 @@
               </a:rPr>
               <a:t>Requirements Management Tools </a:t>
             </a:r>
-            <a:endParaRPr b="0" lang="en-US" sz="3000" spc="-1" strike="noStrike">
+            <a:endParaRPr b="0" lang="en-GB" sz="3000" spc="-1" strike="noStrike">
               <a:solidFill>
                 <a:srgbClr val="000000"/>
               </a:solidFill>
@@ -7939,7 +8040,7 @@
                 <a:spcPct val="100000"/>
               </a:lnSpc>
             </a:pPr>
-            <a:endParaRPr b="0" lang="en-US" sz="3000" spc="-1" strike="noStrike">
+            <a:endParaRPr b="0" lang="en-GB" sz="3000" spc="-1" strike="noStrike">
               <a:solidFill>
                 <a:srgbClr val="000000"/>
               </a:solidFill>
@@ -7957,7 +8058,7 @@
         <p:spPr>
           <a:xfrm>
             <a:off x="335520" y="2906640"/>
-            <a:ext cx="10748520" cy="1495440"/>
+            <a:ext cx="10748160" cy="1495080"/>
           </a:xfrm>
           <a:prstGeom prst="rect">
             <a:avLst/>
@@ -7978,11 +8079,17 @@
             <a:noAutofit/>
           </a:bodyPr>
           <a:p>
+            <a:pPr>
+              <a:lnSpc>
+                <a:spcPct val="100000"/>
+              </a:lnSpc>
+            </a:pPr>
             <a:endParaRPr b="0" lang="en-US" sz="1800" spc="-1" strike="noStrike">
               <a:solidFill>
                 <a:srgbClr val="000000"/>
               </a:solidFill>
               <a:latin typeface="Arial"/>
+              <a:ea typeface="DejaVu Sans"/>
             </a:endParaRPr>
           </a:p>
         </p:txBody>
@@ -8026,7 +8133,7 @@
         <p:spPr>
           <a:xfrm>
             <a:off x="542880" y="721800"/>
-            <a:ext cx="10356840" cy="497520"/>
+            <a:ext cx="10356480" cy="497160"/>
           </a:xfrm>
           <a:prstGeom prst="rect">
             <a:avLst/>
@@ -8062,7 +8169,7 @@
               </a:rPr>
               <a:t>Requirements Management Tools </a:t>
             </a:r>
-            <a:endParaRPr b="0" lang="en-US" sz="2200" spc="-1" strike="noStrike">
+            <a:endParaRPr b="0" lang="en-GB" sz="2200" spc="-1" strike="noStrike">
               <a:solidFill>
                 <a:srgbClr val="000000"/>
               </a:solidFill>
@@ -8080,7 +8187,7 @@
         <p:spPr>
           <a:xfrm>
             <a:off x="542880" y="1267200"/>
-            <a:ext cx="10356840" cy="497520"/>
+            <a:ext cx="10356480" cy="497160"/>
           </a:xfrm>
           <a:prstGeom prst="rect">
             <a:avLst/>
@@ -8116,7 +8223,7 @@
               </a:rPr>
               <a:t>Properties</a:t>
             </a:r>
-            <a:endParaRPr b="0" lang="en-US" sz="2200" spc="-1" strike="noStrike">
+            <a:endParaRPr b="0" lang="en-GB" sz="2200" spc="-1" strike="noStrike">
               <a:solidFill>
                 <a:srgbClr val="000000"/>
               </a:solidFill>
@@ -8134,7 +8241,7 @@
         <p:spPr>
           <a:xfrm>
             <a:off x="451800" y="1709280"/>
-            <a:ext cx="8224200" cy="4352400"/>
+            <a:ext cx="8223840" cy="4352040"/>
           </a:xfrm>
           <a:prstGeom prst="rect">
             <a:avLst/>
@@ -8155,11 +8262,17 @@
             <a:noAutofit/>
           </a:bodyPr>
           <a:p>
+            <a:pPr>
+              <a:lnSpc>
+                <a:spcPct val="100000"/>
+              </a:lnSpc>
+            </a:pPr>
             <a:endParaRPr b="0" lang="en-US" sz="1800" spc="-1" strike="noStrike">
               <a:solidFill>
                 <a:srgbClr val="000000"/>
               </a:solidFill>
               <a:latin typeface="Arial"/>
+              <a:ea typeface="DejaVu Sans"/>
             </a:endParaRPr>
           </a:p>
         </p:txBody>
@@ -8177,7 +8290,7 @@
         <p:spPr>
           <a:xfrm>
             <a:off x="609480" y="1769400"/>
-            <a:ext cx="10587240" cy="4855320"/>
+            <a:ext cx="10586880" cy="4854960"/>
           </a:xfrm>
           <a:prstGeom prst="rect">
             <a:avLst/>
@@ -8216,7 +8329,7 @@
               </a:rPr>
               <a:t>Manage different types of information</a:t>
             </a:r>
-            <a:endParaRPr b="0" lang="en-US" sz="2000" spc="-1" strike="noStrike">
+            <a:endParaRPr b="0" lang="en-GB" sz="2000" spc="-1" strike="noStrike">
               <a:solidFill>
                 <a:srgbClr val="000000"/>
               </a:solidFill>
@@ -8248,7 +8361,7 @@
               </a:rPr>
               <a:t>Natural language requirements</a:t>
             </a:r>
-            <a:endParaRPr b="0" lang="en-US" sz="1800" spc="-1" strike="noStrike">
+            <a:endParaRPr b="0" lang="en-GB" sz="1800" spc="-1" strike="noStrike">
               <a:solidFill>
                 <a:srgbClr val="000000"/>
               </a:solidFill>
@@ -8280,7 +8393,7 @@
               </a:rPr>
               <a:t>Conceptual models</a:t>
             </a:r>
-            <a:endParaRPr b="0" lang="en-US" sz="1800" spc="-1" strike="noStrike">
+            <a:endParaRPr b="0" lang="en-GB" sz="1800" spc="-1" strike="noStrike">
               <a:solidFill>
                 <a:srgbClr val="000000"/>
               </a:solidFill>
@@ -8312,7 +8425,7 @@
               </a:rPr>
               <a:t>Sketches</a:t>
             </a:r>
-            <a:endParaRPr b="0" lang="en-US" sz="1800" spc="-1" strike="noStrike">
+            <a:endParaRPr b="0" lang="en-GB" sz="1800" spc="-1" strike="noStrike">
               <a:solidFill>
                 <a:srgbClr val="000000"/>
               </a:solidFill>
@@ -8344,7 +8457,7 @@
               </a:rPr>
               <a:t>Test plans</a:t>
             </a:r>
-            <a:endParaRPr b="0" lang="en-US" sz="1800" spc="-1" strike="noStrike">
+            <a:endParaRPr b="0" lang="en-GB" sz="1800" spc="-1" strike="noStrike">
               <a:solidFill>
                 <a:srgbClr val="000000"/>
               </a:solidFill>
@@ -8376,7 +8489,7 @@
               </a:rPr>
               <a:t>Change requests</a:t>
             </a:r>
-            <a:endParaRPr b="0" lang="en-US" sz="1800" spc="-1" strike="noStrike">
+            <a:endParaRPr b="0" lang="en-GB" sz="1800" spc="-1" strike="noStrike">
               <a:solidFill>
                 <a:srgbClr val="000000"/>
               </a:solidFill>
@@ -8408,7 +8521,7 @@
               </a:rPr>
               <a:t>Manage logical relationships</a:t>
             </a:r>
-            <a:endParaRPr b="0" lang="en-US" sz="2000" spc="-1" strike="noStrike">
+            <a:endParaRPr b="0" lang="en-GB" sz="2000" spc="-1" strike="noStrike">
               <a:solidFill>
                 <a:srgbClr val="000000"/>
               </a:solidFill>
@@ -8440,7 +8553,7 @@
               </a:rPr>
               <a:t>Traceability</a:t>
             </a:r>
-            <a:endParaRPr b="0" lang="en-US" sz="1800" spc="-1" strike="noStrike">
+            <a:endParaRPr b="0" lang="en-GB" sz="1800" spc="-1" strike="noStrike">
               <a:solidFill>
                 <a:srgbClr val="000000"/>
               </a:solidFill>
@@ -8472,7 +8585,7 @@
               </a:rPr>
               <a:t>Allow unique identification</a:t>
             </a:r>
-            <a:endParaRPr b="0" lang="en-US" sz="2000" spc="-1" strike="noStrike">
+            <a:endParaRPr b="0" lang="en-GB" sz="2000" spc="-1" strike="noStrike">
               <a:solidFill>
                 <a:srgbClr val="000000"/>
               </a:solidFill>
@@ -8504,7 +8617,7 @@
               </a:rPr>
               <a:t>Unique Ids for every artifact</a:t>
             </a:r>
-            <a:endParaRPr b="0" lang="en-US" sz="1800" spc="-1" strike="noStrike">
+            <a:endParaRPr b="0" lang="en-GB" sz="1800" spc="-1" strike="noStrike">
               <a:solidFill>
                 <a:srgbClr val="000000"/>
               </a:solidFill>
@@ -8552,7 +8665,7 @@
         <p:spPr>
           <a:xfrm>
             <a:off x="542880" y="721800"/>
-            <a:ext cx="10356840" cy="497520"/>
+            <a:ext cx="10356480" cy="497160"/>
           </a:xfrm>
           <a:prstGeom prst="rect">
             <a:avLst/>
@@ -8588,7 +8701,7 @@
               </a:rPr>
               <a:t>Requirements Management Tools </a:t>
             </a:r>
-            <a:endParaRPr b="0" lang="en-US" sz="2200" spc="-1" strike="noStrike">
+            <a:endParaRPr b="0" lang="en-GB" sz="2200" spc="-1" strike="noStrike">
               <a:solidFill>
                 <a:srgbClr val="000000"/>
               </a:solidFill>
@@ -8606,7 +8719,7 @@
         <p:spPr>
           <a:xfrm>
             <a:off x="542880" y="1267200"/>
-            <a:ext cx="10356840" cy="497520"/>
+            <a:ext cx="10356480" cy="497160"/>
           </a:xfrm>
           <a:prstGeom prst="rect">
             <a:avLst/>
@@ -8642,7 +8755,7 @@
               </a:rPr>
               <a:t>Properties</a:t>
             </a:r>
-            <a:endParaRPr b="0" lang="en-US" sz="2200" spc="-1" strike="noStrike">
+            <a:endParaRPr b="0" lang="en-GB" sz="2200" spc="-1" strike="noStrike">
               <a:solidFill>
                 <a:srgbClr val="000000"/>
               </a:solidFill>
@@ -8660,7 +8773,7 @@
         <p:spPr>
           <a:xfrm>
             <a:off x="451800" y="1709280"/>
-            <a:ext cx="8224200" cy="4352400"/>
+            <a:ext cx="8223840" cy="4352040"/>
           </a:xfrm>
           <a:prstGeom prst="rect">
             <a:avLst/>
@@ -8681,11 +8794,17 @@
             <a:noAutofit/>
           </a:bodyPr>
           <a:p>
+            <a:pPr>
+              <a:lnSpc>
+                <a:spcPct val="100000"/>
+              </a:lnSpc>
+            </a:pPr>
             <a:endParaRPr b="0" lang="en-US" sz="1800" spc="-1" strike="noStrike">
               <a:solidFill>
                 <a:srgbClr val="000000"/>
               </a:solidFill>
               <a:latin typeface="Arial"/>
+              <a:ea typeface="DejaVu Sans"/>
             </a:endParaRPr>
           </a:p>
         </p:txBody>
@@ -8703,7 +8822,7 @@
         <p:spPr>
           <a:xfrm>
             <a:off x="609480" y="1769400"/>
-            <a:ext cx="10587240" cy="4855320"/>
+            <a:ext cx="10586880" cy="4854960"/>
           </a:xfrm>
           <a:prstGeom prst="rect">
             <a:avLst/>
@@ -8742,7 +8861,7 @@
               </a:rPr>
               <a:t>Editors for managed information</a:t>
             </a:r>
-            <a:endParaRPr b="0" lang="en-US" sz="2000" spc="-1" strike="noStrike">
+            <a:endParaRPr b="0" lang="en-GB" sz="2000" spc="-1" strike="noStrike">
               <a:solidFill>
                 <a:srgbClr val="000000"/>
               </a:solidFill>
@@ -8774,7 +8893,7 @@
               </a:rPr>
               <a:t>Multi-user access</a:t>
             </a:r>
-            <a:endParaRPr b="0" lang="en-US" sz="1800" spc="-1" strike="noStrike">
+            <a:endParaRPr b="0" lang="en-GB" sz="1800" spc="-1" strike="noStrike">
               <a:solidFill>
                 <a:srgbClr val="000000"/>
               </a:solidFill>
@@ -8806,7 +8925,7 @@
               </a:rPr>
               <a:t>Access control</a:t>
             </a:r>
-            <a:endParaRPr b="0" lang="en-US" sz="1800" spc="-1" strike="noStrike">
+            <a:endParaRPr b="0" lang="en-GB" sz="1800" spc="-1" strike="noStrike">
               <a:solidFill>
                 <a:srgbClr val="000000"/>
               </a:solidFill>
@@ -8838,7 +8957,7 @@
               </a:rPr>
               <a:t>Configuration management</a:t>
             </a:r>
-            <a:endParaRPr b="0" lang="en-US" sz="1800" spc="-1" strike="noStrike">
+            <a:endParaRPr b="0" lang="en-GB" sz="1800" spc="-1" strike="noStrike">
               <a:solidFill>
                 <a:srgbClr val="000000"/>
               </a:solidFill>
@@ -8870,7 +8989,7 @@
               </a:rPr>
               <a:t>Version management</a:t>
             </a:r>
-            <a:endParaRPr b="0" lang="en-US" sz="1800" spc="-1" strike="noStrike">
+            <a:endParaRPr b="0" lang="en-GB" sz="1800" spc="-1" strike="noStrike">
               <a:solidFill>
                 <a:srgbClr val="000000"/>
               </a:solidFill>
@@ -8902,7 +9021,7 @@
               </a:rPr>
               <a:t>Different views on information</a:t>
             </a:r>
-            <a:endParaRPr b="0" lang="en-US" sz="2000" spc="-1" strike="noStrike">
+            <a:endParaRPr b="0" lang="en-GB" sz="2000" spc="-1" strike="noStrike">
               <a:solidFill>
                 <a:srgbClr val="000000"/>
               </a:solidFill>
@@ -8934,7 +9053,7 @@
               </a:rPr>
               <a:t>Developer view</a:t>
             </a:r>
-            <a:endParaRPr b="0" lang="en-US" sz="1800" spc="-1" strike="noStrike">
+            <a:endParaRPr b="0" lang="en-GB" sz="1800" spc="-1" strike="noStrike">
               <a:solidFill>
                 <a:srgbClr val="000000"/>
               </a:solidFill>
@@ -8966,7 +9085,7 @@
               </a:rPr>
               <a:t>Tester view</a:t>
             </a:r>
-            <a:endParaRPr b="0" lang="en-US" sz="1800" spc="-1" strike="noStrike">
+            <a:endParaRPr b="0" lang="en-GB" sz="1800" spc="-1" strike="noStrike">
               <a:solidFill>
                 <a:srgbClr val="000000"/>
               </a:solidFill>
@@ -8998,7 +9117,7 @@
               </a:rPr>
               <a:t>View on partial systems</a:t>
             </a:r>
-            <a:endParaRPr b="0" lang="en-US" sz="1800" spc="-1" strike="noStrike">
+            <a:endParaRPr b="0" lang="en-GB" sz="1800" spc="-1" strike="noStrike">
               <a:solidFill>
                 <a:srgbClr val="000000"/>
               </a:solidFill>
@@ -9046,7 +9165,7 @@
         <p:spPr>
           <a:xfrm>
             <a:off x="542880" y="721800"/>
-            <a:ext cx="10356840" cy="497520"/>
+            <a:ext cx="10356480" cy="497160"/>
           </a:xfrm>
           <a:prstGeom prst="rect">
             <a:avLst/>
@@ -9082,7 +9201,7 @@
               </a:rPr>
               <a:t>Requirements Management Tools </a:t>
             </a:r>
-            <a:endParaRPr b="0" lang="en-US" sz="2200" spc="-1" strike="noStrike">
+            <a:endParaRPr b="0" lang="en-GB" sz="2200" spc="-1" strike="noStrike">
               <a:solidFill>
                 <a:srgbClr val="000000"/>
               </a:solidFill>
@@ -9100,7 +9219,7 @@
         <p:spPr>
           <a:xfrm>
             <a:off x="542880" y="1267200"/>
-            <a:ext cx="10356840" cy="497520"/>
+            <a:ext cx="10356480" cy="497160"/>
           </a:xfrm>
           <a:prstGeom prst="rect">
             <a:avLst/>
@@ -9136,7 +9255,7 @@
               </a:rPr>
               <a:t>Properties</a:t>
             </a:r>
-            <a:endParaRPr b="0" lang="en-US" sz="2200" spc="-1" strike="noStrike">
+            <a:endParaRPr b="0" lang="en-GB" sz="2200" spc="-1" strike="noStrike">
               <a:solidFill>
                 <a:srgbClr val="000000"/>
               </a:solidFill>
@@ -9154,7 +9273,7 @@
         <p:spPr>
           <a:xfrm>
             <a:off x="451800" y="1709280"/>
-            <a:ext cx="8224200" cy="4352400"/>
+            <a:ext cx="8223840" cy="4352040"/>
           </a:xfrm>
           <a:prstGeom prst="rect">
             <a:avLst/>
@@ -9175,11 +9294,17 @@
             <a:noAutofit/>
           </a:bodyPr>
           <a:p>
+            <a:pPr>
+              <a:lnSpc>
+                <a:spcPct val="100000"/>
+              </a:lnSpc>
+            </a:pPr>
             <a:endParaRPr b="0" lang="en-US" sz="1800" spc="-1" strike="noStrike">
               <a:solidFill>
                 <a:srgbClr val="000000"/>
               </a:solidFill>
               <a:latin typeface="Arial"/>
+              <a:ea typeface="DejaVu Sans"/>
             </a:endParaRPr>
           </a:p>
         </p:txBody>
@@ -9197,7 +9322,7 @@
         <p:spPr>
           <a:xfrm>
             <a:off x="609480" y="1769400"/>
-            <a:ext cx="10587240" cy="4855320"/>
+            <a:ext cx="10586880" cy="4854960"/>
           </a:xfrm>
           <a:prstGeom prst="rect">
             <a:avLst/>
@@ -9236,7 +9361,7 @@
               </a:rPr>
               <a:t>Organization of managed information</a:t>
             </a:r>
-            <a:endParaRPr b="0" lang="en-US" sz="2000" spc="-1" strike="noStrike">
+            <a:endParaRPr b="0" lang="en-GB" sz="2000" spc="-1" strike="noStrike">
               <a:solidFill>
                 <a:srgbClr val="000000"/>
               </a:solidFill>
@@ -9268,7 +9393,7 @@
               </a:rPr>
               <a:t>Grouping</a:t>
             </a:r>
-            <a:endParaRPr b="0" lang="en-US" sz="1800" spc="-1" strike="noStrike">
+            <a:endParaRPr b="0" lang="en-GB" sz="1800" spc="-1" strike="noStrike">
               <a:solidFill>
                 <a:srgbClr val="000000"/>
               </a:solidFill>
@@ -9300,7 +9425,7 @@
               </a:rPr>
               <a:t>Hierarchical structuring</a:t>
             </a:r>
-            <a:endParaRPr b="0" lang="en-US" sz="1800" spc="-1" strike="noStrike">
+            <a:endParaRPr b="0" lang="en-GB" sz="1800" spc="-1" strike="noStrike">
               <a:solidFill>
                 <a:srgbClr val="000000"/>
               </a:solidFill>
@@ -9332,7 +9457,7 @@
               </a:rPr>
               <a:t>Assigning attributes</a:t>
             </a:r>
-            <a:endParaRPr b="0" lang="en-US" sz="1800" spc="-1" strike="noStrike">
+            <a:endParaRPr b="0" lang="en-GB" sz="1800" spc="-1" strike="noStrike">
               <a:solidFill>
                 <a:srgbClr val="000000"/>
               </a:solidFill>
@@ -9364,7 +9489,7 @@
               </a:rPr>
               <a:t>Annotation with additional information</a:t>
             </a:r>
-            <a:endParaRPr b="0" lang="en-US" sz="1800" spc="-1" strike="noStrike">
+            <a:endParaRPr b="0" lang="en-GB" sz="1800" spc="-1" strike="noStrike">
               <a:solidFill>
                 <a:srgbClr val="000000"/>
               </a:solidFill>
@@ -9396,7 +9521,7 @@
               </a:rPr>
               <a:t>Generation of reports and summaries</a:t>
             </a:r>
-            <a:endParaRPr b="0" lang="en-US" sz="2000" spc="-1" strike="noStrike">
+            <a:endParaRPr b="0" lang="en-GB" sz="2000" spc="-1" strike="noStrike">
               <a:solidFill>
                 <a:srgbClr val="000000"/>
               </a:solidFill>
@@ -9428,7 +9553,7 @@
               </a:rPr>
               <a:t>Reports of change requests</a:t>
             </a:r>
-            <a:endParaRPr b="0" lang="en-US" sz="1800" spc="-1" strike="noStrike">
+            <a:endParaRPr b="0" lang="en-GB" sz="1800" spc="-1" strike="noStrike">
               <a:solidFill>
                 <a:srgbClr val="000000"/>
               </a:solidFill>
@@ -9460,7 +9585,7 @@
               </a:rPr>
               <a:t>Reports on state of the requirements implementation</a:t>
             </a:r>
-            <a:endParaRPr b="0" lang="en-US" sz="1800" spc="-1" strike="noStrike">
+            <a:endParaRPr b="0" lang="en-GB" sz="1800" spc="-1" strike="noStrike">
               <a:solidFill>
                 <a:srgbClr val="000000"/>
               </a:solidFill>
@@ -9492,7 +9617,7 @@
               </a:rPr>
               <a:t>Generation of appropriate outputs</a:t>
             </a:r>
-            <a:endParaRPr b="0" lang="en-US" sz="2000" spc="-1" strike="noStrike">
+            <a:endParaRPr b="0" lang="en-GB" sz="2000" spc="-1" strike="noStrike">
               <a:solidFill>
                 <a:srgbClr val="000000"/>
               </a:solidFill>
@@ -9524,7 +9649,7 @@
               </a:rPr>
               <a:t>Requirements document for a system release</a:t>
             </a:r>
-            <a:endParaRPr b="0" lang="en-US" sz="1800" spc="-1" strike="noStrike">
+            <a:endParaRPr b="0" lang="en-GB" sz="1800" spc="-1" strike="noStrike">
               <a:solidFill>
                 <a:srgbClr val="000000"/>
               </a:solidFill>
@@ -9572,7 +9697,7 @@
         <p:spPr>
           <a:xfrm>
             <a:off x="542880" y="721800"/>
-            <a:ext cx="10356840" cy="497520"/>
+            <a:ext cx="10356480" cy="497160"/>
           </a:xfrm>
           <a:prstGeom prst="rect">
             <a:avLst/>
@@ -9608,7 +9733,7 @@
               </a:rPr>
               <a:t>Requirements Management Tools </a:t>
             </a:r>
-            <a:endParaRPr b="0" lang="en-US" sz="2200" spc="-1" strike="noStrike">
+            <a:endParaRPr b="0" lang="en-GB" sz="2200" spc="-1" strike="noStrike">
               <a:solidFill>
                 <a:srgbClr val="000000"/>
               </a:solidFill>
@@ -9626,7 +9751,7 @@
         <p:spPr>
           <a:xfrm>
             <a:off x="542880" y="1267200"/>
-            <a:ext cx="10356840" cy="497520"/>
+            <a:ext cx="10356480" cy="497160"/>
           </a:xfrm>
           <a:prstGeom prst="rect">
             <a:avLst/>
@@ -9662,7 +9787,7 @@
               </a:rPr>
               <a:t>Special Purpose Tools</a:t>
             </a:r>
-            <a:endParaRPr b="0" lang="en-US" sz="2200" spc="-1" strike="noStrike">
+            <a:endParaRPr b="0" lang="en-GB" sz="2200" spc="-1" strike="noStrike">
               <a:solidFill>
                 <a:srgbClr val="000000"/>
               </a:solidFill>
@@ -9680,7 +9805,7 @@
         <p:spPr>
           <a:xfrm>
             <a:off x="451800" y="1709280"/>
-            <a:ext cx="8224200" cy="4352400"/>
+            <a:ext cx="8223840" cy="4352040"/>
           </a:xfrm>
           <a:prstGeom prst="rect">
             <a:avLst/>
@@ -9701,11 +9826,17 @@
             <a:noAutofit/>
           </a:bodyPr>
           <a:p>
+            <a:pPr>
+              <a:lnSpc>
+                <a:spcPct val="100000"/>
+              </a:lnSpc>
+            </a:pPr>
             <a:endParaRPr b="0" lang="en-US" sz="1800" spc="-1" strike="noStrike">
               <a:solidFill>
                 <a:srgbClr val="000000"/>
               </a:solidFill>
               <a:latin typeface="Arial"/>
+              <a:ea typeface="DejaVu Sans"/>
             </a:endParaRPr>
           </a:p>
         </p:txBody>
@@ -9723,7 +9854,7 @@
         <p:spPr>
           <a:xfrm>
             <a:off x="609480" y="1769400"/>
-            <a:ext cx="10587240" cy="4855320"/>
+            <a:ext cx="10586880" cy="4854960"/>
           </a:xfrm>
           <a:prstGeom prst="rect">
             <a:avLst/>
@@ -9762,7 +9893,7 @@
               </a:rPr>
               <a:t>Comprehensive list:</a:t>
             </a:r>
-            <a:endParaRPr b="0" lang="en-US" sz="2000" spc="-1" strike="noStrike">
+            <a:endParaRPr b="0" lang="en-GB" sz="2000" spc="-1" strike="noStrike">
               <a:solidFill>
                 <a:srgbClr val="000000"/>
               </a:solidFill>
@@ -9794,7 +9925,7 @@
               </a:rPr>
               <a:t>http://www.volere.co.uk/tools.htm</a:t>
             </a:r>
-            <a:endParaRPr b="0" lang="en-US" sz="1800" spc="-1" strike="noStrike">
+            <a:endParaRPr b="0" lang="en-GB" sz="1800" spc="-1" strike="noStrike">
               <a:solidFill>
                 <a:srgbClr val="000000"/>
               </a:solidFill>
@@ -9826,7 +9957,7 @@
               </a:rPr>
               <a:t>Examples</a:t>
             </a:r>
-            <a:endParaRPr b="0" lang="en-US" sz="2000" spc="-1" strike="noStrike">
+            <a:endParaRPr b="0" lang="en-GB" sz="2000" spc="-1" strike="noStrike">
               <a:solidFill>
                 <a:srgbClr val="000000"/>
               </a:solidFill>
@@ -9858,7 +9989,7 @@
               </a:rPr>
               <a:t>Enterprise Architect (Sparx Systems)</a:t>
             </a:r>
-            <a:endParaRPr b="0" lang="en-US" sz="1800" spc="-1" strike="noStrike">
+            <a:endParaRPr b="0" lang="en-GB" sz="1800" spc="-1" strike="noStrike">
               <a:solidFill>
                 <a:srgbClr val="000000"/>
               </a:solidFill>
@@ -9890,7 +10021,7 @@
               </a:rPr>
               <a:t>HP Quality Center</a:t>
             </a:r>
-            <a:endParaRPr b="0" lang="en-US" sz="1800" spc="-1" strike="noStrike">
+            <a:endParaRPr b="0" lang="en-GB" sz="1800" spc="-1" strike="noStrike">
               <a:solidFill>
                 <a:srgbClr val="000000"/>
               </a:solidFill>
@@ -9922,7 +10053,7 @@
               </a:rPr>
               <a:t>IBM Rational DOORS</a:t>
             </a:r>
-            <a:endParaRPr b="0" lang="en-US" sz="1800" spc="-1" strike="noStrike">
+            <a:endParaRPr b="0" lang="en-GB" sz="1800" spc="-1" strike="noStrike">
               <a:solidFill>
                 <a:srgbClr val="000000"/>
               </a:solidFill>
@@ -9970,7 +10101,7 @@
         <p:spPr>
           <a:xfrm>
             <a:off x="542880" y="721800"/>
-            <a:ext cx="10356840" cy="497520"/>
+            <a:ext cx="10356480" cy="497160"/>
           </a:xfrm>
           <a:prstGeom prst="rect">
             <a:avLst/>
@@ -10006,7 +10137,7 @@
               </a:rPr>
               <a:t>Requirements Management Tools </a:t>
             </a:r>
-            <a:endParaRPr b="0" lang="en-US" sz="2200" spc="-1" strike="noStrike">
+            <a:endParaRPr b="0" lang="en-GB" sz="2200" spc="-1" strike="noStrike">
               <a:solidFill>
                 <a:srgbClr val="000000"/>
               </a:solidFill>
@@ -10024,7 +10155,7 @@
         <p:spPr>
           <a:xfrm>
             <a:off x="542880" y="1267200"/>
-            <a:ext cx="10356840" cy="497520"/>
+            <a:ext cx="10356480" cy="497160"/>
           </a:xfrm>
           <a:prstGeom prst="rect">
             <a:avLst/>
@@ -10060,7 +10191,7 @@
               </a:rPr>
               <a:t>Standard Office Tools</a:t>
             </a:r>
-            <a:endParaRPr b="0" lang="en-US" sz="2200" spc="-1" strike="noStrike">
+            <a:endParaRPr b="0" lang="en-GB" sz="2200" spc="-1" strike="noStrike">
               <a:solidFill>
                 <a:srgbClr val="000000"/>
               </a:solidFill>
@@ -10078,7 +10209,7 @@
         <p:spPr>
           <a:xfrm>
             <a:off x="451800" y="1709280"/>
-            <a:ext cx="8224200" cy="4352400"/>
+            <a:ext cx="8223840" cy="4352040"/>
           </a:xfrm>
           <a:prstGeom prst="rect">
             <a:avLst/>
@@ -10099,11 +10230,17 @@
             <a:noAutofit/>
           </a:bodyPr>
           <a:p>
+            <a:pPr>
+              <a:lnSpc>
+                <a:spcPct val="100000"/>
+              </a:lnSpc>
+            </a:pPr>
             <a:endParaRPr b="0" lang="en-US" sz="1800" spc="-1" strike="noStrike">
               <a:solidFill>
                 <a:srgbClr val="000000"/>
               </a:solidFill>
               <a:latin typeface="Arial"/>
+              <a:ea typeface="DejaVu Sans"/>
             </a:endParaRPr>
           </a:p>
         </p:txBody>
@@ -10121,7 +10258,7 @@
         <p:spPr>
           <a:xfrm>
             <a:off x="609480" y="1769400"/>
-            <a:ext cx="10587240" cy="4855320"/>
+            <a:ext cx="10586880" cy="4854960"/>
           </a:xfrm>
           <a:prstGeom prst="rect">
             <a:avLst/>
@@ -10160,7 +10297,7 @@
               </a:rPr>
               <a:t>Word processors, spreadsheet calculators</a:t>
             </a:r>
-            <a:endParaRPr b="0" lang="en-US" sz="2000" spc="-1" strike="noStrike">
+            <a:endParaRPr b="0" lang="en-GB" sz="2000" spc="-1" strike="noStrike">
               <a:solidFill>
                 <a:srgbClr val="000000"/>
               </a:solidFill>
@@ -10192,7 +10329,7 @@
               </a:rPr>
               <a:t>Used in many projects due to multiple reasons</a:t>
             </a:r>
-            <a:endParaRPr b="0" lang="en-US" sz="2000" spc="-1" strike="noStrike">
+            <a:endParaRPr b="0" lang="en-GB" sz="2000" spc="-1" strike="noStrike">
               <a:solidFill>
                 <a:srgbClr val="000000"/>
               </a:solidFill>
@@ -10212,7 +10349,7 @@
                 <a:tab algn="l" pos="0"/>
               </a:tabLst>
             </a:pPr>
-            <a:endParaRPr b="0" lang="en-US" sz="2000" spc="-1" strike="noStrike">
+            <a:endParaRPr b="0" lang="en-GB" sz="2000" spc="-1" strike="noStrike">
               <a:solidFill>
                 <a:srgbClr val="000000"/>
               </a:solidFill>
@@ -10248,7 +10385,7 @@
               </a:rPr>
               <a:t>Advantages</a:t>
             </a:r>
-            <a:endParaRPr b="0" lang="en-US" sz="2000" spc="-1" strike="noStrike">
+            <a:endParaRPr b="0" lang="en-GB" sz="2000" spc="-1" strike="noStrike">
               <a:solidFill>
                 <a:srgbClr val="000000"/>
               </a:solidFill>
@@ -10283,7 +10420,7 @@
               </a:rPr>
               <a:t>Are already available</a:t>
             </a:r>
-            <a:endParaRPr b="0" lang="en-US" sz="1800" spc="-1" strike="noStrike">
+            <a:endParaRPr b="0" lang="en-GB" sz="1800" spc="-1" strike="noStrike">
               <a:solidFill>
                 <a:srgbClr val="000000"/>
               </a:solidFill>
@@ -10318,7 +10455,7 @@
               </a:rPr>
               <a:t>No additional training required</a:t>
             </a:r>
-            <a:endParaRPr b="0" lang="en-US" sz="1800" spc="-1" strike="noStrike">
+            <a:endParaRPr b="0" lang="en-GB" sz="1800" spc="-1" strike="noStrike">
               <a:solidFill>
                 <a:srgbClr val="000000"/>
               </a:solidFill>
@@ -10353,7 +10490,7 @@
               </a:rPr>
               <a:t>Versatile</a:t>
             </a:r>
-            <a:endParaRPr b="0" lang="en-US" sz="1800" spc="-1" strike="noStrike">
+            <a:endParaRPr b="0" lang="en-GB" sz="1800" spc="-1" strike="noStrike">
               <a:solidFill>
                 <a:srgbClr val="000000"/>
               </a:solidFill>
@@ -10388,7 +10525,7 @@
               </a:rPr>
               <a:t>Well-suited for natural-language requirements</a:t>
             </a:r>
-            <a:endParaRPr b="0" lang="en-US" sz="1800" spc="-1" strike="noStrike">
+            <a:endParaRPr b="0" lang="en-GB" sz="1800" spc="-1" strike="noStrike">
               <a:solidFill>
                 <a:srgbClr val="000000"/>
               </a:solidFill>
@@ -10423,7 +10560,7 @@
               </a:rPr>
               <a:t>Adapted for requirements management, e.g., by using templates and predefined document formats</a:t>
             </a:r>
-            <a:endParaRPr b="0" lang="en-US" sz="1800" spc="-1" strike="noStrike">
+            <a:endParaRPr b="0" lang="en-GB" sz="1800" spc="-1" strike="noStrike">
               <a:solidFill>
                 <a:srgbClr val="000000"/>
               </a:solidFill>
@@ -10458,7 +10595,7 @@
               </a:rPr>
               <a:t>Allow traceability to some degree through hyperlinks</a:t>
             </a:r>
-            <a:endParaRPr b="0" lang="en-US" sz="1800" spc="-1" strike="noStrike">
+            <a:endParaRPr b="0" lang="en-GB" sz="1800" spc="-1" strike="noStrike">
               <a:solidFill>
                 <a:srgbClr val="000000"/>
               </a:solidFill>
@@ -10506,7 +10643,7 @@
         <p:spPr>
           <a:xfrm>
             <a:off x="542880" y="721800"/>
-            <a:ext cx="10356840" cy="497520"/>
+            <a:ext cx="10356480" cy="497160"/>
           </a:xfrm>
           <a:prstGeom prst="rect">
             <a:avLst/>
@@ -10542,7 +10679,7 @@
               </a:rPr>
               <a:t>Requirements Management Tools </a:t>
             </a:r>
-            <a:endParaRPr b="0" lang="en-US" sz="2200" spc="-1" strike="noStrike">
+            <a:endParaRPr b="0" lang="en-GB" sz="2200" spc="-1" strike="noStrike">
               <a:solidFill>
                 <a:srgbClr val="000000"/>
               </a:solidFill>
@@ -10560,7 +10697,7 @@
         <p:spPr>
           <a:xfrm>
             <a:off x="542880" y="1267200"/>
-            <a:ext cx="10356840" cy="497520"/>
+            <a:ext cx="10356480" cy="497160"/>
           </a:xfrm>
           <a:prstGeom prst="rect">
             <a:avLst/>
@@ -10596,7 +10733,7 @@
               </a:rPr>
               <a:t>Standard Office Tools</a:t>
             </a:r>
-            <a:endParaRPr b="0" lang="en-US" sz="2200" spc="-1" strike="noStrike">
+            <a:endParaRPr b="0" lang="en-GB" sz="2200" spc="-1" strike="noStrike">
               <a:solidFill>
                 <a:srgbClr val="000000"/>
               </a:solidFill>
@@ -10614,7 +10751,7 @@
         <p:spPr>
           <a:xfrm>
             <a:off x="451800" y="1709280"/>
-            <a:ext cx="8224200" cy="4352400"/>
+            <a:ext cx="8223840" cy="4352040"/>
           </a:xfrm>
           <a:prstGeom prst="rect">
             <a:avLst/>
@@ -10635,11 +10772,17 @@
             <a:noAutofit/>
           </a:bodyPr>
           <a:p>
+            <a:pPr>
+              <a:lnSpc>
+                <a:spcPct val="100000"/>
+              </a:lnSpc>
+            </a:pPr>
             <a:endParaRPr b="0" lang="en-US" sz="1800" spc="-1" strike="noStrike">
               <a:solidFill>
                 <a:srgbClr val="000000"/>
               </a:solidFill>
               <a:latin typeface="Arial"/>
+              <a:ea typeface="DejaVu Sans"/>
             </a:endParaRPr>
           </a:p>
         </p:txBody>
@@ -10657,7 +10800,7 @@
         <p:spPr>
           <a:xfrm>
             <a:off x="609480" y="1769400"/>
-            <a:ext cx="10587240" cy="4855320"/>
+            <a:ext cx="10586880" cy="4854960"/>
           </a:xfrm>
           <a:prstGeom prst="rect">
             <a:avLst/>
@@ -10697,7 +10840,7 @@
               </a:rPr>
               <a:t>Disadvantages</a:t>
             </a:r>
-            <a:endParaRPr b="0" lang="en-US" sz="2000" spc="-1" strike="noStrike">
+            <a:endParaRPr b="0" lang="en-GB" sz="2000" spc="-1" strike="noStrike">
               <a:solidFill>
                 <a:srgbClr val="000000"/>
               </a:solidFill>
@@ -10729,7 +10872,7 @@
               </a:rPr>
               <a:t>Do not offer version control on the level of requirements</a:t>
             </a:r>
-            <a:endParaRPr b="0" lang="en-US" sz="1800" spc="-1" strike="noStrike">
+            <a:endParaRPr b="0" lang="en-GB" sz="1800" spc="-1" strike="noStrike">
               <a:solidFill>
                 <a:srgbClr val="000000"/>
               </a:solidFill>
@@ -10761,7 +10904,7 @@
               </a:rPr>
               <a:t>Do not directly support requirements engineering, e.g., traceability links often have to be maintained manually</a:t>
             </a:r>
-            <a:endParaRPr b="0" lang="en-US" sz="1800" spc="-1" strike="noStrike">
+            <a:endParaRPr b="0" lang="en-GB" sz="1800" spc="-1" strike="noStrike">
               <a:solidFill>
                 <a:srgbClr val="000000"/>
               </a:solidFill>
@@ -10781,7 +10924,7 @@
                 <a:tab algn="l" pos="0"/>
               </a:tabLst>
             </a:pPr>
-            <a:endParaRPr b="0" lang="en-US" sz="1800" spc="-1" strike="noStrike">
+            <a:endParaRPr b="0" lang="en-GB" sz="1800" spc="-1" strike="noStrike">
               <a:solidFill>
                 <a:srgbClr val="000000"/>
               </a:solidFill>
@@ -10816,7 +10959,7 @@
               </a:rPr>
               <a:t>Drawbacks can be worked around</a:t>
             </a:r>
-            <a:endParaRPr b="0" lang="en-US" sz="2000" spc="-1" strike="noStrike">
+            <a:endParaRPr b="0" lang="en-GB" sz="2000" spc="-1" strike="noStrike">
               <a:solidFill>
                 <a:srgbClr val="000000"/>
               </a:solidFill>
@@ -10851,7 +10994,7 @@
               </a:rPr>
               <a:t>Still, the efficiency is lower than with a dedicated tool</a:t>
             </a:r>
-            <a:endParaRPr b="0" lang="en-US" sz="1800" spc="-1" strike="noStrike">
+            <a:endParaRPr b="0" lang="en-GB" sz="1800" spc="-1" strike="noStrike">
               <a:solidFill>
                 <a:srgbClr val="000000"/>
               </a:solidFill>
@@ -10899,7 +11042,7 @@
         <p:spPr>
           <a:xfrm>
             <a:off x="335520" y="4406760"/>
-            <a:ext cx="10748520" cy="1357560"/>
+            <a:ext cx="10748160" cy="1357200"/>
           </a:xfrm>
           <a:prstGeom prst="rect">
             <a:avLst/>
@@ -10935,7 +11078,7 @@
               </a:rPr>
               <a:t>Introducing and Evaluating Tools</a:t>
             </a:r>
-            <a:endParaRPr b="0" lang="en-US" sz="3000" spc="-1" strike="noStrike">
+            <a:endParaRPr b="0" lang="en-GB" sz="3000" spc="-1" strike="noStrike">
               <a:solidFill>
                 <a:srgbClr val="000000"/>
               </a:solidFill>
@@ -10958,7 +11101,7 @@
               </a:rPr>
               <a:t> </a:t>
             </a:r>
-            <a:endParaRPr b="0" lang="en-US" sz="3000" spc="-1" strike="noStrike">
+            <a:endParaRPr b="0" lang="en-GB" sz="3000" spc="-1" strike="noStrike">
               <a:solidFill>
                 <a:srgbClr val="000000"/>
               </a:solidFill>
@@ -10971,7 +11114,7 @@
                 <a:spcPct val="100000"/>
               </a:lnSpc>
             </a:pPr>
-            <a:endParaRPr b="0" lang="en-US" sz="3000" spc="-1" strike="noStrike">
+            <a:endParaRPr b="0" lang="en-GB" sz="3000" spc="-1" strike="noStrike">
               <a:solidFill>
                 <a:srgbClr val="000000"/>
               </a:solidFill>
@@ -10989,7 +11132,7 @@
         <p:spPr>
           <a:xfrm>
             <a:off x="335520" y="2906640"/>
-            <a:ext cx="10748520" cy="1495440"/>
+            <a:ext cx="10748160" cy="1495080"/>
           </a:xfrm>
           <a:prstGeom prst="rect">
             <a:avLst/>
@@ -11010,11 +11153,17 @@
             <a:noAutofit/>
           </a:bodyPr>
           <a:p>
+            <a:pPr>
+              <a:lnSpc>
+                <a:spcPct val="100000"/>
+              </a:lnSpc>
+            </a:pPr>
             <a:endParaRPr b="0" lang="en-US" sz="1800" spc="-1" strike="noStrike">
               <a:solidFill>
                 <a:srgbClr val="000000"/>
               </a:solidFill>
               <a:latin typeface="Arial"/>
+              <a:ea typeface="DejaVu Sans"/>
             </a:endParaRPr>
           </a:p>
         </p:txBody>
@@ -11058,7 +11207,7 @@
         <p:spPr>
           <a:xfrm>
             <a:off x="542880" y="721800"/>
-            <a:ext cx="10356840" cy="497520"/>
+            <a:ext cx="10356480" cy="497160"/>
           </a:xfrm>
           <a:prstGeom prst="rect">
             <a:avLst/>
@@ -11094,7 +11243,7 @@
               </a:rPr>
               <a:t>Introducing and Evaluating Tools</a:t>
             </a:r>
-            <a:endParaRPr b="0" lang="en-US" sz="2200" spc="-1" strike="noStrike">
+            <a:endParaRPr b="0" lang="en-GB" sz="2200" spc="-1" strike="noStrike">
               <a:solidFill>
                 <a:srgbClr val="000000"/>
               </a:solidFill>
@@ -11112,7 +11261,7 @@
         <p:spPr>
           <a:xfrm>
             <a:off x="542880" y="1267200"/>
-            <a:ext cx="10356840" cy="497520"/>
+            <a:ext cx="10356480" cy="497160"/>
           </a:xfrm>
           <a:prstGeom prst="rect">
             <a:avLst/>
@@ -11148,7 +11297,7 @@
               </a:rPr>
               <a:t>Before Introducing Tools</a:t>
             </a:r>
-            <a:endParaRPr b="0" lang="en-US" sz="2200" spc="-1" strike="noStrike">
+            <a:endParaRPr b="0" lang="en-GB" sz="2200" spc="-1" strike="noStrike">
               <a:solidFill>
                 <a:srgbClr val="000000"/>
               </a:solidFill>
@@ -11166,7 +11315,7 @@
         <p:spPr>
           <a:xfrm>
             <a:off x="451800" y="1709280"/>
-            <a:ext cx="8224200" cy="4352400"/>
+            <a:ext cx="8223840" cy="4352040"/>
           </a:xfrm>
           <a:prstGeom prst="rect">
             <a:avLst/>
@@ -11187,11 +11336,17 @@
             <a:noAutofit/>
           </a:bodyPr>
           <a:p>
+            <a:pPr>
+              <a:lnSpc>
+                <a:spcPct val="100000"/>
+              </a:lnSpc>
+            </a:pPr>
             <a:endParaRPr b="0" lang="en-US" sz="1800" spc="-1" strike="noStrike">
               <a:solidFill>
                 <a:srgbClr val="000000"/>
               </a:solidFill>
               <a:latin typeface="Arial"/>
+              <a:ea typeface="DejaVu Sans"/>
             </a:endParaRPr>
           </a:p>
         </p:txBody>
@@ -11209,7 +11364,7 @@
         <p:spPr>
           <a:xfrm>
             <a:off x="609480" y="1769400"/>
-            <a:ext cx="10587240" cy="4855320"/>
+            <a:ext cx="10586880" cy="4854960"/>
           </a:xfrm>
           <a:prstGeom prst="rect">
             <a:avLst/>
@@ -11248,7 +11403,7 @@
               </a:rPr>
               <a:t>Tools support existing processes</a:t>
             </a:r>
-            <a:endParaRPr b="0" lang="en-US" sz="2000" spc="-1" strike="noStrike">
+            <a:endParaRPr b="0" lang="en-GB" sz="2000" spc="-1" strike="noStrike">
               <a:solidFill>
                 <a:srgbClr val="000000"/>
               </a:solidFill>
@@ -11280,7 +11435,7 @@
               </a:rPr>
               <a:t>Process needs to be in place</a:t>
             </a:r>
-            <a:endParaRPr b="0" lang="en-US" sz="1800" spc="-1" strike="noStrike">
+            <a:endParaRPr b="0" lang="en-GB" sz="1800" spc="-1" strike="noStrike">
               <a:solidFill>
                 <a:srgbClr val="000000"/>
               </a:solidFill>
@@ -11312,7 +11467,7 @@
               </a:rPr>
               <a:t>Responsibilities must be clear</a:t>
             </a:r>
-            <a:endParaRPr b="0" lang="en-US" sz="1800" spc="-1" strike="noStrike">
+            <a:endParaRPr b="0" lang="en-GB" sz="1800" spc="-1" strike="noStrike">
               <a:solidFill>
                 <a:srgbClr val="000000"/>
               </a:solidFill>
@@ -11344,7 +11499,7 @@
               </a:rPr>
               <a:t>Techniques must be known</a:t>
             </a:r>
-            <a:endParaRPr b="0" lang="en-US" sz="1800" spc="-1" strike="noStrike">
+            <a:endParaRPr b="0" lang="en-GB" sz="1800" spc="-1" strike="noStrike">
               <a:solidFill>
                 <a:srgbClr val="000000"/>
               </a:solidFill>
@@ -11376,7 +11531,7 @@
               </a:rPr>
               <a:t>People must be able to follow all this</a:t>
             </a:r>
-            <a:endParaRPr b="0" lang="en-US" sz="1800" spc="-1" strike="noStrike">
+            <a:endParaRPr b="0" lang="en-GB" sz="1800" spc="-1" strike="noStrike">
               <a:solidFill>
                 <a:srgbClr val="000000"/>
               </a:solidFill>
@@ -11396,7 +11551,7 @@
                 <a:tab algn="l" pos="0"/>
               </a:tabLst>
             </a:pPr>
-            <a:endParaRPr b="0" lang="en-US" sz="1800" spc="-1" strike="noStrike">
+            <a:endParaRPr b="0" lang="en-GB" sz="1800" spc="-1" strike="noStrike">
               <a:solidFill>
                 <a:srgbClr val="000000"/>
               </a:solidFill>
@@ -11436,7 +11591,7 @@
               </a:rPr>
               <a:t>Automating chaos just gives faster chaos“ (Dorothy Graham)</a:t>
             </a:r>
-            <a:endParaRPr b="0" lang="en-US" sz="2000" spc="-1" strike="noStrike">
+            <a:endParaRPr b="0" lang="en-GB" sz="2000" spc="-1" strike="noStrike">
               <a:solidFill>
                 <a:srgbClr val="000000"/>
               </a:solidFill>
@@ -11484,7 +11639,7 @@
         <p:spPr>
           <a:xfrm>
             <a:off x="542880" y="721800"/>
-            <a:ext cx="10356840" cy="497520"/>
+            <a:ext cx="10356480" cy="497160"/>
           </a:xfrm>
           <a:prstGeom prst="rect">
             <a:avLst/>
@@ -11520,7 +11675,7 @@
               </a:rPr>
               <a:t>General Requirements Engineering Process</a:t>
             </a:r>
-            <a:endParaRPr b="0" lang="en-US" sz="2200" spc="-1" strike="noStrike">
+            <a:endParaRPr b="0" lang="en-GB" sz="2200" spc="-1" strike="noStrike">
               <a:solidFill>
                 <a:srgbClr val="000000"/>
               </a:solidFill>
@@ -11538,7 +11693,7 @@
         <p:spPr>
           <a:xfrm>
             <a:off x="542880" y="1267200"/>
-            <a:ext cx="10356840" cy="497520"/>
+            <a:ext cx="10356480" cy="497160"/>
           </a:xfrm>
           <a:prstGeom prst="rect">
             <a:avLst/>
@@ -11574,7 +11729,7 @@
               </a:rPr>
               <a:t>Overview</a:t>
             </a:r>
-            <a:endParaRPr b="0" lang="en-US" sz="2200" spc="-1" strike="noStrike">
+            <a:endParaRPr b="0" lang="en-GB" sz="2200" spc="-1" strike="noStrike">
               <a:solidFill>
                 <a:srgbClr val="000000"/>
               </a:solidFill>
@@ -11596,7 +11751,7 @@
         <p:spPr>
           <a:xfrm>
             <a:off x="542880" y="2387520"/>
-            <a:ext cx="10101960" cy="2079360"/>
+            <a:ext cx="10101600" cy="2079000"/>
           </a:xfrm>
           <a:prstGeom prst="rect">
             <a:avLst/>
@@ -11615,7 +11770,7 @@
         <p:spPr>
           <a:xfrm>
             <a:off x="453960" y="2309760"/>
-            <a:ext cx="10280880" cy="2258280"/>
+            <a:ext cx="10280520" cy="2257920"/>
           </a:xfrm>
           <a:prstGeom prst="frame">
             <a:avLst>
@@ -11651,11 +11806,17 @@
             <a:noAutofit/>
           </a:bodyPr>
           <a:p>
+            <a:pPr>
+              <a:lnSpc>
+                <a:spcPct val="100000"/>
+              </a:lnSpc>
+            </a:pPr>
             <a:endParaRPr b="0" lang="en-US" sz="1800" spc="-1" strike="noStrike">
               <a:solidFill>
                 <a:srgbClr val="000000"/>
               </a:solidFill>
               <a:latin typeface="Arial"/>
+              <a:ea typeface="DejaVu Sans"/>
             </a:endParaRPr>
           </a:p>
         </p:txBody>
@@ -11699,7 +11860,7 @@
         <p:spPr>
           <a:xfrm>
             <a:off x="542880" y="721800"/>
-            <a:ext cx="10356840" cy="497520"/>
+            <a:ext cx="10356480" cy="497160"/>
           </a:xfrm>
           <a:prstGeom prst="rect">
             <a:avLst/>
@@ -11735,7 +11896,7 @@
               </a:rPr>
               <a:t>Introducing and Evaluating Tools</a:t>
             </a:r>
-            <a:endParaRPr b="0" lang="en-US" sz="2200" spc="-1" strike="noStrike">
+            <a:endParaRPr b="0" lang="en-GB" sz="2200" spc="-1" strike="noStrike">
               <a:solidFill>
                 <a:srgbClr val="000000"/>
               </a:solidFill>
@@ -11753,7 +11914,7 @@
         <p:spPr>
           <a:xfrm>
             <a:off x="542880" y="1267200"/>
-            <a:ext cx="10356840" cy="497520"/>
+            <a:ext cx="10356480" cy="497160"/>
           </a:xfrm>
           <a:prstGeom prst="rect">
             <a:avLst/>
@@ -11789,7 +11950,7 @@
               </a:rPr>
               <a:t>Before Introducing Tools</a:t>
             </a:r>
-            <a:endParaRPr b="0" lang="en-US" sz="2200" spc="-1" strike="noStrike">
+            <a:endParaRPr b="0" lang="en-GB" sz="2200" spc="-1" strike="noStrike">
               <a:solidFill>
                 <a:srgbClr val="000000"/>
               </a:solidFill>
@@ -11807,7 +11968,7 @@
         <p:spPr>
           <a:xfrm>
             <a:off x="451800" y="1709280"/>
-            <a:ext cx="8224200" cy="4352400"/>
+            <a:ext cx="8223840" cy="4352040"/>
           </a:xfrm>
           <a:prstGeom prst="rect">
             <a:avLst/>
@@ -11828,11 +11989,17 @@
             <a:noAutofit/>
           </a:bodyPr>
           <a:p>
+            <a:pPr>
+              <a:lnSpc>
+                <a:spcPct val="100000"/>
+              </a:lnSpc>
+            </a:pPr>
             <a:endParaRPr b="0" lang="en-US" sz="1800" spc="-1" strike="noStrike">
               <a:solidFill>
                 <a:srgbClr val="000000"/>
               </a:solidFill>
               <a:latin typeface="Arial"/>
+              <a:ea typeface="DejaVu Sans"/>
             </a:endParaRPr>
           </a:p>
         </p:txBody>
@@ -11850,7 +12017,7 @@
         <p:spPr>
           <a:xfrm>
             <a:off x="609480" y="1769400"/>
-            <a:ext cx="10587240" cy="4855320"/>
+            <a:ext cx="10586880" cy="4854960"/>
           </a:xfrm>
           <a:prstGeom prst="rect">
             <a:avLst/>
@@ -11889,7 +12056,7 @@
               </a:rPr>
               <a:t>Choice and introduction of tool costs resources</a:t>
             </a:r>
-            <a:endParaRPr b="0" lang="en-US" sz="2000" spc="-1" strike="noStrike">
+            <a:endParaRPr b="0" lang="en-GB" sz="2000" spc="-1" strike="noStrike">
               <a:solidFill>
                 <a:srgbClr val="000000"/>
               </a:solidFill>
@@ -11921,7 +12088,7 @@
               </a:rPr>
               <a:t>Licensing costs</a:t>
             </a:r>
-            <a:endParaRPr b="0" lang="en-US" sz="1800" spc="-1" strike="noStrike">
+            <a:endParaRPr b="0" lang="en-GB" sz="1800" spc="-1" strike="noStrike">
               <a:solidFill>
                 <a:srgbClr val="000000"/>
               </a:solidFill>
@@ -11953,7 +12120,7 @@
               </a:rPr>
               <a:t>Training costs</a:t>
             </a:r>
-            <a:endParaRPr b="0" lang="en-US" sz="1800" spc="-1" strike="noStrike">
+            <a:endParaRPr b="0" lang="en-GB" sz="1800" spc="-1" strike="noStrike">
               <a:solidFill>
                 <a:srgbClr val="000000"/>
               </a:solidFill>
@@ -11985,7 +12152,7 @@
               </a:rPr>
               <a:t>Customization costs</a:t>
             </a:r>
-            <a:endParaRPr b="0" lang="en-US" sz="1800" spc="-1" strike="noStrike">
+            <a:endParaRPr b="0" lang="en-GB" sz="1800" spc="-1" strike="noStrike">
               <a:solidFill>
                 <a:srgbClr val="000000"/>
               </a:solidFill>
@@ -12017,7 +12184,7 @@
               </a:rPr>
               <a:t>Support costs</a:t>
             </a:r>
-            <a:endParaRPr b="0" lang="en-US" sz="1800" spc="-1" strike="noStrike">
+            <a:endParaRPr b="0" lang="en-GB" sz="1800" spc="-1" strike="noStrike">
               <a:solidFill>
                 <a:srgbClr val="000000"/>
               </a:solidFill>
@@ -12049,7 +12216,7 @@
               </a:rPr>
               <a:t>Not only current, but possible future efforts</a:t>
             </a:r>
-            <a:endParaRPr b="0" lang="en-US" sz="1800" spc="-1" strike="noStrike">
+            <a:endParaRPr b="0" lang="en-GB" sz="1800" spc="-1" strike="noStrike">
               <a:solidFill>
                 <a:srgbClr val="000000"/>
               </a:solidFill>
@@ -12081,7 +12248,7 @@
               </a:rPr>
               <a:t>Adaption of already existing artifacts may further increase the costs</a:t>
             </a:r>
-            <a:endParaRPr b="0" lang="en-US" sz="1800" spc="-1" strike="noStrike">
+            <a:endParaRPr b="0" lang="en-GB" sz="1800" spc="-1" strike="noStrike">
               <a:solidFill>
                 <a:srgbClr val="000000"/>
               </a:solidFill>
@@ -12129,7 +12296,7 @@
         <p:spPr>
           <a:xfrm>
             <a:off x="542880" y="721800"/>
-            <a:ext cx="10356840" cy="497520"/>
+            <a:ext cx="10356480" cy="497160"/>
           </a:xfrm>
           <a:prstGeom prst="rect">
             <a:avLst/>
@@ -12165,7 +12332,7 @@
               </a:rPr>
               <a:t>Introducing and Evaluating Tools</a:t>
             </a:r>
-            <a:endParaRPr b="0" lang="en-US" sz="2200" spc="-1" strike="noStrike">
+            <a:endParaRPr b="0" lang="en-GB" sz="2200" spc="-1" strike="noStrike">
               <a:solidFill>
                 <a:srgbClr val="000000"/>
               </a:solidFill>
@@ -12183,7 +12350,7 @@
         <p:spPr>
           <a:xfrm>
             <a:off x="542880" y="1267200"/>
-            <a:ext cx="10356840" cy="497520"/>
+            <a:ext cx="10356480" cy="497160"/>
           </a:xfrm>
           <a:prstGeom prst="rect">
             <a:avLst/>
@@ -12219,7 +12386,7 @@
               </a:rPr>
               <a:t>Before Introducing Tools</a:t>
             </a:r>
-            <a:endParaRPr b="0" lang="en-US" sz="2200" spc="-1" strike="noStrike">
+            <a:endParaRPr b="0" lang="en-GB" sz="2200" spc="-1" strike="noStrike">
               <a:solidFill>
                 <a:srgbClr val="000000"/>
               </a:solidFill>
@@ -12237,7 +12404,7 @@
         <p:spPr>
           <a:xfrm>
             <a:off x="451800" y="1709280"/>
-            <a:ext cx="8224200" cy="4352400"/>
+            <a:ext cx="8223840" cy="4352040"/>
           </a:xfrm>
           <a:prstGeom prst="rect">
             <a:avLst/>
@@ -12258,11 +12425,17 @@
             <a:noAutofit/>
           </a:bodyPr>
           <a:p>
+            <a:pPr>
+              <a:lnSpc>
+                <a:spcPct val="100000"/>
+              </a:lnSpc>
+            </a:pPr>
             <a:endParaRPr b="0" lang="en-US" sz="1800" spc="-1" strike="noStrike">
               <a:solidFill>
                 <a:srgbClr val="000000"/>
               </a:solidFill>
               <a:latin typeface="Arial"/>
+              <a:ea typeface="DejaVu Sans"/>
             </a:endParaRPr>
           </a:p>
         </p:txBody>
@@ -12280,7 +12453,7 @@
         <p:spPr>
           <a:xfrm>
             <a:off x="609480" y="1769400"/>
-            <a:ext cx="10587240" cy="4855320"/>
+            <a:ext cx="10586880" cy="4854960"/>
           </a:xfrm>
           <a:prstGeom prst="rect">
             <a:avLst/>
@@ -12319,7 +12492,7 @@
               </a:rPr>
               <a:t>Introduction into already started projects difficult</a:t>
             </a:r>
-            <a:endParaRPr b="0" lang="en-US" sz="2000" spc="-1" strike="noStrike">
+            <a:endParaRPr b="0" lang="en-GB" sz="2000" spc="-1" strike="noStrike">
               <a:solidFill>
                 <a:srgbClr val="000000"/>
               </a:solidFill>
@@ -12351,7 +12524,7 @@
               </a:rPr>
               <a:t>Structure in place</a:t>
             </a:r>
-            <a:endParaRPr b="0" lang="en-US" sz="1800" spc="-1" strike="noStrike">
+            <a:endParaRPr b="0" lang="en-GB" sz="1800" spc="-1" strike="noStrike">
               <a:solidFill>
                 <a:srgbClr val="000000"/>
               </a:solidFill>
@@ -12383,7 +12556,7 @@
               </a:rPr>
               <a:t>Existing concepts would have to be replaced</a:t>
             </a:r>
-            <a:endParaRPr b="0" lang="en-US" sz="1800" spc="-1" strike="noStrike">
+            <a:endParaRPr b="0" lang="en-GB" sz="1800" spc="-1" strike="noStrike">
               <a:solidFill>
                 <a:srgbClr val="000000"/>
               </a:solidFill>
@@ -12415,7 +12588,7 @@
               </a:rPr>
               <a:t>Effort and risk can be estimated</a:t>
             </a:r>
-            <a:endParaRPr b="0" lang="en-US" sz="1800" spc="-1" strike="noStrike">
+            <a:endParaRPr b="0" lang="en-GB" sz="1800" spc="-1" strike="noStrike">
               <a:solidFill>
                 <a:srgbClr val="000000"/>
               </a:solidFill>
@@ -12447,7 +12620,7 @@
               </a:rPr>
               <a:t>Often underestimated due to multiple factors</a:t>
             </a:r>
-            <a:endParaRPr b="0" lang="en-US" sz="1800" spc="-1" strike="noStrike">
+            <a:endParaRPr b="0" lang="en-GB" sz="1800" spc="-1" strike="noStrike">
               <a:solidFill>
                 <a:srgbClr val="000000"/>
               </a:solidFill>
@@ -12479,7 +12652,7 @@
               </a:rPr>
               <a:t>Employee resistance</a:t>
             </a:r>
-            <a:endParaRPr b="0" lang="en-US" sz="2000" spc="-1" strike="noStrike">
+            <a:endParaRPr b="0" lang="en-GB" sz="2000" spc="-1" strike="noStrike">
               <a:solidFill>
                 <a:srgbClr val="000000"/>
               </a:solidFill>
@@ -12522,7 +12695,7 @@
               </a:rPr>
               <a:t>Instead → </a:t>
             </a:r>
-            <a:endParaRPr b="0" lang="en-US" sz="2000" spc="-1" strike="noStrike">
+            <a:endParaRPr b="0" lang="en-GB" sz="2000" spc="-1" strike="noStrike">
               <a:solidFill>
                 <a:srgbClr val="000000"/>
               </a:solidFill>
@@ -12570,7 +12743,7 @@
         <p:spPr>
           <a:xfrm>
             <a:off x="542880" y="721800"/>
-            <a:ext cx="10356840" cy="497520"/>
+            <a:ext cx="10356480" cy="497160"/>
           </a:xfrm>
           <a:prstGeom prst="rect">
             <a:avLst/>
@@ -12606,7 +12779,7 @@
               </a:rPr>
               <a:t>Introducing and Evaluating Tools</a:t>
             </a:r>
-            <a:endParaRPr b="0" lang="en-US" sz="2200" spc="-1" strike="noStrike">
+            <a:endParaRPr b="0" lang="en-GB" sz="2200" spc="-1" strike="noStrike">
               <a:solidFill>
                 <a:srgbClr val="000000"/>
               </a:solidFill>
@@ -12624,7 +12797,7 @@
         <p:spPr>
           <a:xfrm>
             <a:off x="542880" y="1267200"/>
-            <a:ext cx="10356840" cy="497520"/>
+            <a:ext cx="10356480" cy="497160"/>
           </a:xfrm>
           <a:prstGeom prst="rect">
             <a:avLst/>
@@ -12660,7 +12833,7 @@
               </a:rPr>
               <a:t>Before Introducing Tools</a:t>
             </a:r>
-            <a:endParaRPr b="0" lang="en-US" sz="2200" spc="-1" strike="noStrike">
+            <a:endParaRPr b="0" lang="en-GB" sz="2200" spc="-1" strike="noStrike">
               <a:solidFill>
                 <a:srgbClr val="000000"/>
               </a:solidFill>
@@ -12678,7 +12851,7 @@
         <p:spPr>
           <a:xfrm>
             <a:off x="451800" y="1709280"/>
-            <a:ext cx="8224200" cy="4352400"/>
+            <a:ext cx="8223840" cy="4352040"/>
           </a:xfrm>
           <a:prstGeom prst="rect">
             <a:avLst/>
@@ -12699,11 +12872,17 @@
             <a:noAutofit/>
           </a:bodyPr>
           <a:p>
+            <a:pPr>
+              <a:lnSpc>
+                <a:spcPct val="100000"/>
+              </a:lnSpc>
+            </a:pPr>
             <a:endParaRPr b="0" lang="en-US" sz="1800" spc="-1" strike="noStrike">
               <a:solidFill>
                 <a:srgbClr val="000000"/>
               </a:solidFill>
               <a:latin typeface="Arial"/>
+              <a:ea typeface="DejaVu Sans"/>
             </a:endParaRPr>
           </a:p>
         </p:txBody>
@@ -12721,7 +12900,7 @@
         <p:spPr>
           <a:xfrm>
             <a:off x="609480" y="1769400"/>
-            <a:ext cx="10587240" cy="4855320"/>
+            <a:ext cx="10586880" cy="4854960"/>
           </a:xfrm>
           <a:prstGeom prst="rect">
             <a:avLst/>
@@ -12760,7 +12939,7 @@
               </a:rPr>
               <a:t>Introduction into already started projects difficult</a:t>
             </a:r>
-            <a:endParaRPr b="0" lang="en-US" sz="2000" spc="-1" strike="noStrike">
+            <a:endParaRPr b="0" lang="en-GB" sz="2000" spc="-1" strike="noStrike">
               <a:solidFill>
                 <a:srgbClr val="000000"/>
               </a:solidFill>
@@ -12792,7 +12971,7 @@
               </a:rPr>
               <a:t>Structure in place</a:t>
             </a:r>
-            <a:endParaRPr b="0" lang="en-US" sz="1800" spc="-1" strike="noStrike">
+            <a:endParaRPr b="0" lang="en-GB" sz="1800" spc="-1" strike="noStrike">
               <a:solidFill>
                 <a:srgbClr val="000000"/>
               </a:solidFill>
@@ -12824,7 +13003,7 @@
               </a:rPr>
               <a:t>Existing concepts would have to be replaced</a:t>
             </a:r>
-            <a:endParaRPr b="0" lang="en-US" sz="1800" spc="-1" strike="noStrike">
+            <a:endParaRPr b="0" lang="en-GB" sz="1800" spc="-1" strike="noStrike">
               <a:solidFill>
                 <a:srgbClr val="000000"/>
               </a:solidFill>
@@ -12856,7 +13035,7 @@
               </a:rPr>
               <a:t>Effort and risk can be estimated</a:t>
             </a:r>
-            <a:endParaRPr b="0" lang="en-US" sz="1800" spc="-1" strike="noStrike">
+            <a:endParaRPr b="0" lang="en-GB" sz="1800" spc="-1" strike="noStrike">
               <a:solidFill>
                 <a:srgbClr val="000000"/>
               </a:solidFill>
@@ -12888,7 +13067,7 @@
               </a:rPr>
               <a:t>Often underestimated due to multiple factors</a:t>
             </a:r>
-            <a:endParaRPr b="0" lang="en-US" sz="1800" spc="-1" strike="noStrike">
+            <a:endParaRPr b="0" lang="en-GB" sz="1800" spc="-1" strike="noStrike">
               <a:solidFill>
                 <a:srgbClr val="000000"/>
               </a:solidFill>
@@ -12920,7 +13099,7 @@
               </a:rPr>
               <a:t>Employee resistance</a:t>
             </a:r>
-            <a:endParaRPr b="0" lang="en-US" sz="2000" spc="-1" strike="noStrike">
+            <a:endParaRPr b="0" lang="en-GB" sz="2000" spc="-1" strike="noStrike">
               <a:solidFill>
                 <a:srgbClr val="000000"/>
               </a:solidFill>
@@ -12952,7 +13131,7 @@
               </a:rPr>
               <a:t>Tool deficiencies</a:t>
             </a:r>
-            <a:endParaRPr b="0" lang="en-US" sz="2000" spc="-1" strike="noStrike">
+            <a:endParaRPr b="0" lang="en-GB" sz="2000" spc="-1" strike="noStrike">
               <a:solidFill>
                 <a:srgbClr val="000000"/>
               </a:solidFill>
@@ -12972,7 +13151,7 @@
                 <a:tab algn="l" pos="0"/>
               </a:tabLst>
             </a:pPr>
-            <a:endParaRPr b="0" lang="en-US" sz="2000" spc="-1" strike="noStrike">
+            <a:endParaRPr b="0" lang="en-GB" sz="2000" spc="-1" strike="noStrike">
               <a:solidFill>
                 <a:srgbClr val="000000"/>
               </a:solidFill>
@@ -12992,7 +13171,7 @@
                 <a:tab algn="l" pos="0"/>
               </a:tabLst>
             </a:pPr>
-            <a:endParaRPr b="0" lang="en-US" sz="2000" spc="-1" strike="noStrike">
+            <a:endParaRPr b="0" lang="en-GB" sz="2000" spc="-1" strike="noStrike">
               <a:solidFill>
                 <a:srgbClr val="000000"/>
               </a:solidFill>
@@ -13010,7 +13189,7 @@
         <p:spPr>
           <a:xfrm>
             <a:off x="542880" y="5303520"/>
-            <a:ext cx="10580040" cy="908280"/>
+            <a:ext cx="10579680" cy="907920"/>
           </a:xfrm>
           <a:prstGeom prst="roundRect">
             <a:avLst>
@@ -13064,7 +13243,7 @@
               </a:rPr>
               <a:t>Instead → </a:t>
             </a:r>
-            <a:endParaRPr b="0" lang="en-US" sz="2000" spc="-1" strike="noStrike">
+            <a:endParaRPr b="0" lang="en-GB" sz="2000" spc="-1" strike="noStrike">
               <a:solidFill>
                 <a:srgbClr val="000000"/>
               </a:solidFill>
@@ -13112,7 +13291,7 @@
         <p:spPr>
           <a:xfrm>
             <a:off x="542880" y="721800"/>
-            <a:ext cx="10356840" cy="497520"/>
+            <a:ext cx="10356480" cy="497160"/>
           </a:xfrm>
           <a:prstGeom prst="rect">
             <a:avLst/>
@@ -13148,7 +13327,7 @@
               </a:rPr>
               <a:t>Introducing and Evaluating Tools</a:t>
             </a:r>
-            <a:endParaRPr b="0" lang="en-US" sz="2200" spc="-1" strike="noStrike">
+            <a:endParaRPr b="0" lang="en-GB" sz="2200" spc="-1" strike="noStrike">
               <a:solidFill>
                 <a:srgbClr val="000000"/>
               </a:solidFill>
@@ -13166,7 +13345,7 @@
         <p:spPr>
           <a:xfrm>
             <a:off x="542880" y="1267200"/>
-            <a:ext cx="10356840" cy="497520"/>
+            <a:ext cx="10356480" cy="497160"/>
           </a:xfrm>
           <a:prstGeom prst="rect">
             <a:avLst/>
@@ -13202,7 +13381,7 @@
               </a:rPr>
               <a:t>Before Introducing Tools</a:t>
             </a:r>
-            <a:endParaRPr b="0" lang="en-US" sz="2200" spc="-1" strike="noStrike">
+            <a:endParaRPr b="0" lang="en-GB" sz="2200" spc="-1" strike="noStrike">
               <a:solidFill>
                 <a:srgbClr val="000000"/>
               </a:solidFill>
@@ -13220,7 +13399,7 @@
         <p:spPr>
           <a:xfrm>
             <a:off x="451800" y="1709280"/>
-            <a:ext cx="8224200" cy="4352400"/>
+            <a:ext cx="8223840" cy="4352040"/>
           </a:xfrm>
           <a:prstGeom prst="rect">
             <a:avLst/>
@@ -13241,11 +13420,17 @@
             <a:noAutofit/>
           </a:bodyPr>
           <a:p>
+            <a:pPr>
+              <a:lnSpc>
+                <a:spcPct val="100000"/>
+              </a:lnSpc>
+            </a:pPr>
             <a:endParaRPr b="0" lang="en-US" sz="1800" spc="-1" strike="noStrike">
               <a:solidFill>
                 <a:srgbClr val="000000"/>
               </a:solidFill>
               <a:latin typeface="Arial"/>
+              <a:ea typeface="DejaVu Sans"/>
             </a:endParaRPr>
           </a:p>
         </p:txBody>
@@ -13263,7 +13448,7 @@
         <p:spPr>
           <a:xfrm>
             <a:off x="609480" y="1769400"/>
-            <a:ext cx="10587240" cy="4855320"/>
+            <a:ext cx="10586880" cy="4854960"/>
           </a:xfrm>
           <a:prstGeom prst="rect">
             <a:avLst/>
@@ -13302,7 +13487,7 @@
               </a:rPr>
               <a:t>Introduction into already started projects difficult</a:t>
             </a:r>
-            <a:endParaRPr b="0" lang="en-US" sz="2000" spc="-1" strike="noStrike">
+            <a:endParaRPr b="0" lang="en-GB" sz="2000" spc="-1" strike="noStrike">
               <a:solidFill>
                 <a:srgbClr val="000000"/>
               </a:solidFill>
@@ -13334,7 +13519,7 @@
               </a:rPr>
               <a:t>Structure in place</a:t>
             </a:r>
-            <a:endParaRPr b="0" lang="en-US" sz="1800" spc="-1" strike="noStrike">
+            <a:endParaRPr b="0" lang="en-GB" sz="1800" spc="-1" strike="noStrike">
               <a:solidFill>
                 <a:srgbClr val="000000"/>
               </a:solidFill>
@@ -13366,7 +13551,7 @@
               </a:rPr>
               <a:t>Existing concepts would have to be replaced</a:t>
             </a:r>
-            <a:endParaRPr b="0" lang="en-US" sz="1800" spc="-1" strike="noStrike">
+            <a:endParaRPr b="0" lang="en-GB" sz="1800" spc="-1" strike="noStrike">
               <a:solidFill>
                 <a:srgbClr val="000000"/>
               </a:solidFill>
@@ -13398,7 +13583,7 @@
               </a:rPr>
               <a:t>Effort and risk can be estimated</a:t>
             </a:r>
-            <a:endParaRPr b="0" lang="en-US" sz="1800" spc="-1" strike="noStrike">
+            <a:endParaRPr b="0" lang="en-GB" sz="1800" spc="-1" strike="noStrike">
               <a:solidFill>
                 <a:srgbClr val="000000"/>
               </a:solidFill>
@@ -13430,7 +13615,7 @@
               </a:rPr>
               <a:t>Often underestimated due to multiple factors</a:t>
             </a:r>
-            <a:endParaRPr b="0" lang="en-US" sz="1800" spc="-1" strike="noStrike">
+            <a:endParaRPr b="0" lang="en-GB" sz="1800" spc="-1" strike="noStrike">
               <a:solidFill>
                 <a:srgbClr val="000000"/>
               </a:solidFill>
@@ -13462,7 +13647,7 @@
               </a:rPr>
               <a:t>Employee resistance</a:t>
             </a:r>
-            <a:endParaRPr b="0" lang="en-US" sz="2000" spc="-1" strike="noStrike">
+            <a:endParaRPr b="0" lang="en-GB" sz="2000" spc="-1" strike="noStrike">
               <a:solidFill>
                 <a:srgbClr val="000000"/>
               </a:solidFill>
@@ -13494,7 +13679,7 @@
               </a:rPr>
               <a:t>Tool deficiencies</a:t>
             </a:r>
-            <a:endParaRPr b="0" lang="en-US" sz="2000" spc="-1" strike="noStrike">
+            <a:endParaRPr b="0" lang="en-GB" sz="2000" spc="-1" strike="noStrike">
               <a:solidFill>
                 <a:srgbClr val="000000"/>
               </a:solidFill>
@@ -13514,7 +13699,7 @@
                 <a:tab algn="l" pos="0"/>
               </a:tabLst>
             </a:pPr>
-            <a:endParaRPr b="0" lang="en-US" sz="2000" spc="-1" strike="noStrike">
+            <a:endParaRPr b="0" lang="en-GB" sz="2000" spc="-1" strike="noStrike">
               <a:solidFill>
                 <a:srgbClr val="000000"/>
               </a:solidFill>
@@ -13534,7 +13719,7 @@
                 <a:tab algn="l" pos="0"/>
               </a:tabLst>
             </a:pPr>
-            <a:endParaRPr b="0" lang="en-US" sz="2000" spc="-1" strike="noStrike">
+            <a:endParaRPr b="0" lang="en-GB" sz="2000" spc="-1" strike="noStrike">
               <a:solidFill>
                 <a:srgbClr val="000000"/>
               </a:solidFill>
@@ -13552,7 +13737,7 @@
         <p:spPr>
           <a:xfrm>
             <a:off x="542880" y="5303520"/>
-            <a:ext cx="10580040" cy="908280"/>
+            <a:ext cx="10579680" cy="907920"/>
           </a:xfrm>
           <a:prstGeom prst="roundRect">
             <a:avLst>
@@ -13606,7 +13791,7 @@
               </a:rPr>
               <a:t>Instead → pilot project</a:t>
             </a:r>
-            <a:endParaRPr b="0" lang="en-US" sz="2000" spc="-1" strike="noStrike">
+            <a:endParaRPr b="0" lang="en-GB" sz="2000" spc="-1" strike="noStrike">
               <a:solidFill>
                 <a:srgbClr val="000000"/>
               </a:solidFill>
@@ -13654,7 +13839,7 @@
         <p:spPr>
           <a:xfrm>
             <a:off x="542880" y="721800"/>
-            <a:ext cx="10356840" cy="497520"/>
+            <a:ext cx="10356480" cy="497160"/>
           </a:xfrm>
           <a:prstGeom prst="rect">
             <a:avLst/>
@@ -13690,7 +13875,7 @@
               </a:rPr>
               <a:t>Introducing and Evaluating Tools</a:t>
             </a:r>
-            <a:endParaRPr b="0" lang="en-US" sz="2200" spc="-1" strike="noStrike">
+            <a:endParaRPr b="0" lang="en-GB" sz="2200" spc="-1" strike="noStrike">
               <a:solidFill>
                 <a:srgbClr val="000000"/>
               </a:solidFill>
@@ -13708,7 +13893,7 @@
         <p:spPr>
           <a:xfrm>
             <a:off x="542880" y="1267200"/>
-            <a:ext cx="10356840" cy="497520"/>
+            <a:ext cx="10356480" cy="497160"/>
           </a:xfrm>
           <a:prstGeom prst="rect">
             <a:avLst/>
@@ -13744,7 +13929,7 @@
               </a:rPr>
               <a:t>Evaluation of Tools</a:t>
             </a:r>
-            <a:endParaRPr b="0" lang="en-US" sz="2200" spc="-1" strike="noStrike">
+            <a:endParaRPr b="0" lang="en-GB" sz="2200" spc="-1" strike="noStrike">
               <a:solidFill>
                 <a:srgbClr val="000000"/>
               </a:solidFill>
@@ -13762,7 +13947,7 @@
         <p:spPr>
           <a:xfrm>
             <a:off x="451800" y="1709280"/>
-            <a:ext cx="8224200" cy="4352400"/>
+            <a:ext cx="8223840" cy="4352040"/>
           </a:xfrm>
           <a:prstGeom prst="rect">
             <a:avLst/>
@@ -13783,11 +13968,17 @@
             <a:noAutofit/>
           </a:bodyPr>
           <a:p>
+            <a:pPr>
+              <a:lnSpc>
+                <a:spcPct val="100000"/>
+              </a:lnSpc>
+            </a:pPr>
             <a:endParaRPr b="0" lang="en-US" sz="1800" spc="-1" strike="noStrike">
               <a:solidFill>
                 <a:srgbClr val="000000"/>
               </a:solidFill>
               <a:latin typeface="Arial"/>
+              <a:ea typeface="DejaVu Sans"/>
             </a:endParaRPr>
           </a:p>
         </p:txBody>
@@ -13805,7 +13996,7 @@
         <p:spPr>
           <a:xfrm>
             <a:off x="609480" y="1769400"/>
-            <a:ext cx="10587240" cy="4855320"/>
+            <a:ext cx="10586880" cy="4854960"/>
           </a:xfrm>
           <a:prstGeom prst="rect">
             <a:avLst/>
@@ -13844,7 +14035,7 @@
               </a:rPr>
               <a:t>Different perspectives matter for tools</a:t>
             </a:r>
-            <a:endParaRPr b="0" lang="en-US" sz="2000" spc="-1" strike="noStrike">
+            <a:endParaRPr b="0" lang="en-GB" sz="2000" spc="-1" strike="noStrike">
               <a:solidFill>
                 <a:srgbClr val="000000"/>
               </a:solidFill>
@@ -13876,7 +14067,7 @@
               </a:rPr>
               <a:t>Project view</a:t>
             </a:r>
-            <a:endParaRPr b="0" lang="en-US" sz="1800" spc="-1" strike="noStrike">
+            <a:endParaRPr b="0" lang="en-GB" sz="1800" spc="-1" strike="noStrike">
               <a:solidFill>
                 <a:srgbClr val="000000"/>
               </a:solidFill>
@@ -13908,7 +14099,7 @@
               </a:rPr>
               <a:t>User view</a:t>
             </a:r>
-            <a:endParaRPr b="0" lang="en-US" sz="1800" spc="-1" strike="noStrike">
+            <a:endParaRPr b="0" lang="en-GB" sz="1800" spc="-1" strike="noStrike">
               <a:solidFill>
                 <a:srgbClr val="000000"/>
               </a:solidFill>
@@ -13940,7 +14131,7 @@
               </a:rPr>
               <a:t>Product view</a:t>
             </a:r>
-            <a:endParaRPr b="0" lang="en-US" sz="1800" spc="-1" strike="noStrike">
+            <a:endParaRPr b="0" lang="en-GB" sz="1800" spc="-1" strike="noStrike">
               <a:solidFill>
                 <a:srgbClr val="000000"/>
               </a:solidFill>
@@ -13972,7 +14163,7 @@
               </a:rPr>
               <a:t>Process view</a:t>
             </a:r>
-            <a:endParaRPr b="0" lang="en-US" sz="1800" spc="-1" strike="noStrike">
+            <a:endParaRPr b="0" lang="en-GB" sz="1800" spc="-1" strike="noStrike">
               <a:solidFill>
                 <a:srgbClr val="000000"/>
               </a:solidFill>
@@ -14004,7 +14195,7 @@
               </a:rPr>
               <a:t>Provider view</a:t>
             </a:r>
-            <a:endParaRPr b="0" lang="en-US" sz="1800" spc="-1" strike="noStrike">
+            <a:endParaRPr b="0" lang="en-GB" sz="1800" spc="-1" strike="noStrike">
               <a:solidFill>
                 <a:srgbClr val="000000"/>
               </a:solidFill>
@@ -14036,7 +14227,7 @@
               </a:rPr>
               <a:t>Technical view</a:t>
             </a:r>
-            <a:endParaRPr b="0" lang="en-US" sz="1800" spc="-1" strike="noStrike">
+            <a:endParaRPr b="0" lang="en-GB" sz="1800" spc="-1" strike="noStrike">
               <a:solidFill>
                 <a:srgbClr val="000000"/>
               </a:solidFill>
@@ -14068,7 +14259,7 @@
               </a:rPr>
               <a:t>Economic view</a:t>
             </a:r>
-            <a:endParaRPr b="0" lang="en-US" sz="1800" spc="-1" strike="noStrike">
+            <a:endParaRPr b="0" lang="en-GB" sz="1800" spc="-1" strike="noStrike">
               <a:solidFill>
                 <a:srgbClr val="000000"/>
               </a:solidFill>
@@ -14100,7 +14291,7 @@
               </a:rPr>
               <a:t>Should be taken into account when evaluating tools</a:t>
             </a:r>
-            <a:endParaRPr b="0" lang="en-US" sz="2000" spc="-1" strike="noStrike">
+            <a:endParaRPr b="0" lang="en-GB" sz="2000" spc="-1" strike="noStrike">
               <a:solidFill>
                 <a:srgbClr val="000000"/>
               </a:solidFill>
@@ -14132,7 +14323,7 @@
               </a:rPr>
               <a:t>Criteria for all views should be defined</a:t>
             </a:r>
-            <a:endParaRPr b="0" lang="en-US" sz="1800" spc="-1" strike="noStrike">
+            <a:endParaRPr b="0" lang="en-GB" sz="1800" spc="-1" strike="noStrike">
               <a:solidFill>
                 <a:srgbClr val="000000"/>
               </a:solidFill>
@@ -14180,7 +14371,7 @@
         <p:spPr>
           <a:xfrm>
             <a:off x="542880" y="721800"/>
-            <a:ext cx="10356840" cy="497520"/>
+            <a:ext cx="10356480" cy="497160"/>
           </a:xfrm>
           <a:prstGeom prst="rect">
             <a:avLst/>
@@ -14216,7 +14407,7 @@
               </a:rPr>
               <a:t>Introducing and Evaluating Tools</a:t>
             </a:r>
-            <a:endParaRPr b="0" lang="en-US" sz="2200" spc="-1" strike="noStrike">
+            <a:endParaRPr b="0" lang="en-GB" sz="2200" spc="-1" strike="noStrike">
               <a:solidFill>
                 <a:srgbClr val="000000"/>
               </a:solidFill>
@@ -14234,7 +14425,7 @@
         <p:spPr>
           <a:xfrm>
             <a:off x="542880" y="1267200"/>
-            <a:ext cx="10356840" cy="497520"/>
+            <a:ext cx="10356480" cy="497160"/>
           </a:xfrm>
           <a:prstGeom prst="rect">
             <a:avLst/>
@@ -14270,7 +14461,7 @@
               </a:rPr>
               <a:t>Views on RE Tools</a:t>
             </a:r>
-            <a:endParaRPr b="0" lang="en-US" sz="2200" spc="-1" strike="noStrike">
+            <a:endParaRPr b="0" lang="en-GB" sz="2200" spc="-1" strike="noStrike">
               <a:solidFill>
                 <a:srgbClr val="000000"/>
               </a:solidFill>
@@ -14288,7 +14479,7 @@
         <p:spPr>
           <a:xfrm>
             <a:off x="451800" y="1709280"/>
-            <a:ext cx="8224200" cy="4352400"/>
+            <a:ext cx="8223840" cy="4352040"/>
           </a:xfrm>
           <a:prstGeom prst="rect">
             <a:avLst/>
@@ -14309,11 +14500,17 @@
             <a:noAutofit/>
           </a:bodyPr>
           <a:p>
+            <a:pPr>
+              <a:lnSpc>
+                <a:spcPct val="100000"/>
+              </a:lnSpc>
+            </a:pPr>
             <a:endParaRPr b="0" lang="en-US" sz="1800" spc="-1" strike="noStrike">
               <a:solidFill>
                 <a:srgbClr val="000000"/>
               </a:solidFill>
               <a:latin typeface="Arial"/>
+              <a:ea typeface="DejaVu Sans"/>
             </a:endParaRPr>
           </a:p>
         </p:txBody>
@@ -14327,7 +14524,7 @@
         <p:spPr>
           <a:xfrm>
             <a:off x="263520" y="6411600"/>
-            <a:ext cx="10919160" cy="226800"/>
+            <a:ext cx="10918800" cy="226800"/>
           </a:xfrm>
           <a:prstGeom prst="rect">
             <a:avLst/>
@@ -14373,7 +14570,7 @@
               </a:rPr>
               <a:t>Requirements Engineering Fundamentals: A study guide for Requirements Engineering Foundation Level</a:t>
             </a:r>
-            <a:endParaRPr b="0" lang="en-US" sz="900" spc="-1" strike="noStrike">
+            <a:endParaRPr b="0" lang="en-GB" sz="900" spc="-1" strike="noStrike">
               <a:solidFill>
                 <a:srgbClr val="000000"/>
               </a:solidFill>
@@ -14395,7 +14592,7 @@
         <p:spPr>
           <a:xfrm>
             <a:off x="2883960" y="1812600"/>
-            <a:ext cx="5674320" cy="4375800"/>
+            <a:ext cx="5673960" cy="4375440"/>
           </a:xfrm>
           <a:prstGeom prst="rect">
             <a:avLst/>
@@ -14444,7 +14641,7 @@
         <p:spPr>
           <a:xfrm>
             <a:off x="542880" y="721800"/>
-            <a:ext cx="10356840" cy="497520"/>
+            <a:ext cx="10356480" cy="497160"/>
           </a:xfrm>
           <a:prstGeom prst="rect">
             <a:avLst/>
@@ -14480,7 +14677,7 @@
               </a:rPr>
               <a:t>Introducing and Evaluating Tools</a:t>
             </a:r>
-            <a:endParaRPr b="0" lang="en-US" sz="2200" spc="-1" strike="noStrike">
+            <a:endParaRPr b="0" lang="en-GB" sz="2200" spc="-1" strike="noStrike">
               <a:solidFill>
                 <a:srgbClr val="000000"/>
               </a:solidFill>
@@ -14498,7 +14695,7 @@
         <p:spPr>
           <a:xfrm>
             <a:off x="542880" y="1267200"/>
-            <a:ext cx="10356840" cy="497520"/>
+            <a:ext cx="10356480" cy="497160"/>
           </a:xfrm>
           <a:prstGeom prst="rect">
             <a:avLst/>
@@ -14534,7 +14731,7 @@
               </a:rPr>
               <a:t>Views on Tools: Project View</a:t>
             </a:r>
-            <a:endParaRPr b="0" lang="en-US" sz="2200" spc="-1" strike="noStrike">
+            <a:endParaRPr b="0" lang="en-GB" sz="2200" spc="-1" strike="noStrike">
               <a:solidFill>
                 <a:srgbClr val="000000"/>
               </a:solidFill>
@@ -14552,7 +14749,7 @@
         <p:spPr>
           <a:xfrm>
             <a:off x="451800" y="1709280"/>
-            <a:ext cx="8224200" cy="4352400"/>
+            <a:ext cx="8223840" cy="4352040"/>
           </a:xfrm>
           <a:prstGeom prst="rect">
             <a:avLst/>
@@ -14573,11 +14770,17 @@
             <a:noAutofit/>
           </a:bodyPr>
           <a:p>
+            <a:pPr>
+              <a:lnSpc>
+                <a:spcPct val="100000"/>
+              </a:lnSpc>
+            </a:pPr>
             <a:endParaRPr b="0" lang="en-US" sz="1800" spc="-1" strike="noStrike">
               <a:solidFill>
                 <a:srgbClr val="000000"/>
               </a:solidFill>
               <a:latin typeface="Arial"/>
+              <a:ea typeface="DejaVu Sans"/>
             </a:endParaRPr>
           </a:p>
         </p:txBody>
@@ -14595,7 +14798,7 @@
         <p:spPr>
           <a:xfrm>
             <a:off x="609480" y="1769400"/>
-            <a:ext cx="10587240" cy="4855320"/>
+            <a:ext cx="10586880" cy="4854960"/>
           </a:xfrm>
           <a:prstGeom prst="rect">
             <a:avLst/>
@@ -14634,7 +14837,7 @@
               </a:rPr>
               <a:t>Extent to which a tool can support a project</a:t>
             </a:r>
-            <a:endParaRPr b="0" lang="en-US" sz="2000" spc="-1" strike="noStrike">
+            <a:endParaRPr b="0" lang="en-GB" sz="2000" spc="-1" strike="noStrike">
               <a:solidFill>
                 <a:srgbClr val="000000"/>
               </a:solidFill>
@@ -14654,7 +14857,7 @@
                 <a:tab algn="l" pos="0"/>
               </a:tabLst>
             </a:pPr>
-            <a:endParaRPr b="0" lang="en-US" sz="2000" spc="-1" strike="noStrike">
+            <a:endParaRPr b="0" lang="en-GB" sz="2000" spc="-1" strike="noStrike">
               <a:solidFill>
                 <a:srgbClr val="000000"/>
               </a:solidFill>
@@ -14689,7 +14892,7 @@
               </a:rPr>
               <a:t>Project preparation</a:t>
             </a:r>
-            <a:endParaRPr b="0" lang="en-US" sz="2000" spc="-1" strike="noStrike">
+            <a:endParaRPr b="0" lang="en-GB" sz="2000" spc="-1" strike="noStrike">
               <a:solidFill>
                 <a:srgbClr val="000000"/>
               </a:solidFill>
@@ -14724,7 +14927,7 @@
               </a:rPr>
               <a:t>Definition of project-specific information types</a:t>
             </a:r>
-            <a:endParaRPr b="0" lang="en-US" sz="1800" spc="-1" strike="noStrike">
+            <a:endParaRPr b="0" lang="en-GB" sz="1800" spc="-1" strike="noStrike">
               <a:solidFill>
                 <a:srgbClr val="000000"/>
               </a:solidFill>
@@ -14759,7 +14962,7 @@
               </a:rPr>
               <a:t>Definition of project-specific document formats</a:t>
             </a:r>
-            <a:endParaRPr b="0" lang="en-US" sz="1800" spc="-1" strike="noStrike">
+            <a:endParaRPr b="0" lang="en-GB" sz="1800" spc="-1" strike="noStrike">
               <a:solidFill>
                 <a:srgbClr val="000000"/>
               </a:solidFill>
@@ -14794,7 +14997,7 @@
               </a:rPr>
               <a:t>Project planning</a:t>
             </a:r>
-            <a:endParaRPr b="0" lang="en-US" sz="2000" spc="-1" strike="noStrike">
+            <a:endParaRPr b="0" lang="en-GB" sz="2000" spc="-1" strike="noStrike">
               <a:solidFill>
                 <a:srgbClr val="000000"/>
               </a:solidFill>
@@ -14829,7 +15032,7 @@
               </a:rPr>
               <a:t>Scope of milestones</a:t>
             </a:r>
-            <a:endParaRPr b="0" lang="en-US" sz="1800" spc="-1" strike="noStrike">
+            <a:endParaRPr b="0" lang="en-GB" sz="1800" spc="-1" strike="noStrike">
               <a:solidFill>
                 <a:srgbClr val="000000"/>
               </a:solidFill>
@@ -14864,7 +15067,7 @@
               </a:rPr>
               <a:t>How information managed by the tool pertains to milestones</a:t>
             </a:r>
-            <a:endParaRPr b="0" lang="en-US" sz="1800" spc="-1" strike="noStrike">
+            <a:endParaRPr b="0" lang="en-GB" sz="1800" spc="-1" strike="noStrike">
               <a:solidFill>
                 <a:srgbClr val="000000"/>
               </a:solidFill>
@@ -14899,7 +15102,7 @@
               </a:rPr>
               <a:t>Project execution</a:t>
             </a:r>
-            <a:endParaRPr b="0" lang="en-US" sz="2000" spc="-1" strike="noStrike">
+            <a:endParaRPr b="0" lang="en-GB" sz="2000" spc="-1" strike="noStrike">
               <a:solidFill>
                 <a:srgbClr val="000000"/>
               </a:solidFill>
@@ -14934,7 +15137,7 @@
               </a:rPr>
               <a:t>Project control, e.g., completion of requirements</a:t>
             </a:r>
-            <a:endParaRPr b="0" lang="en-US" sz="1800" spc="-1" strike="noStrike">
+            <a:endParaRPr b="0" lang="en-GB" sz="1800" spc="-1" strike="noStrike">
               <a:solidFill>
                 <a:srgbClr val="000000"/>
               </a:solidFill>
@@ -14982,7 +15185,7 @@
         <p:spPr>
           <a:xfrm>
             <a:off x="542880" y="721800"/>
-            <a:ext cx="10356840" cy="497520"/>
+            <a:ext cx="10356480" cy="497160"/>
           </a:xfrm>
           <a:prstGeom prst="rect">
             <a:avLst/>
@@ -15018,7 +15221,7 @@
               </a:rPr>
               <a:t>Introducing and Evaluating Tools</a:t>
             </a:r>
-            <a:endParaRPr b="0" lang="en-US" sz="2200" spc="-1" strike="noStrike">
+            <a:endParaRPr b="0" lang="en-GB" sz="2200" spc="-1" strike="noStrike">
               <a:solidFill>
                 <a:srgbClr val="000000"/>
               </a:solidFill>
@@ -15036,7 +15239,7 @@
         <p:spPr>
           <a:xfrm>
             <a:off x="542880" y="1267200"/>
-            <a:ext cx="10356840" cy="497520"/>
+            <a:ext cx="10356480" cy="497160"/>
           </a:xfrm>
           <a:prstGeom prst="rect">
             <a:avLst/>
@@ -15072,7 +15275,7 @@
               </a:rPr>
               <a:t>Views on Tools: User View</a:t>
             </a:r>
-            <a:endParaRPr b="0" lang="en-US" sz="2200" spc="-1" strike="noStrike">
+            <a:endParaRPr b="0" lang="en-GB" sz="2200" spc="-1" strike="noStrike">
               <a:solidFill>
                 <a:srgbClr val="000000"/>
               </a:solidFill>
@@ -15090,7 +15293,7 @@
         <p:spPr>
           <a:xfrm>
             <a:off x="451800" y="1709280"/>
-            <a:ext cx="8224200" cy="4352400"/>
+            <a:ext cx="8223840" cy="4352040"/>
           </a:xfrm>
           <a:prstGeom prst="rect">
             <a:avLst/>
@@ -15111,11 +15314,17 @@
             <a:noAutofit/>
           </a:bodyPr>
           <a:p>
+            <a:pPr>
+              <a:lnSpc>
+                <a:spcPct val="100000"/>
+              </a:lnSpc>
+            </a:pPr>
             <a:endParaRPr b="0" lang="en-US" sz="1800" spc="-1" strike="noStrike">
               <a:solidFill>
                 <a:srgbClr val="000000"/>
               </a:solidFill>
               <a:latin typeface="Arial"/>
+              <a:ea typeface="DejaVu Sans"/>
             </a:endParaRPr>
           </a:p>
         </p:txBody>
@@ -15133,7 +15342,7 @@
         <p:spPr>
           <a:xfrm>
             <a:off x="609480" y="1769400"/>
-            <a:ext cx="10587240" cy="4855320"/>
+            <a:ext cx="10586880" cy="4854960"/>
           </a:xfrm>
           <a:prstGeom prst="rect">
             <a:avLst/>
@@ -15172,7 +15381,7 @@
               </a:rPr>
               <a:t>Tool requirements from the user‘s perspective</a:t>
             </a:r>
-            <a:endParaRPr b="0" lang="en-US" sz="2000" spc="-1" strike="noStrike">
+            <a:endParaRPr b="0" lang="en-GB" sz="2000" spc="-1" strike="noStrike">
               <a:solidFill>
                 <a:srgbClr val="000000"/>
               </a:solidFill>
@@ -15192,7 +15401,7 @@
                 <a:tab algn="l" pos="0"/>
               </a:tabLst>
             </a:pPr>
-            <a:endParaRPr b="0" lang="en-US" sz="2000" spc="-1" strike="noStrike">
+            <a:endParaRPr b="0" lang="en-GB" sz="2000" spc="-1" strike="noStrike">
               <a:solidFill>
                 <a:srgbClr val="000000"/>
               </a:solidFill>
@@ -15227,7 +15436,7 @@
               </a:rPr>
               <a:t>Tool usage</a:t>
             </a:r>
-            <a:endParaRPr b="0" lang="en-US" sz="2000" spc="-1" strike="noStrike">
+            <a:endParaRPr b="0" lang="en-GB" sz="2000" spc="-1" strike="noStrike">
               <a:solidFill>
                 <a:srgbClr val="000000"/>
               </a:solidFill>
@@ -15262,7 +15471,7 @@
               </a:rPr>
               <a:t>Access to appropriate functions required</a:t>
             </a:r>
-            <a:endParaRPr b="0" lang="en-US" sz="1800" spc="-1" strike="noStrike">
+            <a:endParaRPr b="0" lang="en-GB" sz="1800" spc="-1" strike="noStrike">
               <a:solidFill>
                 <a:srgbClr val="000000"/>
               </a:solidFill>
@@ -15297,7 +15506,7 @@
               </a:rPr>
               <a:t>Mapping of roles</a:t>
             </a:r>
-            <a:endParaRPr b="0" lang="en-US" sz="2000" spc="-1" strike="noStrike">
+            <a:endParaRPr b="0" lang="en-GB" sz="2000" spc="-1" strike="noStrike">
               <a:solidFill>
                 <a:srgbClr val="000000"/>
               </a:solidFill>
@@ -15332,7 +15541,7 @@
               </a:rPr>
               <a:t>Stakeholders mapped to roles through user management and access rights</a:t>
             </a:r>
-            <a:endParaRPr b="0" lang="en-US" sz="1800" spc="-1" strike="noStrike">
+            <a:endParaRPr b="0" lang="en-GB" sz="1800" spc="-1" strike="noStrike">
               <a:solidFill>
                 <a:srgbClr val="000000"/>
               </a:solidFill>
@@ -15367,7 +15576,7 @@
               </a:rPr>
               <a:t>Support of group work</a:t>
             </a:r>
-            <a:endParaRPr b="0" lang="en-US" sz="2000" spc="-1" strike="noStrike">
+            <a:endParaRPr b="0" lang="en-GB" sz="2000" spc="-1" strike="noStrike">
               <a:solidFill>
                 <a:srgbClr val="000000"/>
               </a:solidFill>
@@ -15402,7 +15611,7 @@
               </a:rPr>
               <a:t>Multiple users should be able to work collaboratively</a:t>
             </a:r>
-            <a:endParaRPr b="0" lang="en-US" sz="1800" spc="-1" strike="noStrike">
+            <a:endParaRPr b="0" lang="en-GB" sz="1800" spc="-1" strike="noStrike">
               <a:solidFill>
                 <a:srgbClr val="000000"/>
               </a:solidFill>
@@ -15450,7 +15659,7 @@
         <p:spPr>
           <a:xfrm>
             <a:off x="542880" y="721800"/>
-            <a:ext cx="10356840" cy="497520"/>
+            <a:ext cx="10356480" cy="497160"/>
           </a:xfrm>
           <a:prstGeom prst="rect">
             <a:avLst/>
@@ -15486,7 +15695,7 @@
               </a:rPr>
               <a:t>Introducing and Evaluating Tools</a:t>
             </a:r>
-            <a:endParaRPr b="0" lang="en-US" sz="2200" spc="-1" strike="noStrike">
+            <a:endParaRPr b="0" lang="en-GB" sz="2200" spc="-1" strike="noStrike">
               <a:solidFill>
                 <a:srgbClr val="000000"/>
               </a:solidFill>
@@ -15504,7 +15713,7 @@
         <p:spPr>
           <a:xfrm>
             <a:off x="542880" y="1267200"/>
-            <a:ext cx="10356840" cy="497520"/>
+            <a:ext cx="10356480" cy="497160"/>
           </a:xfrm>
           <a:prstGeom prst="rect">
             <a:avLst/>
@@ -15540,7 +15749,7 @@
               </a:rPr>
               <a:t>Views on Tools: Product View</a:t>
             </a:r>
-            <a:endParaRPr b="0" lang="en-US" sz="2200" spc="-1" strike="noStrike">
+            <a:endParaRPr b="0" lang="en-GB" sz="2200" spc="-1" strike="noStrike">
               <a:solidFill>
                 <a:srgbClr val="000000"/>
               </a:solidFill>
@@ -15558,7 +15767,7 @@
         <p:spPr>
           <a:xfrm>
             <a:off x="451800" y="1709280"/>
-            <a:ext cx="8224200" cy="4352400"/>
+            <a:ext cx="8223840" cy="4352040"/>
           </a:xfrm>
           <a:prstGeom prst="rect">
             <a:avLst/>
@@ -15579,11 +15788,17 @@
             <a:noAutofit/>
           </a:bodyPr>
           <a:p>
+            <a:pPr>
+              <a:lnSpc>
+                <a:spcPct val="100000"/>
+              </a:lnSpc>
+            </a:pPr>
             <a:endParaRPr b="0" lang="en-US" sz="1800" spc="-1" strike="noStrike">
               <a:solidFill>
                 <a:srgbClr val="000000"/>
               </a:solidFill>
               <a:latin typeface="Arial"/>
+              <a:ea typeface="DejaVu Sans"/>
             </a:endParaRPr>
           </a:p>
         </p:txBody>
@@ -15601,7 +15816,7 @@
         <p:spPr>
           <a:xfrm>
             <a:off x="609480" y="1769400"/>
-            <a:ext cx="10587240" cy="4855320"/>
+            <a:ext cx="10586880" cy="4854960"/>
           </a:xfrm>
           <a:prstGeom prst="rect">
             <a:avLst/>
@@ -15640,7 +15855,7 @@
               </a:rPr>
               <a:t>Concerned with the functionalities possed by a tool</a:t>
             </a:r>
-            <a:endParaRPr b="0" lang="en-US" sz="2000" spc="-1" strike="noStrike">
+            <a:endParaRPr b="0" lang="en-GB" sz="2000" spc="-1" strike="noStrike">
               <a:solidFill>
                 <a:srgbClr val="000000"/>
               </a:solidFill>
@@ -15672,7 +15887,7 @@
               </a:rPr>
               <a:t>For example, for different documentation types</a:t>
             </a:r>
-            <a:endParaRPr b="0" lang="en-US" sz="1800" spc="-1" strike="noStrike">
+            <a:endParaRPr b="0" lang="en-GB" sz="1800" spc="-1" strike="noStrike">
               <a:solidFill>
                 <a:srgbClr val="000000"/>
               </a:solidFill>
@@ -15692,7 +15907,7 @@
                 <a:tab algn="l" pos="0"/>
               </a:tabLst>
             </a:pPr>
-            <a:endParaRPr b="0" lang="en-US" sz="1800" spc="-1" strike="noStrike">
+            <a:endParaRPr b="0" lang="en-GB" sz="1800" spc="-1" strike="noStrike">
               <a:solidFill>
                 <a:srgbClr val="000000"/>
               </a:solidFill>
@@ -15727,7 +15942,7 @@
               </a:rPr>
               <a:t>Considerations</a:t>
             </a:r>
-            <a:endParaRPr b="0" lang="en-US" sz="2000" spc="-1" strike="noStrike">
+            <a:endParaRPr b="0" lang="en-GB" sz="2000" spc="-1" strike="noStrike">
               <a:solidFill>
                 <a:srgbClr val="000000"/>
               </a:solidFill>
@@ -15762,7 +15977,7 @@
               </a:rPr>
               <a:t>Supported document types</a:t>
             </a:r>
-            <a:endParaRPr b="0" lang="en-US" sz="1800" spc="-1" strike="noStrike">
+            <a:endParaRPr b="0" lang="en-GB" sz="1800" spc="-1" strike="noStrike">
               <a:solidFill>
                 <a:srgbClr val="000000"/>
               </a:solidFill>
@@ -15797,7 +16012,7 @@
               </a:rPr>
               <a:t>Views on requirements</a:t>
             </a:r>
-            <a:endParaRPr b="0" lang="en-US" sz="1800" spc="-1" strike="noStrike">
+            <a:endParaRPr b="0" lang="en-GB" sz="1800" spc="-1" strike="noStrike">
               <a:solidFill>
                 <a:srgbClr val="000000"/>
               </a:solidFill>
@@ -15832,7 +16047,7 @@
               </a:rPr>
               <a:t>Reports that can be generated</a:t>
             </a:r>
-            <a:endParaRPr b="0" lang="en-US" sz="1800" spc="-1" strike="noStrike">
+            <a:endParaRPr b="0" lang="en-GB" sz="1800" spc="-1" strike="noStrike">
               <a:solidFill>
                 <a:srgbClr val="000000"/>
               </a:solidFill>
@@ -15867,7 +16082,7 @@
               </a:rPr>
               <a:t>Traceability</a:t>
             </a:r>
-            <a:endParaRPr b="0" lang="en-US" sz="1800" spc="-1" strike="noStrike">
+            <a:endParaRPr b="0" lang="en-GB" sz="1800" spc="-1" strike="noStrike">
               <a:solidFill>
                 <a:srgbClr val="000000"/>
               </a:solidFill>
@@ -15915,7 +16130,7 @@
         <p:spPr>
           <a:xfrm>
             <a:off x="542880" y="721800"/>
-            <a:ext cx="10356840" cy="497520"/>
+            <a:ext cx="10356480" cy="497160"/>
           </a:xfrm>
           <a:prstGeom prst="rect">
             <a:avLst/>
@@ -15951,7 +16166,7 @@
               </a:rPr>
               <a:t>Introducing and Evaluating Tools</a:t>
             </a:r>
-            <a:endParaRPr b="0" lang="en-US" sz="2200" spc="-1" strike="noStrike">
+            <a:endParaRPr b="0" lang="en-GB" sz="2200" spc="-1" strike="noStrike">
               <a:solidFill>
                 <a:srgbClr val="000000"/>
               </a:solidFill>
@@ -15969,7 +16184,7 @@
         <p:spPr>
           <a:xfrm>
             <a:off x="542880" y="1267200"/>
-            <a:ext cx="10356840" cy="497520"/>
+            <a:ext cx="10356480" cy="497160"/>
           </a:xfrm>
           <a:prstGeom prst="rect">
             <a:avLst/>
@@ -16005,7 +16220,7 @@
               </a:rPr>
               <a:t>Views on Tools: Process View</a:t>
             </a:r>
-            <a:endParaRPr b="0" lang="en-US" sz="2200" spc="-1" strike="noStrike">
+            <a:endParaRPr b="0" lang="en-GB" sz="2200" spc="-1" strike="noStrike">
               <a:solidFill>
                 <a:srgbClr val="000000"/>
               </a:solidFill>
@@ -16023,7 +16238,7 @@
         <p:spPr>
           <a:xfrm>
             <a:off x="451800" y="1709280"/>
-            <a:ext cx="8224200" cy="4352400"/>
+            <a:ext cx="8223840" cy="4352040"/>
           </a:xfrm>
           <a:prstGeom prst="rect">
             <a:avLst/>
@@ -16044,11 +16259,17 @@
             <a:noAutofit/>
           </a:bodyPr>
           <a:p>
+            <a:pPr>
+              <a:lnSpc>
+                <a:spcPct val="100000"/>
+              </a:lnSpc>
+            </a:pPr>
             <a:endParaRPr b="0" lang="en-US" sz="1800" spc="-1" strike="noStrike">
               <a:solidFill>
                 <a:srgbClr val="000000"/>
               </a:solidFill>
               <a:latin typeface="Arial"/>
+              <a:ea typeface="DejaVu Sans"/>
             </a:endParaRPr>
           </a:p>
         </p:txBody>
@@ -16066,7 +16287,7 @@
         <p:spPr>
           <a:xfrm>
             <a:off x="609480" y="1769400"/>
-            <a:ext cx="10587240" cy="4855320"/>
+            <a:ext cx="10586880" cy="4854960"/>
           </a:xfrm>
           <a:prstGeom prst="rect">
             <a:avLst/>
@@ -16105,7 +16326,7 @@
               </a:rPr>
               <a:t>From the perspective of method support</a:t>
             </a:r>
-            <a:endParaRPr b="0" lang="en-US" sz="2000" spc="-1" strike="noStrike">
+            <a:endParaRPr b="0" lang="en-GB" sz="2000" spc="-1" strike="noStrike">
               <a:solidFill>
                 <a:srgbClr val="000000"/>
               </a:solidFill>
@@ -16137,7 +16358,7 @@
               </a:rPr>
               <a:t>How does a tool support the application of a specific technique?</a:t>
             </a:r>
-            <a:endParaRPr b="0" lang="en-US" sz="1800" spc="-1" strike="noStrike">
+            <a:endParaRPr b="0" lang="en-GB" sz="1800" spc="-1" strike="noStrike">
               <a:solidFill>
                 <a:srgbClr val="000000"/>
               </a:solidFill>
@@ -16157,7 +16378,7 @@
                 <a:tab algn="l" pos="0"/>
               </a:tabLst>
             </a:pPr>
-            <a:endParaRPr b="0" lang="en-US" sz="1800" spc="-1" strike="noStrike">
+            <a:endParaRPr b="0" lang="en-GB" sz="1800" spc="-1" strike="noStrike">
               <a:solidFill>
                 <a:srgbClr val="000000"/>
               </a:solidFill>
@@ -16192,7 +16413,7 @@
               </a:rPr>
               <a:t>Ability to document activities</a:t>
             </a:r>
-            <a:endParaRPr b="0" lang="en-US" sz="2000" spc="-1" strike="noStrike">
+            <a:endParaRPr b="0" lang="en-GB" sz="2000" spc="-1" strike="noStrike">
               <a:solidFill>
                 <a:srgbClr val="000000"/>
               </a:solidFill>
@@ -16227,7 +16448,7 @@
               </a:rPr>
               <a:t>Method guidance</a:t>
             </a:r>
-            <a:endParaRPr b="0" lang="en-US" sz="2000" spc="-1" strike="noStrike">
+            <a:endParaRPr b="0" lang="en-GB" sz="2000" spc="-1" strike="noStrike">
               <a:solidFill>
                 <a:srgbClr val="000000"/>
               </a:solidFill>
@@ -16262,7 +16483,7 @@
               </a:rPr>
               <a:t>Strict and restrictive guidance (e.g., wizards)</a:t>
             </a:r>
-            <a:endParaRPr b="0" lang="en-US" sz="1800" spc="-1" strike="noStrike">
+            <a:endParaRPr b="0" lang="en-GB" sz="1800" spc="-1" strike="noStrike">
               <a:solidFill>
                 <a:srgbClr val="000000"/>
               </a:solidFill>
@@ -16297,7 +16518,7 @@
               </a:rPr>
               <a:t>Lenient guidance (e.g., suggestions and hints)</a:t>
             </a:r>
-            <a:endParaRPr b="0" lang="en-US" sz="1800" spc="-1" strike="noStrike">
+            <a:endParaRPr b="0" lang="en-GB" sz="1800" spc="-1" strike="noStrike">
               <a:solidFill>
                 <a:srgbClr val="000000"/>
               </a:solidFill>
@@ -16332,7 +16553,7 @@
               </a:rPr>
               <a:t>Project-specific process model definition</a:t>
             </a:r>
-            <a:endParaRPr b="0" lang="en-US" sz="2000" spc="-1" strike="noStrike">
+            <a:endParaRPr b="0" lang="en-GB" sz="2000" spc="-1" strike="noStrike">
               <a:solidFill>
                 <a:srgbClr val="000000"/>
               </a:solidFill>
@@ -16367,7 +16588,7 @@
               </a:rPr>
               <a:t>e.g, phases</a:t>
             </a:r>
-            <a:endParaRPr b="0" lang="en-US" sz="1800" spc="-1" strike="noStrike">
+            <a:endParaRPr b="0" lang="en-GB" sz="1800" spc="-1" strike="noStrike">
               <a:solidFill>
                 <a:srgbClr val="000000"/>
               </a:solidFill>
@@ -16415,7 +16636,7 @@
         <p:spPr>
           <a:xfrm>
             <a:off x="542880" y="721800"/>
-            <a:ext cx="10356840" cy="497520"/>
+            <a:ext cx="10356480" cy="497160"/>
           </a:xfrm>
           <a:prstGeom prst="rect">
             <a:avLst/>
@@ -16451,7 +16672,7 @@
               </a:rPr>
               <a:t>Lecture 13: Tool Support</a:t>
             </a:r>
-            <a:endParaRPr b="0" lang="en-US" sz="2200" spc="-1" strike="noStrike">
+            <a:endParaRPr b="0" lang="en-GB" sz="2200" spc="-1" strike="noStrike">
               <a:solidFill>
                 <a:srgbClr val="000000"/>
               </a:solidFill>
@@ -16469,7 +16690,7 @@
         <p:spPr>
           <a:xfrm>
             <a:off x="542880" y="1267200"/>
-            <a:ext cx="10356840" cy="497520"/>
+            <a:ext cx="10356480" cy="497160"/>
           </a:xfrm>
           <a:prstGeom prst="rect">
             <a:avLst/>
@@ -16505,7 +16726,7 @@
               </a:rPr>
               <a:t>Content</a:t>
             </a:r>
-            <a:endParaRPr b="0" lang="en-US" sz="2200" spc="-1" strike="noStrike">
+            <a:endParaRPr b="0" lang="en-GB" sz="2200" spc="-1" strike="noStrike">
               <a:solidFill>
                 <a:srgbClr val="000000"/>
               </a:solidFill>
@@ -16523,7 +16744,7 @@
         <p:spPr>
           <a:xfrm>
             <a:off x="451800" y="1709280"/>
-            <a:ext cx="8224200" cy="4352400"/>
+            <a:ext cx="8223840" cy="4352040"/>
           </a:xfrm>
           <a:prstGeom prst="rect">
             <a:avLst/>
@@ -16570,7 +16791,7 @@
               </a:rPr>
               <a:t>Tool Support in General</a:t>
             </a:r>
-            <a:endParaRPr b="0" lang="en-US" sz="1800" spc="-1" strike="noStrike">
+            <a:endParaRPr b="0" lang="en-GB" sz="1800" spc="-1" strike="noStrike">
               <a:solidFill>
                 <a:srgbClr val="000000"/>
               </a:solidFill>
@@ -16604,7 +16825,7 @@
               </a:rPr>
               <a:t>Requirements Management Tools</a:t>
             </a:r>
-            <a:endParaRPr b="0" lang="en-US" sz="1800" spc="-1" strike="noStrike">
+            <a:endParaRPr b="0" lang="en-GB" sz="1800" spc="-1" strike="noStrike">
               <a:solidFill>
                 <a:srgbClr val="000000"/>
               </a:solidFill>
@@ -16638,7 +16859,7 @@
               </a:rPr>
               <a:t>Introducing and Evaluating Tools</a:t>
             </a:r>
-            <a:endParaRPr b="0" lang="en-US" sz="1800" spc="-1" strike="noStrike">
+            <a:endParaRPr b="0" lang="en-GB" sz="1800" spc="-1" strike="noStrike">
               <a:solidFill>
                 <a:srgbClr val="000000"/>
               </a:solidFill>
@@ -16657,7 +16878,7 @@
                 <a:tab algn="l" pos="0"/>
               </a:tabLst>
             </a:pPr>
-            <a:endParaRPr b="0" lang="en-US" sz="1800" spc="-1" strike="noStrike">
+            <a:endParaRPr b="0" lang="en-GB" sz="1800" spc="-1" strike="noStrike">
               <a:solidFill>
                 <a:srgbClr val="000000"/>
               </a:solidFill>
@@ -16705,7 +16926,7 @@
         <p:spPr>
           <a:xfrm>
             <a:off x="542880" y="721800"/>
-            <a:ext cx="10356840" cy="497520"/>
+            <a:ext cx="10356480" cy="497160"/>
           </a:xfrm>
           <a:prstGeom prst="rect">
             <a:avLst/>
@@ -16741,7 +16962,7 @@
               </a:rPr>
               <a:t>Introducing and Evaluating Tools</a:t>
             </a:r>
-            <a:endParaRPr b="0" lang="en-US" sz="2200" spc="-1" strike="noStrike">
+            <a:endParaRPr b="0" lang="en-GB" sz="2200" spc="-1" strike="noStrike">
               <a:solidFill>
                 <a:srgbClr val="000000"/>
               </a:solidFill>
@@ -16759,7 +16980,7 @@
         <p:spPr>
           <a:xfrm>
             <a:off x="542880" y="1267200"/>
-            <a:ext cx="10356840" cy="497520"/>
+            <a:ext cx="10356480" cy="497160"/>
           </a:xfrm>
           <a:prstGeom prst="rect">
             <a:avLst/>
@@ -16795,7 +17016,7 @@
               </a:rPr>
               <a:t>Views on Tools: Provider View</a:t>
             </a:r>
-            <a:endParaRPr b="0" lang="en-US" sz="2200" spc="-1" strike="noStrike">
+            <a:endParaRPr b="0" lang="en-GB" sz="2200" spc="-1" strike="noStrike">
               <a:solidFill>
                 <a:srgbClr val="000000"/>
               </a:solidFill>
@@ -16813,7 +17034,7 @@
         <p:spPr>
           <a:xfrm>
             <a:off x="451800" y="1709280"/>
-            <a:ext cx="8224200" cy="4352400"/>
+            <a:ext cx="8223840" cy="4352040"/>
           </a:xfrm>
           <a:prstGeom prst="rect">
             <a:avLst/>
@@ -16834,11 +17055,17 @@
             <a:noAutofit/>
           </a:bodyPr>
           <a:p>
+            <a:pPr>
+              <a:lnSpc>
+                <a:spcPct val="100000"/>
+              </a:lnSpc>
+            </a:pPr>
             <a:endParaRPr b="0" lang="en-US" sz="1800" spc="-1" strike="noStrike">
               <a:solidFill>
                 <a:srgbClr val="000000"/>
               </a:solidFill>
               <a:latin typeface="Arial"/>
+              <a:ea typeface="DejaVu Sans"/>
             </a:endParaRPr>
           </a:p>
         </p:txBody>
@@ -16856,7 +17083,7 @@
         <p:spPr>
           <a:xfrm>
             <a:off x="609480" y="1769400"/>
-            <a:ext cx="10587240" cy="4855320"/>
+            <a:ext cx="10586880" cy="4854960"/>
           </a:xfrm>
           <a:prstGeom prst="rect">
             <a:avLst/>
@@ -16895,7 +17122,7 @@
               </a:rPr>
               <a:t>Market position and services offered by the tool manufacturer</a:t>
             </a:r>
-            <a:endParaRPr b="0" lang="en-US" sz="2000" spc="-1" strike="noStrike">
+            <a:endParaRPr b="0" lang="en-GB" sz="2000" spc="-1" strike="noStrike">
               <a:solidFill>
                 <a:srgbClr val="000000"/>
               </a:solidFill>
@@ -16915,7 +17142,7 @@
                 <a:tab algn="l" pos="0"/>
               </a:tabLst>
             </a:pPr>
-            <a:endParaRPr b="0" lang="en-US" sz="2000" spc="-1" strike="noStrike">
+            <a:endParaRPr b="0" lang="en-GB" sz="2000" spc="-1" strike="noStrike">
               <a:solidFill>
                 <a:srgbClr val="000000"/>
               </a:solidFill>
@@ -16950,7 +17177,7 @@
               </a:rPr>
               <a:t>Brand awareness and reputation often important criteria</a:t>
             </a:r>
-            <a:endParaRPr b="0" lang="en-US" sz="2000" spc="-1" strike="noStrike">
+            <a:endParaRPr b="0" lang="en-GB" sz="2000" spc="-1" strike="noStrike">
               <a:solidFill>
                 <a:srgbClr val="000000"/>
               </a:solidFill>
@@ -16970,7 +17197,7 @@
                 <a:tab algn="l" pos="0"/>
               </a:tabLst>
             </a:pPr>
-            <a:endParaRPr b="0" lang="en-US" sz="2000" spc="-1" strike="noStrike">
+            <a:endParaRPr b="0" lang="en-GB" sz="2000" spc="-1" strike="noStrike">
               <a:solidFill>
                 <a:srgbClr val="000000"/>
               </a:solidFill>
@@ -17005,7 +17232,7 @@
               </a:rPr>
               <a:t>High costs and required long-term support require strong commitment</a:t>
             </a:r>
-            <a:endParaRPr b="0" lang="en-US" sz="2000" spc="-1" strike="noStrike">
+            <a:endParaRPr b="0" lang="en-GB" sz="2000" spc="-1" strike="noStrike">
               <a:solidFill>
                 <a:srgbClr val="000000"/>
               </a:solidFill>
@@ -17053,7 +17280,7 @@
         <p:spPr>
           <a:xfrm>
             <a:off x="542880" y="721800"/>
-            <a:ext cx="10356840" cy="497520"/>
+            <a:ext cx="10356480" cy="497160"/>
           </a:xfrm>
           <a:prstGeom prst="rect">
             <a:avLst/>
@@ -17089,7 +17316,7 @@
               </a:rPr>
               <a:t>Introducing and Evaluating Tools</a:t>
             </a:r>
-            <a:endParaRPr b="0" lang="en-US" sz="2200" spc="-1" strike="noStrike">
+            <a:endParaRPr b="0" lang="en-GB" sz="2200" spc="-1" strike="noStrike">
               <a:solidFill>
                 <a:srgbClr val="000000"/>
               </a:solidFill>
@@ -17107,7 +17334,7 @@
         <p:spPr>
           <a:xfrm>
             <a:off x="542880" y="1267200"/>
-            <a:ext cx="10356840" cy="497520"/>
+            <a:ext cx="10356480" cy="497160"/>
           </a:xfrm>
           <a:prstGeom prst="rect">
             <a:avLst/>
@@ -17143,7 +17370,7 @@
               </a:rPr>
               <a:t>Views on Tools: Technical View</a:t>
             </a:r>
-            <a:endParaRPr b="0" lang="en-US" sz="2200" spc="-1" strike="noStrike">
+            <a:endParaRPr b="0" lang="en-GB" sz="2200" spc="-1" strike="noStrike">
               <a:solidFill>
                 <a:srgbClr val="000000"/>
               </a:solidFill>
@@ -17161,7 +17388,7 @@
         <p:spPr>
           <a:xfrm>
             <a:off x="451800" y="1709280"/>
-            <a:ext cx="8224200" cy="4352400"/>
+            <a:ext cx="8223840" cy="4352040"/>
           </a:xfrm>
           <a:prstGeom prst="rect">
             <a:avLst/>
@@ -17182,11 +17409,17 @@
             <a:noAutofit/>
           </a:bodyPr>
           <a:p>
+            <a:pPr>
+              <a:lnSpc>
+                <a:spcPct val="100000"/>
+              </a:lnSpc>
+            </a:pPr>
             <a:endParaRPr b="0" lang="en-US" sz="1800" spc="-1" strike="noStrike">
               <a:solidFill>
                 <a:srgbClr val="000000"/>
               </a:solidFill>
               <a:latin typeface="Arial"/>
+              <a:ea typeface="DejaVu Sans"/>
             </a:endParaRPr>
           </a:p>
         </p:txBody>
@@ -17204,7 +17437,7 @@
         <p:spPr>
           <a:xfrm>
             <a:off x="609480" y="1769400"/>
-            <a:ext cx="10587240" cy="4855320"/>
+            <a:ext cx="10586880" cy="4854960"/>
           </a:xfrm>
           <a:prstGeom prst="rect">
             <a:avLst/>
@@ -17243,7 +17476,7 @@
               </a:rPr>
               <a:t>Considers technical context</a:t>
             </a:r>
-            <a:endParaRPr b="0" lang="en-US" sz="2000" spc="-1" strike="noStrike">
+            <a:endParaRPr b="0" lang="en-GB" sz="2000" spc="-1" strike="noStrike">
               <a:solidFill>
                 <a:srgbClr val="000000"/>
               </a:solidFill>
@@ -17263,7 +17496,7 @@
                 <a:tab algn="l" pos="0"/>
               </a:tabLst>
             </a:pPr>
-            <a:endParaRPr b="0" lang="en-US" sz="2000" spc="-1" strike="noStrike">
+            <a:endParaRPr b="0" lang="en-GB" sz="2000" spc="-1" strike="noStrike">
               <a:solidFill>
                 <a:srgbClr val="000000"/>
               </a:solidFill>
@@ -17298,7 +17531,7 @@
               </a:rPr>
               <a:t>Ability to integrate the tool with existing tools</a:t>
             </a:r>
-            <a:endParaRPr b="0" lang="en-US" sz="2000" spc="-1" strike="noStrike">
+            <a:endParaRPr b="0" lang="en-GB" sz="2000" spc="-1" strike="noStrike">
               <a:solidFill>
                 <a:srgbClr val="000000"/>
               </a:solidFill>
@@ -17333,7 +17566,7 @@
               </a:rPr>
               <a:t>Evaluate APIs</a:t>
             </a:r>
-            <a:endParaRPr b="0" lang="en-US" sz="1800" spc="-1" strike="noStrike">
+            <a:endParaRPr b="0" lang="en-GB" sz="1800" spc="-1" strike="noStrike">
               <a:solidFill>
                 <a:srgbClr val="000000"/>
               </a:solidFill>
@@ -17368,7 +17601,7 @@
               </a:rPr>
               <a:t>Performance of the tool</a:t>
             </a:r>
-            <a:endParaRPr b="0" lang="en-US" sz="2000" spc="-1" strike="noStrike">
+            <a:endParaRPr b="0" lang="en-GB" sz="2000" spc="-1" strike="noStrike">
               <a:solidFill>
                 <a:srgbClr val="000000"/>
               </a:solidFill>
@@ -17403,7 +17636,7 @@
               </a:rPr>
               <a:t>Evaluate how long importing/exporting data takes</a:t>
             </a:r>
-            <a:endParaRPr b="0" lang="en-US" sz="1800" spc="-1" strike="noStrike">
+            <a:endParaRPr b="0" lang="en-GB" sz="1800" spc="-1" strike="noStrike">
               <a:solidFill>
                 <a:srgbClr val="000000"/>
               </a:solidFill>
@@ -17438,7 +17671,7 @@
               </a:rPr>
               <a:t>Scalability</a:t>
             </a:r>
-            <a:endParaRPr b="0" lang="en-US" sz="2000" spc="-1" strike="noStrike">
+            <a:endParaRPr b="0" lang="en-GB" sz="2000" spc="-1" strike="noStrike">
               <a:solidFill>
                 <a:srgbClr val="000000"/>
               </a:solidFill>
@@ -17473,7 +17706,7 @@
               </a:rPr>
               <a:t>Maximum number of users/objects</a:t>
             </a:r>
-            <a:endParaRPr b="0" lang="en-US" sz="1800" spc="-1" strike="noStrike">
+            <a:endParaRPr b="0" lang="en-GB" sz="1800" spc="-1" strike="noStrike">
               <a:solidFill>
                 <a:srgbClr val="000000"/>
               </a:solidFill>
@@ -17508,7 +17741,7 @@
               </a:rPr>
               <a:t>Hardware and software requirements</a:t>
             </a:r>
-            <a:endParaRPr b="0" lang="en-US" sz="2000" spc="-1" strike="noStrike">
+            <a:endParaRPr b="0" lang="en-GB" sz="2000" spc="-1" strike="noStrike">
               <a:solidFill>
                 <a:srgbClr val="000000"/>
               </a:solidFill>
@@ -17556,7 +17789,7 @@
         <p:spPr>
           <a:xfrm>
             <a:off x="542880" y="721800"/>
-            <a:ext cx="10356840" cy="497520"/>
+            <a:ext cx="10356480" cy="497160"/>
           </a:xfrm>
           <a:prstGeom prst="rect">
             <a:avLst/>
@@ -17592,7 +17825,7 @@
               </a:rPr>
               <a:t>Introducing and Evaluating Tools</a:t>
             </a:r>
-            <a:endParaRPr b="0" lang="en-US" sz="2200" spc="-1" strike="noStrike">
+            <a:endParaRPr b="0" lang="en-GB" sz="2200" spc="-1" strike="noStrike">
               <a:solidFill>
                 <a:srgbClr val="000000"/>
               </a:solidFill>
@@ -17610,7 +17843,7 @@
         <p:spPr>
           <a:xfrm>
             <a:off x="542880" y="1267200"/>
-            <a:ext cx="10356840" cy="497520"/>
+            <a:ext cx="10356480" cy="497160"/>
           </a:xfrm>
           <a:prstGeom prst="rect">
             <a:avLst/>
@@ -17646,7 +17879,7 @@
               </a:rPr>
               <a:t>Views on Tools: Economic View</a:t>
             </a:r>
-            <a:endParaRPr b="0" lang="en-US" sz="2200" spc="-1" strike="noStrike">
+            <a:endParaRPr b="0" lang="en-GB" sz="2200" spc="-1" strike="noStrike">
               <a:solidFill>
                 <a:srgbClr val="000000"/>
               </a:solidFill>
@@ -17664,7 +17897,7 @@
         <p:spPr>
           <a:xfrm>
             <a:off x="451800" y="1709280"/>
-            <a:ext cx="8224200" cy="4352400"/>
+            <a:ext cx="8223840" cy="4352040"/>
           </a:xfrm>
           <a:prstGeom prst="rect">
             <a:avLst/>
@@ -17685,11 +17918,17 @@
             <a:noAutofit/>
           </a:bodyPr>
           <a:p>
+            <a:pPr>
+              <a:lnSpc>
+                <a:spcPct val="100000"/>
+              </a:lnSpc>
+            </a:pPr>
             <a:endParaRPr b="0" lang="en-US" sz="1800" spc="-1" strike="noStrike">
               <a:solidFill>
                 <a:srgbClr val="000000"/>
               </a:solidFill>
               <a:latin typeface="Arial"/>
+              <a:ea typeface="DejaVu Sans"/>
             </a:endParaRPr>
           </a:p>
         </p:txBody>
@@ -17707,7 +17946,7 @@
         <p:spPr>
           <a:xfrm>
             <a:off x="609480" y="1769400"/>
-            <a:ext cx="10587240" cy="4855320"/>
+            <a:ext cx="10586880" cy="4854960"/>
           </a:xfrm>
           <a:prstGeom prst="rect">
             <a:avLst/>
@@ -17746,7 +17985,7 @@
               </a:rPr>
               <a:t>Considers costs</a:t>
             </a:r>
-            <a:endParaRPr b="0" lang="en-US" sz="2000" spc="-1" strike="noStrike">
+            <a:endParaRPr b="0" lang="en-GB" sz="2000" spc="-1" strike="noStrike">
               <a:solidFill>
                 <a:srgbClr val="000000"/>
               </a:solidFill>
@@ -17778,7 +18017,7 @@
               </a:rPr>
               <a:t>Due to acquisition</a:t>
             </a:r>
-            <a:endParaRPr b="0" lang="en-US" sz="1800" spc="-1" strike="noStrike">
+            <a:endParaRPr b="0" lang="en-GB" sz="1800" spc="-1" strike="noStrike">
               <a:solidFill>
                 <a:srgbClr val="000000"/>
               </a:solidFill>
@@ -17810,7 +18049,7 @@
               </a:rPr>
               <a:t>Introduction</a:t>
             </a:r>
-            <a:endParaRPr b="0" lang="en-US" sz="1800" spc="-1" strike="noStrike">
+            <a:endParaRPr b="0" lang="en-GB" sz="1800" spc="-1" strike="noStrike">
               <a:solidFill>
                 <a:srgbClr val="000000"/>
               </a:solidFill>
@@ -17842,7 +18081,7 @@
               </a:rPr>
               <a:t>Maintenance</a:t>
             </a:r>
-            <a:endParaRPr b="0" lang="en-US" sz="1800" spc="-1" strike="noStrike">
+            <a:endParaRPr b="0" lang="en-GB" sz="1800" spc="-1" strike="noStrike">
               <a:solidFill>
                 <a:srgbClr val="000000"/>
               </a:solidFill>
@@ -17874,7 +18113,7 @@
               </a:rPr>
               <a:t>Integration costs</a:t>
             </a:r>
-            <a:endParaRPr b="0" lang="en-US" sz="1800" spc="-1" strike="noStrike">
+            <a:endParaRPr b="0" lang="en-GB" sz="1800" spc="-1" strike="noStrike">
               <a:solidFill>
                 <a:srgbClr val="000000"/>
               </a:solidFill>
@@ -17906,7 +18145,7 @@
               </a:rPr>
               <a:t>Operation costs</a:t>
             </a:r>
-            <a:endParaRPr b="0" lang="en-US" sz="1800" spc="-1" strike="noStrike">
+            <a:endParaRPr b="0" lang="en-GB" sz="1800" spc="-1" strike="noStrike">
               <a:solidFill>
                 <a:srgbClr val="000000"/>
               </a:solidFill>
@@ -17938,7 +18177,7 @@
               </a:rPr>
               <a:t>Method tailoring</a:t>
             </a:r>
-            <a:endParaRPr b="0" lang="en-US" sz="1800" spc="-1" strike="noStrike">
+            <a:endParaRPr b="0" lang="en-GB" sz="1800" spc="-1" strike="noStrike">
               <a:solidFill>
                 <a:srgbClr val="000000"/>
               </a:solidFill>
@@ -17986,7 +18225,7 @@
         <p:spPr>
           <a:xfrm>
             <a:off x="335520" y="4406760"/>
-            <a:ext cx="10748520" cy="1357560"/>
+            <a:ext cx="10748160" cy="1357200"/>
           </a:xfrm>
           <a:prstGeom prst="rect">
             <a:avLst/>
@@ -18022,7 +18261,7 @@
               </a:rPr>
               <a:t>Summary</a:t>
             </a:r>
-            <a:endParaRPr b="0" lang="en-US" sz="3000" spc="-1" strike="noStrike">
+            <a:endParaRPr b="0" lang="en-GB" sz="3000" spc="-1" strike="noStrike">
               <a:solidFill>
                 <a:srgbClr val="000000"/>
               </a:solidFill>
@@ -18045,7 +18284,7 @@
               </a:rPr>
               <a:t> </a:t>
             </a:r>
-            <a:endParaRPr b="0" lang="en-US" sz="3000" spc="-1" strike="noStrike">
+            <a:endParaRPr b="0" lang="en-GB" sz="3000" spc="-1" strike="noStrike">
               <a:solidFill>
                 <a:srgbClr val="000000"/>
               </a:solidFill>
@@ -18058,7 +18297,7 @@
                 <a:spcPct val="100000"/>
               </a:lnSpc>
             </a:pPr>
-            <a:endParaRPr b="0" lang="en-US" sz="3000" spc="-1" strike="noStrike">
+            <a:endParaRPr b="0" lang="en-GB" sz="3000" spc="-1" strike="noStrike">
               <a:solidFill>
                 <a:srgbClr val="000000"/>
               </a:solidFill>
@@ -18076,7 +18315,7 @@
         <p:spPr>
           <a:xfrm>
             <a:off x="335520" y="2906640"/>
-            <a:ext cx="10748520" cy="1495440"/>
+            <a:ext cx="10748160" cy="1495080"/>
           </a:xfrm>
           <a:prstGeom prst="rect">
             <a:avLst/>
@@ -18097,11 +18336,17 @@
             <a:noAutofit/>
           </a:bodyPr>
           <a:p>
+            <a:pPr>
+              <a:lnSpc>
+                <a:spcPct val="100000"/>
+              </a:lnSpc>
+            </a:pPr>
             <a:endParaRPr b="0" lang="en-US" sz="1800" spc="-1" strike="noStrike">
               <a:solidFill>
                 <a:srgbClr val="000000"/>
               </a:solidFill>
               <a:latin typeface="Arial"/>
+              <a:ea typeface="DejaVu Sans"/>
             </a:endParaRPr>
           </a:p>
         </p:txBody>
@@ -18145,7 +18390,7 @@
         <p:spPr>
           <a:xfrm>
             <a:off x="542880" y="721800"/>
-            <a:ext cx="10356840" cy="497520"/>
+            <a:ext cx="10356480" cy="497160"/>
           </a:xfrm>
           <a:prstGeom prst="rect">
             <a:avLst/>
@@ -18181,7 +18426,7 @@
               </a:rPr>
               <a:t>Summary</a:t>
             </a:r>
-            <a:endParaRPr b="0" lang="en-US" sz="2200" spc="-1" strike="noStrike">
+            <a:endParaRPr b="0" lang="en-GB" sz="2200" spc="-1" strike="noStrike">
               <a:solidFill>
                 <a:srgbClr val="000000"/>
               </a:solidFill>
@@ -18199,7 +18444,7 @@
         <p:spPr>
           <a:xfrm>
             <a:off x="542880" y="1267200"/>
-            <a:ext cx="10356840" cy="497520"/>
+            <a:ext cx="10356480" cy="497160"/>
           </a:xfrm>
           <a:prstGeom prst="rect">
             <a:avLst/>
@@ -18220,11 +18465,17 @@
             <a:noAutofit/>
           </a:bodyPr>
           <a:p>
+            <a:pPr>
+              <a:lnSpc>
+                <a:spcPct val="100000"/>
+              </a:lnSpc>
+            </a:pPr>
             <a:endParaRPr b="0" lang="en-US" sz="1800" spc="-1" strike="noStrike">
               <a:solidFill>
                 <a:srgbClr val="000000"/>
               </a:solidFill>
               <a:latin typeface="Arial"/>
+              <a:ea typeface="DejaVu Sans"/>
             </a:endParaRPr>
           </a:p>
         </p:txBody>
@@ -18238,7 +18489,7 @@
         <p:spPr>
           <a:xfrm>
             <a:off x="451800" y="1709280"/>
-            <a:ext cx="8224200" cy="4352400"/>
+            <a:ext cx="8223840" cy="4352040"/>
           </a:xfrm>
           <a:prstGeom prst="rect">
             <a:avLst/>
@@ -18259,11 +18510,17 @@
             <a:noAutofit/>
           </a:bodyPr>
           <a:p>
+            <a:pPr>
+              <a:lnSpc>
+                <a:spcPct val="100000"/>
+              </a:lnSpc>
+            </a:pPr>
             <a:endParaRPr b="0" lang="en-US" sz="1800" spc="-1" strike="noStrike">
               <a:solidFill>
                 <a:srgbClr val="000000"/>
               </a:solidFill>
               <a:latin typeface="Arial"/>
+              <a:ea typeface="DejaVu Sans"/>
             </a:endParaRPr>
           </a:p>
         </p:txBody>
@@ -18281,7 +18538,7 @@
         <p:spPr>
           <a:xfrm>
             <a:off x="609480" y="1769400"/>
-            <a:ext cx="10587240" cy="4855320"/>
+            <a:ext cx="10586880" cy="4854960"/>
           </a:xfrm>
           <a:prstGeom prst="rect">
             <a:avLst/>
@@ -18320,7 +18577,7 @@
               </a:rPr>
               <a:t>Different kinds of tools available</a:t>
             </a:r>
-            <a:endParaRPr b="0" lang="en-US" sz="2000" spc="-1" strike="noStrike">
+            <a:endParaRPr b="0" lang="en-GB" sz="2000" spc="-1" strike="noStrike">
               <a:solidFill>
                 <a:srgbClr val="000000"/>
               </a:solidFill>
@@ -18352,7 +18609,7 @@
               </a:rPr>
               <a:t>Special RE tools vs. general purpose tools</a:t>
             </a:r>
-            <a:endParaRPr b="0" lang="en-US" sz="1800" spc="-1" strike="noStrike">
+            <a:endParaRPr b="0" lang="en-GB" sz="1800" spc="-1" strike="noStrike">
               <a:solidFill>
                 <a:srgbClr val="000000"/>
               </a:solidFill>
@@ -18384,7 +18641,7 @@
               </a:rPr>
               <a:t>A good process comes before a good tool</a:t>
             </a:r>
-            <a:endParaRPr b="0" lang="en-US" sz="2000" spc="-1" strike="noStrike">
+            <a:endParaRPr b="0" lang="en-GB" sz="2000" spc="-1" strike="noStrike">
               <a:solidFill>
                 <a:srgbClr val="000000"/>
               </a:solidFill>
@@ -18416,7 +18673,7 @@
               </a:rPr>
               <a:t>Whatever the tool, its use must be fitting for the process</a:t>
             </a:r>
-            <a:endParaRPr b="0" lang="en-US" sz="2000" spc="-1" strike="noStrike">
+            <a:endParaRPr b="0" lang="en-GB" sz="2000" spc="-1" strike="noStrike">
               <a:solidFill>
                 <a:srgbClr val="000000"/>
               </a:solidFill>
@@ -18448,7 +18705,7 @@
               </a:rPr>
               <a:t>New tools should be introduced in a pilot</a:t>
             </a:r>
-            <a:endParaRPr b="0" lang="en-US" sz="2000" spc="-1" strike="noStrike">
+            <a:endParaRPr b="0" lang="en-GB" sz="2000" spc="-1" strike="noStrike">
               <a:solidFill>
                 <a:srgbClr val="000000"/>
               </a:solidFill>
@@ -18480,7 +18737,7 @@
               </a:rPr>
               <a:t>Evaluating new tools is time consuming</a:t>
             </a:r>
-            <a:endParaRPr b="0" lang="en-US" sz="1800" spc="-1" strike="noStrike">
+            <a:endParaRPr b="0" lang="en-GB" sz="1800" spc="-1" strike="noStrike">
               <a:solidFill>
                 <a:srgbClr val="000000"/>
               </a:solidFill>
@@ -18528,7 +18785,7 @@
         <p:spPr>
           <a:xfrm>
             <a:off x="335520" y="1268640"/>
-            <a:ext cx="10745280" cy="5032800"/>
+            <a:ext cx="10744920" cy="5032440"/>
           </a:xfrm>
           <a:prstGeom prst="rect">
             <a:avLst/>
@@ -18570,7 +18827,7 @@
               </a:rPr>
               <a:t>Questions?</a:t>
             </a:r>
-            <a:endParaRPr b="0" lang="en-US" sz="4000" spc="-1" strike="noStrike">
+            <a:endParaRPr b="0" lang="en-GB" sz="4000" spc="-1" strike="noStrike">
               <a:solidFill>
                 <a:srgbClr val="000000"/>
               </a:solidFill>
@@ -18588,7 +18845,7 @@
         <p:spPr>
           <a:xfrm>
             <a:off x="335520" y="764640"/>
-            <a:ext cx="10745280" cy="496080"/>
+            <a:ext cx="10744920" cy="495720"/>
           </a:xfrm>
           <a:prstGeom prst="rect">
             <a:avLst/>
@@ -18609,11 +18866,17 @@
             <a:noAutofit/>
           </a:bodyPr>
           <a:p>
+            <a:pPr>
+              <a:lnSpc>
+                <a:spcPct val="100000"/>
+              </a:lnSpc>
+            </a:pPr>
             <a:endParaRPr b="0" lang="en-US" sz="1800" spc="-1" strike="noStrike">
               <a:solidFill>
                 <a:srgbClr val="000000"/>
               </a:solidFill>
               <a:latin typeface="Arial"/>
+              <a:ea typeface="DejaVu Sans"/>
             </a:endParaRPr>
           </a:p>
         </p:txBody>
@@ -18657,7 +18920,7 @@
         <p:spPr>
           <a:xfrm>
             <a:off x="335520" y="4406760"/>
-            <a:ext cx="10748520" cy="1357560"/>
+            <a:ext cx="10748160" cy="1357200"/>
           </a:xfrm>
           <a:prstGeom prst="rect">
             <a:avLst/>
@@ -18693,7 +18956,7 @@
               </a:rPr>
               <a:t>Tool Support in General</a:t>
             </a:r>
-            <a:endParaRPr b="0" lang="en-US" sz="3000" spc="-1" strike="noStrike">
+            <a:endParaRPr b="0" lang="en-GB" sz="3000" spc="-1" strike="noStrike">
               <a:solidFill>
                 <a:srgbClr val="000000"/>
               </a:solidFill>
@@ -18711,7 +18974,7 @@
         <p:spPr>
           <a:xfrm>
             <a:off x="335520" y="2906640"/>
-            <a:ext cx="10748520" cy="1495440"/>
+            <a:ext cx="10748160" cy="1495080"/>
           </a:xfrm>
           <a:prstGeom prst="rect">
             <a:avLst/>
@@ -18732,11 +18995,17 @@
             <a:noAutofit/>
           </a:bodyPr>
           <a:p>
+            <a:pPr>
+              <a:lnSpc>
+                <a:spcPct val="100000"/>
+              </a:lnSpc>
+            </a:pPr>
             <a:endParaRPr b="0" lang="en-US" sz="1800" spc="-1" strike="noStrike">
               <a:solidFill>
                 <a:srgbClr val="000000"/>
               </a:solidFill>
               <a:latin typeface="Arial"/>
+              <a:ea typeface="DejaVu Sans"/>
             </a:endParaRPr>
           </a:p>
         </p:txBody>
@@ -18780,7 +19049,7 @@
         <p:spPr>
           <a:xfrm>
             <a:off x="542880" y="721800"/>
-            <a:ext cx="10356840" cy="497520"/>
+            <a:ext cx="10356480" cy="497160"/>
           </a:xfrm>
           <a:prstGeom prst="rect">
             <a:avLst/>
@@ -18816,7 +19085,7 @@
               </a:rPr>
               <a:t>Tool Support in General</a:t>
             </a:r>
-            <a:endParaRPr b="0" lang="en-US" sz="2200" spc="-1" strike="noStrike">
+            <a:endParaRPr b="0" lang="en-GB" sz="2200" spc="-1" strike="noStrike">
               <a:solidFill>
                 <a:srgbClr val="000000"/>
               </a:solidFill>
@@ -18834,7 +19103,7 @@
         <p:spPr>
           <a:xfrm>
             <a:off x="542880" y="1267200"/>
-            <a:ext cx="10356840" cy="497520"/>
+            <a:ext cx="10356480" cy="497160"/>
           </a:xfrm>
           <a:prstGeom prst="rect">
             <a:avLst/>
@@ -18870,7 +19139,7 @@
               </a:rPr>
               <a:t>Motivation</a:t>
             </a:r>
-            <a:endParaRPr b="0" lang="en-US" sz="2200" spc="-1" strike="noStrike">
+            <a:endParaRPr b="0" lang="en-GB" sz="2200" spc="-1" strike="noStrike">
               <a:solidFill>
                 <a:srgbClr val="000000"/>
               </a:solidFill>
@@ -18888,7 +19157,7 @@
         <p:spPr>
           <a:xfrm>
             <a:off x="451800" y="1709280"/>
-            <a:ext cx="8224200" cy="4352400"/>
+            <a:ext cx="8223840" cy="4352040"/>
           </a:xfrm>
           <a:prstGeom prst="rect">
             <a:avLst/>
@@ -18909,11 +19178,17 @@
             <a:noAutofit/>
           </a:bodyPr>
           <a:p>
+            <a:pPr>
+              <a:lnSpc>
+                <a:spcPct val="100000"/>
+              </a:lnSpc>
+            </a:pPr>
             <a:endParaRPr b="0" lang="en-US" sz="1800" spc="-1" strike="noStrike">
               <a:solidFill>
                 <a:srgbClr val="000000"/>
               </a:solidFill>
               <a:latin typeface="Arial"/>
+              <a:ea typeface="DejaVu Sans"/>
             </a:endParaRPr>
           </a:p>
         </p:txBody>
@@ -18931,7 +19206,7 @@
         <p:spPr>
           <a:xfrm>
             <a:off x="609480" y="1769400"/>
-            <a:ext cx="10587240" cy="4855320"/>
+            <a:ext cx="10586880" cy="4854960"/>
           </a:xfrm>
           <a:prstGeom prst="rect">
             <a:avLst/>
@@ -18970,7 +19245,7 @@
               </a:rPr>
               <a:t>Integrate and process already existing information</a:t>
             </a:r>
-            <a:endParaRPr b="0" lang="en-US" sz="2000" spc="-1" strike="noStrike">
+            <a:endParaRPr b="0" lang="en-GB" sz="2000" spc="-1" strike="noStrike">
               <a:solidFill>
                 <a:srgbClr val="000000"/>
               </a:solidFill>
@@ -19002,7 +19277,7 @@
               </a:rPr>
               <a:t>Information from requirements engineering</a:t>
             </a:r>
-            <a:endParaRPr b="0" lang="en-US" sz="2000" spc="-1" strike="noStrike">
+            <a:endParaRPr b="0" lang="en-GB" sz="2000" spc="-1" strike="noStrike">
               <a:solidFill>
                 <a:srgbClr val="000000"/>
               </a:solidFill>
@@ -19034,7 +19309,7 @@
               </a:rPr>
               <a:t>Natural language requirements, models, ...</a:t>
             </a:r>
-            <a:endParaRPr b="0" lang="en-US" sz="1800" spc="-1" strike="noStrike">
+            <a:endParaRPr b="0" lang="en-GB" sz="1800" spc="-1" strike="noStrike">
               <a:solidFill>
                 <a:srgbClr val="000000"/>
               </a:solidFill>
@@ -19066,7 +19341,7 @@
               </a:rPr>
               <a:t>Information that is the basis of requirements</a:t>
             </a:r>
-            <a:endParaRPr b="0" lang="en-US" sz="2000" spc="-1" strike="noStrike">
+            <a:endParaRPr b="0" lang="en-GB" sz="2000" spc="-1" strike="noStrike">
               <a:solidFill>
                 <a:srgbClr val="000000"/>
               </a:solidFill>
@@ -19098,7 +19373,7 @@
               </a:rPr>
               <a:t>Minutes, goal documents, stakeholder lists, ...</a:t>
             </a:r>
-            <a:endParaRPr b="0" lang="en-US" sz="1800" spc="-1" strike="noStrike">
+            <a:endParaRPr b="0" lang="en-GB" sz="1800" spc="-1" strike="noStrike">
               <a:solidFill>
                 <a:srgbClr val="000000"/>
               </a:solidFill>
@@ -19130,7 +19405,7 @@
               </a:rPr>
               <a:t>In practice mostly support of requirements management</a:t>
             </a:r>
-            <a:endParaRPr b="0" lang="en-US" sz="2000" spc="-1" strike="noStrike">
+            <a:endParaRPr b="0" lang="en-GB" sz="2000" spc="-1" strike="noStrike">
               <a:solidFill>
                 <a:srgbClr val="000000"/>
               </a:solidFill>
@@ -19178,7 +19453,7 @@
         <p:spPr>
           <a:xfrm>
             <a:off x="542880" y="721800"/>
-            <a:ext cx="10356840" cy="497520"/>
+            <a:ext cx="10356480" cy="497160"/>
           </a:xfrm>
           <a:prstGeom prst="rect">
             <a:avLst/>
@@ -19214,7 +19489,7 @@
               </a:rPr>
               <a:t>Tool Support in General</a:t>
             </a:r>
-            <a:endParaRPr b="0" lang="en-US" sz="2200" spc="-1" strike="noStrike">
+            <a:endParaRPr b="0" lang="en-GB" sz="2200" spc="-1" strike="noStrike">
               <a:solidFill>
                 <a:srgbClr val="000000"/>
               </a:solidFill>
@@ -19232,7 +19507,7 @@
         <p:spPr>
           <a:xfrm>
             <a:off x="542880" y="1267200"/>
-            <a:ext cx="10356840" cy="497520"/>
+            <a:ext cx="10356480" cy="497160"/>
           </a:xfrm>
           <a:prstGeom prst="rect">
             <a:avLst/>
@@ -19268,7 +19543,7 @@
               </a:rPr>
               <a:t>Traceability between Tools</a:t>
             </a:r>
-            <a:endParaRPr b="0" lang="en-US" sz="2200" spc="-1" strike="noStrike">
+            <a:endParaRPr b="0" lang="en-GB" sz="2200" spc="-1" strike="noStrike">
               <a:solidFill>
                 <a:srgbClr val="000000"/>
               </a:solidFill>
@@ -19286,7 +19561,7 @@
         <p:spPr>
           <a:xfrm>
             <a:off x="451800" y="1709280"/>
-            <a:ext cx="8224200" cy="4352400"/>
+            <a:ext cx="8223840" cy="4352040"/>
           </a:xfrm>
           <a:prstGeom prst="rect">
             <a:avLst/>
@@ -19307,11 +19582,17 @@
             <a:noAutofit/>
           </a:bodyPr>
           <a:p>
+            <a:pPr>
+              <a:lnSpc>
+                <a:spcPct val="100000"/>
+              </a:lnSpc>
+            </a:pPr>
             <a:endParaRPr b="0" lang="en-US" sz="1800" spc="-1" strike="noStrike">
               <a:solidFill>
                 <a:srgbClr val="000000"/>
               </a:solidFill>
               <a:latin typeface="Arial"/>
+              <a:ea typeface="DejaVu Sans"/>
             </a:endParaRPr>
           </a:p>
         </p:txBody>
@@ -19329,7 +19610,7 @@
         <p:spPr>
           <a:xfrm>
             <a:off x="609480" y="1769400"/>
-            <a:ext cx="10587240" cy="4855320"/>
+            <a:ext cx="10586880" cy="4854960"/>
           </a:xfrm>
           <a:prstGeom prst="rect">
             <a:avLst/>
@@ -19368,7 +19649,7 @@
               </a:rPr>
               <a:t>Usually, multiple tools are used</a:t>
             </a:r>
-            <a:endParaRPr b="0" lang="en-US" sz="2000" spc="-1" strike="noStrike">
+            <a:endParaRPr b="0" lang="en-GB" sz="2000" spc="-1" strike="noStrike">
               <a:solidFill>
                 <a:srgbClr val="000000"/>
               </a:solidFill>
@@ -19400,7 +19681,7 @@
               </a:rPr>
               <a:t>Interfaces for integration and traceability required</a:t>
             </a:r>
-            <a:endParaRPr b="0" lang="en-US" sz="2000" spc="-1" strike="noStrike">
+            <a:endParaRPr b="0" lang="en-GB" sz="2000" spc="-1" strike="noStrike">
               <a:solidFill>
                 <a:srgbClr val="000000"/>
               </a:solidFill>
@@ -19432,7 +19713,7 @@
               </a:rPr>
               <a:t>Should be either available or easy to create</a:t>
             </a:r>
-            <a:endParaRPr b="0" lang="en-US" sz="1800" spc="-1" strike="noStrike">
+            <a:endParaRPr b="0" lang="en-GB" sz="1800" spc="-1" strike="noStrike">
               <a:solidFill>
                 <a:srgbClr val="000000"/>
               </a:solidFill>
@@ -19464,7 +19745,7 @@
               </a:rPr>
               <a:t>Should allow tracing changes</a:t>
             </a:r>
-            <a:endParaRPr b="0" lang="en-US" sz="2000" spc="-1" strike="noStrike">
+            <a:endParaRPr b="0" lang="en-GB" sz="2000" spc="-1" strike="noStrike">
               <a:solidFill>
                 <a:srgbClr val="000000"/>
               </a:solidFill>
@@ -19496,7 +19777,7 @@
               </a:rPr>
               <a:t>Should allow managing the traces</a:t>
             </a:r>
-            <a:endParaRPr b="0" lang="en-US" sz="2000" spc="-1" strike="noStrike">
+            <a:endParaRPr b="0" lang="en-GB" sz="2000" spc="-1" strike="noStrike">
               <a:solidFill>
                 <a:srgbClr val="000000"/>
               </a:solidFill>
@@ -19528,7 +19809,7 @@
               </a:rPr>
               <a:t>Vital to know where changes are propagated to</a:t>
             </a:r>
-            <a:endParaRPr b="0" lang="en-US" sz="2000" spc="-1" strike="noStrike">
+            <a:endParaRPr b="0" lang="en-GB" sz="2000" spc="-1" strike="noStrike">
               <a:solidFill>
                 <a:srgbClr val="000000"/>
               </a:solidFill>
@@ -19576,7 +19857,7 @@
         <p:spPr>
           <a:xfrm>
             <a:off x="542880" y="721800"/>
-            <a:ext cx="10356840" cy="497520"/>
+            <a:ext cx="10356480" cy="497160"/>
           </a:xfrm>
           <a:prstGeom prst="rect">
             <a:avLst/>
@@ -19612,7 +19893,7 @@
               </a:rPr>
               <a:t>Tool Support in General</a:t>
             </a:r>
-            <a:endParaRPr b="0" lang="en-US" sz="2200" spc="-1" strike="noStrike">
+            <a:endParaRPr b="0" lang="en-GB" sz="2200" spc="-1" strike="noStrike">
               <a:solidFill>
                 <a:srgbClr val="000000"/>
               </a:solidFill>
@@ -19630,7 +19911,7 @@
         <p:spPr>
           <a:xfrm>
             <a:off x="542880" y="1267200"/>
-            <a:ext cx="10356840" cy="497520"/>
+            <a:ext cx="10356480" cy="497160"/>
           </a:xfrm>
           <a:prstGeom prst="rect">
             <a:avLst/>
@@ -19666,7 +19947,7 @@
               </a:rPr>
               <a:t>Reuse of Tools from System Development</a:t>
             </a:r>
-            <a:endParaRPr b="0" lang="en-US" sz="2200" spc="-1" strike="noStrike">
+            <a:endParaRPr b="0" lang="en-GB" sz="2200" spc="-1" strike="noStrike">
               <a:solidFill>
                 <a:srgbClr val="000000"/>
               </a:solidFill>
@@ -19684,7 +19965,7 @@
         <p:spPr>
           <a:xfrm>
             <a:off x="451800" y="1709280"/>
-            <a:ext cx="8224200" cy="4352400"/>
+            <a:ext cx="8223840" cy="4352040"/>
           </a:xfrm>
           <a:prstGeom prst="rect">
             <a:avLst/>
@@ -19705,11 +19986,17 @@
             <a:noAutofit/>
           </a:bodyPr>
           <a:p>
+            <a:pPr>
+              <a:lnSpc>
+                <a:spcPct val="100000"/>
+              </a:lnSpc>
+            </a:pPr>
             <a:endParaRPr b="0" lang="en-US" sz="1800" spc="-1" strike="noStrike">
               <a:solidFill>
                 <a:srgbClr val="000000"/>
               </a:solidFill>
               <a:latin typeface="Arial"/>
+              <a:ea typeface="DejaVu Sans"/>
             </a:endParaRPr>
           </a:p>
         </p:txBody>
@@ -19727,7 +20014,7 @@
         <p:spPr>
           <a:xfrm>
             <a:off x="609480" y="1769400"/>
-            <a:ext cx="10587240" cy="4855320"/>
+            <a:ext cx="10586880" cy="4854960"/>
           </a:xfrm>
           <a:prstGeom prst="rect">
             <a:avLst/>
@@ -19766,7 +20053,7 @@
               </a:rPr>
               <a:t>Tools for development can often be used for requirements engineering</a:t>
             </a:r>
-            <a:endParaRPr b="0" lang="en-US" sz="2000" spc="-1" strike="noStrike">
+            <a:endParaRPr b="0" lang="en-GB" sz="2000" spc="-1" strike="noStrike">
               <a:solidFill>
                 <a:srgbClr val="000000"/>
               </a:solidFill>
@@ -19798,7 +20085,7 @@
               </a:rPr>
               <a:t>Often offer ability to manage requirements</a:t>
             </a:r>
-            <a:endParaRPr b="0" lang="en-US" sz="1800" spc="-1" strike="noStrike">
+            <a:endParaRPr b="0" lang="en-GB" sz="1800" spc="-1" strike="noStrike">
               <a:solidFill>
                 <a:srgbClr val="000000"/>
               </a:solidFill>
@@ -19830,7 +20117,7 @@
               </a:rPr>
               <a:t>Examples:</a:t>
             </a:r>
-            <a:endParaRPr b="0" lang="en-US" sz="1800" spc="-1" strike="noStrike">
+            <a:endParaRPr b="0" lang="en-GB" sz="1800" spc="-1" strike="noStrike">
               <a:solidFill>
                 <a:srgbClr val="000000"/>
               </a:solidFill>
@@ -19862,7 +20149,7 @@
               </a:rPr>
               <a:t>Test management tools</a:t>
             </a:r>
-            <a:endParaRPr b="0" lang="en-US" sz="1600" spc="-1" strike="noStrike">
+            <a:endParaRPr b="0" lang="en-GB" sz="1600" spc="-1" strike="noStrike">
               <a:solidFill>
                 <a:srgbClr val="000000"/>
               </a:solidFill>
@@ -19894,7 +20181,7 @@
               </a:rPr>
               <a:t>Bug tracking tools</a:t>
             </a:r>
-            <a:endParaRPr b="0" lang="en-US" sz="1600" spc="-1" strike="noStrike">
+            <a:endParaRPr b="0" lang="en-GB" sz="1600" spc="-1" strike="noStrike">
               <a:solidFill>
                 <a:srgbClr val="000000"/>
               </a:solidFill>
@@ -19926,7 +20213,7 @@
               </a:rPr>
               <a:t>Configuration management tools</a:t>
             </a:r>
-            <a:endParaRPr b="0" lang="en-US" sz="1600" spc="-1" strike="noStrike">
+            <a:endParaRPr b="0" lang="en-GB" sz="1600" spc="-1" strike="noStrike">
               <a:solidFill>
                 <a:srgbClr val="000000"/>
               </a:solidFill>
@@ -19958,7 +20245,7 @@
               </a:rPr>
               <a:t>Advantage</a:t>
             </a:r>
-            <a:endParaRPr b="0" lang="en-US" sz="2000" spc="-1" strike="noStrike">
+            <a:endParaRPr b="0" lang="en-GB" sz="2000" spc="-1" strike="noStrike">
               <a:solidFill>
                 <a:srgbClr val="000000"/>
               </a:solidFill>
@@ -19990,7 +20277,7 @@
               </a:rPr>
               <a:t>Requirements automatically integrated with developed artifacts</a:t>
             </a:r>
-            <a:endParaRPr b="0" lang="en-US" sz="1800" spc="-1" strike="noStrike">
+            <a:endParaRPr b="0" lang="en-GB" sz="1800" spc="-1" strike="noStrike">
               <a:solidFill>
                 <a:srgbClr val="000000"/>
               </a:solidFill>
@@ -20022,7 +20309,7 @@
               </a:rPr>
               <a:t>Interface between requirements management tool and development tool not required</a:t>
             </a:r>
-            <a:endParaRPr b="0" lang="en-US" sz="1800" spc="-1" strike="noStrike">
+            <a:endParaRPr b="0" lang="en-GB" sz="1800" spc="-1" strike="noStrike">
               <a:solidFill>
                 <a:srgbClr val="000000"/>
               </a:solidFill>
@@ -20070,7 +20357,7 @@
         <p:spPr>
           <a:xfrm>
             <a:off x="542880" y="721800"/>
-            <a:ext cx="10356840" cy="497520"/>
+            <a:ext cx="10356480" cy="497160"/>
           </a:xfrm>
           <a:prstGeom prst="rect">
             <a:avLst/>
@@ -20106,7 +20393,7 @@
               </a:rPr>
               <a:t>Tool Support in General</a:t>
             </a:r>
-            <a:endParaRPr b="0" lang="en-US" sz="2200" spc="-1" strike="noStrike">
+            <a:endParaRPr b="0" lang="en-GB" sz="2200" spc="-1" strike="noStrike">
               <a:solidFill>
                 <a:srgbClr val="000000"/>
               </a:solidFill>
@@ -20124,7 +20411,7 @@
         <p:spPr>
           <a:xfrm>
             <a:off x="542880" y="1267200"/>
-            <a:ext cx="10356840" cy="497520"/>
+            <a:ext cx="10356480" cy="497160"/>
           </a:xfrm>
           <a:prstGeom prst="rect">
             <a:avLst/>
@@ -20160,7 +20447,7 @@
               </a:rPr>
               <a:t>Wikis in Requirements Engineering</a:t>
             </a:r>
-            <a:endParaRPr b="0" lang="en-US" sz="2200" spc="-1" strike="noStrike">
+            <a:endParaRPr b="0" lang="en-GB" sz="2200" spc="-1" strike="noStrike">
               <a:solidFill>
                 <a:srgbClr val="000000"/>
               </a:solidFill>
@@ -20178,7 +20465,7 @@
         <p:spPr>
           <a:xfrm>
             <a:off x="451800" y="1709280"/>
-            <a:ext cx="8224200" cy="4352400"/>
+            <a:ext cx="8223840" cy="4352040"/>
           </a:xfrm>
           <a:prstGeom prst="rect">
             <a:avLst/>
@@ -20199,11 +20486,17 @@
             <a:noAutofit/>
           </a:bodyPr>
           <a:p>
+            <a:pPr>
+              <a:lnSpc>
+                <a:spcPct val="100000"/>
+              </a:lnSpc>
+            </a:pPr>
             <a:endParaRPr b="0" lang="en-US" sz="1800" spc="-1" strike="noStrike">
               <a:solidFill>
                 <a:srgbClr val="000000"/>
               </a:solidFill>
               <a:latin typeface="Arial"/>
+              <a:ea typeface="DejaVu Sans"/>
             </a:endParaRPr>
           </a:p>
         </p:txBody>
@@ -20221,7 +20514,7 @@
         <p:spPr>
           <a:xfrm>
             <a:off x="609480" y="1769400"/>
-            <a:ext cx="10587240" cy="4855320"/>
+            <a:ext cx="10586880" cy="4854960"/>
           </a:xfrm>
           <a:prstGeom prst="rect">
             <a:avLst/>
@@ -20260,7 +20553,7 @@
               </a:rPr>
               <a:t>Wikis offer a simple to use and easy to access opportunity for collaboratively working on documents</a:t>
             </a:r>
-            <a:endParaRPr b="0" lang="en-US" sz="2000" spc="-1" strike="noStrike">
+            <a:endParaRPr b="0" lang="en-GB" sz="2000" spc="-1" strike="noStrike">
               <a:solidFill>
                 <a:srgbClr val="000000"/>
               </a:solidFill>
@@ -20292,7 +20585,7 @@
               </a:rPr>
               <a:t>Interesting for glossaries</a:t>
             </a:r>
-            <a:endParaRPr b="0" lang="en-US" sz="2000" spc="-1" strike="noStrike">
+            <a:endParaRPr b="0" lang="en-GB" sz="2000" spc="-1" strike="noStrike">
               <a:solidFill>
                 <a:srgbClr val="000000"/>
               </a:solidFill>
@@ -20324,7 +20617,7 @@
               </a:rPr>
               <a:t>Each wiki page defines a glossary term</a:t>
             </a:r>
-            <a:endParaRPr b="0" lang="en-US" sz="1800" spc="-1" strike="noStrike">
+            <a:endParaRPr b="0" lang="en-GB" sz="1800" spc="-1" strike="noStrike">
               <a:solidFill>
                 <a:srgbClr val="000000"/>
               </a:solidFill>
@@ -20356,7 +20649,7 @@
               </a:rPr>
               <a:t>Well suited if a lot of different stakeholders are involved</a:t>
             </a:r>
-            <a:endParaRPr b="0" lang="en-US" sz="2000" spc="-1" strike="noStrike">
+            <a:endParaRPr b="0" lang="en-GB" sz="2000" spc="-1" strike="noStrike">
               <a:solidFill>
                 <a:srgbClr val="000000"/>
               </a:solidFill>
@@ -20404,7 +20697,7 @@
         <p:spPr>
           <a:xfrm>
             <a:off x="542880" y="721800"/>
-            <a:ext cx="10356840" cy="497520"/>
+            <a:ext cx="10356480" cy="497160"/>
           </a:xfrm>
           <a:prstGeom prst="rect">
             <a:avLst/>
@@ -20440,7 +20733,7 @@
               </a:rPr>
               <a:t>Tool Support in General</a:t>
             </a:r>
-            <a:endParaRPr b="0" lang="en-US" sz="2200" spc="-1" strike="noStrike">
+            <a:endParaRPr b="0" lang="en-GB" sz="2200" spc="-1" strike="noStrike">
               <a:solidFill>
                 <a:srgbClr val="000000"/>
               </a:solidFill>
@@ -20458,7 +20751,7 @@
         <p:spPr>
           <a:xfrm>
             <a:off x="542880" y="1267200"/>
-            <a:ext cx="10356840" cy="497520"/>
+            <a:ext cx="10356480" cy="497160"/>
           </a:xfrm>
           <a:prstGeom prst="rect">
             <a:avLst/>
@@ -20494,7 +20787,7 @@
               </a:rPr>
               <a:t>Visualization Tools</a:t>
             </a:r>
-            <a:endParaRPr b="0" lang="en-US" sz="2200" spc="-1" strike="noStrike">
+            <a:endParaRPr b="0" lang="en-GB" sz="2200" spc="-1" strike="noStrike">
               <a:solidFill>
                 <a:srgbClr val="000000"/>
               </a:solidFill>
@@ -20512,7 +20805,7 @@
         <p:spPr>
           <a:xfrm>
             <a:off x="451800" y="1709280"/>
-            <a:ext cx="8224200" cy="4352400"/>
+            <a:ext cx="8223840" cy="4352040"/>
           </a:xfrm>
           <a:prstGeom prst="rect">
             <a:avLst/>
@@ -20533,11 +20826,17 @@
             <a:noAutofit/>
           </a:bodyPr>
           <a:p>
+            <a:pPr>
+              <a:lnSpc>
+                <a:spcPct val="100000"/>
+              </a:lnSpc>
+            </a:pPr>
             <a:endParaRPr b="0" lang="en-US" sz="1800" spc="-1" strike="noStrike">
               <a:solidFill>
                 <a:srgbClr val="000000"/>
               </a:solidFill>
               <a:latin typeface="Arial"/>
+              <a:ea typeface="DejaVu Sans"/>
             </a:endParaRPr>
           </a:p>
         </p:txBody>
@@ -20555,7 +20854,7 @@
         <p:spPr>
           <a:xfrm>
             <a:off x="609480" y="1769400"/>
-            <a:ext cx="10587240" cy="4855320"/>
+            <a:ext cx="10586880" cy="4854960"/>
           </a:xfrm>
           <a:prstGeom prst="rect">
             <a:avLst/>
@@ -20594,7 +20893,7 @@
               </a:rPr>
               <a:t>Mind mapping tools to support brainstorming sessions</a:t>
             </a:r>
-            <a:endParaRPr b="0" lang="en-US" sz="2000" spc="-1" strike="noStrike">
+            <a:endParaRPr b="0" lang="en-GB" sz="2000" spc="-1" strike="noStrike">
               <a:solidFill>
                 <a:srgbClr val="000000"/>
               </a:solidFill>
@@ -20626,7 +20925,7 @@
               </a:rPr>
               <a:t>Presentation tools can help guide through meetings and for describing rough analysis</a:t>
             </a:r>
-            <a:endParaRPr b="0" lang="en-US" sz="1800" spc="-1" strike="noStrike">
+            <a:endParaRPr b="0" lang="en-GB" sz="1800" spc="-1" strike="noStrike">
               <a:solidFill>
                 <a:srgbClr val="000000"/>
               </a:solidFill>
@@ -20658,7 +20957,7 @@
               </a:rPr>
               <a:t>GUI modeling tools for prototyping user interfaces</a:t>
             </a:r>
-            <a:endParaRPr b="0" lang="en-US" sz="2000" spc="-1" strike="noStrike">
+            <a:endParaRPr b="0" lang="en-GB" sz="2000" spc="-1" strike="noStrike">
               <a:solidFill>
                 <a:srgbClr val="000000"/>
               </a:solidFill>
@@ -20690,7 +20989,7 @@
               </a:rPr>
               <a:t>Flow charting tools to depict processes and work-flows</a:t>
             </a:r>
-            <a:endParaRPr b="0" lang="en-US" sz="2000" spc="-1" strike="noStrike">
+            <a:endParaRPr b="0" lang="en-GB" sz="2000" spc="-1" strike="noStrike">
               <a:solidFill>
                 <a:srgbClr val="000000"/>
               </a:solidFill>
